--- a/Doc/poorman's adk.pptx
+++ b/Doc/poorman's adk.pptx
@@ -5,31 +5,34 @@
     <p:sldMasterId id="2147483648" r:id="rId1"/>
   </p:sldMasterIdLst>
   <p:handoutMasterIdLst>
-    <p:handoutMasterId r:id="rId24"/>
+    <p:handoutMasterId r:id="rId27"/>
   </p:handoutMasterIdLst>
   <p:sldIdLst>
     <p:sldId id="264" r:id="rId2"/>
     <p:sldId id="265" r:id="rId3"/>
     <p:sldId id="267" r:id="rId4"/>
-    <p:sldId id="258" r:id="rId5"/>
-    <p:sldId id="275" r:id="rId6"/>
-    <p:sldId id="257" r:id="rId7"/>
-    <p:sldId id="276" r:id="rId8"/>
-    <p:sldId id="277" r:id="rId9"/>
-    <p:sldId id="278" r:id="rId10"/>
-    <p:sldId id="280" r:id="rId11"/>
-    <p:sldId id="283" r:id="rId12"/>
-    <p:sldId id="279" r:id="rId13"/>
-    <p:sldId id="281" r:id="rId14"/>
-    <p:sldId id="282" r:id="rId15"/>
-    <p:sldId id="266" r:id="rId16"/>
-    <p:sldId id="261" r:id="rId17"/>
-    <p:sldId id="262" r:id="rId18"/>
-    <p:sldId id="270" r:id="rId19"/>
-    <p:sldId id="271" r:id="rId20"/>
-    <p:sldId id="272" r:id="rId21"/>
-    <p:sldId id="273" r:id="rId22"/>
-    <p:sldId id="274" r:id="rId23"/>
+    <p:sldId id="275" r:id="rId5"/>
+    <p:sldId id="257" r:id="rId6"/>
+    <p:sldId id="276" r:id="rId7"/>
+    <p:sldId id="277" r:id="rId8"/>
+    <p:sldId id="278" r:id="rId9"/>
+    <p:sldId id="280" r:id="rId10"/>
+    <p:sldId id="283" r:id="rId11"/>
+    <p:sldId id="279" r:id="rId12"/>
+    <p:sldId id="281" r:id="rId13"/>
+    <p:sldId id="282" r:id="rId14"/>
+    <p:sldId id="266" r:id="rId15"/>
+    <p:sldId id="284" r:id="rId16"/>
+    <p:sldId id="286" r:id="rId17"/>
+    <p:sldId id="287" r:id="rId18"/>
+    <p:sldId id="288" r:id="rId19"/>
+    <p:sldId id="261" r:id="rId20"/>
+    <p:sldId id="270" r:id="rId21"/>
+    <p:sldId id="262" r:id="rId22"/>
+    <p:sldId id="271" r:id="rId23"/>
+    <p:sldId id="272" r:id="rId24"/>
+    <p:sldId id="273" r:id="rId25"/>
+    <p:sldId id="274" r:id="rId26"/>
   </p:sldIdLst>
   <p:sldSz cx="9144000" cy="6858000" type="screen4x3"/>
   <p:notesSz cx="6888163" cy="10020300"/>
@@ -214,7 +217,7 @@
             <a:fld id="{39ACD2B1-05A2-4174-ACEE-BDB50ACC5B1E}" type="datetimeFigureOut">
               <a:rPr kumimoji="1" lang="ja-JP" altLang="en-US" smtClean="0"/>
               <a:pPr/>
-              <a:t>2012/1/29</a:t>
+              <a:t>2012/2/2</a:t>
             </a:fld>
             <a:endParaRPr kumimoji="1" lang="ja-JP" altLang="en-US"/>
           </a:p>
@@ -475,7 +478,7 @@
             <a:fld id="{E1E33C32-46ED-4DFB-A4BB-F6A77A224F95}" type="datetimeFigureOut">
               <a:rPr kumimoji="1" lang="ja-JP" altLang="en-US" smtClean="0"/>
               <a:pPr/>
-              <a:t>2012/1/29</a:t>
+              <a:t>2012/2/2</a:t>
             </a:fld>
             <a:endParaRPr kumimoji="1" lang="ja-JP" altLang="en-US"/>
           </a:p>
@@ -674,7 +677,7 @@
             <a:fld id="{E1E33C32-46ED-4DFB-A4BB-F6A77A224F95}" type="datetimeFigureOut">
               <a:rPr kumimoji="1" lang="ja-JP" altLang="en-US" smtClean="0"/>
               <a:pPr/>
-              <a:t>2012/1/29</a:t>
+              <a:t>2012/2/2</a:t>
             </a:fld>
             <a:endParaRPr kumimoji="1" lang="ja-JP" altLang="en-US"/>
           </a:p>
@@ -883,7 +886,7 @@
             <a:fld id="{E1E33C32-46ED-4DFB-A4BB-F6A77A224F95}" type="datetimeFigureOut">
               <a:rPr kumimoji="1" lang="ja-JP" altLang="en-US" smtClean="0"/>
               <a:pPr/>
-              <a:t>2012/1/29</a:t>
+              <a:t>2012/2/2</a:t>
             </a:fld>
             <a:endParaRPr kumimoji="1" lang="ja-JP" altLang="en-US"/>
           </a:p>
@@ -1082,7 +1085,7 @@
             <a:fld id="{E1E33C32-46ED-4DFB-A4BB-F6A77A224F95}" type="datetimeFigureOut">
               <a:rPr kumimoji="1" lang="ja-JP" altLang="en-US" smtClean="0"/>
               <a:pPr/>
-              <a:t>2012/1/29</a:t>
+              <a:t>2012/2/2</a:t>
             </a:fld>
             <a:endParaRPr kumimoji="1" lang="ja-JP" altLang="en-US"/>
           </a:p>
@@ -1325,7 +1328,7 @@
             <a:fld id="{E1E33C32-46ED-4DFB-A4BB-F6A77A224F95}" type="datetimeFigureOut">
               <a:rPr kumimoji="1" lang="ja-JP" altLang="en-US" smtClean="0"/>
               <a:pPr/>
-              <a:t>2012/1/29</a:t>
+              <a:t>2012/2/2</a:t>
             </a:fld>
             <a:endParaRPr kumimoji="1" lang="ja-JP" altLang="en-US"/>
           </a:p>
@@ -1674,7 +1677,7 @@
             <a:fld id="{E1E33C32-46ED-4DFB-A4BB-F6A77A224F95}" type="datetimeFigureOut">
               <a:rPr kumimoji="1" lang="ja-JP" altLang="en-US" smtClean="0"/>
               <a:pPr/>
-              <a:t>2012/1/29</a:t>
+              <a:t>2012/2/2</a:t>
             </a:fld>
             <a:endParaRPr kumimoji="1" lang="ja-JP" altLang="en-US"/>
           </a:p>
@@ -2157,7 +2160,7 @@
             <a:fld id="{E1E33C32-46ED-4DFB-A4BB-F6A77A224F95}" type="datetimeFigureOut">
               <a:rPr kumimoji="1" lang="ja-JP" altLang="en-US" smtClean="0"/>
               <a:pPr/>
-              <a:t>2012/1/29</a:t>
+              <a:t>2012/2/2</a:t>
             </a:fld>
             <a:endParaRPr kumimoji="1" lang="ja-JP" altLang="en-US"/>
           </a:p>
@@ -2272,7 +2275,7 @@
             <a:fld id="{E1E33C32-46ED-4DFB-A4BB-F6A77A224F95}" type="datetimeFigureOut">
               <a:rPr kumimoji="1" lang="ja-JP" altLang="en-US" smtClean="0"/>
               <a:pPr/>
-              <a:t>2012/1/29</a:t>
+              <a:t>2012/2/2</a:t>
             </a:fld>
             <a:endParaRPr kumimoji="1" lang="ja-JP" altLang="en-US"/>
           </a:p>
@@ -2364,7 +2367,7 @@
             <a:fld id="{E1E33C32-46ED-4DFB-A4BB-F6A77A224F95}" type="datetimeFigureOut">
               <a:rPr kumimoji="1" lang="ja-JP" altLang="en-US" smtClean="0"/>
               <a:pPr/>
-              <a:t>2012/1/29</a:t>
+              <a:t>2012/2/2</a:t>
             </a:fld>
             <a:endParaRPr kumimoji="1" lang="ja-JP" altLang="en-US"/>
           </a:p>
@@ -2670,7 +2673,7 @@
             <a:fld id="{E1E33C32-46ED-4DFB-A4BB-F6A77A224F95}" type="datetimeFigureOut">
               <a:rPr kumimoji="1" lang="ja-JP" altLang="en-US" smtClean="0"/>
               <a:pPr/>
-              <a:t>2012/1/29</a:t>
+              <a:t>2012/2/2</a:t>
             </a:fld>
             <a:endParaRPr kumimoji="1" lang="ja-JP" altLang="en-US"/>
           </a:p>
@@ -2920,7 +2923,7 @@
             <a:fld id="{E1E33C32-46ED-4DFB-A4BB-F6A77A224F95}" type="datetimeFigureOut">
               <a:rPr kumimoji="1" lang="ja-JP" altLang="en-US" smtClean="0"/>
               <a:pPr/>
-              <a:t>2012/1/29</a:t>
+              <a:t>2012/2/2</a:t>
             </a:fld>
             <a:endParaRPr kumimoji="1" lang="ja-JP" altLang="en-US"/>
           </a:p>
@@ -3162,7 +3165,7 @@
             <a:fld id="{E1E33C32-46ED-4DFB-A4BB-F6A77A224F95}" type="datetimeFigureOut">
               <a:rPr kumimoji="1" lang="ja-JP" altLang="en-US" smtClean="0"/>
               <a:pPr/>
-              <a:t>2012/1/29</a:t>
+              <a:t>2012/2/2</a:t>
             </a:fld>
             <a:endParaRPr kumimoji="1" lang="ja-JP" altLang="en-US"/>
           </a:p>
@@ -3635,11 +3638,7 @@
             </a:r>
             <a:r>
               <a:rPr kumimoji="1" lang="ja-JP" altLang="en-US" sz="3200" dirty="0" smtClean="0"/>
-              <a:t>回</a:t>
-            </a:r>
-            <a:r>
-              <a:rPr kumimoji="1" lang="ja-JP" altLang="en-US" sz="3200" dirty="0" smtClean="0"/>
-              <a:t>名古屋</a:t>
+              <a:t>回名古屋</a:t>
             </a:r>
             <a:r>
               <a:rPr kumimoji="1" lang="en-US" altLang="ja-JP" sz="3200" dirty="0" smtClean="0"/>
@@ -3665,11 +3664,7 @@
           <a:p>
             <a:r>
               <a:rPr kumimoji="1" lang="en-US" altLang="ja-JP" sz="3200" dirty="0" smtClean="0"/>
-              <a:t>@</a:t>
-            </a:r>
-            <a:r>
-              <a:rPr kumimoji="1" lang="en-US" altLang="ja-JP" sz="3200" dirty="0" smtClean="0"/>
-              <a:t>magoroku15</a:t>
+              <a:t>@magoroku15</a:t>
             </a:r>
             <a:r>
               <a:rPr kumimoji="1" lang="ja-JP" altLang="en-US" sz="3200" dirty="0" smtClean="0"/>
@@ -3801,7 +3796,7 @@
           <a:p>
             <a:r>
               <a:rPr kumimoji="1" lang="ja-JP" altLang="en-US" dirty="0" smtClean="0"/>
-              <a:t>抵抗</a:t>
+              <a:t>コンデンサ</a:t>
             </a:r>
             <a:endParaRPr kumimoji="1" lang="ja-JP" altLang="en-US" dirty="0"/>
           </a:p>
@@ -3817,188 +3812,19 @@
             <p:ph idx="1"/>
           </p:nvPr>
         </p:nvSpPr>
-        <p:spPr/>
-        <p:txBody>
-          <a:bodyPr/>
-          <a:lstStyle/>
-          <a:p>
-            <a:r>
-              <a:rPr lang="ja-JP" altLang="en-US" dirty="0" smtClean="0"/>
-              <a:t>電流の流れを抑止する</a:t>
-            </a:r>
-            <a:endParaRPr lang="en-US" altLang="ja-JP" dirty="0" smtClean="0"/>
-          </a:p>
-          <a:p>
-            <a:pPr lvl="1"/>
-            <a:r>
-              <a:rPr kumimoji="1" lang="ja-JP" altLang="en-US" dirty="0" smtClean="0"/>
-              <a:t>抵抗の値が小さいと導体</a:t>
-            </a:r>
-            <a:endParaRPr kumimoji="1" lang="en-US" altLang="ja-JP" dirty="0" smtClean="0"/>
-          </a:p>
-          <a:p>
-            <a:pPr lvl="1"/>
-            <a:r>
-              <a:rPr lang="ja-JP" altLang="en-US" dirty="0" smtClean="0"/>
-              <a:t>抵抗の値が大きいと絶縁体</a:t>
-            </a:r>
-            <a:endParaRPr kumimoji="1" lang="en-US" altLang="ja-JP" dirty="0" smtClean="0"/>
-          </a:p>
-          <a:p>
-            <a:r>
-              <a:rPr lang="ja-JP" altLang="en-US" dirty="0" smtClean="0"/>
-              <a:t>極性なし</a:t>
-            </a:r>
-            <a:endParaRPr lang="en-US" altLang="ja-JP" dirty="0" smtClean="0"/>
-          </a:p>
-        </p:txBody>
-      </p:sp>
-      <p:pic>
-        <p:nvPicPr>
-          <p:cNvPr id="6146" name="Picture 2" descr="C:\Users\hideo\Desktop\抵抗.jpg"/>
-          <p:cNvPicPr>
-            <a:picLocks noChangeAspect="1" noChangeArrowheads="1"/>
-          </p:cNvPicPr>
-          <p:nvPr/>
-        </p:nvPicPr>
-        <p:blipFill>
-          <a:blip r:embed="rId2" cstate="print"/>
-          <a:srcRect/>
-          <a:stretch>
-            <a:fillRect/>
-          </a:stretch>
-        </p:blipFill>
-        <p:spPr bwMode="auto">
-          <a:xfrm>
-            <a:off x="2765251" y="3874095"/>
-            <a:ext cx="1308100" cy="2435225"/>
-          </a:xfrm>
-          <a:prstGeom prst="rect">
-            <a:avLst/>
-          </a:prstGeom>
-          <a:noFill/>
-        </p:spPr>
-      </p:pic>
-      <p:pic>
-        <p:nvPicPr>
-          <p:cNvPr id="6147" name="Picture 3" descr="C:\Users\hideo\Desktop\抵抗１.jpg"/>
-          <p:cNvPicPr>
-            <a:picLocks noChangeAspect="1" noChangeArrowheads="1"/>
-          </p:cNvPicPr>
-          <p:nvPr/>
-        </p:nvPicPr>
-        <p:blipFill>
-          <a:blip r:embed="rId3" cstate="print"/>
-          <a:srcRect/>
-          <a:stretch>
-            <a:fillRect/>
-          </a:stretch>
-        </p:blipFill>
-        <p:spPr bwMode="auto">
-          <a:xfrm>
-            <a:off x="6005611" y="4221088"/>
-            <a:ext cx="582613" cy="1534684"/>
-          </a:xfrm>
-          <a:prstGeom prst="rect">
-            <a:avLst/>
-          </a:prstGeom>
-          <a:noFill/>
-        </p:spPr>
-      </p:pic>
-      <p:sp>
-        <p:nvSpPr>
-          <p:cNvPr id="6" name="テキスト ボックス 5"/>
-          <p:cNvSpPr txBox="1"/>
-          <p:nvPr/>
-        </p:nvSpPr>
         <p:spPr>
           <a:xfrm>
-            <a:off x="6012160" y="6021288"/>
-            <a:ext cx="877163" cy="369332"/>
+            <a:off x="457200" y="1600201"/>
+            <a:ext cx="8229600" cy="2764904"/>
           </a:xfrm>
-          <a:prstGeom prst="rect">
-            <a:avLst/>
-          </a:prstGeom>
-          <a:noFill/>
         </p:spPr>
         <p:txBody>
-          <a:bodyPr wrap="none" rtlCol="0">
-            <a:spAutoFit/>
+          <a:bodyPr>
+            <a:normAutofit fontScale="92500" lnSpcReduction="20000"/>
           </a:bodyPr>
           <a:lstStyle/>
           <a:p>
             <a:r>
-              <a:rPr kumimoji="1" lang="ja-JP" altLang="en-US" dirty="0" smtClean="0"/>
-              <a:t>回路図</a:t>
-            </a:r>
-            <a:endParaRPr kumimoji="1" lang="ja-JP" altLang="en-US" dirty="0"/>
-          </a:p>
-        </p:txBody>
-      </p:sp>
-    </p:spTree>
-  </p:cSld>
-  <p:clrMapOvr>
-    <a:masterClrMapping/>
-  </p:clrMapOvr>
-</p:sld>
-</file>
-
-<file path=ppt/slides/slide11.xml><?xml version="1.0" encoding="utf-8"?>
-<p:sld xmlns:a="http://schemas.openxmlformats.org/drawingml/2006/main" xmlns:r="http://schemas.openxmlformats.org/officeDocument/2006/relationships" xmlns:p="http://schemas.openxmlformats.org/presentationml/2006/main">
-  <p:cSld>
-    <p:spTree>
-      <p:nvGrpSpPr>
-        <p:cNvPr id="1" name=""/>
-        <p:cNvGrpSpPr/>
-        <p:nvPr/>
-      </p:nvGrpSpPr>
-      <p:grpSpPr>
-        <a:xfrm>
-          <a:off x="0" y="0"/>
-          <a:ext cx="0" cy="0"/>
-          <a:chOff x="0" y="0"/>
-          <a:chExt cx="0" cy="0"/>
-        </a:xfrm>
-      </p:grpSpPr>
-      <p:sp>
-        <p:nvSpPr>
-          <p:cNvPr id="2" name="タイトル 1"/>
-          <p:cNvSpPr>
-            <a:spLocks noGrp="1"/>
-          </p:cNvSpPr>
-          <p:nvPr>
-            <p:ph type="title"/>
-          </p:nvPr>
-        </p:nvSpPr>
-        <p:spPr/>
-        <p:txBody>
-          <a:bodyPr/>
-          <a:lstStyle/>
-          <a:p>
-            <a:r>
-              <a:rPr kumimoji="1" lang="ja-JP" altLang="en-US" dirty="0" smtClean="0"/>
-              <a:t>コンデンサ</a:t>
-            </a:r>
-            <a:endParaRPr kumimoji="1" lang="ja-JP" altLang="en-US" dirty="0"/>
-          </a:p>
-        </p:txBody>
-      </p:sp>
-      <p:sp>
-        <p:nvSpPr>
-          <p:cNvPr id="3" name="コンテンツ プレースホルダ 2"/>
-          <p:cNvSpPr>
-            <a:spLocks noGrp="1"/>
-          </p:cNvSpPr>
-          <p:nvPr>
-            <p:ph idx="1"/>
-          </p:nvPr>
-        </p:nvSpPr>
-        <p:spPr/>
-        <p:txBody>
-          <a:bodyPr/>
-          <a:lstStyle/>
-          <a:p>
-            <a:r>
               <a:rPr lang="en-US" altLang="ja-JP" dirty="0" smtClean="0"/>
               <a:t>Capacitor(</a:t>
             </a:r>
@@ -4034,7 +3860,15 @@
           <a:p>
             <a:r>
               <a:rPr lang="ja-JP" altLang="en-US" dirty="0" smtClean="0"/>
-              <a:t>極性の有無に注意（今回は極性なし）</a:t>
+              <a:t>極性の有無に注意</a:t>
+            </a:r>
+            <a:endParaRPr lang="en-US" altLang="ja-JP" dirty="0" smtClean="0"/>
+          </a:p>
+          <a:p>
+            <a:pPr lvl="1"/>
+            <a:r>
+              <a:rPr lang="ja-JP" altLang="en-US" dirty="0" smtClean="0"/>
+              <a:t>今回の積層セラミックコンデンサは極性なし</a:t>
             </a:r>
             <a:endParaRPr kumimoji="1" lang="ja-JP" altLang="en-US" dirty="0"/>
           </a:p>
@@ -4262,6 +4096,76 @@
           </a:fontRef>
         </p:style>
       </p:cxnSp>
+      <p:sp>
+        <p:nvSpPr>
+          <p:cNvPr id="11" name="右矢印 10"/>
+          <p:cNvSpPr/>
+          <p:nvPr/>
+        </p:nvSpPr>
+        <p:spPr>
+          <a:xfrm>
+            <a:off x="1763688" y="4581128"/>
+            <a:ext cx="288032" cy="288032"/>
+          </a:xfrm>
+          <a:prstGeom prst="rightArrow">
+            <a:avLst/>
+          </a:prstGeom>
+        </p:spPr>
+        <p:style>
+          <a:lnRef idx="2">
+            <a:schemeClr val="accent1">
+              <a:shade val="50000"/>
+            </a:schemeClr>
+          </a:lnRef>
+          <a:fillRef idx="1">
+            <a:schemeClr val="accent1"/>
+          </a:fillRef>
+          <a:effectRef idx="0">
+            <a:schemeClr val="accent1"/>
+          </a:effectRef>
+          <a:fontRef idx="minor">
+            <a:schemeClr val="lt1"/>
+          </a:fontRef>
+        </p:style>
+        <p:txBody>
+          <a:bodyPr rtlCol="0" anchor="ctr"/>
+          <a:lstStyle/>
+          <a:p>
+            <a:pPr algn="ctr"/>
+            <a:endParaRPr kumimoji="1" lang="ja-JP" altLang="en-US"/>
+          </a:p>
+        </p:txBody>
+      </p:sp>
+      <p:sp>
+        <p:nvSpPr>
+          <p:cNvPr id="13" name="テキスト ボックス 12"/>
+          <p:cNvSpPr txBox="1"/>
+          <p:nvPr/>
+        </p:nvSpPr>
+        <p:spPr>
+          <a:xfrm>
+            <a:off x="330028" y="4607550"/>
+            <a:ext cx="1577676" cy="261610"/>
+          </a:xfrm>
+          <a:prstGeom prst="rect">
+            <a:avLst/>
+          </a:prstGeom>
+          <a:noFill/>
+        </p:spPr>
+        <p:txBody>
+          <a:bodyPr wrap="none" rtlCol="0">
+            <a:spAutoFit/>
+          </a:bodyPr>
+          <a:lstStyle/>
+          <a:p>
+            <a:r>
+              <a:rPr kumimoji="1" lang="ja-JP" altLang="en-US" sz="1100" dirty="0" smtClean="0"/>
+              <a:t>黒マジックでマーキング</a:t>
+            </a:r>
+            <a:endParaRPr kumimoji="1" lang="ja-JP" altLang="en-US" sz="1100" dirty="0"/>
+          </a:p>
+        </p:txBody>
+      </p:sp>
     </p:spTree>
   </p:cSld>
   <p:clrMapOvr>
@@ -4270,7 +4174,7 @@
 </p:sld>
 </file>
 
-<file path=ppt/slides/slide12.xml><?xml version="1.0" encoding="utf-8"?>
+<file path=ppt/slides/slide11.xml><?xml version="1.0" encoding="utf-8"?>
 <p:sld xmlns:a="http://schemas.openxmlformats.org/drawingml/2006/main" xmlns:r="http://schemas.openxmlformats.org/officeDocument/2006/relationships" xmlns:p="http://schemas.openxmlformats.org/presentationml/2006/main">
   <p:cSld>
     <p:spTree>
@@ -4467,6 +4371,214 @@
           </a:p>
         </p:txBody>
       </p:sp>
+      <p:grpSp>
+        <p:nvGrpSpPr>
+          <p:cNvPr id="14" name="グループ化 13"/>
+          <p:cNvGrpSpPr/>
+          <p:nvPr/>
+        </p:nvGrpSpPr>
+        <p:grpSpPr>
+          <a:xfrm>
+            <a:off x="755576" y="4941168"/>
+            <a:ext cx="513282" cy="432048"/>
+            <a:chOff x="755576" y="4941168"/>
+            <a:chExt cx="513282" cy="432048"/>
+          </a:xfrm>
+        </p:grpSpPr>
+        <p:sp>
+          <p:nvSpPr>
+            <p:cNvPr id="8" name="弦 7"/>
+            <p:cNvSpPr/>
+            <p:nvPr/>
+          </p:nvSpPr>
+          <p:spPr>
+            <a:xfrm rot="5400000">
+              <a:off x="791580" y="4977172"/>
+              <a:ext cx="432048" cy="360040"/>
+            </a:xfrm>
+            <a:prstGeom prst="chord">
+              <a:avLst>
+                <a:gd name="adj1" fmla="val 6090016"/>
+                <a:gd name="adj2" fmla="val 15497786"/>
+              </a:avLst>
+            </a:prstGeom>
+          </p:spPr>
+          <p:style>
+            <a:lnRef idx="2">
+              <a:schemeClr val="accent1">
+                <a:shade val="50000"/>
+              </a:schemeClr>
+            </a:lnRef>
+            <a:fillRef idx="1">
+              <a:schemeClr val="accent1"/>
+            </a:fillRef>
+            <a:effectRef idx="0">
+              <a:schemeClr val="accent1"/>
+            </a:effectRef>
+            <a:fontRef idx="minor">
+              <a:schemeClr val="lt1"/>
+            </a:fontRef>
+          </p:style>
+          <p:txBody>
+            <a:bodyPr rtlCol="0" anchor="ctr"/>
+            <a:lstStyle/>
+            <a:p>
+              <a:pPr algn="ctr"/>
+              <a:endParaRPr kumimoji="1" lang="ja-JP" altLang="en-US"/>
+            </a:p>
+          </p:txBody>
+        </p:sp>
+        <p:sp>
+          <p:nvSpPr>
+            <p:cNvPr id="9" name="正方形/長方形 8"/>
+            <p:cNvSpPr/>
+            <p:nvPr/>
+          </p:nvSpPr>
+          <p:spPr>
+            <a:xfrm>
+              <a:off x="827584" y="5085184"/>
+              <a:ext cx="72008" cy="45719"/>
+            </a:xfrm>
+            <a:prstGeom prst="rect">
+              <a:avLst/>
+            </a:prstGeom>
+          </p:spPr>
+          <p:style>
+            <a:lnRef idx="2">
+              <a:schemeClr val="accent1">
+                <a:shade val="50000"/>
+              </a:schemeClr>
+            </a:lnRef>
+            <a:fillRef idx="1">
+              <a:schemeClr val="accent1"/>
+            </a:fillRef>
+            <a:effectRef idx="0">
+              <a:schemeClr val="accent1"/>
+            </a:effectRef>
+            <a:fontRef idx="minor">
+              <a:schemeClr val="lt1"/>
+            </a:fontRef>
+          </p:style>
+          <p:txBody>
+            <a:bodyPr rtlCol="0" anchor="ctr"/>
+            <a:lstStyle/>
+            <a:p>
+              <a:pPr algn="ctr"/>
+              <a:endParaRPr kumimoji="1" lang="ja-JP" altLang="en-US" dirty="0"/>
+            </a:p>
+          </p:txBody>
+        </p:sp>
+        <p:sp>
+          <p:nvSpPr>
+            <p:cNvPr id="10" name="正方形/長方形 9"/>
+            <p:cNvSpPr/>
+            <p:nvPr/>
+          </p:nvSpPr>
+          <p:spPr>
+            <a:xfrm>
+              <a:off x="979984" y="5085184"/>
+              <a:ext cx="72008" cy="45719"/>
+            </a:xfrm>
+            <a:prstGeom prst="rect">
+              <a:avLst/>
+            </a:prstGeom>
+          </p:spPr>
+          <p:style>
+            <a:lnRef idx="2">
+              <a:schemeClr val="accent1">
+                <a:shade val="50000"/>
+              </a:schemeClr>
+            </a:lnRef>
+            <a:fillRef idx="1">
+              <a:schemeClr val="accent1"/>
+            </a:fillRef>
+            <a:effectRef idx="0">
+              <a:schemeClr val="accent1"/>
+            </a:effectRef>
+            <a:fontRef idx="minor">
+              <a:schemeClr val="lt1"/>
+            </a:fontRef>
+          </p:style>
+          <p:txBody>
+            <a:bodyPr rtlCol="0" anchor="ctr"/>
+            <a:lstStyle/>
+            <a:p>
+              <a:pPr algn="ctr"/>
+              <a:endParaRPr kumimoji="1" lang="ja-JP" altLang="en-US" dirty="0"/>
+            </a:p>
+          </p:txBody>
+        </p:sp>
+        <p:sp>
+          <p:nvSpPr>
+            <p:cNvPr id="11" name="正方形/長方形 10"/>
+            <p:cNvSpPr/>
+            <p:nvPr/>
+          </p:nvSpPr>
+          <p:spPr>
+            <a:xfrm>
+              <a:off x="1115616" y="5085184"/>
+              <a:ext cx="72008" cy="45719"/>
+            </a:xfrm>
+            <a:prstGeom prst="rect">
+              <a:avLst/>
+            </a:prstGeom>
+          </p:spPr>
+          <p:style>
+            <a:lnRef idx="2">
+              <a:schemeClr val="accent1">
+                <a:shade val="50000"/>
+              </a:schemeClr>
+            </a:lnRef>
+            <a:fillRef idx="1">
+              <a:schemeClr val="accent1"/>
+            </a:fillRef>
+            <a:effectRef idx="0">
+              <a:schemeClr val="accent1"/>
+            </a:effectRef>
+            <a:fontRef idx="minor">
+              <a:schemeClr val="lt1"/>
+            </a:fontRef>
+          </p:style>
+          <p:txBody>
+            <a:bodyPr rtlCol="0" anchor="ctr"/>
+            <a:lstStyle/>
+            <a:p>
+              <a:pPr algn="ctr"/>
+              <a:endParaRPr kumimoji="1" lang="ja-JP" altLang="en-US" dirty="0"/>
+            </a:p>
+          </p:txBody>
+        </p:sp>
+        <p:sp>
+          <p:nvSpPr>
+            <p:cNvPr id="12" name="テキスト ボックス 11"/>
+            <p:cNvSpPr txBox="1"/>
+            <p:nvPr/>
+          </p:nvSpPr>
+          <p:spPr>
+            <a:xfrm>
+              <a:off x="755576" y="5085184"/>
+              <a:ext cx="513282" cy="253916"/>
+            </a:xfrm>
+            <a:prstGeom prst="rect">
+              <a:avLst/>
+            </a:prstGeom>
+            <a:noFill/>
+          </p:spPr>
+          <p:txBody>
+            <a:bodyPr wrap="none" rtlCol="0">
+              <a:spAutoFit/>
+            </a:bodyPr>
+            <a:lstStyle/>
+            <a:p>
+              <a:r>
+                <a:rPr kumimoji="1" lang="en-US" altLang="ja-JP" sz="1050" dirty="0" smtClean="0"/>
+                <a:t>1  2  3</a:t>
+              </a:r>
+              <a:endParaRPr kumimoji="1" lang="ja-JP" altLang="en-US" sz="1050" dirty="0"/>
+            </a:p>
+          </p:txBody>
+        </p:sp>
+      </p:grpSp>
     </p:spTree>
   </p:cSld>
   <p:clrMapOvr>
@@ -4475,7 +4587,7 @@
 </p:sld>
 </file>
 
-<file path=ppt/slides/slide13.xml><?xml version="1.0" encoding="utf-8"?>
+<file path=ppt/slides/slide12.xml><?xml version="1.0" encoding="utf-8"?>
 <p:sld xmlns:a="http://schemas.openxmlformats.org/drawingml/2006/main" xmlns:r="http://schemas.openxmlformats.org/officeDocument/2006/relationships" xmlns:p="http://schemas.openxmlformats.org/presentationml/2006/main">
   <p:cSld>
     <p:spTree>
@@ -4784,6 +4896,36 @@
           </a:fontRef>
         </p:style>
       </p:cxnSp>
+      <p:sp>
+        <p:nvSpPr>
+          <p:cNvPr id="10" name="テキスト ボックス 9"/>
+          <p:cNvSpPr txBox="1"/>
+          <p:nvPr/>
+        </p:nvSpPr>
+        <p:spPr>
+          <a:xfrm>
+            <a:off x="2123728" y="5796553"/>
+            <a:ext cx="607859" cy="584775"/>
+          </a:xfrm>
+          <a:prstGeom prst="rect">
+            <a:avLst/>
+          </a:prstGeom>
+          <a:noFill/>
+        </p:spPr>
+        <p:txBody>
+          <a:bodyPr wrap="none" rtlCol="0">
+            <a:spAutoFit/>
+          </a:bodyPr>
+          <a:lstStyle/>
+          <a:p>
+            <a:r>
+              <a:rPr kumimoji="1" lang="en-US" altLang="ja-JP" sz="3200" b="1" dirty="0" smtClean="0"/>
+              <a:t>+ -</a:t>
+            </a:r>
+            <a:endParaRPr kumimoji="1" lang="ja-JP" altLang="en-US" sz="3200" b="1" dirty="0"/>
+          </a:p>
+        </p:txBody>
+      </p:sp>
     </p:spTree>
   </p:cSld>
   <p:clrMapOvr>
@@ -4792,7 +4934,7 @@
 </p:sld>
 </file>
 
-<file path=ppt/slides/slide14.xml><?xml version="1.0" encoding="utf-8"?>
+<file path=ppt/slides/slide13.xml><?xml version="1.0" encoding="utf-8"?>
 <p:sld xmlns:a="http://schemas.openxmlformats.org/drawingml/2006/main" xmlns:r="http://schemas.openxmlformats.org/officeDocument/2006/relationships" xmlns:p="http://schemas.openxmlformats.org/presentationml/2006/main">
   <p:cSld>
     <p:spTree>
@@ -5072,78 +5214,6 @@
       </p:cxnSp>
       <p:cxnSp>
         <p:nvCxnSpPr>
-          <p:cNvPr id="14" name="直線コネクタ 13"/>
-          <p:cNvCxnSpPr/>
-          <p:nvPr/>
-        </p:nvCxnSpPr>
-        <p:spPr>
-          <a:xfrm>
-            <a:off x="5148064" y="3564632"/>
-            <a:ext cx="432048" cy="0"/>
-          </a:xfrm>
-          <a:prstGeom prst="line">
-            <a:avLst/>
-          </a:prstGeom>
-          <a:ln w="38100">
-            <a:solidFill>
-              <a:schemeClr val="bg1">
-                <a:lumMod val="85000"/>
-              </a:schemeClr>
-            </a:solidFill>
-          </a:ln>
-        </p:spPr>
-        <p:style>
-          <a:lnRef idx="1">
-            <a:schemeClr val="accent1"/>
-          </a:lnRef>
-          <a:fillRef idx="0">
-            <a:schemeClr val="accent1"/>
-          </a:fillRef>
-          <a:effectRef idx="0">
-            <a:schemeClr val="accent1"/>
-          </a:effectRef>
-          <a:fontRef idx="minor">
-            <a:schemeClr val="tx1"/>
-          </a:fontRef>
-        </p:style>
-      </p:cxnSp>
-      <p:cxnSp>
-        <p:nvCxnSpPr>
-          <p:cNvPr id="15" name="直線コネクタ 14"/>
-          <p:cNvCxnSpPr/>
-          <p:nvPr/>
-        </p:nvCxnSpPr>
-        <p:spPr>
-          <a:xfrm>
-            <a:off x="5148064" y="3717032"/>
-            <a:ext cx="432048" cy="0"/>
-          </a:xfrm>
-          <a:prstGeom prst="line">
-            <a:avLst/>
-          </a:prstGeom>
-          <a:ln w="38100">
-            <a:solidFill>
-              <a:srgbClr val="00B050"/>
-            </a:solidFill>
-          </a:ln>
-        </p:spPr>
-        <p:style>
-          <a:lnRef idx="1">
-            <a:schemeClr val="accent1"/>
-          </a:lnRef>
-          <a:fillRef idx="0">
-            <a:schemeClr val="accent1"/>
-          </a:fillRef>
-          <a:effectRef idx="0">
-            <a:schemeClr val="accent1"/>
-          </a:effectRef>
-          <a:fontRef idx="minor">
-            <a:schemeClr val="tx1"/>
-          </a:fontRef>
-        </p:style>
-      </p:cxnSp>
-      <p:cxnSp>
-        <p:nvCxnSpPr>
           <p:cNvPr id="16" name="直線コネクタ 15"/>
           <p:cNvCxnSpPr/>
           <p:nvPr/>
@@ -5544,6 +5614,736 @@
           </a:fontRef>
         </p:style>
       </p:cxnSp>
+      <p:sp>
+        <p:nvSpPr>
+          <p:cNvPr id="25" name="正方形/長方形 24"/>
+          <p:cNvSpPr/>
+          <p:nvPr/>
+        </p:nvSpPr>
+        <p:spPr>
+          <a:xfrm>
+            <a:off x="4283968" y="5661248"/>
+            <a:ext cx="1224136" cy="72008"/>
+          </a:xfrm>
+          <a:prstGeom prst="rect">
+            <a:avLst/>
+          </a:prstGeom>
+        </p:spPr>
+        <p:style>
+          <a:lnRef idx="2">
+            <a:schemeClr val="accent1">
+              <a:shade val="50000"/>
+            </a:schemeClr>
+          </a:lnRef>
+          <a:fillRef idx="1">
+            <a:schemeClr val="accent1"/>
+          </a:fillRef>
+          <a:effectRef idx="0">
+            <a:schemeClr val="accent1"/>
+          </a:effectRef>
+          <a:fontRef idx="minor">
+            <a:schemeClr val="lt1"/>
+          </a:fontRef>
+        </p:style>
+        <p:txBody>
+          <a:bodyPr rtlCol="0" anchor="ctr"/>
+          <a:lstStyle/>
+          <a:p>
+            <a:pPr algn="ctr"/>
+            <a:endParaRPr kumimoji="1" lang="ja-JP" altLang="en-US"/>
+          </a:p>
+        </p:txBody>
+      </p:sp>
+      <p:sp>
+        <p:nvSpPr>
+          <p:cNvPr id="30" name="正方形/長方形 29"/>
+          <p:cNvSpPr/>
+          <p:nvPr/>
+        </p:nvSpPr>
+        <p:spPr>
+          <a:xfrm>
+            <a:off x="6948264" y="5661248"/>
+            <a:ext cx="1224136" cy="72008"/>
+          </a:xfrm>
+          <a:prstGeom prst="rect">
+            <a:avLst/>
+          </a:prstGeom>
+        </p:spPr>
+        <p:style>
+          <a:lnRef idx="2">
+            <a:schemeClr val="accent1">
+              <a:shade val="50000"/>
+            </a:schemeClr>
+          </a:lnRef>
+          <a:fillRef idx="1">
+            <a:schemeClr val="accent1"/>
+          </a:fillRef>
+          <a:effectRef idx="0">
+            <a:schemeClr val="accent1"/>
+          </a:effectRef>
+          <a:fontRef idx="minor">
+            <a:schemeClr val="lt1"/>
+          </a:fontRef>
+        </p:style>
+        <p:txBody>
+          <a:bodyPr rtlCol="0" anchor="ctr"/>
+          <a:lstStyle/>
+          <a:p>
+            <a:pPr algn="ctr"/>
+            <a:endParaRPr kumimoji="1" lang="ja-JP" altLang="en-US"/>
+          </a:p>
+        </p:txBody>
+      </p:sp>
+      <p:sp>
+        <p:nvSpPr>
+          <p:cNvPr id="29" name="角丸四角形 28"/>
+          <p:cNvSpPr/>
+          <p:nvPr/>
+        </p:nvSpPr>
+        <p:spPr>
+          <a:xfrm>
+            <a:off x="7668344" y="5517232"/>
+            <a:ext cx="792088" cy="360040"/>
+          </a:xfrm>
+          <a:prstGeom prst="roundRect">
+            <a:avLst/>
+          </a:prstGeom>
+        </p:spPr>
+        <p:style>
+          <a:lnRef idx="2">
+            <a:schemeClr val="accent1">
+              <a:shade val="50000"/>
+            </a:schemeClr>
+          </a:lnRef>
+          <a:fillRef idx="1">
+            <a:schemeClr val="accent1"/>
+          </a:fillRef>
+          <a:effectRef idx="0">
+            <a:schemeClr val="accent1"/>
+          </a:effectRef>
+          <a:fontRef idx="minor">
+            <a:schemeClr val="lt1"/>
+          </a:fontRef>
+        </p:style>
+        <p:txBody>
+          <a:bodyPr rtlCol="0" anchor="ctr"/>
+          <a:lstStyle/>
+          <a:p>
+            <a:pPr algn="ctr"/>
+            <a:r>
+              <a:rPr kumimoji="1" lang="ja-JP" altLang="en-US" sz="1200" dirty="0" smtClean="0"/>
+              <a:t>マイクロＢオス</a:t>
+            </a:r>
+            <a:endParaRPr kumimoji="1" lang="ja-JP" altLang="en-US" sz="1200" dirty="0"/>
+          </a:p>
+        </p:txBody>
+      </p:sp>
+      <p:sp>
+        <p:nvSpPr>
+          <p:cNvPr id="24" name="角丸四角形 23"/>
+          <p:cNvSpPr/>
+          <p:nvPr/>
+        </p:nvSpPr>
+        <p:spPr>
+          <a:xfrm>
+            <a:off x="4283968" y="5517232"/>
+            <a:ext cx="792088" cy="360040"/>
+          </a:xfrm>
+          <a:prstGeom prst="roundRect">
+            <a:avLst/>
+          </a:prstGeom>
+        </p:spPr>
+        <p:style>
+          <a:lnRef idx="2">
+            <a:schemeClr val="accent1">
+              <a:shade val="50000"/>
+            </a:schemeClr>
+          </a:lnRef>
+          <a:fillRef idx="1">
+            <a:schemeClr val="accent1"/>
+          </a:fillRef>
+          <a:effectRef idx="0">
+            <a:schemeClr val="accent1"/>
+          </a:effectRef>
+          <a:fontRef idx="minor">
+            <a:schemeClr val="lt1"/>
+          </a:fontRef>
+        </p:style>
+        <p:txBody>
+          <a:bodyPr rtlCol="0" anchor="ctr"/>
+          <a:lstStyle/>
+          <a:p>
+            <a:pPr algn="ctr"/>
+            <a:r>
+              <a:rPr kumimoji="1" lang="en-US" altLang="ja-JP" sz="1200" dirty="0" smtClean="0"/>
+              <a:t>A</a:t>
+            </a:r>
+            <a:r>
+              <a:rPr kumimoji="1" lang="ja-JP" altLang="en-US" sz="1200" dirty="0" smtClean="0"/>
+              <a:t>オス</a:t>
+            </a:r>
+            <a:endParaRPr kumimoji="1" lang="ja-JP" altLang="en-US" sz="1200" dirty="0"/>
+          </a:p>
+        </p:txBody>
+      </p:sp>
+      <p:cxnSp>
+        <p:nvCxnSpPr>
+          <p:cNvPr id="31" name="直線コネクタ 30"/>
+          <p:cNvCxnSpPr/>
+          <p:nvPr/>
+        </p:nvCxnSpPr>
+        <p:spPr>
+          <a:xfrm>
+            <a:off x="5580112" y="5589240"/>
+            <a:ext cx="800472" cy="0"/>
+          </a:xfrm>
+          <a:prstGeom prst="line">
+            <a:avLst/>
+          </a:prstGeom>
+          <a:ln w="38100">
+            <a:solidFill>
+              <a:srgbClr val="FF0000"/>
+            </a:solidFill>
+          </a:ln>
+        </p:spPr>
+        <p:style>
+          <a:lnRef idx="1">
+            <a:schemeClr val="accent1"/>
+          </a:lnRef>
+          <a:fillRef idx="0">
+            <a:schemeClr val="accent1"/>
+          </a:fillRef>
+          <a:effectRef idx="0">
+            <a:schemeClr val="accent1"/>
+          </a:effectRef>
+          <a:fontRef idx="minor">
+            <a:schemeClr val="tx1"/>
+          </a:fontRef>
+        </p:style>
+      </p:cxnSp>
+      <p:cxnSp>
+        <p:nvCxnSpPr>
+          <p:cNvPr id="33" name="直線コネクタ 32"/>
+          <p:cNvCxnSpPr/>
+          <p:nvPr/>
+        </p:nvCxnSpPr>
+        <p:spPr>
+          <a:xfrm>
+            <a:off x="5580112" y="5733256"/>
+            <a:ext cx="792088" cy="0"/>
+          </a:xfrm>
+          <a:prstGeom prst="line">
+            <a:avLst/>
+          </a:prstGeom>
+          <a:ln w="38100">
+            <a:solidFill>
+              <a:schemeClr val="tx1"/>
+            </a:solidFill>
+          </a:ln>
+        </p:spPr>
+        <p:style>
+          <a:lnRef idx="1">
+            <a:schemeClr val="accent1"/>
+          </a:lnRef>
+          <a:fillRef idx="0">
+            <a:schemeClr val="accent1"/>
+          </a:fillRef>
+          <a:effectRef idx="0">
+            <a:schemeClr val="accent1"/>
+          </a:effectRef>
+          <a:fontRef idx="minor">
+            <a:schemeClr val="tx1"/>
+          </a:fontRef>
+        </p:style>
+      </p:cxnSp>
+      <p:cxnSp>
+        <p:nvCxnSpPr>
+          <p:cNvPr id="38" name="直線コネクタ 37"/>
+          <p:cNvCxnSpPr/>
+          <p:nvPr/>
+        </p:nvCxnSpPr>
+        <p:spPr>
+          <a:xfrm>
+            <a:off x="5715744" y="5589240"/>
+            <a:ext cx="8384" cy="792088"/>
+          </a:xfrm>
+          <a:prstGeom prst="line">
+            <a:avLst/>
+          </a:prstGeom>
+          <a:ln w="38100">
+            <a:solidFill>
+              <a:srgbClr val="FF0000"/>
+            </a:solidFill>
+          </a:ln>
+        </p:spPr>
+        <p:style>
+          <a:lnRef idx="1">
+            <a:schemeClr val="accent1"/>
+          </a:lnRef>
+          <a:fillRef idx="0">
+            <a:schemeClr val="accent1"/>
+          </a:fillRef>
+          <a:effectRef idx="0">
+            <a:schemeClr val="accent1"/>
+          </a:effectRef>
+          <a:fontRef idx="minor">
+            <a:schemeClr val="tx1"/>
+          </a:fontRef>
+        </p:style>
+      </p:cxnSp>
+      <p:cxnSp>
+        <p:nvCxnSpPr>
+          <p:cNvPr id="39" name="直線コネクタ 38"/>
+          <p:cNvCxnSpPr/>
+          <p:nvPr/>
+        </p:nvCxnSpPr>
+        <p:spPr>
+          <a:xfrm>
+            <a:off x="5859760" y="5733256"/>
+            <a:ext cx="8384" cy="648072"/>
+          </a:xfrm>
+          <a:prstGeom prst="line">
+            <a:avLst/>
+          </a:prstGeom>
+          <a:ln w="38100">
+            <a:solidFill>
+              <a:schemeClr val="tx1"/>
+            </a:solidFill>
+          </a:ln>
+        </p:spPr>
+        <p:style>
+          <a:lnRef idx="1">
+            <a:schemeClr val="accent1"/>
+          </a:lnRef>
+          <a:fillRef idx="0">
+            <a:schemeClr val="accent1"/>
+          </a:fillRef>
+          <a:effectRef idx="0">
+            <a:schemeClr val="accent1"/>
+          </a:effectRef>
+          <a:fontRef idx="minor">
+            <a:schemeClr val="tx1"/>
+          </a:fontRef>
+        </p:style>
+      </p:cxnSp>
+      <p:sp>
+        <p:nvSpPr>
+          <p:cNvPr id="44" name="角丸四角形 43"/>
+          <p:cNvSpPr/>
+          <p:nvPr/>
+        </p:nvSpPr>
+        <p:spPr>
+          <a:xfrm>
+            <a:off x="3707904" y="5301208"/>
+            <a:ext cx="576064" cy="864096"/>
+          </a:xfrm>
+          <a:prstGeom prst="roundRect">
+            <a:avLst/>
+          </a:prstGeom>
+        </p:spPr>
+        <p:style>
+          <a:lnRef idx="2">
+            <a:schemeClr val="accent1">
+              <a:shade val="50000"/>
+            </a:schemeClr>
+          </a:lnRef>
+          <a:fillRef idx="1">
+            <a:schemeClr val="accent1"/>
+          </a:fillRef>
+          <a:effectRef idx="0">
+            <a:schemeClr val="accent1"/>
+          </a:effectRef>
+          <a:fontRef idx="minor">
+            <a:schemeClr val="lt1"/>
+          </a:fontRef>
+        </p:style>
+        <p:txBody>
+          <a:bodyPr rtlCol="0" anchor="ctr"/>
+          <a:lstStyle/>
+          <a:p>
+            <a:pPr algn="ctr"/>
+            <a:r>
+              <a:rPr kumimoji="1" lang="en-US" altLang="ja-JP" sz="1400" dirty="0" smtClean="0"/>
+              <a:t>AC</a:t>
+            </a:r>
+            <a:r>
+              <a:rPr kumimoji="1" lang="ja-JP" altLang="en-US" sz="1400" dirty="0" smtClean="0"/>
+              <a:t>アダプタ</a:t>
+            </a:r>
+            <a:endParaRPr kumimoji="1" lang="ja-JP" altLang="en-US" sz="1400" dirty="0"/>
+          </a:p>
+        </p:txBody>
+      </p:sp>
+      <p:cxnSp>
+        <p:nvCxnSpPr>
+          <p:cNvPr id="45" name="直線コネクタ 44"/>
+          <p:cNvCxnSpPr/>
+          <p:nvPr/>
+        </p:nvCxnSpPr>
+        <p:spPr>
+          <a:xfrm flipV="1">
+            <a:off x="6012160" y="6021288"/>
+            <a:ext cx="0" cy="360040"/>
+          </a:xfrm>
+          <a:prstGeom prst="line">
+            <a:avLst/>
+          </a:prstGeom>
+          <a:ln w="38100">
+            <a:solidFill>
+              <a:srgbClr val="00B050"/>
+            </a:solidFill>
+          </a:ln>
+        </p:spPr>
+        <p:style>
+          <a:lnRef idx="1">
+            <a:schemeClr val="accent1"/>
+          </a:lnRef>
+          <a:fillRef idx="0">
+            <a:schemeClr val="accent1"/>
+          </a:fillRef>
+          <a:effectRef idx="0">
+            <a:schemeClr val="accent1"/>
+          </a:effectRef>
+          <a:fontRef idx="minor">
+            <a:schemeClr val="tx1"/>
+          </a:fontRef>
+        </p:style>
+      </p:cxnSp>
+      <p:cxnSp>
+        <p:nvCxnSpPr>
+          <p:cNvPr id="46" name="直線コネクタ 45"/>
+          <p:cNvCxnSpPr/>
+          <p:nvPr/>
+        </p:nvCxnSpPr>
+        <p:spPr>
+          <a:xfrm flipV="1">
+            <a:off x="6156176" y="5877272"/>
+            <a:ext cx="0" cy="504056"/>
+          </a:xfrm>
+          <a:prstGeom prst="line">
+            <a:avLst/>
+          </a:prstGeom>
+          <a:ln w="38100">
+            <a:solidFill>
+              <a:schemeClr val="bg1">
+                <a:lumMod val="85000"/>
+              </a:schemeClr>
+            </a:solidFill>
+          </a:ln>
+        </p:spPr>
+        <p:style>
+          <a:lnRef idx="1">
+            <a:schemeClr val="accent1"/>
+          </a:lnRef>
+          <a:fillRef idx="0">
+            <a:schemeClr val="accent1"/>
+          </a:fillRef>
+          <a:effectRef idx="0">
+            <a:schemeClr val="accent1"/>
+          </a:effectRef>
+          <a:fontRef idx="minor">
+            <a:schemeClr val="tx1"/>
+          </a:fontRef>
+        </p:style>
+      </p:cxnSp>
+      <p:cxnSp>
+        <p:nvCxnSpPr>
+          <p:cNvPr id="47" name="直線コネクタ 46"/>
+          <p:cNvCxnSpPr/>
+          <p:nvPr/>
+        </p:nvCxnSpPr>
+        <p:spPr>
+          <a:xfrm>
+            <a:off x="6012160" y="6021288"/>
+            <a:ext cx="360040" cy="0"/>
+          </a:xfrm>
+          <a:prstGeom prst="line">
+            <a:avLst/>
+          </a:prstGeom>
+          <a:ln w="38100">
+            <a:solidFill>
+              <a:srgbClr val="00B050"/>
+            </a:solidFill>
+          </a:ln>
+        </p:spPr>
+        <p:style>
+          <a:lnRef idx="1">
+            <a:schemeClr val="accent1"/>
+          </a:lnRef>
+          <a:fillRef idx="0">
+            <a:schemeClr val="accent1"/>
+          </a:fillRef>
+          <a:effectRef idx="0">
+            <a:schemeClr val="accent1"/>
+          </a:effectRef>
+          <a:fontRef idx="minor">
+            <a:schemeClr val="tx1"/>
+          </a:fontRef>
+        </p:style>
+      </p:cxnSp>
+      <p:cxnSp>
+        <p:nvCxnSpPr>
+          <p:cNvPr id="48" name="直線コネクタ 47"/>
+          <p:cNvCxnSpPr/>
+          <p:nvPr/>
+        </p:nvCxnSpPr>
+        <p:spPr>
+          <a:xfrm>
+            <a:off x="6156176" y="5877272"/>
+            <a:ext cx="216024" cy="0"/>
+          </a:xfrm>
+          <a:prstGeom prst="line">
+            <a:avLst/>
+          </a:prstGeom>
+          <a:ln w="38100">
+            <a:solidFill>
+              <a:schemeClr val="bg1">
+                <a:lumMod val="85000"/>
+              </a:schemeClr>
+            </a:solidFill>
+          </a:ln>
+        </p:spPr>
+        <p:style>
+          <a:lnRef idx="1">
+            <a:schemeClr val="accent1"/>
+          </a:lnRef>
+          <a:fillRef idx="0">
+            <a:schemeClr val="accent1"/>
+          </a:fillRef>
+          <a:effectRef idx="0">
+            <a:schemeClr val="accent1"/>
+          </a:effectRef>
+          <a:fontRef idx="minor">
+            <a:schemeClr val="tx1"/>
+          </a:fontRef>
+        </p:style>
+      </p:cxnSp>
+      <p:sp>
+        <p:nvSpPr>
+          <p:cNvPr id="60" name="テキスト ボックス 59"/>
+          <p:cNvSpPr txBox="1"/>
+          <p:nvPr/>
+        </p:nvSpPr>
+        <p:spPr>
+          <a:xfrm>
+            <a:off x="6372200" y="5939988"/>
+            <a:ext cx="442750" cy="369332"/>
+          </a:xfrm>
+          <a:prstGeom prst="rect">
+            <a:avLst/>
+          </a:prstGeom>
+          <a:noFill/>
+        </p:spPr>
+        <p:txBody>
+          <a:bodyPr wrap="none" rtlCol="0">
+            <a:spAutoFit/>
+          </a:bodyPr>
+          <a:lstStyle/>
+          <a:p>
+            <a:r>
+              <a:rPr kumimoji="1" lang="en-US" altLang="ja-JP" dirty="0" smtClean="0"/>
+              <a:t>D+</a:t>
+            </a:r>
+            <a:endParaRPr kumimoji="1" lang="ja-JP" altLang="en-US" dirty="0"/>
+          </a:p>
+        </p:txBody>
+      </p:sp>
+      <p:sp>
+        <p:nvSpPr>
+          <p:cNvPr id="61" name="テキスト ボックス 60"/>
+          <p:cNvSpPr txBox="1"/>
+          <p:nvPr/>
+        </p:nvSpPr>
+        <p:spPr>
+          <a:xfrm>
+            <a:off x="6372200" y="5723964"/>
+            <a:ext cx="397866" cy="369332"/>
+          </a:xfrm>
+          <a:prstGeom prst="rect">
+            <a:avLst/>
+          </a:prstGeom>
+          <a:noFill/>
+        </p:spPr>
+        <p:txBody>
+          <a:bodyPr wrap="none" rtlCol="0">
+            <a:spAutoFit/>
+          </a:bodyPr>
+          <a:lstStyle/>
+          <a:p>
+            <a:r>
+              <a:rPr kumimoji="1" lang="en-US" altLang="ja-JP" dirty="0" smtClean="0"/>
+              <a:t>D-</a:t>
+            </a:r>
+            <a:endParaRPr kumimoji="1" lang="ja-JP" altLang="en-US" dirty="0"/>
+          </a:p>
+        </p:txBody>
+      </p:sp>
+      <p:sp>
+        <p:nvSpPr>
+          <p:cNvPr id="62" name="テキスト ボックス 61"/>
+          <p:cNvSpPr txBox="1"/>
+          <p:nvPr/>
+        </p:nvSpPr>
+        <p:spPr>
+          <a:xfrm>
+            <a:off x="6372200" y="5517232"/>
+            <a:ext cx="622286" cy="369332"/>
+          </a:xfrm>
+          <a:prstGeom prst="rect">
+            <a:avLst/>
+          </a:prstGeom>
+          <a:noFill/>
+        </p:spPr>
+        <p:txBody>
+          <a:bodyPr wrap="none" rtlCol="0">
+            <a:spAutoFit/>
+          </a:bodyPr>
+          <a:lstStyle/>
+          <a:p>
+            <a:r>
+              <a:rPr kumimoji="1" lang="en-US" altLang="ja-JP" dirty="0" smtClean="0"/>
+              <a:t>GND</a:t>
+            </a:r>
+            <a:endParaRPr kumimoji="1" lang="ja-JP" altLang="en-US" dirty="0"/>
+          </a:p>
+        </p:txBody>
+      </p:sp>
+      <p:sp>
+        <p:nvSpPr>
+          <p:cNvPr id="63" name="テキスト ボックス 62"/>
+          <p:cNvSpPr txBox="1"/>
+          <p:nvPr/>
+        </p:nvSpPr>
+        <p:spPr>
+          <a:xfrm>
+            <a:off x="6372200" y="5291916"/>
+            <a:ext cx="433132" cy="369332"/>
+          </a:xfrm>
+          <a:prstGeom prst="rect">
+            <a:avLst/>
+          </a:prstGeom>
+          <a:noFill/>
+        </p:spPr>
+        <p:txBody>
+          <a:bodyPr wrap="none" rtlCol="0">
+            <a:spAutoFit/>
+          </a:bodyPr>
+          <a:lstStyle/>
+          <a:p>
+            <a:r>
+              <a:rPr lang="en-US" altLang="ja-JP" dirty="0" smtClean="0"/>
+              <a:t>5V</a:t>
+            </a:r>
+            <a:endParaRPr kumimoji="1" lang="ja-JP" altLang="en-US" dirty="0"/>
+          </a:p>
+        </p:txBody>
+      </p:sp>
+    </p:spTree>
+  </p:cSld>
+  <p:clrMapOvr>
+    <a:masterClrMapping/>
+  </p:clrMapOvr>
+</p:sld>
+</file>
+
+<file path=ppt/slides/slide14.xml><?xml version="1.0" encoding="utf-8"?>
+<p:sld xmlns:a="http://schemas.openxmlformats.org/drawingml/2006/main" xmlns:r="http://schemas.openxmlformats.org/officeDocument/2006/relationships" xmlns:p="http://schemas.openxmlformats.org/presentationml/2006/main">
+  <p:cSld>
+    <p:spTree>
+      <p:nvGrpSpPr>
+        <p:cNvPr id="1" name=""/>
+        <p:cNvGrpSpPr/>
+        <p:nvPr/>
+      </p:nvGrpSpPr>
+      <p:grpSpPr>
+        <a:xfrm>
+          <a:off x="0" y="0"/>
+          <a:ext cx="0" cy="0"/>
+          <a:chOff x="0" y="0"/>
+          <a:chExt cx="0" cy="0"/>
+        </a:xfrm>
+      </p:grpSpPr>
+      <p:sp>
+        <p:nvSpPr>
+          <p:cNvPr id="2" name="タイトル 1"/>
+          <p:cNvSpPr>
+            <a:spLocks noGrp="1"/>
+          </p:cNvSpPr>
+          <p:nvPr>
+            <p:ph type="title"/>
+          </p:nvPr>
+        </p:nvSpPr>
+        <p:spPr/>
+        <p:txBody>
+          <a:bodyPr/>
+          <a:lstStyle/>
+          <a:p>
+            <a:r>
+              <a:rPr kumimoji="1" lang="ja-JP" altLang="en-US" dirty="0" smtClean="0"/>
+              <a:t>互換モジュールの組み立て</a:t>
+            </a:r>
+            <a:endParaRPr kumimoji="1" lang="ja-JP" altLang="en-US" dirty="0"/>
+          </a:p>
+        </p:txBody>
+      </p:sp>
+      <p:sp>
+        <p:nvSpPr>
+          <p:cNvPr id="3" name="コンテンツ プレースホルダ 2"/>
+          <p:cNvSpPr>
+            <a:spLocks noGrp="1"/>
+          </p:cNvSpPr>
+          <p:nvPr>
+            <p:ph idx="1"/>
+          </p:nvPr>
+        </p:nvSpPr>
+        <p:spPr/>
+        <p:txBody>
+          <a:bodyPr/>
+          <a:lstStyle/>
+          <a:p>
+            <a:r>
+              <a:rPr kumimoji="1" lang="ja-JP" altLang="en-US" dirty="0" smtClean="0"/>
+              <a:t>利用する資料</a:t>
+            </a:r>
+            <a:endParaRPr kumimoji="1" lang="en-US" altLang="ja-JP" dirty="0" smtClean="0"/>
+          </a:p>
+          <a:p>
+            <a:pPr lvl="1"/>
+            <a:r>
+              <a:rPr lang="ja-JP" altLang="en-US" dirty="0" smtClean="0"/>
+              <a:t>回路図（別紙）</a:t>
+            </a:r>
+            <a:endParaRPr lang="en-US" altLang="ja-JP" dirty="0" smtClean="0"/>
+          </a:p>
+          <a:p>
+            <a:pPr lvl="1"/>
+            <a:r>
+              <a:rPr lang="ja-JP" altLang="en-US" dirty="0" smtClean="0"/>
+              <a:t>実体配線図（別紙）</a:t>
+            </a:r>
+            <a:endParaRPr lang="en-US" altLang="ja-JP" dirty="0" smtClean="0"/>
+          </a:p>
+          <a:p>
+            <a:pPr lvl="1"/>
+            <a:r>
+              <a:rPr kumimoji="1" lang="ja-JP" altLang="en-US" dirty="0" smtClean="0"/>
+              <a:t>組み立て手順（本資料）</a:t>
+            </a:r>
+            <a:endParaRPr kumimoji="1" lang="en-US" altLang="ja-JP" dirty="0" smtClean="0"/>
+          </a:p>
+          <a:p>
+            <a:r>
+              <a:rPr lang="ja-JP" altLang="en-US" dirty="0" smtClean="0"/>
+              <a:t>配布部品</a:t>
+            </a:r>
+            <a:endParaRPr lang="en-US" altLang="ja-JP" dirty="0" smtClean="0"/>
+          </a:p>
+          <a:p>
+            <a:pPr lvl="1"/>
+            <a:endParaRPr kumimoji="1" lang="ja-JP" altLang="en-US" dirty="0"/>
+          </a:p>
+        </p:txBody>
+      </p:sp>
     </p:spTree>
   </p:cSld>
   <p:clrMapOvr>
@@ -5585,8 +6385,12 @@
           <a:lstStyle/>
           <a:p>
             <a:r>
+              <a:rPr kumimoji="1" lang="en-US" altLang="ja-JP" dirty="0" smtClean="0"/>
+              <a:t>Step1 </a:t>
+            </a:r>
+            <a:r>
               <a:rPr kumimoji="1" lang="ja-JP" altLang="en-US" dirty="0" smtClean="0"/>
-              <a:t>互換モジュールの組み立て</a:t>
+              <a:t>　電源</a:t>
             </a:r>
             <a:endParaRPr kumimoji="1" lang="ja-JP" altLang="en-US" dirty="0"/>
           </a:p>
@@ -5602,54 +6406,597 @@
             <p:ph idx="1"/>
           </p:nvPr>
         </p:nvSpPr>
-        <p:spPr/>
+        <p:spPr>
+          <a:xfrm>
+            <a:off x="4572000" y="1600200"/>
+            <a:ext cx="4114800" cy="4525963"/>
+          </a:xfrm>
+        </p:spPr>
         <p:txBody>
-          <a:bodyPr/>
+          <a:bodyPr>
+            <a:normAutofit/>
+          </a:bodyPr>
           <a:lstStyle/>
           <a:p>
-            <a:r>
-              <a:rPr kumimoji="1" lang="ja-JP" altLang="en-US" dirty="0" smtClean="0"/>
-              <a:t>利用する資料</a:t>
-            </a:r>
-            <a:endParaRPr kumimoji="1" lang="en-US" altLang="ja-JP" dirty="0" smtClean="0"/>
-          </a:p>
-          <a:p>
-            <a:pPr lvl="1"/>
-            <a:r>
-              <a:rPr lang="ja-JP" altLang="en-US" dirty="0" smtClean="0"/>
-              <a:t>回路図（別紙）</a:t>
-            </a:r>
-            <a:endParaRPr lang="en-US" altLang="ja-JP" dirty="0" smtClean="0"/>
-          </a:p>
-          <a:p>
-            <a:pPr lvl="1"/>
-            <a:r>
-              <a:rPr lang="ja-JP" altLang="en-US" dirty="0" smtClean="0"/>
-              <a:t>実体配線図（別紙）</a:t>
-            </a:r>
-            <a:endParaRPr lang="en-US" altLang="ja-JP" dirty="0" smtClean="0"/>
-          </a:p>
-          <a:p>
-            <a:pPr lvl="1"/>
-            <a:r>
-              <a:rPr kumimoji="1" lang="ja-JP" altLang="en-US" dirty="0" smtClean="0"/>
-              <a:t>組み立て手順（本資料）</a:t>
-            </a:r>
-            <a:endParaRPr kumimoji="1" lang="en-US" altLang="ja-JP" dirty="0" smtClean="0"/>
-          </a:p>
-          <a:p>
-            <a:r>
-              <a:rPr lang="ja-JP" altLang="en-US" dirty="0" smtClean="0"/>
-              <a:t>配布部品</a:t>
-            </a:r>
-            <a:endParaRPr lang="en-US" altLang="ja-JP" dirty="0" smtClean="0"/>
-          </a:p>
-          <a:p>
-            <a:pPr lvl="1"/>
-            <a:endParaRPr kumimoji="1" lang="ja-JP" altLang="en-US" dirty="0"/>
+            <a:pPr marL="457200" indent="-457200">
+              <a:buFont typeface="+mj-lt"/>
+              <a:buAutoNum type="arabicPeriod"/>
+            </a:pPr>
+            <a:r>
+              <a:rPr lang="en-US" altLang="ja-JP" sz="2400" dirty="0" smtClean="0"/>
+              <a:t>g1</a:t>
+            </a:r>
+            <a:r>
+              <a:rPr lang="ja-JP" altLang="en-US" sz="2400" dirty="0" smtClean="0"/>
+              <a:t>にレギュレータの１</a:t>
+            </a:r>
+            <a:endParaRPr lang="en-US" altLang="ja-JP" sz="2400" dirty="0" smtClean="0"/>
+          </a:p>
+          <a:p>
+            <a:pPr marL="457200" indent="-457200">
+              <a:buFont typeface="+mj-lt"/>
+              <a:buAutoNum type="arabicPeriod"/>
+            </a:pPr>
+            <a:r>
+              <a:rPr lang="en-US" altLang="ja-JP" sz="2400" dirty="0" smtClean="0"/>
+              <a:t>g2</a:t>
+            </a:r>
+            <a:r>
+              <a:rPr lang="ja-JP" altLang="en-US" sz="2400" dirty="0" smtClean="0"/>
+              <a:t>にレギュレータの２</a:t>
+            </a:r>
+            <a:endParaRPr lang="en-US" altLang="ja-JP" sz="2400" dirty="0" smtClean="0"/>
+          </a:p>
+          <a:p>
+            <a:pPr marL="457200" indent="-457200">
+              <a:buFont typeface="+mj-lt"/>
+              <a:buAutoNum type="arabicPeriod"/>
+            </a:pPr>
+            <a:r>
+              <a:rPr lang="en-US" altLang="ja-JP" sz="2400" dirty="0" smtClean="0"/>
+              <a:t>g3</a:t>
+            </a:r>
+            <a:r>
+              <a:rPr lang="ja-JP" altLang="en-US" sz="2400" dirty="0" smtClean="0"/>
+              <a:t>にレギュレータの３</a:t>
+            </a:r>
+            <a:endParaRPr lang="en-US" altLang="ja-JP" sz="2400" dirty="0" smtClean="0"/>
+          </a:p>
+          <a:p>
+            <a:pPr marL="457200" indent="-457200">
+              <a:buFont typeface="+mj-lt"/>
+              <a:buAutoNum type="arabicPeriod"/>
+            </a:pPr>
+            <a:r>
+              <a:rPr lang="ja-JP" altLang="en-US" sz="2400" dirty="0" smtClean="0"/>
+              <a:t> </a:t>
+            </a:r>
+            <a:r>
+              <a:rPr lang="ja-JP" altLang="en-US" sz="2400" dirty="0" smtClean="0">
+                <a:solidFill>
+                  <a:srgbClr val="FF0000"/>
+                </a:solidFill>
+              </a:rPr>
+              <a:t>ー</a:t>
+            </a:r>
+            <a:r>
+              <a:rPr lang="ja-JP" altLang="en-US" sz="2400" dirty="0" smtClean="0"/>
+              <a:t>を４か所</a:t>
+            </a:r>
+            <a:endParaRPr lang="en-US" altLang="ja-JP" sz="2400" dirty="0" smtClean="0"/>
+          </a:p>
+          <a:p>
+            <a:pPr marL="457200" indent="-457200">
+              <a:buFont typeface="+mj-lt"/>
+              <a:buAutoNum type="arabicPeriod"/>
+            </a:pPr>
+            <a:r>
+              <a:rPr lang="en-US" altLang="ja-JP" sz="2400" dirty="0" smtClean="0"/>
+              <a:t> </a:t>
+            </a:r>
+            <a:r>
+              <a:rPr lang="ja-JP" altLang="en-US" sz="2400" dirty="0" smtClean="0">
+                <a:solidFill>
+                  <a:srgbClr val="FFC000"/>
+                </a:solidFill>
+              </a:rPr>
+              <a:t>ー</a:t>
+            </a:r>
+            <a:r>
+              <a:rPr lang="ja-JP" altLang="en-US" sz="2400" dirty="0" smtClean="0"/>
+              <a:t>を２か所</a:t>
+            </a:r>
+            <a:endParaRPr lang="en-US" altLang="ja-JP" sz="2400" dirty="0" smtClean="0"/>
+          </a:p>
+          <a:p>
+            <a:pPr marL="457200" indent="-457200">
+              <a:buFont typeface="+mj-lt"/>
+              <a:buAutoNum type="arabicPeriod"/>
+            </a:pPr>
+            <a:r>
+              <a:rPr lang="ja-JP" altLang="en-US" sz="2400" dirty="0" smtClean="0"/>
+              <a:t>積層セラミックコンデンサー１</a:t>
+            </a:r>
+            <a:r>
+              <a:rPr lang="en-US" altLang="ja-JP" sz="2400" dirty="0" smtClean="0"/>
+              <a:t>μ</a:t>
+            </a:r>
+            <a:r>
+              <a:rPr lang="ja-JP" altLang="en-US" sz="2400" dirty="0" smtClean="0"/>
+              <a:t>Ｆ２５Ｖ２個</a:t>
+            </a:r>
+            <a:endParaRPr lang="en-US" altLang="ja-JP" sz="2400" dirty="0" smtClean="0"/>
+          </a:p>
+          <a:p>
+            <a:pPr marL="971550" lvl="1" indent="-514350"/>
+            <a:r>
+              <a:rPr lang="en-US" altLang="ja-JP" dirty="0" smtClean="0"/>
+              <a:t>h1-h2</a:t>
+            </a:r>
+          </a:p>
+          <a:p>
+            <a:pPr marL="971550" lvl="1" indent="-514350"/>
+            <a:r>
+              <a:rPr lang="en-US" altLang="ja-JP" dirty="0" smtClean="0"/>
+              <a:t>h2-h3</a:t>
+            </a:r>
+            <a:endParaRPr lang="ja-JP" altLang="en-US" dirty="0" smtClean="0"/>
+          </a:p>
+          <a:p>
+            <a:endParaRPr lang="en-US" altLang="ja-JP" sz="2400" dirty="0" smtClean="0"/>
+          </a:p>
+          <a:p>
+            <a:endParaRPr lang="en-US" altLang="ja-JP" sz="2400" dirty="0" smtClean="0"/>
+          </a:p>
+          <a:p>
+            <a:endParaRPr kumimoji="1" lang="en-US" altLang="ja-JP" sz="2400" dirty="0" smtClean="0"/>
           </a:p>
         </p:txBody>
       </p:sp>
+      <p:pic>
+        <p:nvPicPr>
+          <p:cNvPr id="4" name="Picture 2" descr="C:\Users\hideo\Desktop\img008.jpg"/>
+          <p:cNvPicPr>
+            <a:picLocks noChangeAspect="1" noChangeArrowheads="1"/>
+          </p:cNvPicPr>
+          <p:nvPr/>
+        </p:nvPicPr>
+        <p:blipFill>
+          <a:blip r:embed="rId2" cstate="print"/>
+          <a:srcRect/>
+          <a:stretch>
+            <a:fillRect/>
+          </a:stretch>
+        </p:blipFill>
+        <p:spPr bwMode="auto">
+          <a:xfrm>
+            <a:off x="1259632" y="2370237"/>
+            <a:ext cx="2038350" cy="3074987"/>
+          </a:xfrm>
+          <a:prstGeom prst="rect">
+            <a:avLst/>
+          </a:prstGeom>
+          <a:noFill/>
+        </p:spPr>
+      </p:pic>
+      <p:grpSp>
+        <p:nvGrpSpPr>
+          <p:cNvPr id="5" name="グループ化 4"/>
+          <p:cNvGrpSpPr/>
+          <p:nvPr/>
+        </p:nvGrpSpPr>
+        <p:grpSpPr>
+          <a:xfrm rot="5400000">
+            <a:off x="2233603" y="2458755"/>
+            <a:ext cx="428322" cy="360040"/>
+            <a:chOff x="706904" y="4941168"/>
+            <a:chExt cx="610626" cy="432048"/>
+          </a:xfrm>
+        </p:grpSpPr>
+        <p:sp>
+          <p:nvSpPr>
+            <p:cNvPr id="6" name="弦 5"/>
+            <p:cNvSpPr/>
+            <p:nvPr/>
+          </p:nvSpPr>
+          <p:spPr>
+            <a:xfrm rot="5400000">
+              <a:off x="791580" y="4977172"/>
+              <a:ext cx="432048" cy="360040"/>
+            </a:xfrm>
+            <a:prstGeom prst="chord">
+              <a:avLst>
+                <a:gd name="adj1" fmla="val 6090016"/>
+                <a:gd name="adj2" fmla="val 15497786"/>
+              </a:avLst>
+            </a:prstGeom>
+          </p:spPr>
+          <p:style>
+            <a:lnRef idx="2">
+              <a:schemeClr val="accent1">
+                <a:shade val="50000"/>
+              </a:schemeClr>
+            </a:lnRef>
+            <a:fillRef idx="1">
+              <a:schemeClr val="accent1"/>
+            </a:fillRef>
+            <a:effectRef idx="0">
+              <a:schemeClr val="accent1"/>
+            </a:effectRef>
+            <a:fontRef idx="minor">
+              <a:schemeClr val="lt1"/>
+            </a:fontRef>
+          </p:style>
+          <p:txBody>
+            <a:bodyPr rtlCol="0" anchor="ctr"/>
+            <a:lstStyle/>
+            <a:p>
+              <a:pPr algn="ctr"/>
+              <a:endParaRPr kumimoji="1" lang="ja-JP" altLang="en-US"/>
+            </a:p>
+          </p:txBody>
+        </p:sp>
+        <p:sp>
+          <p:nvSpPr>
+            <p:cNvPr id="7" name="正方形/長方形 6"/>
+            <p:cNvSpPr/>
+            <p:nvPr/>
+          </p:nvSpPr>
+          <p:spPr>
+            <a:xfrm>
+              <a:off x="827584" y="5085184"/>
+              <a:ext cx="72008" cy="45719"/>
+            </a:xfrm>
+            <a:prstGeom prst="rect">
+              <a:avLst/>
+            </a:prstGeom>
+          </p:spPr>
+          <p:style>
+            <a:lnRef idx="2">
+              <a:schemeClr val="accent1">
+                <a:shade val="50000"/>
+              </a:schemeClr>
+            </a:lnRef>
+            <a:fillRef idx="1">
+              <a:schemeClr val="accent1"/>
+            </a:fillRef>
+            <a:effectRef idx="0">
+              <a:schemeClr val="accent1"/>
+            </a:effectRef>
+            <a:fontRef idx="minor">
+              <a:schemeClr val="lt1"/>
+            </a:fontRef>
+          </p:style>
+          <p:txBody>
+            <a:bodyPr rtlCol="0" anchor="ctr"/>
+            <a:lstStyle/>
+            <a:p>
+              <a:pPr algn="ctr"/>
+              <a:endParaRPr kumimoji="1" lang="ja-JP" altLang="en-US" dirty="0"/>
+            </a:p>
+          </p:txBody>
+        </p:sp>
+        <p:sp>
+          <p:nvSpPr>
+            <p:cNvPr id="8" name="正方形/長方形 7"/>
+            <p:cNvSpPr/>
+            <p:nvPr/>
+          </p:nvSpPr>
+          <p:spPr>
+            <a:xfrm>
+              <a:off x="979984" y="5085184"/>
+              <a:ext cx="72008" cy="45719"/>
+            </a:xfrm>
+            <a:prstGeom prst="rect">
+              <a:avLst/>
+            </a:prstGeom>
+          </p:spPr>
+          <p:style>
+            <a:lnRef idx="2">
+              <a:schemeClr val="accent1">
+                <a:shade val="50000"/>
+              </a:schemeClr>
+            </a:lnRef>
+            <a:fillRef idx="1">
+              <a:schemeClr val="accent1"/>
+            </a:fillRef>
+            <a:effectRef idx="0">
+              <a:schemeClr val="accent1"/>
+            </a:effectRef>
+            <a:fontRef idx="minor">
+              <a:schemeClr val="lt1"/>
+            </a:fontRef>
+          </p:style>
+          <p:txBody>
+            <a:bodyPr rtlCol="0" anchor="ctr"/>
+            <a:lstStyle/>
+            <a:p>
+              <a:pPr algn="ctr"/>
+              <a:endParaRPr kumimoji="1" lang="ja-JP" altLang="en-US" dirty="0"/>
+            </a:p>
+          </p:txBody>
+        </p:sp>
+        <p:sp>
+          <p:nvSpPr>
+            <p:cNvPr id="9" name="正方形/長方形 8"/>
+            <p:cNvSpPr/>
+            <p:nvPr/>
+          </p:nvSpPr>
+          <p:spPr>
+            <a:xfrm>
+              <a:off x="1115616" y="5085184"/>
+              <a:ext cx="72008" cy="45719"/>
+            </a:xfrm>
+            <a:prstGeom prst="rect">
+              <a:avLst/>
+            </a:prstGeom>
+          </p:spPr>
+          <p:style>
+            <a:lnRef idx="2">
+              <a:schemeClr val="accent1">
+                <a:shade val="50000"/>
+              </a:schemeClr>
+            </a:lnRef>
+            <a:fillRef idx="1">
+              <a:schemeClr val="accent1"/>
+            </a:fillRef>
+            <a:effectRef idx="0">
+              <a:schemeClr val="accent1"/>
+            </a:effectRef>
+            <a:fontRef idx="minor">
+              <a:schemeClr val="lt1"/>
+            </a:fontRef>
+          </p:style>
+          <p:txBody>
+            <a:bodyPr rtlCol="0" anchor="ctr"/>
+            <a:lstStyle/>
+            <a:p>
+              <a:pPr algn="ctr"/>
+              <a:endParaRPr kumimoji="1" lang="ja-JP" altLang="en-US" dirty="0"/>
+            </a:p>
+          </p:txBody>
+        </p:sp>
+        <p:sp>
+          <p:nvSpPr>
+            <p:cNvPr id="10" name="テキスト ボックス 9"/>
+            <p:cNvSpPr txBox="1"/>
+            <p:nvPr/>
+          </p:nvSpPr>
+          <p:spPr>
+            <a:xfrm>
+              <a:off x="706904" y="5082876"/>
+              <a:ext cx="610626" cy="258533"/>
+            </a:xfrm>
+            <a:prstGeom prst="rect">
+              <a:avLst/>
+            </a:prstGeom>
+            <a:noFill/>
+          </p:spPr>
+          <p:txBody>
+            <a:bodyPr wrap="none" rtlCol="0">
+              <a:spAutoFit/>
+            </a:bodyPr>
+            <a:lstStyle/>
+            <a:p>
+              <a:r>
+                <a:rPr kumimoji="1" lang="en-US" altLang="ja-JP" sz="800" dirty="0" smtClean="0"/>
+                <a:t>1  2  3</a:t>
+              </a:r>
+              <a:endParaRPr kumimoji="1" lang="ja-JP" altLang="en-US" sz="800" dirty="0"/>
+            </a:p>
+          </p:txBody>
+        </p:sp>
+      </p:grpSp>
+      <p:cxnSp>
+        <p:nvCxnSpPr>
+          <p:cNvPr id="12" name="直線コネクタ 11"/>
+          <p:cNvCxnSpPr/>
+          <p:nvPr/>
+        </p:nvCxnSpPr>
+        <p:spPr>
+          <a:xfrm>
+            <a:off x="2771800" y="2636912"/>
+            <a:ext cx="360040" cy="0"/>
+          </a:xfrm>
+          <a:prstGeom prst="line">
+            <a:avLst/>
+          </a:prstGeom>
+          <a:ln w="38100">
+            <a:solidFill>
+              <a:srgbClr val="FFC000"/>
+            </a:solidFill>
+          </a:ln>
+        </p:spPr>
+        <p:style>
+          <a:lnRef idx="1">
+            <a:schemeClr val="accent1"/>
+          </a:lnRef>
+          <a:fillRef idx="0">
+            <a:schemeClr val="accent1"/>
+          </a:fillRef>
+          <a:effectRef idx="0">
+            <a:schemeClr val="accent1"/>
+          </a:effectRef>
+          <a:fontRef idx="minor">
+            <a:schemeClr val="tx1"/>
+          </a:fontRef>
+        </p:style>
+      </p:cxnSp>
+      <p:cxnSp>
+        <p:nvCxnSpPr>
+          <p:cNvPr id="13" name="直線コネクタ 12"/>
+          <p:cNvCxnSpPr/>
+          <p:nvPr/>
+        </p:nvCxnSpPr>
+        <p:spPr>
+          <a:xfrm>
+            <a:off x="2771800" y="2564904"/>
+            <a:ext cx="288032" cy="0"/>
+          </a:xfrm>
+          <a:prstGeom prst="line">
+            <a:avLst/>
+          </a:prstGeom>
+          <a:ln w="38100">
+            <a:solidFill>
+              <a:srgbClr val="FF0000"/>
+            </a:solidFill>
+          </a:ln>
+        </p:spPr>
+        <p:style>
+          <a:lnRef idx="1">
+            <a:schemeClr val="accent1"/>
+          </a:lnRef>
+          <a:fillRef idx="0">
+            <a:schemeClr val="accent1"/>
+          </a:fillRef>
+          <a:effectRef idx="0">
+            <a:schemeClr val="accent1"/>
+          </a:effectRef>
+          <a:fontRef idx="minor">
+            <a:schemeClr val="tx1"/>
+          </a:fontRef>
+        </p:style>
+      </p:cxnSp>
+      <p:cxnSp>
+        <p:nvCxnSpPr>
+          <p:cNvPr id="17" name="直線コネクタ 16"/>
+          <p:cNvCxnSpPr/>
+          <p:nvPr/>
+        </p:nvCxnSpPr>
+        <p:spPr>
+          <a:xfrm>
+            <a:off x="1475656" y="2636912"/>
+            <a:ext cx="288032" cy="0"/>
+          </a:xfrm>
+          <a:prstGeom prst="line">
+            <a:avLst/>
+          </a:prstGeom>
+          <a:ln w="38100">
+            <a:solidFill>
+              <a:srgbClr val="FF0000"/>
+            </a:solidFill>
+          </a:ln>
+        </p:spPr>
+        <p:style>
+          <a:lnRef idx="1">
+            <a:schemeClr val="accent1"/>
+          </a:lnRef>
+          <a:fillRef idx="0">
+            <a:schemeClr val="accent1"/>
+          </a:fillRef>
+          <a:effectRef idx="0">
+            <a:schemeClr val="accent1"/>
+          </a:effectRef>
+          <a:fontRef idx="minor">
+            <a:schemeClr val="tx1"/>
+          </a:fontRef>
+        </p:style>
+      </p:cxnSp>
+      <p:cxnSp>
+        <p:nvCxnSpPr>
+          <p:cNvPr id="18" name="直線コネクタ 17"/>
+          <p:cNvCxnSpPr/>
+          <p:nvPr/>
+        </p:nvCxnSpPr>
+        <p:spPr>
+          <a:xfrm>
+            <a:off x="1403648" y="2564904"/>
+            <a:ext cx="360040" cy="0"/>
+          </a:xfrm>
+          <a:prstGeom prst="line">
+            <a:avLst/>
+          </a:prstGeom>
+          <a:ln w="38100">
+            <a:solidFill>
+              <a:srgbClr val="FFC000"/>
+            </a:solidFill>
+          </a:ln>
+        </p:spPr>
+        <p:style>
+          <a:lnRef idx="1">
+            <a:schemeClr val="accent1"/>
+          </a:lnRef>
+          <a:fillRef idx="0">
+            <a:schemeClr val="accent1"/>
+          </a:fillRef>
+          <a:effectRef idx="0">
+            <a:schemeClr val="accent1"/>
+          </a:effectRef>
+          <a:fontRef idx="minor">
+            <a:schemeClr val="tx1"/>
+          </a:fontRef>
+        </p:style>
+      </p:cxnSp>
+      <p:cxnSp>
+        <p:nvCxnSpPr>
+          <p:cNvPr id="19" name="直線コネクタ 18"/>
+          <p:cNvCxnSpPr/>
+          <p:nvPr/>
+        </p:nvCxnSpPr>
+        <p:spPr>
+          <a:xfrm>
+            <a:off x="2123728" y="2564904"/>
+            <a:ext cx="288032" cy="0"/>
+          </a:xfrm>
+          <a:prstGeom prst="line">
+            <a:avLst/>
+          </a:prstGeom>
+          <a:ln w="38100">
+            <a:solidFill>
+              <a:srgbClr val="FF0000"/>
+            </a:solidFill>
+          </a:ln>
+        </p:spPr>
+        <p:style>
+          <a:lnRef idx="1">
+            <a:schemeClr val="accent1"/>
+          </a:lnRef>
+          <a:fillRef idx="0">
+            <a:schemeClr val="accent1"/>
+          </a:fillRef>
+          <a:effectRef idx="0">
+            <a:schemeClr val="accent1"/>
+          </a:effectRef>
+          <a:fontRef idx="minor">
+            <a:schemeClr val="tx1"/>
+          </a:fontRef>
+        </p:style>
+      </p:cxnSp>
+      <p:cxnSp>
+        <p:nvCxnSpPr>
+          <p:cNvPr id="20" name="直線コネクタ 19"/>
+          <p:cNvCxnSpPr/>
+          <p:nvPr/>
+        </p:nvCxnSpPr>
+        <p:spPr>
+          <a:xfrm>
+            <a:off x="2123728" y="2636912"/>
+            <a:ext cx="288032" cy="0"/>
+          </a:xfrm>
+          <a:prstGeom prst="line">
+            <a:avLst/>
+          </a:prstGeom>
+          <a:ln w="38100">
+            <a:solidFill>
+              <a:srgbClr val="FF0000"/>
+            </a:solidFill>
+          </a:ln>
+        </p:spPr>
+        <p:style>
+          <a:lnRef idx="1">
+            <a:schemeClr val="accent1"/>
+          </a:lnRef>
+          <a:fillRef idx="0">
+            <a:schemeClr val="accent1"/>
+          </a:fillRef>
+          <a:effectRef idx="0">
+            <a:schemeClr val="accent1"/>
+          </a:effectRef>
+          <a:fontRef idx="minor">
+            <a:schemeClr val="tx1"/>
+          </a:fontRef>
+        </p:style>
+      </p:cxnSp>
     </p:spTree>
   </p:cSld>
   <p:clrMapOvr>
@@ -5691,8 +7038,12 @@
           <a:lstStyle/>
           <a:p>
             <a:r>
+              <a:rPr kumimoji="1" lang="en-US" altLang="ja-JP" dirty="0" smtClean="0"/>
+              <a:t>Step2 </a:t>
+            </a:r>
+            <a:r>
               <a:rPr kumimoji="1" lang="ja-JP" altLang="en-US" dirty="0" smtClean="0"/>
-              <a:t>完成写真</a:t>
+              <a:t>　マイコン</a:t>
             </a:r>
             <a:endParaRPr kumimoji="1" lang="ja-JP" altLang="en-US" dirty="0"/>
           </a:p>
@@ -5710,55 +7061,308 @@
         </p:nvSpPr>
         <p:spPr>
           <a:xfrm>
-            <a:off x="457200" y="1600200"/>
-            <a:ext cx="8229600" cy="5257800"/>
+            <a:off x="4572000" y="1628800"/>
+            <a:ext cx="4114800" cy="4525963"/>
           </a:xfrm>
         </p:spPr>
         <p:txBody>
           <a:bodyPr>
-            <a:normAutofit lnSpcReduction="10000"/>
+            <a:normAutofit fontScale="85000" lnSpcReduction="20000"/>
           </a:bodyPr>
           <a:lstStyle/>
           <a:p>
-            <a:endParaRPr kumimoji="1" lang="en-US" altLang="ja-JP" dirty="0" smtClean="0"/>
-          </a:p>
-          <a:p>
-            <a:endParaRPr lang="en-US" altLang="ja-JP" dirty="0"/>
-          </a:p>
-          <a:p>
-            <a:endParaRPr kumimoji="1" lang="en-US" altLang="ja-JP" dirty="0" smtClean="0"/>
-          </a:p>
-          <a:p>
-            <a:endParaRPr lang="en-US" altLang="ja-JP" dirty="0"/>
-          </a:p>
-          <a:p>
-            <a:endParaRPr kumimoji="1" lang="en-US" altLang="ja-JP" dirty="0" smtClean="0"/>
-          </a:p>
-          <a:p>
-            <a:endParaRPr lang="en-US" altLang="ja-JP" dirty="0"/>
-          </a:p>
-          <a:p>
-            <a:endParaRPr kumimoji="1" lang="en-US" altLang="ja-JP" dirty="0" smtClean="0"/>
-          </a:p>
-          <a:p>
-            <a:endParaRPr lang="en-US" altLang="ja-JP" dirty="0"/>
-          </a:p>
-          <a:p>
-            <a:r>
-              <a:rPr kumimoji="1" lang="en-US" altLang="ja-JP" dirty="0" smtClean="0"/>
-              <a:t>Step by Step</a:t>
-            </a:r>
-            <a:r>
-              <a:rPr kumimoji="1" lang="ja-JP" altLang="en-US" dirty="0" smtClean="0"/>
-              <a:t>の手順書を作成予定</a:t>
-            </a:r>
-            <a:endParaRPr kumimoji="1" lang="ja-JP" altLang="en-US" dirty="0"/>
+            <a:pPr marL="514350" indent="-514350">
+              <a:buFont typeface="+mj-lt"/>
+              <a:buAutoNum type="arabicPeriod"/>
+            </a:pPr>
+            <a:r>
+              <a:rPr lang="en-US" altLang="ja-JP" dirty="0" smtClean="0"/>
+              <a:t>e10-e23-f10-f23’</a:t>
+            </a:r>
+            <a:r>
+              <a:rPr lang="ja-JP" altLang="en-US" dirty="0" smtClean="0"/>
+              <a:t>にマイコン</a:t>
+            </a:r>
+            <a:endParaRPr lang="en-US" altLang="ja-JP" dirty="0" smtClean="0"/>
+          </a:p>
+          <a:p>
+            <a:pPr marL="514350" indent="-514350">
+              <a:buFont typeface="+mj-lt"/>
+              <a:buAutoNum type="arabicPeriod"/>
+            </a:pPr>
+            <a:r>
+              <a:rPr lang="en-US" altLang="ja-JP" dirty="0" smtClean="0"/>
+              <a:t> </a:t>
+            </a:r>
+            <a:r>
+              <a:rPr lang="ja-JP" altLang="en-US" dirty="0" smtClean="0">
+                <a:solidFill>
+                  <a:srgbClr val="FF0000"/>
+                </a:solidFill>
+              </a:rPr>
+              <a:t>ー</a:t>
+            </a:r>
+            <a:r>
+              <a:rPr lang="ja-JP" altLang="en-US" dirty="0" smtClean="0"/>
+              <a:t>を</a:t>
+            </a:r>
+            <a:r>
+              <a:rPr lang="en-US" altLang="ja-JP" dirty="0" smtClean="0"/>
+              <a:t>f3-g23</a:t>
+            </a:r>
+            <a:r>
+              <a:rPr lang="ja-JP" altLang="en-US" dirty="0" smtClean="0"/>
+              <a:t>へ</a:t>
+            </a:r>
+            <a:endParaRPr lang="en-US" altLang="ja-JP" dirty="0" smtClean="0"/>
+          </a:p>
+          <a:p>
+            <a:pPr marL="514350" indent="-514350">
+              <a:buFont typeface="+mj-lt"/>
+              <a:buAutoNum type="arabicPeriod"/>
+            </a:pPr>
+            <a:r>
+              <a:rPr lang="ja-JP" altLang="en-US" dirty="0" smtClean="0"/>
+              <a:t> </a:t>
+            </a:r>
+            <a:r>
+              <a:rPr lang="ja-JP" altLang="en-US" dirty="0" smtClean="0">
+                <a:solidFill>
+                  <a:srgbClr val="FF0000"/>
+                </a:solidFill>
+              </a:rPr>
+              <a:t>ー</a:t>
+            </a:r>
+            <a:r>
+              <a:rPr lang="ja-JP" altLang="en-US" dirty="0" smtClean="0"/>
+              <a:t>を</a:t>
+            </a:r>
+            <a:r>
+              <a:rPr lang="en-US" altLang="ja-JP" dirty="0" smtClean="0"/>
+              <a:t>j10-</a:t>
+            </a:r>
+            <a:r>
+              <a:rPr lang="ja-JP" altLang="en-US" dirty="0" smtClean="0">
+                <a:solidFill>
+                  <a:srgbClr val="0070C0"/>
+                </a:solidFill>
+              </a:rPr>
+              <a:t>ー</a:t>
+            </a:r>
+            <a:r>
+              <a:rPr lang="ja-JP" altLang="en-US" dirty="0" smtClean="0"/>
+              <a:t>へ</a:t>
+            </a:r>
+            <a:endParaRPr lang="en-US" altLang="ja-JP" dirty="0" smtClean="0"/>
+          </a:p>
+          <a:p>
+            <a:pPr marL="514350" indent="-514350">
+              <a:buFont typeface="+mj-lt"/>
+              <a:buAutoNum type="arabicPeriod"/>
+            </a:pPr>
+            <a:r>
+              <a:rPr lang="en-US" altLang="ja-JP" dirty="0" smtClean="0"/>
+              <a:t> </a:t>
+            </a:r>
+            <a:r>
+              <a:rPr lang="ja-JP" altLang="en-US" dirty="0" smtClean="0">
+                <a:solidFill>
+                  <a:srgbClr val="FFC000"/>
+                </a:solidFill>
+              </a:rPr>
+              <a:t>ー</a:t>
+            </a:r>
+            <a:r>
+              <a:rPr lang="ja-JP" altLang="en-US" dirty="0" smtClean="0"/>
+              <a:t>を</a:t>
+            </a:r>
+            <a:r>
+              <a:rPr lang="en-US" altLang="ja-JP" dirty="0" smtClean="0"/>
+              <a:t>j11-</a:t>
+            </a:r>
+            <a:r>
+              <a:rPr lang="ja-JP" altLang="en-US" dirty="0" smtClean="0">
+                <a:solidFill>
+                  <a:srgbClr val="FF0000"/>
+                </a:solidFill>
+              </a:rPr>
+              <a:t>＋</a:t>
+            </a:r>
+            <a:r>
+              <a:rPr lang="ja-JP" altLang="en-US" dirty="0" smtClean="0"/>
+              <a:t>へ</a:t>
+            </a:r>
+            <a:endParaRPr lang="en-US" altLang="ja-JP" dirty="0" smtClean="0"/>
+          </a:p>
+          <a:p>
+            <a:pPr marL="514350" indent="-514350">
+              <a:buFont typeface="+mj-lt"/>
+              <a:buAutoNum type="arabicPeriod"/>
+            </a:pPr>
+            <a:r>
+              <a:rPr lang="en-US" altLang="ja-JP" dirty="0" smtClean="0"/>
+              <a:t> </a:t>
+            </a:r>
+            <a:r>
+              <a:rPr lang="ja-JP" altLang="en-US" dirty="0" smtClean="0">
+                <a:solidFill>
+                  <a:srgbClr val="FF0000"/>
+                </a:solidFill>
+              </a:rPr>
+              <a:t>ー</a:t>
+            </a:r>
+            <a:r>
+              <a:rPr lang="ja-JP" altLang="en-US" dirty="0" smtClean="0"/>
+              <a:t>を</a:t>
+            </a:r>
+            <a:r>
+              <a:rPr lang="en-US" altLang="ja-JP" dirty="0" smtClean="0"/>
+              <a:t>j15-</a:t>
+            </a:r>
+            <a:r>
+              <a:rPr lang="ja-JP" altLang="en-US" dirty="0" smtClean="0">
+                <a:solidFill>
+                  <a:srgbClr val="0070C0"/>
+                </a:solidFill>
+              </a:rPr>
+              <a:t>ー</a:t>
+            </a:r>
+            <a:r>
+              <a:rPr lang="ja-JP" altLang="en-US" dirty="0" smtClean="0"/>
+              <a:t>へ</a:t>
+            </a:r>
+            <a:endParaRPr lang="en-US" altLang="ja-JP" dirty="0" smtClean="0"/>
+          </a:p>
+          <a:p>
+            <a:pPr marL="514350" indent="-514350">
+              <a:buFont typeface="+mj-lt"/>
+              <a:buAutoNum type="arabicPeriod"/>
+            </a:pPr>
+            <a:r>
+              <a:rPr lang="en-US" altLang="ja-JP" dirty="0" smtClean="0"/>
+              <a:t> </a:t>
+            </a:r>
+            <a:r>
+              <a:rPr lang="ja-JP" altLang="en-US" dirty="0" smtClean="0">
+                <a:solidFill>
+                  <a:srgbClr val="FFC000"/>
+                </a:solidFill>
+              </a:rPr>
+              <a:t>ー</a:t>
+            </a:r>
+            <a:r>
+              <a:rPr lang="ja-JP" altLang="en-US" dirty="0" smtClean="0"/>
+              <a:t>を</a:t>
+            </a:r>
+            <a:r>
+              <a:rPr lang="en-US" altLang="ja-JP" dirty="0" smtClean="0"/>
+              <a:t>j19-</a:t>
+            </a:r>
+            <a:r>
+              <a:rPr lang="ja-JP" altLang="en-US" dirty="0" smtClean="0">
+                <a:solidFill>
+                  <a:srgbClr val="FF0000"/>
+                </a:solidFill>
+              </a:rPr>
+              <a:t>＋</a:t>
+            </a:r>
+            <a:r>
+              <a:rPr lang="ja-JP" altLang="en-US" dirty="0" smtClean="0"/>
+              <a:t>へ</a:t>
+            </a:r>
+            <a:endParaRPr lang="en-US" altLang="ja-JP" dirty="0" smtClean="0"/>
+          </a:p>
+          <a:p>
+            <a:pPr marL="514350" indent="-514350">
+              <a:buFont typeface="+mj-lt"/>
+              <a:buAutoNum type="arabicPeriod"/>
+            </a:pPr>
+            <a:r>
+              <a:rPr lang="ja-JP" altLang="en-US" dirty="0" smtClean="0"/>
+              <a:t>積層セラミックコンデンサー１</a:t>
+            </a:r>
+            <a:r>
+              <a:rPr lang="en-US" altLang="ja-JP" dirty="0" smtClean="0"/>
+              <a:t>0μ</a:t>
+            </a:r>
+            <a:r>
+              <a:rPr lang="ja-JP" altLang="en-US" dirty="0" smtClean="0"/>
+              <a:t>Ｆ２５を</a:t>
+            </a:r>
+            <a:r>
+              <a:rPr lang="en-US" altLang="ja-JP" dirty="0" smtClean="0"/>
+              <a:t>j18-</a:t>
+            </a:r>
+            <a:r>
+              <a:rPr lang="ja-JP" altLang="en-US" dirty="0" smtClean="0">
+                <a:solidFill>
+                  <a:srgbClr val="0070C0"/>
+                </a:solidFill>
+              </a:rPr>
+              <a:t>ー</a:t>
+            </a:r>
+            <a:r>
+              <a:rPr lang="ja-JP" altLang="en-US" dirty="0" smtClean="0"/>
+              <a:t>へ</a:t>
+            </a:r>
+            <a:endParaRPr lang="en-US" altLang="ja-JP" dirty="0" smtClean="0"/>
+          </a:p>
+          <a:p>
+            <a:pPr marL="514350" indent="-514350">
+              <a:buFont typeface="+mj-lt"/>
+              <a:buAutoNum type="arabicPeriod"/>
+            </a:pPr>
+            <a:r>
+              <a:rPr lang="ja-JP" altLang="en-US" dirty="0" smtClean="0"/>
+              <a:t>抵抗</a:t>
+            </a:r>
+            <a:r>
+              <a:rPr lang="en-US" altLang="ja-JP" dirty="0" smtClean="0"/>
+              <a:t>10kΩ</a:t>
+            </a:r>
+            <a:r>
+              <a:rPr lang="ja-JP" altLang="en-US" dirty="0" smtClean="0"/>
+              <a:t>を</a:t>
+            </a:r>
+            <a:r>
+              <a:rPr lang="en-US" altLang="ja-JP" dirty="0" smtClean="0"/>
+              <a:t>a10-</a:t>
+            </a:r>
+            <a:r>
+              <a:rPr lang="ja-JP" altLang="en-US" dirty="0" smtClean="0">
+                <a:solidFill>
+                  <a:srgbClr val="FF0000"/>
+                </a:solidFill>
+              </a:rPr>
+              <a:t> ＋</a:t>
+            </a:r>
+            <a:r>
+              <a:rPr lang="ja-JP" altLang="en-US" dirty="0" smtClean="0"/>
+              <a:t>へ</a:t>
+            </a:r>
+            <a:endParaRPr lang="en-US" altLang="ja-JP" dirty="0" smtClean="0"/>
+          </a:p>
+          <a:p>
+            <a:pPr marL="514350" indent="-514350">
+              <a:buFont typeface="+mj-lt"/>
+              <a:buAutoNum type="arabicPeriod"/>
+            </a:pPr>
+            <a:endParaRPr lang="en-US" altLang="ja-JP" dirty="0" smtClean="0"/>
+          </a:p>
+          <a:p>
+            <a:endParaRPr lang="en-US" altLang="ja-JP" sz="2400" dirty="0" smtClean="0"/>
+          </a:p>
+          <a:p>
+            <a:endParaRPr lang="en-US" altLang="ja-JP" sz="2400" dirty="0" smtClean="0"/>
+          </a:p>
+          <a:p>
+            <a:endParaRPr kumimoji="1" lang="en-US" altLang="ja-JP" sz="2400" dirty="0" smtClean="0"/>
           </a:p>
         </p:txBody>
       </p:sp>
       <p:pic>
         <p:nvPicPr>
-          <p:cNvPr id="9218" name="Picture 2" descr="C:\Users\hideo\Desktop\IMG_20120128_112545.jpg"/>
+          <p:cNvPr id="4" name="Picture 2" descr="C:\Users\hideo\Desktop\img008.jpg"/>
           <p:cNvPicPr>
             <a:picLocks noChangeAspect="1" noChangeArrowheads="1"/>
           </p:cNvPicPr>
@@ -5773,8 +7377,8 @@
         </p:blipFill>
         <p:spPr bwMode="auto">
           <a:xfrm>
-            <a:off x="1331640" y="1340768"/>
-            <a:ext cx="5990722" cy="4493042"/>
+            <a:off x="1259632" y="2370237"/>
+            <a:ext cx="2038350" cy="3074987"/>
           </a:xfrm>
           <a:prstGeom prst="rect">
             <a:avLst/>
@@ -5782,6 +7386,815 @@
           <a:noFill/>
         </p:spPr>
       </p:pic>
+      <p:grpSp>
+        <p:nvGrpSpPr>
+          <p:cNvPr id="5" name="グループ化 4"/>
+          <p:cNvGrpSpPr/>
+          <p:nvPr/>
+        </p:nvGrpSpPr>
+        <p:grpSpPr>
+          <a:xfrm rot="5400000">
+            <a:off x="2233603" y="2458755"/>
+            <a:ext cx="428322" cy="360040"/>
+            <a:chOff x="706904" y="4941168"/>
+            <a:chExt cx="610626" cy="432048"/>
+          </a:xfrm>
+        </p:grpSpPr>
+        <p:sp>
+          <p:nvSpPr>
+            <p:cNvPr id="6" name="弦 5"/>
+            <p:cNvSpPr/>
+            <p:nvPr/>
+          </p:nvSpPr>
+          <p:spPr>
+            <a:xfrm rot="5400000">
+              <a:off x="791580" y="4977172"/>
+              <a:ext cx="432048" cy="360040"/>
+            </a:xfrm>
+            <a:prstGeom prst="chord">
+              <a:avLst>
+                <a:gd name="adj1" fmla="val 6090016"/>
+                <a:gd name="adj2" fmla="val 15497786"/>
+              </a:avLst>
+            </a:prstGeom>
+          </p:spPr>
+          <p:style>
+            <a:lnRef idx="2">
+              <a:schemeClr val="accent1">
+                <a:shade val="50000"/>
+              </a:schemeClr>
+            </a:lnRef>
+            <a:fillRef idx="1">
+              <a:schemeClr val="accent1"/>
+            </a:fillRef>
+            <a:effectRef idx="0">
+              <a:schemeClr val="accent1"/>
+            </a:effectRef>
+            <a:fontRef idx="minor">
+              <a:schemeClr val="lt1"/>
+            </a:fontRef>
+          </p:style>
+          <p:txBody>
+            <a:bodyPr rtlCol="0" anchor="ctr"/>
+            <a:lstStyle/>
+            <a:p>
+              <a:pPr algn="ctr"/>
+              <a:endParaRPr kumimoji="1" lang="ja-JP" altLang="en-US"/>
+            </a:p>
+          </p:txBody>
+        </p:sp>
+        <p:sp>
+          <p:nvSpPr>
+            <p:cNvPr id="7" name="正方形/長方形 6"/>
+            <p:cNvSpPr/>
+            <p:nvPr/>
+          </p:nvSpPr>
+          <p:spPr>
+            <a:xfrm>
+              <a:off x="827584" y="5085184"/>
+              <a:ext cx="72008" cy="45719"/>
+            </a:xfrm>
+            <a:prstGeom prst="rect">
+              <a:avLst/>
+            </a:prstGeom>
+          </p:spPr>
+          <p:style>
+            <a:lnRef idx="2">
+              <a:schemeClr val="accent1">
+                <a:shade val="50000"/>
+              </a:schemeClr>
+            </a:lnRef>
+            <a:fillRef idx="1">
+              <a:schemeClr val="accent1"/>
+            </a:fillRef>
+            <a:effectRef idx="0">
+              <a:schemeClr val="accent1"/>
+            </a:effectRef>
+            <a:fontRef idx="minor">
+              <a:schemeClr val="lt1"/>
+            </a:fontRef>
+          </p:style>
+          <p:txBody>
+            <a:bodyPr rtlCol="0" anchor="ctr"/>
+            <a:lstStyle/>
+            <a:p>
+              <a:pPr algn="ctr"/>
+              <a:endParaRPr kumimoji="1" lang="ja-JP" altLang="en-US" dirty="0"/>
+            </a:p>
+          </p:txBody>
+        </p:sp>
+        <p:sp>
+          <p:nvSpPr>
+            <p:cNvPr id="8" name="正方形/長方形 7"/>
+            <p:cNvSpPr/>
+            <p:nvPr/>
+          </p:nvSpPr>
+          <p:spPr>
+            <a:xfrm>
+              <a:off x="979984" y="5085184"/>
+              <a:ext cx="72008" cy="45719"/>
+            </a:xfrm>
+            <a:prstGeom prst="rect">
+              <a:avLst/>
+            </a:prstGeom>
+          </p:spPr>
+          <p:style>
+            <a:lnRef idx="2">
+              <a:schemeClr val="accent1">
+                <a:shade val="50000"/>
+              </a:schemeClr>
+            </a:lnRef>
+            <a:fillRef idx="1">
+              <a:schemeClr val="accent1"/>
+            </a:fillRef>
+            <a:effectRef idx="0">
+              <a:schemeClr val="accent1"/>
+            </a:effectRef>
+            <a:fontRef idx="minor">
+              <a:schemeClr val="lt1"/>
+            </a:fontRef>
+          </p:style>
+          <p:txBody>
+            <a:bodyPr rtlCol="0" anchor="ctr"/>
+            <a:lstStyle/>
+            <a:p>
+              <a:pPr algn="ctr"/>
+              <a:endParaRPr kumimoji="1" lang="ja-JP" altLang="en-US" dirty="0"/>
+            </a:p>
+          </p:txBody>
+        </p:sp>
+        <p:sp>
+          <p:nvSpPr>
+            <p:cNvPr id="9" name="正方形/長方形 8"/>
+            <p:cNvSpPr/>
+            <p:nvPr/>
+          </p:nvSpPr>
+          <p:spPr>
+            <a:xfrm>
+              <a:off x="1115616" y="5085184"/>
+              <a:ext cx="72008" cy="45719"/>
+            </a:xfrm>
+            <a:prstGeom prst="rect">
+              <a:avLst/>
+            </a:prstGeom>
+          </p:spPr>
+          <p:style>
+            <a:lnRef idx="2">
+              <a:schemeClr val="accent1">
+                <a:shade val="50000"/>
+              </a:schemeClr>
+            </a:lnRef>
+            <a:fillRef idx="1">
+              <a:schemeClr val="accent1"/>
+            </a:fillRef>
+            <a:effectRef idx="0">
+              <a:schemeClr val="accent1"/>
+            </a:effectRef>
+            <a:fontRef idx="minor">
+              <a:schemeClr val="lt1"/>
+            </a:fontRef>
+          </p:style>
+          <p:txBody>
+            <a:bodyPr rtlCol="0" anchor="ctr"/>
+            <a:lstStyle/>
+            <a:p>
+              <a:pPr algn="ctr"/>
+              <a:endParaRPr kumimoji="1" lang="ja-JP" altLang="en-US" dirty="0"/>
+            </a:p>
+          </p:txBody>
+        </p:sp>
+        <p:sp>
+          <p:nvSpPr>
+            <p:cNvPr id="10" name="テキスト ボックス 9"/>
+            <p:cNvSpPr txBox="1"/>
+            <p:nvPr/>
+          </p:nvSpPr>
+          <p:spPr>
+            <a:xfrm>
+              <a:off x="706904" y="5082876"/>
+              <a:ext cx="610626" cy="258533"/>
+            </a:xfrm>
+            <a:prstGeom prst="rect">
+              <a:avLst/>
+            </a:prstGeom>
+            <a:noFill/>
+          </p:spPr>
+          <p:txBody>
+            <a:bodyPr wrap="none" rtlCol="0">
+              <a:spAutoFit/>
+            </a:bodyPr>
+            <a:lstStyle/>
+            <a:p>
+              <a:r>
+                <a:rPr kumimoji="1" lang="en-US" altLang="ja-JP" sz="800" dirty="0" smtClean="0"/>
+                <a:t>1  2  3</a:t>
+              </a:r>
+              <a:endParaRPr kumimoji="1" lang="ja-JP" altLang="en-US" sz="800" dirty="0"/>
+            </a:p>
+          </p:txBody>
+        </p:sp>
+      </p:grpSp>
+      <p:cxnSp>
+        <p:nvCxnSpPr>
+          <p:cNvPr id="12" name="直線コネクタ 11"/>
+          <p:cNvCxnSpPr/>
+          <p:nvPr/>
+        </p:nvCxnSpPr>
+        <p:spPr>
+          <a:xfrm>
+            <a:off x="2771800" y="2636912"/>
+            <a:ext cx="360040" cy="0"/>
+          </a:xfrm>
+          <a:prstGeom prst="line">
+            <a:avLst/>
+          </a:prstGeom>
+          <a:ln w="38100">
+            <a:solidFill>
+              <a:srgbClr val="FFC000"/>
+            </a:solidFill>
+          </a:ln>
+        </p:spPr>
+        <p:style>
+          <a:lnRef idx="1">
+            <a:schemeClr val="accent1"/>
+          </a:lnRef>
+          <a:fillRef idx="0">
+            <a:schemeClr val="accent1"/>
+          </a:fillRef>
+          <a:effectRef idx="0">
+            <a:schemeClr val="accent1"/>
+          </a:effectRef>
+          <a:fontRef idx="minor">
+            <a:schemeClr val="tx1"/>
+          </a:fontRef>
+        </p:style>
+      </p:cxnSp>
+      <p:cxnSp>
+        <p:nvCxnSpPr>
+          <p:cNvPr id="13" name="直線コネクタ 12"/>
+          <p:cNvCxnSpPr/>
+          <p:nvPr/>
+        </p:nvCxnSpPr>
+        <p:spPr>
+          <a:xfrm>
+            <a:off x="2771800" y="2564904"/>
+            <a:ext cx="288032" cy="0"/>
+          </a:xfrm>
+          <a:prstGeom prst="line">
+            <a:avLst/>
+          </a:prstGeom>
+          <a:ln w="38100">
+            <a:solidFill>
+              <a:srgbClr val="FF0000"/>
+            </a:solidFill>
+          </a:ln>
+        </p:spPr>
+        <p:style>
+          <a:lnRef idx="1">
+            <a:schemeClr val="accent1"/>
+          </a:lnRef>
+          <a:fillRef idx="0">
+            <a:schemeClr val="accent1"/>
+          </a:fillRef>
+          <a:effectRef idx="0">
+            <a:schemeClr val="accent1"/>
+          </a:effectRef>
+          <a:fontRef idx="minor">
+            <a:schemeClr val="tx1"/>
+          </a:fontRef>
+        </p:style>
+      </p:cxnSp>
+      <p:cxnSp>
+        <p:nvCxnSpPr>
+          <p:cNvPr id="17" name="直線コネクタ 16"/>
+          <p:cNvCxnSpPr/>
+          <p:nvPr/>
+        </p:nvCxnSpPr>
+        <p:spPr>
+          <a:xfrm>
+            <a:off x="1475656" y="2636912"/>
+            <a:ext cx="288032" cy="0"/>
+          </a:xfrm>
+          <a:prstGeom prst="line">
+            <a:avLst/>
+          </a:prstGeom>
+          <a:ln w="38100">
+            <a:solidFill>
+              <a:srgbClr val="FF0000"/>
+            </a:solidFill>
+          </a:ln>
+        </p:spPr>
+        <p:style>
+          <a:lnRef idx="1">
+            <a:schemeClr val="accent1"/>
+          </a:lnRef>
+          <a:fillRef idx="0">
+            <a:schemeClr val="accent1"/>
+          </a:fillRef>
+          <a:effectRef idx="0">
+            <a:schemeClr val="accent1"/>
+          </a:effectRef>
+          <a:fontRef idx="minor">
+            <a:schemeClr val="tx1"/>
+          </a:fontRef>
+        </p:style>
+      </p:cxnSp>
+      <p:cxnSp>
+        <p:nvCxnSpPr>
+          <p:cNvPr id="18" name="直線コネクタ 17"/>
+          <p:cNvCxnSpPr/>
+          <p:nvPr/>
+        </p:nvCxnSpPr>
+        <p:spPr>
+          <a:xfrm>
+            <a:off x="1403648" y="2564904"/>
+            <a:ext cx="360040" cy="0"/>
+          </a:xfrm>
+          <a:prstGeom prst="line">
+            <a:avLst/>
+          </a:prstGeom>
+          <a:ln w="38100">
+            <a:solidFill>
+              <a:srgbClr val="FFC000"/>
+            </a:solidFill>
+          </a:ln>
+        </p:spPr>
+        <p:style>
+          <a:lnRef idx="1">
+            <a:schemeClr val="accent1"/>
+          </a:lnRef>
+          <a:fillRef idx="0">
+            <a:schemeClr val="accent1"/>
+          </a:fillRef>
+          <a:effectRef idx="0">
+            <a:schemeClr val="accent1"/>
+          </a:effectRef>
+          <a:fontRef idx="minor">
+            <a:schemeClr val="tx1"/>
+          </a:fontRef>
+        </p:style>
+      </p:cxnSp>
+      <p:cxnSp>
+        <p:nvCxnSpPr>
+          <p:cNvPr id="19" name="直線コネクタ 18"/>
+          <p:cNvCxnSpPr/>
+          <p:nvPr/>
+        </p:nvCxnSpPr>
+        <p:spPr>
+          <a:xfrm>
+            <a:off x="2123728" y="2564904"/>
+            <a:ext cx="288032" cy="0"/>
+          </a:xfrm>
+          <a:prstGeom prst="line">
+            <a:avLst/>
+          </a:prstGeom>
+          <a:ln w="38100">
+            <a:solidFill>
+              <a:srgbClr val="FF0000"/>
+            </a:solidFill>
+          </a:ln>
+        </p:spPr>
+        <p:style>
+          <a:lnRef idx="1">
+            <a:schemeClr val="accent1"/>
+          </a:lnRef>
+          <a:fillRef idx="0">
+            <a:schemeClr val="accent1"/>
+          </a:fillRef>
+          <a:effectRef idx="0">
+            <a:schemeClr val="accent1"/>
+          </a:effectRef>
+          <a:fontRef idx="minor">
+            <a:schemeClr val="tx1"/>
+          </a:fontRef>
+        </p:style>
+      </p:cxnSp>
+      <p:cxnSp>
+        <p:nvCxnSpPr>
+          <p:cNvPr id="20" name="直線コネクタ 19"/>
+          <p:cNvCxnSpPr/>
+          <p:nvPr/>
+        </p:nvCxnSpPr>
+        <p:spPr>
+          <a:xfrm>
+            <a:off x="2123728" y="2636912"/>
+            <a:ext cx="288032" cy="0"/>
+          </a:xfrm>
+          <a:prstGeom prst="line">
+            <a:avLst/>
+          </a:prstGeom>
+          <a:ln w="38100">
+            <a:solidFill>
+              <a:srgbClr val="FF0000"/>
+            </a:solidFill>
+          </a:ln>
+        </p:spPr>
+        <p:style>
+          <a:lnRef idx="1">
+            <a:schemeClr val="accent1"/>
+          </a:lnRef>
+          <a:fillRef idx="0">
+            <a:schemeClr val="accent1"/>
+          </a:fillRef>
+          <a:effectRef idx="0">
+            <a:schemeClr val="accent1"/>
+          </a:effectRef>
+          <a:fontRef idx="minor">
+            <a:schemeClr val="tx1"/>
+          </a:fontRef>
+        </p:style>
+      </p:cxnSp>
+      <p:sp>
+        <p:nvSpPr>
+          <p:cNvPr id="21" name="正方形/長方形 20"/>
+          <p:cNvSpPr/>
+          <p:nvPr/>
+        </p:nvSpPr>
+        <p:spPr>
+          <a:xfrm>
+            <a:off x="2123728" y="3356992"/>
+            <a:ext cx="288032" cy="1224136"/>
+          </a:xfrm>
+          <a:prstGeom prst="rect">
+            <a:avLst/>
+          </a:prstGeom>
+        </p:spPr>
+        <p:style>
+          <a:lnRef idx="2">
+            <a:schemeClr val="accent1">
+              <a:shade val="50000"/>
+            </a:schemeClr>
+          </a:lnRef>
+          <a:fillRef idx="1">
+            <a:schemeClr val="accent1"/>
+          </a:fillRef>
+          <a:effectRef idx="0">
+            <a:schemeClr val="accent1"/>
+          </a:effectRef>
+          <a:fontRef idx="minor">
+            <a:schemeClr val="lt1"/>
+          </a:fontRef>
+        </p:style>
+        <p:txBody>
+          <a:bodyPr rtlCol="0" anchor="ctr"/>
+          <a:lstStyle/>
+          <a:p>
+            <a:pPr algn="ctr"/>
+            <a:endParaRPr kumimoji="1" lang="ja-JP" altLang="en-US"/>
+          </a:p>
+        </p:txBody>
+      </p:sp>
+      <p:cxnSp>
+        <p:nvCxnSpPr>
+          <p:cNvPr id="22" name="直線コネクタ 21"/>
+          <p:cNvCxnSpPr/>
+          <p:nvPr/>
+        </p:nvCxnSpPr>
+        <p:spPr>
+          <a:xfrm>
+            <a:off x="2411760" y="2708920"/>
+            <a:ext cx="72008" cy="576064"/>
+          </a:xfrm>
+          <a:prstGeom prst="line">
+            <a:avLst/>
+          </a:prstGeom>
+          <a:ln w="38100">
+            <a:solidFill>
+              <a:srgbClr val="FF0000"/>
+            </a:solidFill>
+          </a:ln>
+        </p:spPr>
+        <p:style>
+          <a:lnRef idx="1">
+            <a:schemeClr val="accent1"/>
+          </a:lnRef>
+          <a:fillRef idx="0">
+            <a:schemeClr val="accent1"/>
+          </a:fillRef>
+          <a:effectRef idx="0">
+            <a:schemeClr val="accent1"/>
+          </a:effectRef>
+          <a:fontRef idx="minor">
+            <a:schemeClr val="tx1"/>
+          </a:fontRef>
+        </p:style>
+      </p:cxnSp>
+      <p:cxnSp>
+        <p:nvCxnSpPr>
+          <p:cNvPr id="26" name="直線コネクタ 25"/>
+          <p:cNvCxnSpPr/>
+          <p:nvPr/>
+        </p:nvCxnSpPr>
+        <p:spPr>
+          <a:xfrm>
+            <a:off x="2483768" y="3284984"/>
+            <a:ext cx="0" cy="1296144"/>
+          </a:xfrm>
+          <a:prstGeom prst="line">
+            <a:avLst/>
+          </a:prstGeom>
+          <a:ln w="38100">
+            <a:solidFill>
+              <a:srgbClr val="FF0000"/>
+            </a:solidFill>
+          </a:ln>
+        </p:spPr>
+        <p:style>
+          <a:lnRef idx="1">
+            <a:schemeClr val="accent1"/>
+          </a:lnRef>
+          <a:fillRef idx="0">
+            <a:schemeClr val="accent1"/>
+          </a:fillRef>
+          <a:effectRef idx="0">
+            <a:schemeClr val="accent1"/>
+          </a:effectRef>
+          <a:fontRef idx="minor">
+            <a:schemeClr val="tx1"/>
+          </a:fontRef>
+        </p:style>
+      </p:cxnSp>
+      <p:cxnSp>
+        <p:nvCxnSpPr>
+          <p:cNvPr id="31" name="直線コネクタ 30"/>
+          <p:cNvCxnSpPr/>
+          <p:nvPr/>
+        </p:nvCxnSpPr>
+        <p:spPr>
+          <a:xfrm>
+            <a:off x="2771800" y="4221088"/>
+            <a:ext cx="360040" cy="0"/>
+          </a:xfrm>
+          <a:prstGeom prst="line">
+            <a:avLst/>
+          </a:prstGeom>
+          <a:ln w="38100">
+            <a:solidFill>
+              <a:srgbClr val="FFC000"/>
+            </a:solidFill>
+          </a:ln>
+        </p:spPr>
+        <p:style>
+          <a:lnRef idx="1">
+            <a:schemeClr val="accent1"/>
+          </a:lnRef>
+          <a:fillRef idx="0">
+            <a:schemeClr val="accent1"/>
+          </a:fillRef>
+          <a:effectRef idx="0">
+            <a:schemeClr val="accent1"/>
+          </a:effectRef>
+          <a:fontRef idx="minor">
+            <a:schemeClr val="tx1"/>
+          </a:fontRef>
+        </p:style>
+      </p:cxnSp>
+      <p:cxnSp>
+        <p:nvCxnSpPr>
+          <p:cNvPr id="32" name="直線コネクタ 31"/>
+          <p:cNvCxnSpPr/>
+          <p:nvPr/>
+        </p:nvCxnSpPr>
+        <p:spPr>
+          <a:xfrm>
+            <a:off x="2771800" y="3429000"/>
+            <a:ext cx="360040" cy="0"/>
+          </a:xfrm>
+          <a:prstGeom prst="line">
+            <a:avLst/>
+          </a:prstGeom>
+          <a:ln w="38100">
+            <a:solidFill>
+              <a:srgbClr val="FFC000"/>
+            </a:solidFill>
+          </a:ln>
+        </p:spPr>
+        <p:style>
+          <a:lnRef idx="1">
+            <a:schemeClr val="accent1"/>
+          </a:lnRef>
+          <a:fillRef idx="0">
+            <a:schemeClr val="accent1"/>
+          </a:fillRef>
+          <a:effectRef idx="0">
+            <a:schemeClr val="accent1"/>
+          </a:effectRef>
+          <a:fontRef idx="minor">
+            <a:schemeClr val="tx1"/>
+          </a:fontRef>
+        </p:style>
+      </p:cxnSp>
+      <p:cxnSp>
+        <p:nvCxnSpPr>
+          <p:cNvPr id="33" name="直線コネクタ 32"/>
+          <p:cNvCxnSpPr/>
+          <p:nvPr/>
+        </p:nvCxnSpPr>
+        <p:spPr>
+          <a:xfrm>
+            <a:off x="2771800" y="3356992"/>
+            <a:ext cx="288032" cy="0"/>
+          </a:xfrm>
+          <a:prstGeom prst="line">
+            <a:avLst/>
+          </a:prstGeom>
+          <a:ln w="38100">
+            <a:solidFill>
+              <a:srgbClr val="FF0000"/>
+            </a:solidFill>
+          </a:ln>
+        </p:spPr>
+        <p:style>
+          <a:lnRef idx="1">
+            <a:schemeClr val="accent1"/>
+          </a:lnRef>
+          <a:fillRef idx="0">
+            <a:schemeClr val="accent1"/>
+          </a:fillRef>
+          <a:effectRef idx="0">
+            <a:schemeClr val="accent1"/>
+          </a:effectRef>
+          <a:fontRef idx="minor">
+            <a:schemeClr val="tx1"/>
+          </a:fontRef>
+        </p:style>
+      </p:cxnSp>
+      <p:cxnSp>
+        <p:nvCxnSpPr>
+          <p:cNvPr id="34" name="直線コネクタ 33"/>
+          <p:cNvCxnSpPr/>
+          <p:nvPr/>
+        </p:nvCxnSpPr>
+        <p:spPr>
+          <a:xfrm>
+            <a:off x="2771800" y="3789040"/>
+            <a:ext cx="288032" cy="0"/>
+          </a:xfrm>
+          <a:prstGeom prst="line">
+            <a:avLst/>
+          </a:prstGeom>
+          <a:ln w="38100">
+            <a:solidFill>
+              <a:srgbClr val="FF0000"/>
+            </a:solidFill>
+          </a:ln>
+        </p:spPr>
+        <p:style>
+          <a:lnRef idx="1">
+            <a:schemeClr val="accent1"/>
+          </a:lnRef>
+          <a:fillRef idx="0">
+            <a:schemeClr val="accent1"/>
+          </a:fillRef>
+          <a:effectRef idx="0">
+            <a:schemeClr val="accent1"/>
+          </a:effectRef>
+          <a:fontRef idx="minor">
+            <a:schemeClr val="tx1"/>
+          </a:fontRef>
+        </p:style>
+      </p:cxnSp>
+      <p:cxnSp>
+        <p:nvCxnSpPr>
+          <p:cNvPr id="35" name="直線コネクタ 34"/>
+          <p:cNvCxnSpPr/>
+          <p:nvPr/>
+        </p:nvCxnSpPr>
+        <p:spPr>
+          <a:xfrm>
+            <a:off x="1403648" y="3356992"/>
+            <a:ext cx="288032" cy="0"/>
+          </a:xfrm>
+          <a:prstGeom prst="line">
+            <a:avLst/>
+          </a:prstGeom>
+          <a:ln w="38100">
+            <a:solidFill>
+              <a:schemeClr val="tx1">
+                <a:lumMod val="95000"/>
+                <a:lumOff val="5000"/>
+              </a:schemeClr>
+            </a:solidFill>
+          </a:ln>
+        </p:spPr>
+        <p:style>
+          <a:lnRef idx="1">
+            <a:schemeClr val="accent1"/>
+          </a:lnRef>
+          <a:fillRef idx="0">
+            <a:schemeClr val="accent1"/>
+          </a:fillRef>
+          <a:effectRef idx="0">
+            <a:schemeClr val="accent1"/>
+          </a:effectRef>
+          <a:fontRef idx="minor">
+            <a:schemeClr val="tx1"/>
+          </a:fontRef>
+        </p:style>
+      </p:cxnSp>
+      <p:cxnSp>
+        <p:nvCxnSpPr>
+          <p:cNvPr id="29" name="直線矢印コネクタ 28"/>
+          <p:cNvCxnSpPr/>
+          <p:nvPr/>
+        </p:nvCxnSpPr>
+        <p:spPr>
+          <a:xfrm>
+            <a:off x="2267744" y="3140968"/>
+            <a:ext cx="0" cy="216024"/>
+          </a:xfrm>
+          <a:prstGeom prst="straightConnector1">
+            <a:avLst/>
+          </a:prstGeom>
+          <a:ln>
+            <a:tailEnd type="arrow"/>
+          </a:ln>
+        </p:spPr>
+        <p:style>
+          <a:lnRef idx="1">
+            <a:schemeClr val="accent1"/>
+          </a:lnRef>
+          <a:fillRef idx="0">
+            <a:schemeClr val="accent1"/>
+          </a:fillRef>
+          <a:effectRef idx="0">
+            <a:schemeClr val="accent1"/>
+          </a:effectRef>
+          <a:fontRef idx="minor">
+            <a:schemeClr val="tx1"/>
+          </a:fontRef>
+        </p:style>
+      </p:cxnSp>
+      <p:sp>
+        <p:nvSpPr>
+          <p:cNvPr id="36" name="テキスト ボックス 35"/>
+          <p:cNvSpPr txBox="1"/>
+          <p:nvPr/>
+        </p:nvSpPr>
+        <p:spPr>
+          <a:xfrm>
+            <a:off x="2051720" y="2996952"/>
+            <a:ext cx="421910" cy="169277"/>
+          </a:xfrm>
+          <a:prstGeom prst="rect">
+            <a:avLst/>
+          </a:prstGeom>
+          <a:noFill/>
+        </p:spPr>
+        <p:txBody>
+          <a:bodyPr wrap="none" rtlCol="0">
+            <a:spAutoFit/>
+          </a:bodyPr>
+          <a:lstStyle/>
+          <a:p>
+            <a:r>
+              <a:rPr lang="ja-JP" altLang="en-US" sz="500" b="1" dirty="0" smtClean="0"/>
+              <a:t>欠け切り</a:t>
+            </a:r>
+            <a:endParaRPr kumimoji="1" lang="ja-JP" altLang="en-US" sz="500" b="1" dirty="0"/>
+          </a:p>
+        </p:txBody>
+      </p:sp>
+      <p:sp>
+        <p:nvSpPr>
+          <p:cNvPr id="27" name="フローチャート : 論理積ゲート 26"/>
+          <p:cNvSpPr/>
+          <p:nvPr/>
+        </p:nvSpPr>
+        <p:spPr>
+          <a:xfrm rot="5400000">
+            <a:off x="2195736" y="3356992"/>
+            <a:ext cx="144016" cy="144016"/>
+          </a:xfrm>
+          <a:prstGeom prst="flowChartDelay">
+            <a:avLst/>
+          </a:prstGeom>
+        </p:spPr>
+        <p:style>
+          <a:lnRef idx="2">
+            <a:schemeClr val="accent1">
+              <a:shade val="50000"/>
+            </a:schemeClr>
+          </a:lnRef>
+          <a:fillRef idx="1">
+            <a:schemeClr val="accent1"/>
+          </a:fillRef>
+          <a:effectRef idx="0">
+            <a:schemeClr val="accent1"/>
+          </a:effectRef>
+          <a:fontRef idx="minor">
+            <a:schemeClr val="lt1"/>
+          </a:fontRef>
+        </p:style>
+        <p:txBody>
+          <a:bodyPr rtlCol="0" anchor="ctr"/>
+          <a:lstStyle/>
+          <a:p>
+            <a:pPr algn="ctr"/>
+            <a:endParaRPr kumimoji="1" lang="ja-JP" altLang="en-US"/>
+          </a:p>
+        </p:txBody>
+      </p:sp>
     </p:spTree>
   </p:cSld>
   <p:clrMapOvr>
@@ -5823,6 +8236,2852 @@
           <a:lstStyle/>
           <a:p>
             <a:r>
+              <a:rPr kumimoji="1" lang="en-US" altLang="ja-JP" dirty="0" smtClean="0"/>
+              <a:t>Step2 </a:t>
+            </a:r>
+            <a:r>
+              <a:rPr kumimoji="1" lang="ja-JP" altLang="en-US" dirty="0" smtClean="0"/>
+              <a:t>　</a:t>
+            </a:r>
+            <a:r>
+              <a:rPr kumimoji="1" lang="en-US" altLang="ja-JP" dirty="0" smtClean="0"/>
+              <a:t>IO</a:t>
+            </a:r>
+            <a:endParaRPr kumimoji="1" lang="ja-JP" altLang="en-US" dirty="0"/>
+          </a:p>
+        </p:txBody>
+      </p:sp>
+      <p:sp>
+        <p:nvSpPr>
+          <p:cNvPr id="3" name="コンテンツ プレースホルダ 2"/>
+          <p:cNvSpPr>
+            <a:spLocks noGrp="1"/>
+          </p:cNvSpPr>
+          <p:nvPr>
+            <p:ph idx="1"/>
+          </p:nvPr>
+        </p:nvSpPr>
+        <p:spPr>
+          <a:xfrm>
+            <a:off x="4572000" y="1628800"/>
+            <a:ext cx="4114800" cy="4525963"/>
+          </a:xfrm>
+        </p:spPr>
+        <p:txBody>
+          <a:bodyPr>
+            <a:normAutofit/>
+          </a:bodyPr>
+          <a:lstStyle/>
+          <a:p>
+            <a:r>
+              <a:rPr lang="en-US" altLang="ja-JP" sz="2400" dirty="0" smtClean="0"/>
+              <a:t>LED</a:t>
+            </a:r>
+            <a:r>
+              <a:rPr lang="ja-JP" altLang="en-US" sz="2400" dirty="0" smtClean="0"/>
+              <a:t>、足の長い方を</a:t>
+            </a:r>
+            <a:r>
+              <a:rPr lang="en-US" altLang="ja-JP" sz="2400" dirty="0" smtClean="0"/>
+              <a:t>a11,</a:t>
+            </a:r>
+            <a:r>
+              <a:rPr lang="ja-JP" altLang="en-US" sz="2400" dirty="0" smtClean="0"/>
+              <a:t>短い方を</a:t>
+            </a:r>
+            <a:r>
+              <a:rPr lang="ja-JP" altLang="en-US" sz="2400" b="1" dirty="0" smtClean="0">
+                <a:solidFill>
+                  <a:schemeClr val="tx2">
+                    <a:lumMod val="60000"/>
+                    <a:lumOff val="40000"/>
+                  </a:schemeClr>
+                </a:solidFill>
+              </a:rPr>
+              <a:t>ー</a:t>
+            </a:r>
+            <a:r>
+              <a:rPr lang="ja-JP" altLang="en-US" sz="2400" dirty="0" smtClean="0"/>
+              <a:t>へ</a:t>
+            </a:r>
+            <a:endParaRPr lang="en-US" altLang="ja-JP" sz="2400" dirty="0" smtClean="0"/>
+          </a:p>
+          <a:p>
+            <a:r>
+              <a:rPr lang="en-US" altLang="ja-JP" sz="2400" dirty="0" smtClean="0"/>
+              <a:t>LED</a:t>
+            </a:r>
+            <a:r>
+              <a:rPr lang="ja-JP" altLang="en-US" sz="2400" dirty="0" err="1" smtClean="0"/>
+              <a:t>、</a:t>
+            </a:r>
+            <a:r>
+              <a:rPr lang="ja-JP" altLang="en-US" sz="2400" dirty="0" smtClean="0"/>
+              <a:t>足の長い方を</a:t>
+            </a:r>
+            <a:r>
+              <a:rPr lang="en-US" altLang="ja-JP" sz="2400" dirty="0" smtClean="0"/>
+              <a:t>a12,</a:t>
+            </a:r>
+            <a:r>
+              <a:rPr lang="ja-JP" altLang="en-US" sz="2400" dirty="0" smtClean="0"/>
+              <a:t>短い方を</a:t>
+            </a:r>
+            <a:r>
+              <a:rPr lang="ja-JP" altLang="en-US" sz="2400" b="1" dirty="0" smtClean="0">
+                <a:solidFill>
+                  <a:schemeClr val="tx2">
+                    <a:lumMod val="60000"/>
+                    <a:lumOff val="40000"/>
+                  </a:schemeClr>
+                </a:solidFill>
+              </a:rPr>
+              <a:t>ー</a:t>
+            </a:r>
+            <a:r>
+              <a:rPr lang="ja-JP" altLang="en-US" sz="2400" dirty="0" smtClean="0"/>
+              <a:t>へ</a:t>
+            </a:r>
+            <a:endParaRPr lang="en-US" altLang="ja-JP" sz="2400" dirty="0" smtClean="0"/>
+          </a:p>
+          <a:p>
+            <a:r>
+              <a:rPr lang="ja-JP" altLang="en-US" sz="2400" dirty="0" smtClean="0"/>
+              <a:t>抵抗</a:t>
+            </a:r>
+            <a:r>
+              <a:rPr lang="en-US" altLang="ja-JP" sz="2400" dirty="0" smtClean="0"/>
+              <a:t>10</a:t>
+            </a:r>
+            <a:r>
+              <a:rPr lang="ja-JP" altLang="en-US" sz="2400" dirty="0" err="1" smtClean="0"/>
+              <a:t>ｋ</a:t>
+            </a:r>
+            <a:r>
+              <a:rPr lang="en-US" altLang="ja-JP" sz="2400" dirty="0" smtClean="0"/>
+              <a:t>Ω</a:t>
+            </a:r>
+            <a:r>
+              <a:rPr lang="ja-JP" altLang="en-US" sz="2400" dirty="0" err="1" smtClean="0"/>
+              <a:t>、</a:t>
+            </a:r>
+            <a:r>
+              <a:rPr lang="en-US" altLang="ja-JP" sz="2400" dirty="0" smtClean="0"/>
+              <a:t>a21-</a:t>
+            </a:r>
+            <a:r>
+              <a:rPr lang="ja-JP" altLang="en-US" sz="2400" dirty="0" smtClean="0">
+                <a:solidFill>
+                  <a:srgbClr val="FF0000"/>
+                </a:solidFill>
+              </a:rPr>
+              <a:t>＋</a:t>
+            </a:r>
+            <a:r>
+              <a:rPr lang="ja-JP" altLang="en-US" sz="2400" dirty="0" smtClean="0"/>
+              <a:t>へ</a:t>
+            </a:r>
+            <a:endParaRPr lang="en-US" altLang="ja-JP" sz="2400" dirty="0" smtClean="0"/>
+          </a:p>
+          <a:p>
+            <a:r>
+              <a:rPr lang="ja-JP" altLang="en-US" sz="2400" dirty="0" smtClean="0"/>
+              <a:t>抵抗</a:t>
+            </a:r>
+            <a:r>
+              <a:rPr lang="en-US" altLang="ja-JP" sz="2400" dirty="0" smtClean="0"/>
+              <a:t>10</a:t>
+            </a:r>
+            <a:r>
+              <a:rPr lang="ja-JP" altLang="en-US" sz="2400" dirty="0" err="1" smtClean="0"/>
+              <a:t>ｋ</a:t>
+            </a:r>
+            <a:r>
+              <a:rPr lang="en-US" altLang="ja-JP" sz="2400" dirty="0" smtClean="0"/>
+              <a:t>Ω</a:t>
+            </a:r>
+            <a:r>
+              <a:rPr lang="ja-JP" altLang="en-US" sz="2400" dirty="0" err="1" smtClean="0"/>
+              <a:t>、</a:t>
+            </a:r>
+            <a:r>
+              <a:rPr lang="en-US" altLang="ja-JP" sz="2400" dirty="0" smtClean="0"/>
+              <a:t>a23-</a:t>
+            </a:r>
+            <a:r>
+              <a:rPr lang="ja-JP" altLang="en-US" sz="2400" dirty="0" smtClean="0">
+                <a:solidFill>
+                  <a:srgbClr val="FF0000"/>
+                </a:solidFill>
+              </a:rPr>
+              <a:t>＋</a:t>
+            </a:r>
+            <a:r>
+              <a:rPr lang="ja-JP" altLang="en-US" sz="2400" dirty="0" smtClean="0"/>
+              <a:t>へ</a:t>
+            </a:r>
+            <a:endParaRPr lang="en-US" altLang="ja-JP" sz="2400" dirty="0" smtClean="0"/>
+          </a:p>
+          <a:p>
+            <a:endParaRPr lang="en-US" altLang="ja-JP" sz="2400" dirty="0" smtClean="0"/>
+          </a:p>
+          <a:p>
+            <a:endParaRPr lang="en-US" altLang="ja-JP" sz="2400" dirty="0" smtClean="0"/>
+          </a:p>
+          <a:p>
+            <a:endParaRPr kumimoji="1" lang="en-US" altLang="ja-JP" sz="2400" dirty="0" smtClean="0"/>
+          </a:p>
+        </p:txBody>
+      </p:sp>
+      <p:pic>
+        <p:nvPicPr>
+          <p:cNvPr id="4" name="Picture 2" descr="C:\Users\hideo\Desktop\img008.jpg"/>
+          <p:cNvPicPr>
+            <a:picLocks noChangeAspect="1" noChangeArrowheads="1"/>
+          </p:cNvPicPr>
+          <p:nvPr/>
+        </p:nvPicPr>
+        <p:blipFill>
+          <a:blip r:embed="rId2" cstate="print"/>
+          <a:srcRect/>
+          <a:stretch>
+            <a:fillRect/>
+          </a:stretch>
+        </p:blipFill>
+        <p:spPr bwMode="auto">
+          <a:xfrm>
+            <a:off x="1259632" y="2370237"/>
+            <a:ext cx="2038350" cy="3074987"/>
+          </a:xfrm>
+          <a:prstGeom prst="rect">
+            <a:avLst/>
+          </a:prstGeom>
+          <a:noFill/>
+        </p:spPr>
+      </p:pic>
+      <p:grpSp>
+        <p:nvGrpSpPr>
+          <p:cNvPr id="5" name="グループ化 4"/>
+          <p:cNvGrpSpPr/>
+          <p:nvPr/>
+        </p:nvGrpSpPr>
+        <p:grpSpPr>
+          <a:xfrm rot="5400000">
+            <a:off x="2233603" y="2458755"/>
+            <a:ext cx="428322" cy="360040"/>
+            <a:chOff x="706904" y="4941168"/>
+            <a:chExt cx="610626" cy="432048"/>
+          </a:xfrm>
+        </p:grpSpPr>
+        <p:sp>
+          <p:nvSpPr>
+            <p:cNvPr id="6" name="弦 5"/>
+            <p:cNvSpPr/>
+            <p:nvPr/>
+          </p:nvSpPr>
+          <p:spPr>
+            <a:xfrm rot="5400000">
+              <a:off x="791580" y="4977172"/>
+              <a:ext cx="432048" cy="360040"/>
+            </a:xfrm>
+            <a:prstGeom prst="chord">
+              <a:avLst>
+                <a:gd name="adj1" fmla="val 6090016"/>
+                <a:gd name="adj2" fmla="val 15497786"/>
+              </a:avLst>
+            </a:prstGeom>
+          </p:spPr>
+          <p:style>
+            <a:lnRef idx="2">
+              <a:schemeClr val="accent1">
+                <a:shade val="50000"/>
+              </a:schemeClr>
+            </a:lnRef>
+            <a:fillRef idx="1">
+              <a:schemeClr val="accent1"/>
+            </a:fillRef>
+            <a:effectRef idx="0">
+              <a:schemeClr val="accent1"/>
+            </a:effectRef>
+            <a:fontRef idx="minor">
+              <a:schemeClr val="lt1"/>
+            </a:fontRef>
+          </p:style>
+          <p:txBody>
+            <a:bodyPr rtlCol="0" anchor="ctr"/>
+            <a:lstStyle/>
+            <a:p>
+              <a:pPr algn="ctr"/>
+              <a:endParaRPr kumimoji="1" lang="ja-JP" altLang="en-US"/>
+            </a:p>
+          </p:txBody>
+        </p:sp>
+        <p:sp>
+          <p:nvSpPr>
+            <p:cNvPr id="7" name="正方形/長方形 6"/>
+            <p:cNvSpPr/>
+            <p:nvPr/>
+          </p:nvSpPr>
+          <p:spPr>
+            <a:xfrm>
+              <a:off x="827584" y="5085184"/>
+              <a:ext cx="72008" cy="45719"/>
+            </a:xfrm>
+            <a:prstGeom prst="rect">
+              <a:avLst/>
+            </a:prstGeom>
+          </p:spPr>
+          <p:style>
+            <a:lnRef idx="2">
+              <a:schemeClr val="accent1">
+                <a:shade val="50000"/>
+              </a:schemeClr>
+            </a:lnRef>
+            <a:fillRef idx="1">
+              <a:schemeClr val="accent1"/>
+            </a:fillRef>
+            <a:effectRef idx="0">
+              <a:schemeClr val="accent1"/>
+            </a:effectRef>
+            <a:fontRef idx="minor">
+              <a:schemeClr val="lt1"/>
+            </a:fontRef>
+          </p:style>
+          <p:txBody>
+            <a:bodyPr rtlCol="0" anchor="ctr"/>
+            <a:lstStyle/>
+            <a:p>
+              <a:pPr algn="ctr"/>
+              <a:endParaRPr kumimoji="1" lang="ja-JP" altLang="en-US" dirty="0"/>
+            </a:p>
+          </p:txBody>
+        </p:sp>
+        <p:sp>
+          <p:nvSpPr>
+            <p:cNvPr id="8" name="正方形/長方形 7"/>
+            <p:cNvSpPr/>
+            <p:nvPr/>
+          </p:nvSpPr>
+          <p:spPr>
+            <a:xfrm>
+              <a:off x="979984" y="5085184"/>
+              <a:ext cx="72008" cy="45719"/>
+            </a:xfrm>
+            <a:prstGeom prst="rect">
+              <a:avLst/>
+            </a:prstGeom>
+          </p:spPr>
+          <p:style>
+            <a:lnRef idx="2">
+              <a:schemeClr val="accent1">
+                <a:shade val="50000"/>
+              </a:schemeClr>
+            </a:lnRef>
+            <a:fillRef idx="1">
+              <a:schemeClr val="accent1"/>
+            </a:fillRef>
+            <a:effectRef idx="0">
+              <a:schemeClr val="accent1"/>
+            </a:effectRef>
+            <a:fontRef idx="minor">
+              <a:schemeClr val="lt1"/>
+            </a:fontRef>
+          </p:style>
+          <p:txBody>
+            <a:bodyPr rtlCol="0" anchor="ctr"/>
+            <a:lstStyle/>
+            <a:p>
+              <a:pPr algn="ctr"/>
+              <a:endParaRPr kumimoji="1" lang="ja-JP" altLang="en-US" dirty="0"/>
+            </a:p>
+          </p:txBody>
+        </p:sp>
+        <p:sp>
+          <p:nvSpPr>
+            <p:cNvPr id="9" name="正方形/長方形 8"/>
+            <p:cNvSpPr/>
+            <p:nvPr/>
+          </p:nvSpPr>
+          <p:spPr>
+            <a:xfrm>
+              <a:off x="1115616" y="5085184"/>
+              <a:ext cx="72008" cy="45719"/>
+            </a:xfrm>
+            <a:prstGeom prst="rect">
+              <a:avLst/>
+            </a:prstGeom>
+          </p:spPr>
+          <p:style>
+            <a:lnRef idx="2">
+              <a:schemeClr val="accent1">
+                <a:shade val="50000"/>
+              </a:schemeClr>
+            </a:lnRef>
+            <a:fillRef idx="1">
+              <a:schemeClr val="accent1"/>
+            </a:fillRef>
+            <a:effectRef idx="0">
+              <a:schemeClr val="accent1"/>
+            </a:effectRef>
+            <a:fontRef idx="minor">
+              <a:schemeClr val="lt1"/>
+            </a:fontRef>
+          </p:style>
+          <p:txBody>
+            <a:bodyPr rtlCol="0" anchor="ctr"/>
+            <a:lstStyle/>
+            <a:p>
+              <a:pPr algn="ctr"/>
+              <a:endParaRPr kumimoji="1" lang="ja-JP" altLang="en-US" dirty="0"/>
+            </a:p>
+          </p:txBody>
+        </p:sp>
+        <p:sp>
+          <p:nvSpPr>
+            <p:cNvPr id="10" name="テキスト ボックス 9"/>
+            <p:cNvSpPr txBox="1"/>
+            <p:nvPr/>
+          </p:nvSpPr>
+          <p:spPr>
+            <a:xfrm>
+              <a:off x="706904" y="5082876"/>
+              <a:ext cx="610626" cy="258533"/>
+            </a:xfrm>
+            <a:prstGeom prst="rect">
+              <a:avLst/>
+            </a:prstGeom>
+            <a:noFill/>
+          </p:spPr>
+          <p:txBody>
+            <a:bodyPr wrap="none" rtlCol="0">
+              <a:spAutoFit/>
+            </a:bodyPr>
+            <a:lstStyle/>
+            <a:p>
+              <a:r>
+                <a:rPr kumimoji="1" lang="en-US" altLang="ja-JP" sz="800" dirty="0" smtClean="0"/>
+                <a:t>1  2  3</a:t>
+              </a:r>
+              <a:endParaRPr kumimoji="1" lang="ja-JP" altLang="en-US" sz="800" dirty="0"/>
+            </a:p>
+          </p:txBody>
+        </p:sp>
+      </p:grpSp>
+      <p:cxnSp>
+        <p:nvCxnSpPr>
+          <p:cNvPr id="12" name="直線コネクタ 11"/>
+          <p:cNvCxnSpPr/>
+          <p:nvPr/>
+        </p:nvCxnSpPr>
+        <p:spPr>
+          <a:xfrm>
+            <a:off x="2771800" y="2636912"/>
+            <a:ext cx="360040" cy="0"/>
+          </a:xfrm>
+          <a:prstGeom prst="line">
+            <a:avLst/>
+          </a:prstGeom>
+          <a:ln w="38100">
+            <a:solidFill>
+              <a:srgbClr val="FFC000"/>
+            </a:solidFill>
+          </a:ln>
+        </p:spPr>
+        <p:style>
+          <a:lnRef idx="1">
+            <a:schemeClr val="accent1"/>
+          </a:lnRef>
+          <a:fillRef idx="0">
+            <a:schemeClr val="accent1"/>
+          </a:fillRef>
+          <a:effectRef idx="0">
+            <a:schemeClr val="accent1"/>
+          </a:effectRef>
+          <a:fontRef idx="minor">
+            <a:schemeClr val="tx1"/>
+          </a:fontRef>
+        </p:style>
+      </p:cxnSp>
+      <p:cxnSp>
+        <p:nvCxnSpPr>
+          <p:cNvPr id="13" name="直線コネクタ 12"/>
+          <p:cNvCxnSpPr/>
+          <p:nvPr/>
+        </p:nvCxnSpPr>
+        <p:spPr>
+          <a:xfrm>
+            <a:off x="2771800" y="2564904"/>
+            <a:ext cx="288032" cy="0"/>
+          </a:xfrm>
+          <a:prstGeom prst="line">
+            <a:avLst/>
+          </a:prstGeom>
+          <a:ln w="38100">
+            <a:solidFill>
+              <a:srgbClr val="FF0000"/>
+            </a:solidFill>
+          </a:ln>
+        </p:spPr>
+        <p:style>
+          <a:lnRef idx="1">
+            <a:schemeClr val="accent1"/>
+          </a:lnRef>
+          <a:fillRef idx="0">
+            <a:schemeClr val="accent1"/>
+          </a:fillRef>
+          <a:effectRef idx="0">
+            <a:schemeClr val="accent1"/>
+          </a:effectRef>
+          <a:fontRef idx="minor">
+            <a:schemeClr val="tx1"/>
+          </a:fontRef>
+        </p:style>
+      </p:cxnSp>
+      <p:cxnSp>
+        <p:nvCxnSpPr>
+          <p:cNvPr id="17" name="直線コネクタ 16"/>
+          <p:cNvCxnSpPr/>
+          <p:nvPr/>
+        </p:nvCxnSpPr>
+        <p:spPr>
+          <a:xfrm>
+            <a:off x="1475656" y="2636912"/>
+            <a:ext cx="288032" cy="0"/>
+          </a:xfrm>
+          <a:prstGeom prst="line">
+            <a:avLst/>
+          </a:prstGeom>
+          <a:ln w="38100">
+            <a:solidFill>
+              <a:srgbClr val="FF0000"/>
+            </a:solidFill>
+          </a:ln>
+        </p:spPr>
+        <p:style>
+          <a:lnRef idx="1">
+            <a:schemeClr val="accent1"/>
+          </a:lnRef>
+          <a:fillRef idx="0">
+            <a:schemeClr val="accent1"/>
+          </a:fillRef>
+          <a:effectRef idx="0">
+            <a:schemeClr val="accent1"/>
+          </a:effectRef>
+          <a:fontRef idx="minor">
+            <a:schemeClr val="tx1"/>
+          </a:fontRef>
+        </p:style>
+      </p:cxnSp>
+      <p:cxnSp>
+        <p:nvCxnSpPr>
+          <p:cNvPr id="18" name="直線コネクタ 17"/>
+          <p:cNvCxnSpPr/>
+          <p:nvPr/>
+        </p:nvCxnSpPr>
+        <p:spPr>
+          <a:xfrm>
+            <a:off x="1403648" y="2564904"/>
+            <a:ext cx="360040" cy="0"/>
+          </a:xfrm>
+          <a:prstGeom prst="line">
+            <a:avLst/>
+          </a:prstGeom>
+          <a:ln w="38100">
+            <a:solidFill>
+              <a:srgbClr val="FFC000"/>
+            </a:solidFill>
+          </a:ln>
+        </p:spPr>
+        <p:style>
+          <a:lnRef idx="1">
+            <a:schemeClr val="accent1"/>
+          </a:lnRef>
+          <a:fillRef idx="0">
+            <a:schemeClr val="accent1"/>
+          </a:fillRef>
+          <a:effectRef idx="0">
+            <a:schemeClr val="accent1"/>
+          </a:effectRef>
+          <a:fontRef idx="minor">
+            <a:schemeClr val="tx1"/>
+          </a:fontRef>
+        </p:style>
+      </p:cxnSp>
+      <p:cxnSp>
+        <p:nvCxnSpPr>
+          <p:cNvPr id="19" name="直線コネクタ 18"/>
+          <p:cNvCxnSpPr/>
+          <p:nvPr/>
+        </p:nvCxnSpPr>
+        <p:spPr>
+          <a:xfrm>
+            <a:off x="2123728" y="2564904"/>
+            <a:ext cx="288032" cy="0"/>
+          </a:xfrm>
+          <a:prstGeom prst="line">
+            <a:avLst/>
+          </a:prstGeom>
+          <a:ln w="38100">
+            <a:solidFill>
+              <a:srgbClr val="FF0000"/>
+            </a:solidFill>
+          </a:ln>
+        </p:spPr>
+        <p:style>
+          <a:lnRef idx="1">
+            <a:schemeClr val="accent1"/>
+          </a:lnRef>
+          <a:fillRef idx="0">
+            <a:schemeClr val="accent1"/>
+          </a:fillRef>
+          <a:effectRef idx="0">
+            <a:schemeClr val="accent1"/>
+          </a:effectRef>
+          <a:fontRef idx="minor">
+            <a:schemeClr val="tx1"/>
+          </a:fontRef>
+        </p:style>
+      </p:cxnSp>
+      <p:cxnSp>
+        <p:nvCxnSpPr>
+          <p:cNvPr id="20" name="直線コネクタ 19"/>
+          <p:cNvCxnSpPr/>
+          <p:nvPr/>
+        </p:nvCxnSpPr>
+        <p:spPr>
+          <a:xfrm>
+            <a:off x="2123728" y="2636912"/>
+            <a:ext cx="288032" cy="0"/>
+          </a:xfrm>
+          <a:prstGeom prst="line">
+            <a:avLst/>
+          </a:prstGeom>
+          <a:ln w="38100">
+            <a:solidFill>
+              <a:srgbClr val="FF0000"/>
+            </a:solidFill>
+          </a:ln>
+        </p:spPr>
+        <p:style>
+          <a:lnRef idx="1">
+            <a:schemeClr val="accent1"/>
+          </a:lnRef>
+          <a:fillRef idx="0">
+            <a:schemeClr val="accent1"/>
+          </a:fillRef>
+          <a:effectRef idx="0">
+            <a:schemeClr val="accent1"/>
+          </a:effectRef>
+          <a:fontRef idx="minor">
+            <a:schemeClr val="tx1"/>
+          </a:fontRef>
+        </p:style>
+      </p:cxnSp>
+      <p:sp>
+        <p:nvSpPr>
+          <p:cNvPr id="21" name="正方形/長方形 20"/>
+          <p:cNvSpPr/>
+          <p:nvPr/>
+        </p:nvSpPr>
+        <p:spPr>
+          <a:xfrm>
+            <a:off x="2123728" y="3356992"/>
+            <a:ext cx="288032" cy="1224136"/>
+          </a:xfrm>
+          <a:prstGeom prst="rect">
+            <a:avLst/>
+          </a:prstGeom>
+        </p:spPr>
+        <p:style>
+          <a:lnRef idx="2">
+            <a:schemeClr val="accent1">
+              <a:shade val="50000"/>
+            </a:schemeClr>
+          </a:lnRef>
+          <a:fillRef idx="1">
+            <a:schemeClr val="accent1"/>
+          </a:fillRef>
+          <a:effectRef idx="0">
+            <a:schemeClr val="accent1"/>
+          </a:effectRef>
+          <a:fontRef idx="minor">
+            <a:schemeClr val="lt1"/>
+          </a:fontRef>
+        </p:style>
+        <p:txBody>
+          <a:bodyPr rtlCol="0" anchor="ctr"/>
+          <a:lstStyle/>
+          <a:p>
+            <a:pPr algn="ctr"/>
+            <a:endParaRPr kumimoji="1" lang="ja-JP" altLang="en-US"/>
+          </a:p>
+        </p:txBody>
+      </p:sp>
+      <p:cxnSp>
+        <p:nvCxnSpPr>
+          <p:cNvPr id="22" name="直線コネクタ 21"/>
+          <p:cNvCxnSpPr/>
+          <p:nvPr/>
+        </p:nvCxnSpPr>
+        <p:spPr>
+          <a:xfrm>
+            <a:off x="2411760" y="2708920"/>
+            <a:ext cx="72008" cy="576064"/>
+          </a:xfrm>
+          <a:prstGeom prst="line">
+            <a:avLst/>
+          </a:prstGeom>
+          <a:ln w="38100">
+            <a:solidFill>
+              <a:srgbClr val="FF0000"/>
+            </a:solidFill>
+          </a:ln>
+        </p:spPr>
+        <p:style>
+          <a:lnRef idx="1">
+            <a:schemeClr val="accent1"/>
+          </a:lnRef>
+          <a:fillRef idx="0">
+            <a:schemeClr val="accent1"/>
+          </a:fillRef>
+          <a:effectRef idx="0">
+            <a:schemeClr val="accent1"/>
+          </a:effectRef>
+          <a:fontRef idx="minor">
+            <a:schemeClr val="tx1"/>
+          </a:fontRef>
+        </p:style>
+      </p:cxnSp>
+      <p:cxnSp>
+        <p:nvCxnSpPr>
+          <p:cNvPr id="26" name="直線コネクタ 25"/>
+          <p:cNvCxnSpPr/>
+          <p:nvPr/>
+        </p:nvCxnSpPr>
+        <p:spPr>
+          <a:xfrm>
+            <a:off x="2483768" y="3284984"/>
+            <a:ext cx="0" cy="1296144"/>
+          </a:xfrm>
+          <a:prstGeom prst="line">
+            <a:avLst/>
+          </a:prstGeom>
+          <a:ln w="38100">
+            <a:solidFill>
+              <a:srgbClr val="FF0000"/>
+            </a:solidFill>
+          </a:ln>
+        </p:spPr>
+        <p:style>
+          <a:lnRef idx="1">
+            <a:schemeClr val="accent1"/>
+          </a:lnRef>
+          <a:fillRef idx="0">
+            <a:schemeClr val="accent1"/>
+          </a:fillRef>
+          <a:effectRef idx="0">
+            <a:schemeClr val="accent1"/>
+          </a:effectRef>
+          <a:fontRef idx="minor">
+            <a:schemeClr val="tx1"/>
+          </a:fontRef>
+        </p:style>
+      </p:cxnSp>
+      <p:cxnSp>
+        <p:nvCxnSpPr>
+          <p:cNvPr id="31" name="直線コネクタ 30"/>
+          <p:cNvCxnSpPr/>
+          <p:nvPr/>
+        </p:nvCxnSpPr>
+        <p:spPr>
+          <a:xfrm>
+            <a:off x="2771800" y="4221088"/>
+            <a:ext cx="360040" cy="0"/>
+          </a:xfrm>
+          <a:prstGeom prst="line">
+            <a:avLst/>
+          </a:prstGeom>
+          <a:ln w="38100">
+            <a:solidFill>
+              <a:srgbClr val="FFC000"/>
+            </a:solidFill>
+          </a:ln>
+        </p:spPr>
+        <p:style>
+          <a:lnRef idx="1">
+            <a:schemeClr val="accent1"/>
+          </a:lnRef>
+          <a:fillRef idx="0">
+            <a:schemeClr val="accent1"/>
+          </a:fillRef>
+          <a:effectRef idx="0">
+            <a:schemeClr val="accent1"/>
+          </a:effectRef>
+          <a:fontRef idx="minor">
+            <a:schemeClr val="tx1"/>
+          </a:fontRef>
+        </p:style>
+      </p:cxnSp>
+      <p:cxnSp>
+        <p:nvCxnSpPr>
+          <p:cNvPr id="32" name="直線コネクタ 31"/>
+          <p:cNvCxnSpPr/>
+          <p:nvPr/>
+        </p:nvCxnSpPr>
+        <p:spPr>
+          <a:xfrm>
+            <a:off x="2771800" y="3429000"/>
+            <a:ext cx="360040" cy="0"/>
+          </a:xfrm>
+          <a:prstGeom prst="line">
+            <a:avLst/>
+          </a:prstGeom>
+          <a:ln w="38100">
+            <a:solidFill>
+              <a:srgbClr val="FFC000"/>
+            </a:solidFill>
+          </a:ln>
+        </p:spPr>
+        <p:style>
+          <a:lnRef idx="1">
+            <a:schemeClr val="accent1"/>
+          </a:lnRef>
+          <a:fillRef idx="0">
+            <a:schemeClr val="accent1"/>
+          </a:fillRef>
+          <a:effectRef idx="0">
+            <a:schemeClr val="accent1"/>
+          </a:effectRef>
+          <a:fontRef idx="minor">
+            <a:schemeClr val="tx1"/>
+          </a:fontRef>
+        </p:style>
+      </p:cxnSp>
+      <p:cxnSp>
+        <p:nvCxnSpPr>
+          <p:cNvPr id="33" name="直線コネクタ 32"/>
+          <p:cNvCxnSpPr/>
+          <p:nvPr/>
+        </p:nvCxnSpPr>
+        <p:spPr>
+          <a:xfrm>
+            <a:off x="2771800" y="3356992"/>
+            <a:ext cx="288032" cy="0"/>
+          </a:xfrm>
+          <a:prstGeom prst="line">
+            <a:avLst/>
+          </a:prstGeom>
+          <a:ln w="38100">
+            <a:solidFill>
+              <a:srgbClr val="FF0000"/>
+            </a:solidFill>
+          </a:ln>
+        </p:spPr>
+        <p:style>
+          <a:lnRef idx="1">
+            <a:schemeClr val="accent1"/>
+          </a:lnRef>
+          <a:fillRef idx="0">
+            <a:schemeClr val="accent1"/>
+          </a:fillRef>
+          <a:effectRef idx="0">
+            <a:schemeClr val="accent1"/>
+          </a:effectRef>
+          <a:fontRef idx="minor">
+            <a:schemeClr val="tx1"/>
+          </a:fontRef>
+        </p:style>
+      </p:cxnSp>
+      <p:cxnSp>
+        <p:nvCxnSpPr>
+          <p:cNvPr id="34" name="直線コネクタ 33"/>
+          <p:cNvCxnSpPr/>
+          <p:nvPr/>
+        </p:nvCxnSpPr>
+        <p:spPr>
+          <a:xfrm>
+            <a:off x="2771800" y="3789040"/>
+            <a:ext cx="288032" cy="0"/>
+          </a:xfrm>
+          <a:prstGeom prst="line">
+            <a:avLst/>
+          </a:prstGeom>
+          <a:ln w="38100">
+            <a:solidFill>
+              <a:srgbClr val="FF0000"/>
+            </a:solidFill>
+          </a:ln>
+        </p:spPr>
+        <p:style>
+          <a:lnRef idx="1">
+            <a:schemeClr val="accent1"/>
+          </a:lnRef>
+          <a:fillRef idx="0">
+            <a:schemeClr val="accent1"/>
+          </a:fillRef>
+          <a:effectRef idx="0">
+            <a:schemeClr val="accent1"/>
+          </a:effectRef>
+          <a:fontRef idx="minor">
+            <a:schemeClr val="tx1"/>
+          </a:fontRef>
+        </p:style>
+      </p:cxnSp>
+      <p:cxnSp>
+        <p:nvCxnSpPr>
+          <p:cNvPr id="35" name="直線コネクタ 34"/>
+          <p:cNvCxnSpPr/>
+          <p:nvPr/>
+        </p:nvCxnSpPr>
+        <p:spPr>
+          <a:xfrm>
+            <a:off x="1403648" y="3356992"/>
+            <a:ext cx="288032" cy="0"/>
+          </a:xfrm>
+          <a:prstGeom prst="line">
+            <a:avLst/>
+          </a:prstGeom>
+          <a:ln w="38100">
+            <a:solidFill>
+              <a:schemeClr val="tx1">
+                <a:lumMod val="95000"/>
+                <a:lumOff val="5000"/>
+              </a:schemeClr>
+            </a:solidFill>
+          </a:ln>
+        </p:spPr>
+        <p:style>
+          <a:lnRef idx="1">
+            <a:schemeClr val="accent1"/>
+          </a:lnRef>
+          <a:fillRef idx="0">
+            <a:schemeClr val="accent1"/>
+          </a:fillRef>
+          <a:effectRef idx="0">
+            <a:schemeClr val="accent1"/>
+          </a:effectRef>
+          <a:fontRef idx="minor">
+            <a:schemeClr val="tx1"/>
+          </a:fontRef>
+        </p:style>
+      </p:cxnSp>
+      <p:cxnSp>
+        <p:nvCxnSpPr>
+          <p:cNvPr id="25" name="直線コネクタ 24"/>
+          <p:cNvCxnSpPr/>
+          <p:nvPr/>
+        </p:nvCxnSpPr>
+        <p:spPr>
+          <a:xfrm>
+            <a:off x="1403648" y="4365104"/>
+            <a:ext cx="288032" cy="0"/>
+          </a:xfrm>
+          <a:prstGeom prst="line">
+            <a:avLst/>
+          </a:prstGeom>
+          <a:ln w="38100">
+            <a:solidFill>
+              <a:schemeClr val="tx1">
+                <a:lumMod val="95000"/>
+                <a:lumOff val="5000"/>
+              </a:schemeClr>
+            </a:solidFill>
+          </a:ln>
+        </p:spPr>
+        <p:style>
+          <a:lnRef idx="1">
+            <a:schemeClr val="accent1"/>
+          </a:lnRef>
+          <a:fillRef idx="0">
+            <a:schemeClr val="accent1"/>
+          </a:fillRef>
+          <a:effectRef idx="0">
+            <a:schemeClr val="accent1"/>
+          </a:effectRef>
+          <a:fontRef idx="minor">
+            <a:schemeClr val="tx1"/>
+          </a:fontRef>
+        </p:style>
+      </p:cxnSp>
+      <p:cxnSp>
+        <p:nvCxnSpPr>
+          <p:cNvPr id="27" name="直線コネクタ 26"/>
+          <p:cNvCxnSpPr/>
+          <p:nvPr/>
+        </p:nvCxnSpPr>
+        <p:spPr>
+          <a:xfrm>
+            <a:off x="1403648" y="4581128"/>
+            <a:ext cx="288032" cy="0"/>
+          </a:xfrm>
+          <a:prstGeom prst="line">
+            <a:avLst/>
+          </a:prstGeom>
+          <a:ln w="38100">
+            <a:solidFill>
+              <a:schemeClr val="tx1">
+                <a:lumMod val="95000"/>
+                <a:lumOff val="5000"/>
+              </a:schemeClr>
+            </a:solidFill>
+          </a:ln>
+        </p:spPr>
+        <p:style>
+          <a:lnRef idx="1">
+            <a:schemeClr val="accent1"/>
+          </a:lnRef>
+          <a:fillRef idx="0">
+            <a:schemeClr val="accent1"/>
+          </a:fillRef>
+          <a:effectRef idx="0">
+            <a:schemeClr val="accent1"/>
+          </a:effectRef>
+          <a:fontRef idx="minor">
+            <a:schemeClr val="tx1"/>
+          </a:fontRef>
+        </p:style>
+      </p:cxnSp>
+      <p:sp>
+        <p:nvSpPr>
+          <p:cNvPr id="28" name="円/楕円 27"/>
+          <p:cNvSpPr/>
+          <p:nvPr/>
+        </p:nvSpPr>
+        <p:spPr>
+          <a:xfrm>
+            <a:off x="1547664" y="3429000"/>
+            <a:ext cx="144016" cy="72008"/>
+          </a:xfrm>
+          <a:prstGeom prst="ellipse">
+            <a:avLst/>
+          </a:prstGeom>
+          <a:solidFill>
+            <a:srgbClr val="FF0000"/>
+          </a:solidFill>
+        </p:spPr>
+        <p:style>
+          <a:lnRef idx="2">
+            <a:schemeClr val="accent1">
+              <a:shade val="50000"/>
+            </a:schemeClr>
+          </a:lnRef>
+          <a:fillRef idx="1">
+            <a:schemeClr val="accent1"/>
+          </a:fillRef>
+          <a:effectRef idx="0">
+            <a:schemeClr val="accent1"/>
+          </a:effectRef>
+          <a:fontRef idx="minor">
+            <a:schemeClr val="lt1"/>
+          </a:fontRef>
+        </p:style>
+        <p:txBody>
+          <a:bodyPr rtlCol="0" anchor="ctr"/>
+          <a:lstStyle/>
+          <a:p>
+            <a:pPr algn="ctr"/>
+            <a:endParaRPr kumimoji="1" lang="ja-JP" altLang="en-US"/>
+          </a:p>
+        </p:txBody>
+      </p:sp>
+      <p:sp>
+        <p:nvSpPr>
+          <p:cNvPr id="29" name="円/楕円 28"/>
+          <p:cNvSpPr/>
+          <p:nvPr/>
+        </p:nvSpPr>
+        <p:spPr>
+          <a:xfrm>
+            <a:off x="1547664" y="3501008"/>
+            <a:ext cx="144016" cy="72008"/>
+          </a:xfrm>
+          <a:prstGeom prst="ellipse">
+            <a:avLst/>
+          </a:prstGeom>
+          <a:solidFill>
+            <a:srgbClr val="FF0000"/>
+          </a:solidFill>
+        </p:spPr>
+        <p:style>
+          <a:lnRef idx="2">
+            <a:schemeClr val="accent1">
+              <a:shade val="50000"/>
+            </a:schemeClr>
+          </a:lnRef>
+          <a:fillRef idx="1">
+            <a:schemeClr val="accent1"/>
+          </a:fillRef>
+          <a:effectRef idx="0">
+            <a:schemeClr val="accent1"/>
+          </a:effectRef>
+          <a:fontRef idx="minor">
+            <a:schemeClr val="lt1"/>
+          </a:fontRef>
+        </p:style>
+        <p:txBody>
+          <a:bodyPr rtlCol="0" anchor="ctr"/>
+          <a:lstStyle/>
+          <a:p>
+            <a:pPr algn="ctr"/>
+            <a:endParaRPr kumimoji="1" lang="ja-JP" altLang="en-US"/>
+          </a:p>
+        </p:txBody>
+      </p:sp>
+      <p:sp>
+        <p:nvSpPr>
+          <p:cNvPr id="30" name="フローチャート : 論理積ゲート 29"/>
+          <p:cNvSpPr/>
+          <p:nvPr/>
+        </p:nvSpPr>
+        <p:spPr>
+          <a:xfrm rot="5400000">
+            <a:off x="2195736" y="3356992"/>
+            <a:ext cx="144016" cy="144016"/>
+          </a:xfrm>
+          <a:prstGeom prst="flowChartDelay">
+            <a:avLst/>
+          </a:prstGeom>
+        </p:spPr>
+        <p:style>
+          <a:lnRef idx="2">
+            <a:schemeClr val="accent1">
+              <a:shade val="50000"/>
+            </a:schemeClr>
+          </a:lnRef>
+          <a:fillRef idx="1">
+            <a:schemeClr val="accent1"/>
+          </a:fillRef>
+          <a:effectRef idx="0">
+            <a:schemeClr val="accent1"/>
+          </a:effectRef>
+          <a:fontRef idx="minor">
+            <a:schemeClr val="lt1"/>
+          </a:fontRef>
+        </p:style>
+        <p:txBody>
+          <a:bodyPr rtlCol="0" anchor="ctr"/>
+          <a:lstStyle/>
+          <a:p>
+            <a:pPr algn="ctr"/>
+            <a:endParaRPr kumimoji="1" lang="ja-JP" altLang="en-US"/>
+          </a:p>
+        </p:txBody>
+      </p:sp>
+    </p:spTree>
+  </p:cSld>
+  <p:clrMapOvr>
+    <a:masterClrMapping/>
+  </p:clrMapOvr>
+</p:sld>
+</file>
+
+<file path=ppt/slides/slide18.xml><?xml version="1.0" encoding="utf-8"?>
+<p:sld xmlns:a="http://schemas.openxmlformats.org/drawingml/2006/main" xmlns:r="http://schemas.openxmlformats.org/officeDocument/2006/relationships" xmlns:p="http://schemas.openxmlformats.org/presentationml/2006/main">
+  <p:cSld>
+    <p:spTree>
+      <p:nvGrpSpPr>
+        <p:cNvPr id="1" name=""/>
+        <p:cNvGrpSpPr/>
+        <p:nvPr/>
+      </p:nvGrpSpPr>
+      <p:grpSpPr>
+        <a:xfrm>
+          <a:off x="0" y="0"/>
+          <a:ext cx="0" cy="0"/>
+          <a:chOff x="0" y="0"/>
+          <a:chExt cx="0" cy="0"/>
+        </a:xfrm>
+      </p:grpSpPr>
+      <p:sp>
+        <p:nvSpPr>
+          <p:cNvPr id="2" name="タイトル 1"/>
+          <p:cNvSpPr>
+            <a:spLocks noGrp="1"/>
+          </p:cNvSpPr>
+          <p:nvPr>
+            <p:ph type="title"/>
+          </p:nvPr>
+        </p:nvSpPr>
+        <p:spPr/>
+        <p:txBody>
+          <a:bodyPr/>
+          <a:lstStyle/>
+          <a:p>
+            <a:r>
+              <a:rPr kumimoji="1" lang="en-US" altLang="ja-JP" dirty="0" smtClean="0"/>
+              <a:t>Step2 </a:t>
+            </a:r>
+            <a:r>
+              <a:rPr kumimoji="1" lang="ja-JP" altLang="en-US" dirty="0" smtClean="0"/>
+              <a:t>　</a:t>
+            </a:r>
+            <a:r>
+              <a:rPr kumimoji="1" lang="en-US" altLang="ja-JP" dirty="0" smtClean="0"/>
+              <a:t>USB</a:t>
+            </a:r>
+            <a:r>
+              <a:rPr kumimoji="1" lang="ja-JP" altLang="en-US" dirty="0" smtClean="0"/>
+              <a:t>ケーブル</a:t>
+            </a:r>
+            <a:endParaRPr kumimoji="1" lang="ja-JP" altLang="en-US" dirty="0"/>
+          </a:p>
+        </p:txBody>
+      </p:sp>
+      <p:sp>
+        <p:nvSpPr>
+          <p:cNvPr id="3" name="コンテンツ プレースホルダ 2"/>
+          <p:cNvSpPr>
+            <a:spLocks noGrp="1"/>
+          </p:cNvSpPr>
+          <p:nvPr>
+            <p:ph idx="1"/>
+          </p:nvPr>
+        </p:nvSpPr>
+        <p:spPr>
+          <a:xfrm>
+            <a:off x="4572000" y="1628800"/>
+            <a:ext cx="4114800" cy="4525963"/>
+          </a:xfrm>
+        </p:spPr>
+        <p:txBody>
+          <a:bodyPr>
+            <a:normAutofit/>
+          </a:bodyPr>
+          <a:lstStyle/>
+          <a:p>
+            <a:r>
+              <a:rPr lang="ja-JP" altLang="en-US" sz="2400" dirty="0" smtClean="0"/>
+              <a:t>電源、黒を</a:t>
+            </a:r>
+            <a:r>
+              <a:rPr lang="en-US" altLang="ja-JP" sz="2400" dirty="0" smtClean="0"/>
+              <a:t>j2,</a:t>
+            </a:r>
+            <a:r>
+              <a:rPr lang="ja-JP" altLang="en-US" sz="2400" dirty="0" smtClean="0"/>
+              <a:t>赤を</a:t>
+            </a:r>
+            <a:r>
+              <a:rPr lang="ja-JP" altLang="en-US" sz="2400" dirty="0" err="1" smtClean="0"/>
+              <a:t>ｊ</a:t>
+            </a:r>
+            <a:r>
+              <a:rPr lang="en-US" altLang="ja-JP" sz="2400" dirty="0" smtClean="0"/>
+              <a:t>3</a:t>
+            </a:r>
+          </a:p>
+          <a:p>
+            <a:r>
+              <a:rPr lang="ja-JP" altLang="en-US" sz="2400" dirty="0" smtClean="0"/>
+              <a:t>データ 白</a:t>
+            </a:r>
+            <a:r>
+              <a:rPr lang="en-US" altLang="ja-JP" sz="2400" dirty="0" smtClean="0"/>
+              <a:t>(D-)</a:t>
+            </a:r>
+            <a:r>
+              <a:rPr lang="ja-JP" altLang="en-US" sz="2400" dirty="0" smtClean="0"/>
+              <a:t>を</a:t>
+            </a:r>
+            <a:r>
+              <a:rPr lang="en-US" altLang="ja-JP" sz="2400" dirty="0" smtClean="0"/>
+              <a:t>h16, </a:t>
+            </a:r>
+            <a:r>
+              <a:rPr lang="ja-JP" altLang="en-US" sz="2400" dirty="0" smtClean="0"/>
+              <a:t>緑</a:t>
+            </a:r>
+            <a:r>
+              <a:rPr lang="en-US" altLang="ja-JP" sz="2400" dirty="0" smtClean="0"/>
+              <a:t>(D+)</a:t>
+            </a:r>
+            <a:r>
+              <a:rPr lang="ja-JP" altLang="en-US" sz="2400" dirty="0" smtClean="0"/>
+              <a:t>を</a:t>
+            </a:r>
+            <a:r>
+              <a:rPr lang="en-US" altLang="ja-JP" sz="2400" dirty="0" smtClean="0"/>
+              <a:t>h17</a:t>
+            </a:r>
+          </a:p>
+          <a:p>
+            <a:endParaRPr lang="en-US" altLang="ja-JP" sz="2400" dirty="0" smtClean="0"/>
+          </a:p>
+          <a:p>
+            <a:endParaRPr lang="en-US" altLang="ja-JP" sz="2400" dirty="0" smtClean="0"/>
+          </a:p>
+        </p:txBody>
+      </p:sp>
+      <p:pic>
+        <p:nvPicPr>
+          <p:cNvPr id="4" name="Picture 2" descr="C:\Users\hideo\Desktop\img008.jpg"/>
+          <p:cNvPicPr>
+            <a:picLocks noChangeAspect="1" noChangeArrowheads="1"/>
+          </p:cNvPicPr>
+          <p:nvPr/>
+        </p:nvPicPr>
+        <p:blipFill>
+          <a:blip r:embed="rId2" cstate="print"/>
+          <a:srcRect/>
+          <a:stretch>
+            <a:fillRect/>
+          </a:stretch>
+        </p:blipFill>
+        <p:spPr bwMode="auto">
+          <a:xfrm>
+            <a:off x="1259632" y="2370237"/>
+            <a:ext cx="2038350" cy="3074987"/>
+          </a:xfrm>
+          <a:prstGeom prst="rect">
+            <a:avLst/>
+          </a:prstGeom>
+          <a:noFill/>
+        </p:spPr>
+      </p:pic>
+      <p:grpSp>
+        <p:nvGrpSpPr>
+          <p:cNvPr id="5" name="グループ化 4"/>
+          <p:cNvGrpSpPr/>
+          <p:nvPr/>
+        </p:nvGrpSpPr>
+        <p:grpSpPr>
+          <a:xfrm rot="5400000">
+            <a:off x="2233603" y="2458755"/>
+            <a:ext cx="428322" cy="360040"/>
+            <a:chOff x="706904" y="4941168"/>
+            <a:chExt cx="610626" cy="432048"/>
+          </a:xfrm>
+        </p:grpSpPr>
+        <p:sp>
+          <p:nvSpPr>
+            <p:cNvPr id="6" name="弦 5"/>
+            <p:cNvSpPr/>
+            <p:nvPr/>
+          </p:nvSpPr>
+          <p:spPr>
+            <a:xfrm rot="5400000">
+              <a:off x="791580" y="4977172"/>
+              <a:ext cx="432048" cy="360040"/>
+            </a:xfrm>
+            <a:prstGeom prst="chord">
+              <a:avLst>
+                <a:gd name="adj1" fmla="val 6090016"/>
+                <a:gd name="adj2" fmla="val 15497786"/>
+              </a:avLst>
+            </a:prstGeom>
+          </p:spPr>
+          <p:style>
+            <a:lnRef idx="2">
+              <a:schemeClr val="accent1">
+                <a:shade val="50000"/>
+              </a:schemeClr>
+            </a:lnRef>
+            <a:fillRef idx="1">
+              <a:schemeClr val="accent1"/>
+            </a:fillRef>
+            <a:effectRef idx="0">
+              <a:schemeClr val="accent1"/>
+            </a:effectRef>
+            <a:fontRef idx="minor">
+              <a:schemeClr val="lt1"/>
+            </a:fontRef>
+          </p:style>
+          <p:txBody>
+            <a:bodyPr rtlCol="0" anchor="ctr"/>
+            <a:lstStyle/>
+            <a:p>
+              <a:pPr algn="ctr"/>
+              <a:endParaRPr kumimoji="1" lang="ja-JP" altLang="en-US"/>
+            </a:p>
+          </p:txBody>
+        </p:sp>
+        <p:sp>
+          <p:nvSpPr>
+            <p:cNvPr id="7" name="正方形/長方形 6"/>
+            <p:cNvSpPr/>
+            <p:nvPr/>
+          </p:nvSpPr>
+          <p:spPr>
+            <a:xfrm>
+              <a:off x="827584" y="5085184"/>
+              <a:ext cx="72008" cy="45719"/>
+            </a:xfrm>
+            <a:prstGeom prst="rect">
+              <a:avLst/>
+            </a:prstGeom>
+          </p:spPr>
+          <p:style>
+            <a:lnRef idx="2">
+              <a:schemeClr val="accent1">
+                <a:shade val="50000"/>
+              </a:schemeClr>
+            </a:lnRef>
+            <a:fillRef idx="1">
+              <a:schemeClr val="accent1"/>
+            </a:fillRef>
+            <a:effectRef idx="0">
+              <a:schemeClr val="accent1"/>
+            </a:effectRef>
+            <a:fontRef idx="minor">
+              <a:schemeClr val="lt1"/>
+            </a:fontRef>
+          </p:style>
+          <p:txBody>
+            <a:bodyPr rtlCol="0" anchor="ctr"/>
+            <a:lstStyle/>
+            <a:p>
+              <a:pPr algn="ctr"/>
+              <a:endParaRPr kumimoji="1" lang="ja-JP" altLang="en-US" dirty="0"/>
+            </a:p>
+          </p:txBody>
+        </p:sp>
+        <p:sp>
+          <p:nvSpPr>
+            <p:cNvPr id="8" name="正方形/長方形 7"/>
+            <p:cNvSpPr/>
+            <p:nvPr/>
+          </p:nvSpPr>
+          <p:spPr>
+            <a:xfrm>
+              <a:off x="979984" y="5085184"/>
+              <a:ext cx="72008" cy="45719"/>
+            </a:xfrm>
+            <a:prstGeom prst="rect">
+              <a:avLst/>
+            </a:prstGeom>
+          </p:spPr>
+          <p:style>
+            <a:lnRef idx="2">
+              <a:schemeClr val="accent1">
+                <a:shade val="50000"/>
+              </a:schemeClr>
+            </a:lnRef>
+            <a:fillRef idx="1">
+              <a:schemeClr val="accent1"/>
+            </a:fillRef>
+            <a:effectRef idx="0">
+              <a:schemeClr val="accent1"/>
+            </a:effectRef>
+            <a:fontRef idx="minor">
+              <a:schemeClr val="lt1"/>
+            </a:fontRef>
+          </p:style>
+          <p:txBody>
+            <a:bodyPr rtlCol="0" anchor="ctr"/>
+            <a:lstStyle/>
+            <a:p>
+              <a:pPr algn="ctr"/>
+              <a:endParaRPr kumimoji="1" lang="ja-JP" altLang="en-US" dirty="0"/>
+            </a:p>
+          </p:txBody>
+        </p:sp>
+        <p:sp>
+          <p:nvSpPr>
+            <p:cNvPr id="9" name="正方形/長方形 8"/>
+            <p:cNvSpPr/>
+            <p:nvPr/>
+          </p:nvSpPr>
+          <p:spPr>
+            <a:xfrm>
+              <a:off x="1115616" y="5085184"/>
+              <a:ext cx="72008" cy="45719"/>
+            </a:xfrm>
+            <a:prstGeom prst="rect">
+              <a:avLst/>
+            </a:prstGeom>
+          </p:spPr>
+          <p:style>
+            <a:lnRef idx="2">
+              <a:schemeClr val="accent1">
+                <a:shade val="50000"/>
+              </a:schemeClr>
+            </a:lnRef>
+            <a:fillRef idx="1">
+              <a:schemeClr val="accent1"/>
+            </a:fillRef>
+            <a:effectRef idx="0">
+              <a:schemeClr val="accent1"/>
+            </a:effectRef>
+            <a:fontRef idx="minor">
+              <a:schemeClr val="lt1"/>
+            </a:fontRef>
+          </p:style>
+          <p:txBody>
+            <a:bodyPr rtlCol="0" anchor="ctr"/>
+            <a:lstStyle/>
+            <a:p>
+              <a:pPr algn="ctr"/>
+              <a:endParaRPr kumimoji="1" lang="ja-JP" altLang="en-US" dirty="0"/>
+            </a:p>
+          </p:txBody>
+        </p:sp>
+        <p:sp>
+          <p:nvSpPr>
+            <p:cNvPr id="10" name="テキスト ボックス 9"/>
+            <p:cNvSpPr txBox="1"/>
+            <p:nvPr/>
+          </p:nvSpPr>
+          <p:spPr>
+            <a:xfrm>
+              <a:off x="706904" y="5082876"/>
+              <a:ext cx="610626" cy="258533"/>
+            </a:xfrm>
+            <a:prstGeom prst="rect">
+              <a:avLst/>
+            </a:prstGeom>
+            <a:noFill/>
+          </p:spPr>
+          <p:txBody>
+            <a:bodyPr wrap="none" rtlCol="0">
+              <a:spAutoFit/>
+            </a:bodyPr>
+            <a:lstStyle/>
+            <a:p>
+              <a:r>
+                <a:rPr kumimoji="1" lang="en-US" altLang="ja-JP" sz="800" dirty="0" smtClean="0"/>
+                <a:t>1  2  3</a:t>
+              </a:r>
+              <a:endParaRPr kumimoji="1" lang="ja-JP" altLang="en-US" sz="800" dirty="0"/>
+            </a:p>
+          </p:txBody>
+        </p:sp>
+      </p:grpSp>
+      <p:cxnSp>
+        <p:nvCxnSpPr>
+          <p:cNvPr id="12" name="直線コネクタ 11"/>
+          <p:cNvCxnSpPr/>
+          <p:nvPr/>
+        </p:nvCxnSpPr>
+        <p:spPr>
+          <a:xfrm>
+            <a:off x="2771800" y="2636912"/>
+            <a:ext cx="360040" cy="0"/>
+          </a:xfrm>
+          <a:prstGeom prst="line">
+            <a:avLst/>
+          </a:prstGeom>
+          <a:ln w="38100">
+            <a:solidFill>
+              <a:srgbClr val="FFC000"/>
+            </a:solidFill>
+          </a:ln>
+        </p:spPr>
+        <p:style>
+          <a:lnRef idx="1">
+            <a:schemeClr val="accent1"/>
+          </a:lnRef>
+          <a:fillRef idx="0">
+            <a:schemeClr val="accent1"/>
+          </a:fillRef>
+          <a:effectRef idx="0">
+            <a:schemeClr val="accent1"/>
+          </a:effectRef>
+          <a:fontRef idx="minor">
+            <a:schemeClr val="tx1"/>
+          </a:fontRef>
+        </p:style>
+      </p:cxnSp>
+      <p:cxnSp>
+        <p:nvCxnSpPr>
+          <p:cNvPr id="13" name="直線コネクタ 12"/>
+          <p:cNvCxnSpPr/>
+          <p:nvPr/>
+        </p:nvCxnSpPr>
+        <p:spPr>
+          <a:xfrm>
+            <a:off x="2771800" y="2564904"/>
+            <a:ext cx="288032" cy="0"/>
+          </a:xfrm>
+          <a:prstGeom prst="line">
+            <a:avLst/>
+          </a:prstGeom>
+          <a:ln w="38100">
+            <a:solidFill>
+              <a:srgbClr val="FF0000"/>
+            </a:solidFill>
+          </a:ln>
+        </p:spPr>
+        <p:style>
+          <a:lnRef idx="1">
+            <a:schemeClr val="accent1"/>
+          </a:lnRef>
+          <a:fillRef idx="0">
+            <a:schemeClr val="accent1"/>
+          </a:fillRef>
+          <a:effectRef idx="0">
+            <a:schemeClr val="accent1"/>
+          </a:effectRef>
+          <a:fontRef idx="minor">
+            <a:schemeClr val="tx1"/>
+          </a:fontRef>
+        </p:style>
+      </p:cxnSp>
+      <p:cxnSp>
+        <p:nvCxnSpPr>
+          <p:cNvPr id="17" name="直線コネクタ 16"/>
+          <p:cNvCxnSpPr/>
+          <p:nvPr/>
+        </p:nvCxnSpPr>
+        <p:spPr>
+          <a:xfrm>
+            <a:off x="1475656" y="2636912"/>
+            <a:ext cx="288032" cy="0"/>
+          </a:xfrm>
+          <a:prstGeom prst="line">
+            <a:avLst/>
+          </a:prstGeom>
+          <a:ln w="38100">
+            <a:solidFill>
+              <a:srgbClr val="FF0000"/>
+            </a:solidFill>
+          </a:ln>
+        </p:spPr>
+        <p:style>
+          <a:lnRef idx="1">
+            <a:schemeClr val="accent1"/>
+          </a:lnRef>
+          <a:fillRef idx="0">
+            <a:schemeClr val="accent1"/>
+          </a:fillRef>
+          <a:effectRef idx="0">
+            <a:schemeClr val="accent1"/>
+          </a:effectRef>
+          <a:fontRef idx="minor">
+            <a:schemeClr val="tx1"/>
+          </a:fontRef>
+        </p:style>
+      </p:cxnSp>
+      <p:cxnSp>
+        <p:nvCxnSpPr>
+          <p:cNvPr id="18" name="直線コネクタ 17"/>
+          <p:cNvCxnSpPr/>
+          <p:nvPr/>
+        </p:nvCxnSpPr>
+        <p:spPr>
+          <a:xfrm>
+            <a:off x="1403648" y="2564904"/>
+            <a:ext cx="360040" cy="0"/>
+          </a:xfrm>
+          <a:prstGeom prst="line">
+            <a:avLst/>
+          </a:prstGeom>
+          <a:ln w="38100">
+            <a:solidFill>
+              <a:srgbClr val="FFC000"/>
+            </a:solidFill>
+          </a:ln>
+        </p:spPr>
+        <p:style>
+          <a:lnRef idx="1">
+            <a:schemeClr val="accent1"/>
+          </a:lnRef>
+          <a:fillRef idx="0">
+            <a:schemeClr val="accent1"/>
+          </a:fillRef>
+          <a:effectRef idx="0">
+            <a:schemeClr val="accent1"/>
+          </a:effectRef>
+          <a:fontRef idx="minor">
+            <a:schemeClr val="tx1"/>
+          </a:fontRef>
+        </p:style>
+      </p:cxnSp>
+      <p:cxnSp>
+        <p:nvCxnSpPr>
+          <p:cNvPr id="19" name="直線コネクタ 18"/>
+          <p:cNvCxnSpPr/>
+          <p:nvPr/>
+        </p:nvCxnSpPr>
+        <p:spPr>
+          <a:xfrm>
+            <a:off x="2123728" y="2564904"/>
+            <a:ext cx="288032" cy="0"/>
+          </a:xfrm>
+          <a:prstGeom prst="line">
+            <a:avLst/>
+          </a:prstGeom>
+          <a:ln w="38100">
+            <a:solidFill>
+              <a:srgbClr val="FF0000"/>
+            </a:solidFill>
+          </a:ln>
+        </p:spPr>
+        <p:style>
+          <a:lnRef idx="1">
+            <a:schemeClr val="accent1"/>
+          </a:lnRef>
+          <a:fillRef idx="0">
+            <a:schemeClr val="accent1"/>
+          </a:fillRef>
+          <a:effectRef idx="0">
+            <a:schemeClr val="accent1"/>
+          </a:effectRef>
+          <a:fontRef idx="minor">
+            <a:schemeClr val="tx1"/>
+          </a:fontRef>
+        </p:style>
+      </p:cxnSp>
+      <p:cxnSp>
+        <p:nvCxnSpPr>
+          <p:cNvPr id="20" name="直線コネクタ 19"/>
+          <p:cNvCxnSpPr/>
+          <p:nvPr/>
+        </p:nvCxnSpPr>
+        <p:spPr>
+          <a:xfrm>
+            <a:off x="2123728" y="2636912"/>
+            <a:ext cx="288032" cy="0"/>
+          </a:xfrm>
+          <a:prstGeom prst="line">
+            <a:avLst/>
+          </a:prstGeom>
+          <a:ln w="38100">
+            <a:solidFill>
+              <a:srgbClr val="FF0000"/>
+            </a:solidFill>
+          </a:ln>
+        </p:spPr>
+        <p:style>
+          <a:lnRef idx="1">
+            <a:schemeClr val="accent1"/>
+          </a:lnRef>
+          <a:fillRef idx="0">
+            <a:schemeClr val="accent1"/>
+          </a:fillRef>
+          <a:effectRef idx="0">
+            <a:schemeClr val="accent1"/>
+          </a:effectRef>
+          <a:fontRef idx="minor">
+            <a:schemeClr val="tx1"/>
+          </a:fontRef>
+        </p:style>
+      </p:cxnSp>
+      <p:sp>
+        <p:nvSpPr>
+          <p:cNvPr id="21" name="正方形/長方形 20"/>
+          <p:cNvSpPr/>
+          <p:nvPr/>
+        </p:nvSpPr>
+        <p:spPr>
+          <a:xfrm>
+            <a:off x="2123728" y="3356992"/>
+            <a:ext cx="288032" cy="1224136"/>
+          </a:xfrm>
+          <a:prstGeom prst="rect">
+            <a:avLst/>
+          </a:prstGeom>
+        </p:spPr>
+        <p:style>
+          <a:lnRef idx="2">
+            <a:schemeClr val="accent1">
+              <a:shade val="50000"/>
+            </a:schemeClr>
+          </a:lnRef>
+          <a:fillRef idx="1">
+            <a:schemeClr val="accent1"/>
+          </a:fillRef>
+          <a:effectRef idx="0">
+            <a:schemeClr val="accent1"/>
+          </a:effectRef>
+          <a:fontRef idx="minor">
+            <a:schemeClr val="lt1"/>
+          </a:fontRef>
+        </p:style>
+        <p:txBody>
+          <a:bodyPr rtlCol="0" anchor="ctr"/>
+          <a:lstStyle/>
+          <a:p>
+            <a:pPr algn="ctr"/>
+            <a:endParaRPr kumimoji="1" lang="ja-JP" altLang="en-US"/>
+          </a:p>
+        </p:txBody>
+      </p:sp>
+      <p:cxnSp>
+        <p:nvCxnSpPr>
+          <p:cNvPr id="22" name="直線コネクタ 21"/>
+          <p:cNvCxnSpPr/>
+          <p:nvPr/>
+        </p:nvCxnSpPr>
+        <p:spPr>
+          <a:xfrm>
+            <a:off x="2411760" y="2708920"/>
+            <a:ext cx="72008" cy="576064"/>
+          </a:xfrm>
+          <a:prstGeom prst="line">
+            <a:avLst/>
+          </a:prstGeom>
+          <a:ln w="38100">
+            <a:solidFill>
+              <a:srgbClr val="FF0000"/>
+            </a:solidFill>
+          </a:ln>
+        </p:spPr>
+        <p:style>
+          <a:lnRef idx="1">
+            <a:schemeClr val="accent1"/>
+          </a:lnRef>
+          <a:fillRef idx="0">
+            <a:schemeClr val="accent1"/>
+          </a:fillRef>
+          <a:effectRef idx="0">
+            <a:schemeClr val="accent1"/>
+          </a:effectRef>
+          <a:fontRef idx="minor">
+            <a:schemeClr val="tx1"/>
+          </a:fontRef>
+        </p:style>
+      </p:cxnSp>
+      <p:cxnSp>
+        <p:nvCxnSpPr>
+          <p:cNvPr id="26" name="直線コネクタ 25"/>
+          <p:cNvCxnSpPr/>
+          <p:nvPr/>
+        </p:nvCxnSpPr>
+        <p:spPr>
+          <a:xfrm>
+            <a:off x="2483768" y="3284984"/>
+            <a:ext cx="0" cy="1296144"/>
+          </a:xfrm>
+          <a:prstGeom prst="line">
+            <a:avLst/>
+          </a:prstGeom>
+          <a:ln w="38100">
+            <a:solidFill>
+              <a:srgbClr val="FF0000"/>
+            </a:solidFill>
+          </a:ln>
+        </p:spPr>
+        <p:style>
+          <a:lnRef idx="1">
+            <a:schemeClr val="accent1"/>
+          </a:lnRef>
+          <a:fillRef idx="0">
+            <a:schemeClr val="accent1"/>
+          </a:fillRef>
+          <a:effectRef idx="0">
+            <a:schemeClr val="accent1"/>
+          </a:effectRef>
+          <a:fontRef idx="minor">
+            <a:schemeClr val="tx1"/>
+          </a:fontRef>
+        </p:style>
+      </p:cxnSp>
+      <p:cxnSp>
+        <p:nvCxnSpPr>
+          <p:cNvPr id="31" name="直線コネクタ 30"/>
+          <p:cNvCxnSpPr/>
+          <p:nvPr/>
+        </p:nvCxnSpPr>
+        <p:spPr>
+          <a:xfrm>
+            <a:off x="2771800" y="4221088"/>
+            <a:ext cx="360040" cy="0"/>
+          </a:xfrm>
+          <a:prstGeom prst="line">
+            <a:avLst/>
+          </a:prstGeom>
+          <a:ln w="38100">
+            <a:solidFill>
+              <a:srgbClr val="FFC000"/>
+            </a:solidFill>
+          </a:ln>
+        </p:spPr>
+        <p:style>
+          <a:lnRef idx="1">
+            <a:schemeClr val="accent1"/>
+          </a:lnRef>
+          <a:fillRef idx="0">
+            <a:schemeClr val="accent1"/>
+          </a:fillRef>
+          <a:effectRef idx="0">
+            <a:schemeClr val="accent1"/>
+          </a:effectRef>
+          <a:fontRef idx="minor">
+            <a:schemeClr val="tx1"/>
+          </a:fontRef>
+        </p:style>
+      </p:cxnSp>
+      <p:cxnSp>
+        <p:nvCxnSpPr>
+          <p:cNvPr id="32" name="直線コネクタ 31"/>
+          <p:cNvCxnSpPr/>
+          <p:nvPr/>
+        </p:nvCxnSpPr>
+        <p:spPr>
+          <a:xfrm>
+            <a:off x="2771800" y="3429000"/>
+            <a:ext cx="360040" cy="0"/>
+          </a:xfrm>
+          <a:prstGeom prst="line">
+            <a:avLst/>
+          </a:prstGeom>
+          <a:ln w="38100">
+            <a:solidFill>
+              <a:srgbClr val="FFC000"/>
+            </a:solidFill>
+          </a:ln>
+        </p:spPr>
+        <p:style>
+          <a:lnRef idx="1">
+            <a:schemeClr val="accent1"/>
+          </a:lnRef>
+          <a:fillRef idx="0">
+            <a:schemeClr val="accent1"/>
+          </a:fillRef>
+          <a:effectRef idx="0">
+            <a:schemeClr val="accent1"/>
+          </a:effectRef>
+          <a:fontRef idx="minor">
+            <a:schemeClr val="tx1"/>
+          </a:fontRef>
+        </p:style>
+      </p:cxnSp>
+      <p:cxnSp>
+        <p:nvCxnSpPr>
+          <p:cNvPr id="33" name="直線コネクタ 32"/>
+          <p:cNvCxnSpPr/>
+          <p:nvPr/>
+        </p:nvCxnSpPr>
+        <p:spPr>
+          <a:xfrm>
+            <a:off x="2771800" y="3356992"/>
+            <a:ext cx="288032" cy="0"/>
+          </a:xfrm>
+          <a:prstGeom prst="line">
+            <a:avLst/>
+          </a:prstGeom>
+          <a:ln w="38100">
+            <a:solidFill>
+              <a:srgbClr val="FF0000"/>
+            </a:solidFill>
+          </a:ln>
+        </p:spPr>
+        <p:style>
+          <a:lnRef idx="1">
+            <a:schemeClr val="accent1"/>
+          </a:lnRef>
+          <a:fillRef idx="0">
+            <a:schemeClr val="accent1"/>
+          </a:fillRef>
+          <a:effectRef idx="0">
+            <a:schemeClr val="accent1"/>
+          </a:effectRef>
+          <a:fontRef idx="minor">
+            <a:schemeClr val="tx1"/>
+          </a:fontRef>
+        </p:style>
+      </p:cxnSp>
+      <p:cxnSp>
+        <p:nvCxnSpPr>
+          <p:cNvPr id="34" name="直線コネクタ 33"/>
+          <p:cNvCxnSpPr/>
+          <p:nvPr/>
+        </p:nvCxnSpPr>
+        <p:spPr>
+          <a:xfrm>
+            <a:off x="2771800" y="3789040"/>
+            <a:ext cx="288032" cy="0"/>
+          </a:xfrm>
+          <a:prstGeom prst="line">
+            <a:avLst/>
+          </a:prstGeom>
+          <a:ln w="38100">
+            <a:solidFill>
+              <a:srgbClr val="FF0000"/>
+            </a:solidFill>
+          </a:ln>
+        </p:spPr>
+        <p:style>
+          <a:lnRef idx="1">
+            <a:schemeClr val="accent1"/>
+          </a:lnRef>
+          <a:fillRef idx="0">
+            <a:schemeClr val="accent1"/>
+          </a:fillRef>
+          <a:effectRef idx="0">
+            <a:schemeClr val="accent1"/>
+          </a:effectRef>
+          <a:fontRef idx="minor">
+            <a:schemeClr val="tx1"/>
+          </a:fontRef>
+        </p:style>
+      </p:cxnSp>
+      <p:cxnSp>
+        <p:nvCxnSpPr>
+          <p:cNvPr id="35" name="直線コネクタ 34"/>
+          <p:cNvCxnSpPr/>
+          <p:nvPr/>
+        </p:nvCxnSpPr>
+        <p:spPr>
+          <a:xfrm>
+            <a:off x="1403648" y="3356992"/>
+            <a:ext cx="288032" cy="0"/>
+          </a:xfrm>
+          <a:prstGeom prst="line">
+            <a:avLst/>
+          </a:prstGeom>
+          <a:ln w="38100">
+            <a:solidFill>
+              <a:schemeClr val="tx1">
+                <a:lumMod val="95000"/>
+                <a:lumOff val="5000"/>
+              </a:schemeClr>
+            </a:solidFill>
+          </a:ln>
+        </p:spPr>
+        <p:style>
+          <a:lnRef idx="1">
+            <a:schemeClr val="accent1"/>
+          </a:lnRef>
+          <a:fillRef idx="0">
+            <a:schemeClr val="accent1"/>
+          </a:fillRef>
+          <a:effectRef idx="0">
+            <a:schemeClr val="accent1"/>
+          </a:effectRef>
+          <a:fontRef idx="minor">
+            <a:schemeClr val="tx1"/>
+          </a:fontRef>
+        </p:style>
+      </p:cxnSp>
+      <p:cxnSp>
+        <p:nvCxnSpPr>
+          <p:cNvPr id="25" name="直線コネクタ 24"/>
+          <p:cNvCxnSpPr/>
+          <p:nvPr/>
+        </p:nvCxnSpPr>
+        <p:spPr>
+          <a:xfrm>
+            <a:off x="1403648" y="4365104"/>
+            <a:ext cx="288032" cy="0"/>
+          </a:xfrm>
+          <a:prstGeom prst="line">
+            <a:avLst/>
+          </a:prstGeom>
+          <a:ln w="38100">
+            <a:solidFill>
+              <a:schemeClr val="tx1">
+                <a:lumMod val="95000"/>
+                <a:lumOff val="5000"/>
+              </a:schemeClr>
+            </a:solidFill>
+          </a:ln>
+        </p:spPr>
+        <p:style>
+          <a:lnRef idx="1">
+            <a:schemeClr val="accent1"/>
+          </a:lnRef>
+          <a:fillRef idx="0">
+            <a:schemeClr val="accent1"/>
+          </a:fillRef>
+          <a:effectRef idx="0">
+            <a:schemeClr val="accent1"/>
+          </a:effectRef>
+          <a:fontRef idx="minor">
+            <a:schemeClr val="tx1"/>
+          </a:fontRef>
+        </p:style>
+      </p:cxnSp>
+      <p:cxnSp>
+        <p:nvCxnSpPr>
+          <p:cNvPr id="27" name="直線コネクタ 26"/>
+          <p:cNvCxnSpPr/>
+          <p:nvPr/>
+        </p:nvCxnSpPr>
+        <p:spPr>
+          <a:xfrm>
+            <a:off x="1403648" y="4581128"/>
+            <a:ext cx="288032" cy="0"/>
+          </a:xfrm>
+          <a:prstGeom prst="line">
+            <a:avLst/>
+          </a:prstGeom>
+          <a:ln w="38100">
+            <a:solidFill>
+              <a:schemeClr val="tx1">
+                <a:lumMod val="95000"/>
+                <a:lumOff val="5000"/>
+              </a:schemeClr>
+            </a:solidFill>
+          </a:ln>
+        </p:spPr>
+        <p:style>
+          <a:lnRef idx="1">
+            <a:schemeClr val="accent1"/>
+          </a:lnRef>
+          <a:fillRef idx="0">
+            <a:schemeClr val="accent1"/>
+          </a:fillRef>
+          <a:effectRef idx="0">
+            <a:schemeClr val="accent1"/>
+          </a:effectRef>
+          <a:fontRef idx="minor">
+            <a:schemeClr val="tx1"/>
+          </a:fontRef>
+        </p:style>
+      </p:cxnSp>
+      <p:sp>
+        <p:nvSpPr>
+          <p:cNvPr id="28" name="円/楕円 27"/>
+          <p:cNvSpPr/>
+          <p:nvPr/>
+        </p:nvSpPr>
+        <p:spPr>
+          <a:xfrm>
+            <a:off x="1547664" y="3429000"/>
+            <a:ext cx="144016" cy="72008"/>
+          </a:xfrm>
+          <a:prstGeom prst="ellipse">
+            <a:avLst/>
+          </a:prstGeom>
+          <a:solidFill>
+            <a:srgbClr val="FF0000"/>
+          </a:solidFill>
+        </p:spPr>
+        <p:style>
+          <a:lnRef idx="2">
+            <a:schemeClr val="accent1">
+              <a:shade val="50000"/>
+            </a:schemeClr>
+          </a:lnRef>
+          <a:fillRef idx="1">
+            <a:schemeClr val="accent1"/>
+          </a:fillRef>
+          <a:effectRef idx="0">
+            <a:schemeClr val="accent1"/>
+          </a:effectRef>
+          <a:fontRef idx="minor">
+            <a:schemeClr val="lt1"/>
+          </a:fontRef>
+        </p:style>
+        <p:txBody>
+          <a:bodyPr rtlCol="0" anchor="ctr"/>
+          <a:lstStyle/>
+          <a:p>
+            <a:pPr algn="ctr"/>
+            <a:endParaRPr kumimoji="1" lang="ja-JP" altLang="en-US"/>
+          </a:p>
+        </p:txBody>
+      </p:sp>
+      <p:sp>
+        <p:nvSpPr>
+          <p:cNvPr id="29" name="円/楕円 28"/>
+          <p:cNvSpPr/>
+          <p:nvPr/>
+        </p:nvSpPr>
+        <p:spPr>
+          <a:xfrm>
+            <a:off x="1547664" y="3501008"/>
+            <a:ext cx="144016" cy="72008"/>
+          </a:xfrm>
+          <a:prstGeom prst="ellipse">
+            <a:avLst/>
+          </a:prstGeom>
+          <a:solidFill>
+            <a:srgbClr val="FF0000"/>
+          </a:solidFill>
+        </p:spPr>
+        <p:style>
+          <a:lnRef idx="2">
+            <a:schemeClr val="accent1">
+              <a:shade val="50000"/>
+            </a:schemeClr>
+          </a:lnRef>
+          <a:fillRef idx="1">
+            <a:schemeClr val="accent1"/>
+          </a:fillRef>
+          <a:effectRef idx="0">
+            <a:schemeClr val="accent1"/>
+          </a:effectRef>
+          <a:fontRef idx="minor">
+            <a:schemeClr val="lt1"/>
+          </a:fontRef>
+        </p:style>
+        <p:txBody>
+          <a:bodyPr rtlCol="0" anchor="ctr"/>
+          <a:lstStyle/>
+          <a:p>
+            <a:pPr algn="ctr"/>
+            <a:endParaRPr kumimoji="1" lang="ja-JP" altLang="en-US"/>
+          </a:p>
+        </p:txBody>
+      </p:sp>
+      <p:sp>
+        <p:nvSpPr>
+          <p:cNvPr id="30" name="二等辺三角形 29"/>
+          <p:cNvSpPr/>
+          <p:nvPr/>
+        </p:nvSpPr>
+        <p:spPr>
+          <a:xfrm rot="16200000">
+            <a:off x="2663788" y="3825044"/>
+            <a:ext cx="144016" cy="216024"/>
+          </a:xfrm>
+          <a:prstGeom prst="triangle">
+            <a:avLst/>
+          </a:prstGeom>
+          <a:solidFill>
+            <a:schemeClr val="bg1"/>
+          </a:solidFill>
+          <a:ln>
+            <a:solidFill>
+              <a:schemeClr val="tx1">
+                <a:lumMod val="50000"/>
+                <a:lumOff val="50000"/>
+              </a:schemeClr>
+            </a:solidFill>
+          </a:ln>
+        </p:spPr>
+        <p:style>
+          <a:lnRef idx="2">
+            <a:schemeClr val="accent1">
+              <a:shade val="50000"/>
+            </a:schemeClr>
+          </a:lnRef>
+          <a:fillRef idx="1">
+            <a:schemeClr val="accent1"/>
+          </a:fillRef>
+          <a:effectRef idx="0">
+            <a:schemeClr val="accent1"/>
+          </a:effectRef>
+          <a:fontRef idx="minor">
+            <a:schemeClr val="lt1"/>
+          </a:fontRef>
+        </p:style>
+        <p:txBody>
+          <a:bodyPr rtlCol="0" anchor="ctr"/>
+          <a:lstStyle/>
+          <a:p>
+            <a:pPr algn="ctr"/>
+            <a:endParaRPr kumimoji="1" lang="ja-JP" altLang="en-US"/>
+          </a:p>
+        </p:txBody>
+      </p:sp>
+      <p:sp>
+        <p:nvSpPr>
+          <p:cNvPr id="36" name="二等辺三角形 35"/>
+          <p:cNvSpPr/>
+          <p:nvPr/>
+        </p:nvSpPr>
+        <p:spPr>
+          <a:xfrm rot="16200000">
+            <a:off x="2663788" y="3897052"/>
+            <a:ext cx="144016" cy="216024"/>
+          </a:xfrm>
+          <a:prstGeom prst="triangle">
+            <a:avLst/>
+          </a:prstGeom>
+          <a:solidFill>
+            <a:srgbClr val="92D050"/>
+          </a:solidFill>
+          <a:ln>
+            <a:solidFill>
+              <a:schemeClr val="tx1">
+                <a:lumMod val="50000"/>
+                <a:lumOff val="50000"/>
+              </a:schemeClr>
+            </a:solidFill>
+          </a:ln>
+        </p:spPr>
+        <p:style>
+          <a:lnRef idx="2">
+            <a:schemeClr val="accent1">
+              <a:shade val="50000"/>
+            </a:schemeClr>
+          </a:lnRef>
+          <a:fillRef idx="1">
+            <a:schemeClr val="accent1"/>
+          </a:fillRef>
+          <a:effectRef idx="0">
+            <a:schemeClr val="accent1"/>
+          </a:effectRef>
+          <a:fontRef idx="minor">
+            <a:schemeClr val="lt1"/>
+          </a:fontRef>
+        </p:style>
+        <p:txBody>
+          <a:bodyPr rtlCol="0" anchor="ctr"/>
+          <a:lstStyle/>
+          <a:p>
+            <a:pPr algn="ctr"/>
+            <a:endParaRPr kumimoji="1" lang="ja-JP" altLang="en-US"/>
+          </a:p>
+        </p:txBody>
+      </p:sp>
+      <p:sp>
+        <p:nvSpPr>
+          <p:cNvPr id="37" name="二等辺三角形 36"/>
+          <p:cNvSpPr/>
+          <p:nvPr/>
+        </p:nvSpPr>
+        <p:spPr>
+          <a:xfrm rot="16200000">
+            <a:off x="2735796" y="2528900"/>
+            <a:ext cx="144016" cy="216024"/>
+          </a:xfrm>
+          <a:prstGeom prst="triangle">
+            <a:avLst/>
+          </a:prstGeom>
+          <a:solidFill>
+            <a:schemeClr val="tx1">
+              <a:lumMod val="65000"/>
+              <a:lumOff val="35000"/>
+            </a:schemeClr>
+          </a:solidFill>
+          <a:ln>
+            <a:solidFill>
+              <a:schemeClr val="tx1">
+                <a:lumMod val="50000"/>
+                <a:lumOff val="50000"/>
+              </a:schemeClr>
+            </a:solidFill>
+          </a:ln>
+        </p:spPr>
+        <p:style>
+          <a:lnRef idx="2">
+            <a:schemeClr val="accent1">
+              <a:shade val="50000"/>
+            </a:schemeClr>
+          </a:lnRef>
+          <a:fillRef idx="1">
+            <a:schemeClr val="accent1"/>
+          </a:fillRef>
+          <a:effectRef idx="0">
+            <a:schemeClr val="accent1"/>
+          </a:effectRef>
+          <a:fontRef idx="minor">
+            <a:schemeClr val="lt1"/>
+          </a:fontRef>
+        </p:style>
+        <p:txBody>
+          <a:bodyPr rtlCol="0" anchor="ctr"/>
+          <a:lstStyle/>
+          <a:p>
+            <a:pPr algn="ctr"/>
+            <a:endParaRPr kumimoji="1" lang="ja-JP" altLang="en-US"/>
+          </a:p>
+        </p:txBody>
+      </p:sp>
+      <p:sp>
+        <p:nvSpPr>
+          <p:cNvPr id="38" name="二等辺三角形 37"/>
+          <p:cNvSpPr/>
+          <p:nvPr/>
+        </p:nvSpPr>
+        <p:spPr>
+          <a:xfrm rot="16200000">
+            <a:off x="2735796" y="2600908"/>
+            <a:ext cx="144016" cy="216024"/>
+          </a:xfrm>
+          <a:prstGeom prst="triangle">
+            <a:avLst/>
+          </a:prstGeom>
+          <a:solidFill>
+            <a:srgbClr val="FF0000"/>
+          </a:solidFill>
+          <a:ln>
+            <a:solidFill>
+              <a:schemeClr val="tx1">
+                <a:lumMod val="50000"/>
+                <a:lumOff val="50000"/>
+              </a:schemeClr>
+            </a:solidFill>
+          </a:ln>
+        </p:spPr>
+        <p:style>
+          <a:lnRef idx="2">
+            <a:schemeClr val="accent1">
+              <a:shade val="50000"/>
+            </a:schemeClr>
+          </a:lnRef>
+          <a:fillRef idx="1">
+            <a:schemeClr val="accent1"/>
+          </a:fillRef>
+          <a:effectRef idx="0">
+            <a:schemeClr val="accent1"/>
+          </a:effectRef>
+          <a:fontRef idx="minor">
+            <a:schemeClr val="lt1"/>
+          </a:fontRef>
+        </p:style>
+        <p:txBody>
+          <a:bodyPr rtlCol="0" anchor="ctr"/>
+          <a:lstStyle/>
+          <a:p>
+            <a:pPr algn="ctr"/>
+            <a:endParaRPr kumimoji="1" lang="ja-JP" altLang="en-US"/>
+          </a:p>
+        </p:txBody>
+      </p:sp>
+      <p:sp>
+        <p:nvSpPr>
+          <p:cNvPr id="39" name="フローチャート : 論理積ゲート 38"/>
+          <p:cNvSpPr/>
+          <p:nvPr/>
+        </p:nvSpPr>
+        <p:spPr>
+          <a:xfrm rot="5400000">
+            <a:off x="2195736" y="3356992"/>
+            <a:ext cx="144016" cy="144016"/>
+          </a:xfrm>
+          <a:prstGeom prst="flowChartDelay">
+            <a:avLst/>
+          </a:prstGeom>
+        </p:spPr>
+        <p:style>
+          <a:lnRef idx="2">
+            <a:schemeClr val="accent1">
+              <a:shade val="50000"/>
+            </a:schemeClr>
+          </a:lnRef>
+          <a:fillRef idx="1">
+            <a:schemeClr val="accent1"/>
+          </a:fillRef>
+          <a:effectRef idx="0">
+            <a:schemeClr val="accent1"/>
+          </a:effectRef>
+          <a:fontRef idx="minor">
+            <a:schemeClr val="lt1"/>
+          </a:fontRef>
+        </p:style>
+        <p:txBody>
+          <a:bodyPr rtlCol="0" anchor="ctr"/>
+          <a:lstStyle/>
+          <a:p>
+            <a:pPr algn="ctr"/>
+            <a:endParaRPr kumimoji="1" lang="ja-JP" altLang="en-US"/>
+          </a:p>
+        </p:txBody>
+      </p:sp>
+    </p:spTree>
+  </p:cSld>
+  <p:clrMapOvr>
+    <a:masterClrMapping/>
+  </p:clrMapOvr>
+</p:sld>
+</file>
+
+<file path=ppt/slides/slide19.xml><?xml version="1.0" encoding="utf-8"?>
+<p:sld xmlns:a="http://schemas.openxmlformats.org/drawingml/2006/main" xmlns:r="http://schemas.openxmlformats.org/officeDocument/2006/relationships" xmlns:p="http://schemas.openxmlformats.org/presentationml/2006/main">
+  <p:cSld>
+    <p:spTree>
+      <p:nvGrpSpPr>
+        <p:cNvPr id="1" name=""/>
+        <p:cNvGrpSpPr/>
+        <p:nvPr/>
+      </p:nvGrpSpPr>
+      <p:grpSpPr>
+        <a:xfrm>
+          <a:off x="0" y="0"/>
+          <a:ext cx="0" cy="0"/>
+          <a:chOff x="0" y="0"/>
+          <a:chExt cx="0" cy="0"/>
+        </a:xfrm>
+      </p:grpSpPr>
+      <p:sp>
+        <p:nvSpPr>
+          <p:cNvPr id="2" name="タイトル 1"/>
+          <p:cNvSpPr>
+            <a:spLocks noGrp="1"/>
+          </p:cNvSpPr>
+          <p:nvPr>
+            <p:ph type="title"/>
+          </p:nvPr>
+        </p:nvSpPr>
+        <p:spPr/>
+        <p:txBody>
+          <a:bodyPr/>
+          <a:lstStyle/>
+          <a:p>
+            <a:r>
+              <a:rPr kumimoji="1" lang="ja-JP" altLang="en-US" dirty="0" smtClean="0"/>
+              <a:t>完成写真</a:t>
+            </a:r>
+            <a:endParaRPr kumimoji="1" lang="ja-JP" altLang="en-US" dirty="0"/>
+          </a:p>
+        </p:txBody>
+      </p:sp>
+      <p:sp>
+        <p:nvSpPr>
+          <p:cNvPr id="3" name="コンテンツ プレースホルダ 2"/>
+          <p:cNvSpPr>
+            <a:spLocks noGrp="1"/>
+          </p:cNvSpPr>
+          <p:nvPr>
+            <p:ph idx="1"/>
+          </p:nvPr>
+        </p:nvSpPr>
+        <p:spPr>
+          <a:xfrm>
+            <a:off x="457200" y="1600200"/>
+            <a:ext cx="8229600" cy="5257800"/>
+          </a:xfrm>
+        </p:spPr>
+        <p:txBody>
+          <a:bodyPr>
+            <a:normAutofit/>
+          </a:bodyPr>
+          <a:lstStyle/>
+          <a:p>
+            <a:endParaRPr kumimoji="1" lang="en-US" altLang="ja-JP" dirty="0" smtClean="0"/>
+          </a:p>
+          <a:p>
+            <a:endParaRPr lang="en-US" altLang="ja-JP" dirty="0"/>
+          </a:p>
+          <a:p>
+            <a:endParaRPr kumimoji="1" lang="en-US" altLang="ja-JP" dirty="0" smtClean="0"/>
+          </a:p>
+          <a:p>
+            <a:endParaRPr lang="en-US" altLang="ja-JP" dirty="0"/>
+          </a:p>
+          <a:p>
+            <a:endParaRPr kumimoji="1" lang="en-US" altLang="ja-JP" dirty="0" smtClean="0"/>
+          </a:p>
+          <a:p>
+            <a:endParaRPr lang="en-US" altLang="ja-JP" dirty="0"/>
+          </a:p>
+          <a:p>
+            <a:endParaRPr kumimoji="1" lang="en-US" altLang="ja-JP" dirty="0" smtClean="0"/>
+          </a:p>
+          <a:p>
+            <a:endParaRPr lang="en-US" altLang="ja-JP" dirty="0"/>
+          </a:p>
+        </p:txBody>
+      </p:sp>
+      <p:pic>
+        <p:nvPicPr>
+          <p:cNvPr id="9218" name="Picture 2" descr="C:\Users\hideo\Desktop\IMG_20120128_112545.jpg"/>
+          <p:cNvPicPr>
+            <a:picLocks noChangeAspect="1" noChangeArrowheads="1"/>
+          </p:cNvPicPr>
+          <p:nvPr/>
+        </p:nvPicPr>
+        <p:blipFill>
+          <a:blip r:embed="rId2" cstate="print"/>
+          <a:srcRect/>
+          <a:stretch>
+            <a:fillRect/>
+          </a:stretch>
+        </p:blipFill>
+        <p:spPr bwMode="auto">
+          <a:xfrm rot="5400000">
+            <a:off x="845924" y="2402548"/>
+            <a:ext cx="4461794" cy="3346346"/>
+          </a:xfrm>
+          <a:prstGeom prst="rect">
+            <a:avLst/>
+          </a:prstGeom>
+          <a:noFill/>
+        </p:spPr>
+      </p:pic>
+    </p:spTree>
+  </p:cSld>
+  <p:clrMapOvr>
+    <a:masterClrMapping/>
+  </p:clrMapOvr>
+</p:sld>
+</file>
+
+<file path=ppt/slides/slide2.xml><?xml version="1.0" encoding="utf-8"?>
+<p:sld xmlns:a="http://schemas.openxmlformats.org/drawingml/2006/main" xmlns:r="http://schemas.openxmlformats.org/officeDocument/2006/relationships" xmlns:p="http://schemas.openxmlformats.org/presentationml/2006/main">
+  <p:cSld>
+    <p:spTree>
+      <p:nvGrpSpPr>
+        <p:cNvPr id="1" name=""/>
+        <p:cNvGrpSpPr/>
+        <p:nvPr/>
+      </p:nvGrpSpPr>
+      <p:grpSpPr>
+        <a:xfrm>
+          <a:off x="0" y="0"/>
+          <a:ext cx="0" cy="0"/>
+          <a:chOff x="0" y="0"/>
+          <a:chExt cx="0" cy="0"/>
+        </a:xfrm>
+      </p:grpSpPr>
+      <p:sp>
+        <p:nvSpPr>
+          <p:cNvPr id="2" name="タイトル 1"/>
+          <p:cNvSpPr>
+            <a:spLocks noGrp="1"/>
+          </p:cNvSpPr>
+          <p:nvPr>
+            <p:ph type="title"/>
+          </p:nvPr>
+        </p:nvSpPr>
+        <p:spPr/>
+        <p:txBody>
+          <a:bodyPr>
+            <a:normAutofit/>
+          </a:bodyPr>
+          <a:lstStyle/>
+          <a:p>
+            <a:r>
+              <a:rPr lang="ja-JP" altLang="en-US" dirty="0" smtClean="0"/>
+              <a:t>このコースの目的と</a:t>
+            </a:r>
+            <a:r>
+              <a:rPr kumimoji="1" lang="ja-JP" altLang="en-US" dirty="0" smtClean="0"/>
+              <a:t>内容</a:t>
+            </a:r>
+            <a:endParaRPr kumimoji="1" lang="ja-JP" altLang="en-US" dirty="0"/>
+          </a:p>
+        </p:txBody>
+      </p:sp>
+      <p:sp>
+        <p:nvSpPr>
+          <p:cNvPr id="3" name="コンテンツ プレースホルダ 2"/>
+          <p:cNvSpPr>
+            <a:spLocks noGrp="1"/>
+          </p:cNvSpPr>
+          <p:nvPr>
+            <p:ph idx="1"/>
+          </p:nvPr>
+        </p:nvSpPr>
+        <p:spPr/>
+        <p:txBody>
+          <a:bodyPr>
+            <a:normAutofit fontScale="92500" lnSpcReduction="10000"/>
+          </a:bodyPr>
+          <a:lstStyle/>
+          <a:p>
+            <a:pPr marL="550926" indent="-514350">
+              <a:buNone/>
+            </a:pPr>
+            <a:r>
+              <a:rPr lang="ja-JP" altLang="en-US" u="sng" dirty="0" smtClean="0"/>
+              <a:t>目的</a:t>
+            </a:r>
+            <a:endParaRPr lang="en-US" altLang="ja-JP" u="sng" dirty="0" smtClean="0"/>
+          </a:p>
+          <a:p>
+            <a:pPr marL="550926" indent="-514350">
+              <a:buNone/>
+            </a:pPr>
+            <a:r>
+              <a:rPr lang="en-US" altLang="ja-JP" dirty="0" smtClean="0"/>
+              <a:t>	</a:t>
+            </a:r>
+            <a:r>
+              <a:rPr lang="en-US" altLang="ja-JP" dirty="0" smtClean="0"/>
+              <a:t>Android</a:t>
+            </a:r>
+            <a:r>
+              <a:rPr lang="ja-JP" altLang="en-US" dirty="0" smtClean="0"/>
+              <a:t>アプリケーションデベロッパが</a:t>
+            </a:r>
+            <a:r>
+              <a:rPr lang="en-US" altLang="ja-JP" dirty="0" smtClean="0"/>
+              <a:t>Android Open Accessory </a:t>
+            </a:r>
+            <a:r>
+              <a:rPr lang="ja-JP" altLang="en-US" dirty="0" smtClean="0"/>
+              <a:t>を理解する。同時</a:t>
+            </a:r>
+            <a:r>
+              <a:rPr lang="ja-JP" altLang="en-US" dirty="0" smtClean="0"/>
+              <a:t>に</a:t>
+            </a:r>
+            <a:r>
+              <a:rPr lang="en-US" altLang="ja-JP" dirty="0" smtClean="0"/>
+              <a:t>HW</a:t>
+            </a:r>
+            <a:r>
+              <a:rPr lang="ja-JP" altLang="en-US" dirty="0" smtClean="0"/>
+              <a:t>を理解する</a:t>
+            </a:r>
+            <a:r>
+              <a:rPr lang="ja-JP" altLang="en-US" dirty="0" smtClean="0"/>
+              <a:t>事が広げる世界</a:t>
+            </a:r>
+            <a:r>
+              <a:rPr lang="ja-JP" altLang="en-US" dirty="0" smtClean="0"/>
+              <a:t>を</a:t>
+            </a:r>
+            <a:r>
+              <a:rPr lang="ja-JP" altLang="en-US" dirty="0" smtClean="0"/>
+              <a:t>体感</a:t>
+            </a:r>
+            <a:r>
+              <a:rPr lang="ja-JP" altLang="en-US" dirty="0" smtClean="0"/>
+              <a:t>する</a:t>
+            </a:r>
+            <a:r>
+              <a:rPr lang="ja-JP" altLang="en-US" dirty="0" smtClean="0"/>
+              <a:t>。</a:t>
+            </a:r>
+            <a:endParaRPr lang="en-US" altLang="ja-JP" dirty="0" smtClean="0"/>
+          </a:p>
+          <a:p>
+            <a:pPr marL="550926" indent="-514350">
+              <a:buNone/>
+            </a:pPr>
+            <a:r>
+              <a:rPr lang="ja-JP" altLang="en-US" u="sng" dirty="0" smtClean="0"/>
+              <a:t>内容</a:t>
+            </a:r>
+            <a:endParaRPr lang="en-US" altLang="ja-JP" u="sng" dirty="0" smtClean="0"/>
+          </a:p>
+          <a:p>
+            <a:pPr marL="550926" indent="-514350">
+              <a:buFont typeface="+mj-lt"/>
+              <a:buAutoNum type="arabicPeriod"/>
+            </a:pPr>
+            <a:r>
+              <a:rPr lang="ja-JP" altLang="en-US" dirty="0" smtClean="0"/>
+              <a:t>互換モジュールの組み立て</a:t>
+            </a:r>
+          </a:p>
+          <a:p>
+            <a:pPr marL="550926" indent="-514350">
+              <a:buFont typeface="+mj-lt"/>
+              <a:buAutoNum type="arabicPeriod"/>
+            </a:pPr>
+            <a:r>
+              <a:rPr lang="en-US" altLang="ja-JP" dirty="0" smtClean="0"/>
+              <a:t>Android</a:t>
+            </a:r>
+            <a:r>
+              <a:rPr lang="ja-JP" altLang="en-US" dirty="0" smtClean="0"/>
+              <a:t>との接続と動作確認</a:t>
+            </a:r>
+          </a:p>
+          <a:p>
+            <a:pPr marL="550926" indent="-514350">
+              <a:buFont typeface="+mj-lt"/>
+              <a:buAutoNum type="arabicPeriod"/>
+            </a:pPr>
+            <a:r>
+              <a:rPr lang="ja-JP" altLang="en-US" dirty="0" smtClean="0"/>
+              <a:t>互換モジュールの仕組み</a:t>
+            </a:r>
+          </a:p>
+          <a:p>
+            <a:pPr marL="550926" indent="-514350">
+              <a:buFont typeface="+mj-lt"/>
+              <a:buAutoNum type="arabicPeriod"/>
+            </a:pPr>
+            <a:r>
+              <a:rPr lang="en-US" altLang="ja-JP" dirty="0" smtClean="0"/>
+              <a:t>Android</a:t>
+            </a:r>
+            <a:r>
+              <a:rPr lang="ja-JP" altLang="en-US" dirty="0" smtClean="0"/>
+              <a:t>側の仕組み</a:t>
+            </a:r>
+            <a:endParaRPr lang="en-US" altLang="ja-JP" dirty="0" smtClean="0"/>
+          </a:p>
+        </p:txBody>
+      </p:sp>
+    </p:spTree>
+  </p:cSld>
+  <p:clrMapOvr>
+    <a:masterClrMapping/>
+  </p:clrMapOvr>
+</p:sld>
+</file>
+
+<file path=ppt/slides/slide20.xml><?xml version="1.0" encoding="utf-8"?>
+<p:sld xmlns:a="http://schemas.openxmlformats.org/drawingml/2006/main" xmlns:r="http://schemas.openxmlformats.org/officeDocument/2006/relationships" xmlns:p="http://schemas.openxmlformats.org/presentationml/2006/main">
+  <p:cSld>
+    <p:spTree>
+      <p:nvGrpSpPr>
+        <p:cNvPr id="1" name=""/>
+        <p:cNvGrpSpPr/>
+        <p:nvPr/>
+      </p:nvGrpSpPr>
+      <p:grpSpPr>
+        <a:xfrm>
+          <a:off x="0" y="0"/>
+          <a:ext cx="0" cy="0"/>
+          <a:chOff x="0" y="0"/>
+          <a:chExt cx="0" cy="0"/>
+        </a:xfrm>
+      </p:grpSpPr>
+      <p:sp>
+        <p:nvSpPr>
+          <p:cNvPr id="2" name="タイトル 1"/>
+          <p:cNvSpPr>
+            <a:spLocks noGrp="1"/>
+          </p:cNvSpPr>
+          <p:nvPr>
+            <p:ph type="title"/>
+          </p:nvPr>
+        </p:nvSpPr>
+        <p:spPr/>
+        <p:txBody>
+          <a:bodyPr/>
+          <a:lstStyle/>
+          <a:p>
+            <a:r>
+              <a:rPr kumimoji="1" lang="ja-JP" altLang="en-US" dirty="0" smtClean="0"/>
+              <a:t>回路図</a:t>
+            </a:r>
+            <a:endParaRPr kumimoji="1" lang="ja-JP" altLang="en-US" dirty="0"/>
+          </a:p>
+        </p:txBody>
+      </p:sp>
+      <p:graphicFrame>
+        <p:nvGraphicFramePr>
+          <p:cNvPr id="24578" name="Object 2"/>
+          <p:cNvGraphicFramePr>
+            <a:graphicFrameLocks noChangeAspect="1"/>
+          </p:cNvGraphicFramePr>
+          <p:nvPr/>
+        </p:nvGraphicFramePr>
+        <p:xfrm>
+          <a:off x="683568" y="1298521"/>
+          <a:ext cx="7560840" cy="5342874"/>
+        </p:xfrm>
+        <a:graphic>
+          <a:graphicData uri="http://schemas.openxmlformats.org/presentationml/2006/ole">
+            <p:oleObj spid="_x0000_s1026" name="Acrobat Document" r:id="rId3" imgW="8019977" imgH="5667300" progId="AcroExch.Document.7">
+              <p:embed/>
+            </p:oleObj>
+          </a:graphicData>
+        </a:graphic>
+      </p:graphicFrame>
+    </p:spTree>
+  </p:cSld>
+  <p:clrMapOvr>
+    <a:masterClrMapping/>
+  </p:clrMapOvr>
+</p:sld>
+</file>
+
+<file path=ppt/slides/slide21.xml><?xml version="1.0" encoding="utf-8"?>
+<p:sld xmlns:a="http://schemas.openxmlformats.org/drawingml/2006/main" xmlns:r="http://schemas.openxmlformats.org/officeDocument/2006/relationships" xmlns:p="http://schemas.openxmlformats.org/presentationml/2006/main">
+  <p:cSld>
+    <p:spTree>
+      <p:nvGrpSpPr>
+        <p:cNvPr id="1" name=""/>
+        <p:cNvGrpSpPr/>
+        <p:nvPr/>
+      </p:nvGrpSpPr>
+      <p:grpSpPr>
+        <a:xfrm>
+          <a:off x="0" y="0"/>
+          <a:ext cx="0" cy="0"/>
+          <a:chOff x="0" y="0"/>
+          <a:chExt cx="0" cy="0"/>
+        </a:xfrm>
+      </p:grpSpPr>
+      <p:sp>
+        <p:nvSpPr>
+          <p:cNvPr id="2" name="タイトル 1"/>
+          <p:cNvSpPr>
+            <a:spLocks noGrp="1"/>
+          </p:cNvSpPr>
+          <p:nvPr>
+            <p:ph type="title"/>
+          </p:nvPr>
+        </p:nvSpPr>
+        <p:spPr/>
+        <p:txBody>
+          <a:bodyPr/>
+          <a:lstStyle/>
+          <a:p>
+            <a:r>
               <a:rPr lang="ja-JP" altLang="en-US" dirty="0"/>
               <a:t>最新</a:t>
             </a:r>
@@ -5906,11 +11165,7 @@
             </a:r>
             <a:r>
               <a:rPr lang="ja-JP" altLang="en-US" dirty="0" smtClean="0"/>
-              <a:t>側の</a:t>
-            </a:r>
-            <a:r>
-              <a:rPr lang="ja-JP" altLang="en-US" dirty="0" smtClean="0"/>
-              <a:t>ソース</a:t>
+              <a:t>側のソース</a:t>
             </a:r>
             <a:endParaRPr lang="en-US" altLang="ja-JP" dirty="0" smtClean="0"/>
           </a:p>
@@ -5995,75 +11250,7 @@
 </p:sld>
 </file>
 
-<file path=ppt/slides/slide18.xml><?xml version="1.0" encoding="utf-8"?>
-<p:sld xmlns:a="http://schemas.openxmlformats.org/drawingml/2006/main" xmlns:r="http://schemas.openxmlformats.org/officeDocument/2006/relationships" xmlns:p="http://schemas.openxmlformats.org/presentationml/2006/main">
-  <p:cSld>
-    <p:spTree>
-      <p:nvGrpSpPr>
-        <p:cNvPr id="1" name=""/>
-        <p:cNvGrpSpPr/>
-        <p:nvPr/>
-      </p:nvGrpSpPr>
-      <p:grpSpPr>
-        <a:xfrm>
-          <a:off x="0" y="0"/>
-          <a:ext cx="0" cy="0"/>
-          <a:chOff x="0" y="0"/>
-          <a:chExt cx="0" cy="0"/>
-        </a:xfrm>
-      </p:grpSpPr>
-      <p:sp>
-        <p:nvSpPr>
-          <p:cNvPr id="2" name="タイトル 1"/>
-          <p:cNvSpPr>
-            <a:spLocks noGrp="1"/>
-          </p:cNvSpPr>
-          <p:nvPr>
-            <p:ph type="title"/>
-          </p:nvPr>
-        </p:nvSpPr>
-        <p:spPr/>
-        <p:txBody>
-          <a:bodyPr/>
-          <a:lstStyle/>
-          <a:p>
-            <a:r>
-              <a:rPr kumimoji="1" lang="ja-JP" altLang="en-US" dirty="0" smtClean="0"/>
-              <a:t>回路図</a:t>
-            </a:r>
-            <a:endParaRPr kumimoji="1" lang="ja-JP" altLang="en-US" dirty="0"/>
-          </a:p>
-        </p:txBody>
-      </p:sp>
-      <p:graphicFrame>
-        <p:nvGraphicFramePr>
-          <p:cNvPr id="24578" name="Object 2"/>
-          <p:cNvGraphicFramePr>
-            <a:graphicFrameLocks noChangeAspect="1"/>
-          </p:cNvGraphicFramePr>
-          <p:nvPr/>
-        </p:nvGraphicFramePr>
-        <p:xfrm>
-          <a:off x="683568" y="1298521"/>
-          <a:ext cx="7560840" cy="5342874"/>
-        </p:xfrm>
-        <a:graphic>
-          <a:graphicData uri="http://schemas.openxmlformats.org/presentationml/2006/ole">
-            <p:oleObj spid="_x0000_s1026" name="Acrobat Document" r:id="rId3" imgW="8019977" imgH="5667300" progId="AcroExch.Document.7">
-              <p:embed/>
-            </p:oleObj>
-          </a:graphicData>
-        </a:graphic>
-      </p:graphicFrame>
-    </p:spTree>
-  </p:cSld>
-  <p:clrMapOvr>
-    <a:masterClrMapping/>
-  </p:clrMapOvr>
-</p:sld>
-</file>
-
-<file path=ppt/slides/slide19.xml><?xml version="1.0" encoding="utf-8"?>
+<file path=ppt/slides/slide22.xml><?xml version="1.0" encoding="utf-8"?>
 <p:sld xmlns:a="http://schemas.openxmlformats.org/drawingml/2006/main" xmlns:r="http://schemas.openxmlformats.org/officeDocument/2006/relationships" xmlns:p="http://schemas.openxmlformats.org/presentationml/2006/main">
   <p:cSld>
     <p:spTree>
@@ -6147,7 +11334,85 @@
 </p:sld>
 </file>
 
-<file path=ppt/slides/slide2.xml><?xml version="1.0" encoding="utf-8"?>
+<file path=ppt/slides/slide23.xml><?xml version="1.0" encoding="utf-8"?>
+<p:sld xmlns:a="http://schemas.openxmlformats.org/drawingml/2006/main" xmlns:r="http://schemas.openxmlformats.org/officeDocument/2006/relationships" xmlns:p="http://schemas.openxmlformats.org/presentationml/2006/main">
+  <p:cSld>
+    <p:spTree>
+      <p:nvGrpSpPr>
+        <p:cNvPr id="1" name=""/>
+        <p:cNvGrpSpPr/>
+        <p:nvPr/>
+      </p:nvGrpSpPr>
+      <p:grpSpPr>
+        <a:xfrm>
+          <a:off x="0" y="0"/>
+          <a:ext cx="0" cy="0"/>
+          <a:chOff x="0" y="0"/>
+          <a:chExt cx="0" cy="0"/>
+        </a:xfrm>
+      </p:grpSpPr>
+      <p:sp>
+        <p:nvSpPr>
+          <p:cNvPr id="2" name="タイトル 1"/>
+          <p:cNvSpPr>
+            <a:spLocks noGrp="1"/>
+          </p:cNvSpPr>
+          <p:nvPr>
+            <p:ph type="title"/>
+          </p:nvPr>
+        </p:nvSpPr>
+        <p:spPr/>
+        <p:txBody>
+          <a:bodyPr/>
+          <a:lstStyle/>
+          <a:p>
+            <a:r>
+              <a:rPr kumimoji="1" lang="en-US" altLang="ja-JP" dirty="0" smtClean="0"/>
+              <a:t>Part3</a:t>
+            </a:r>
+            <a:br>
+              <a:rPr kumimoji="1" lang="en-US" altLang="ja-JP" dirty="0" smtClean="0"/>
+            </a:br>
+            <a:r>
+              <a:rPr kumimoji="1" lang="ja-JP" altLang="en-US" dirty="0" smtClean="0"/>
+              <a:t>互換モジュールの仕組み</a:t>
+            </a:r>
+            <a:endParaRPr kumimoji="1" lang="ja-JP" altLang="en-US" dirty="0"/>
+          </a:p>
+        </p:txBody>
+      </p:sp>
+      <p:sp>
+        <p:nvSpPr>
+          <p:cNvPr id="4" name="テキスト プレースホルダ 3"/>
+          <p:cNvSpPr>
+            <a:spLocks noGrp="1"/>
+          </p:cNvSpPr>
+          <p:nvPr>
+            <p:ph type="body" idx="1"/>
+          </p:nvPr>
+        </p:nvSpPr>
+        <p:spPr/>
+        <p:txBody>
+          <a:bodyPr/>
+          <a:lstStyle/>
+          <a:p>
+            <a:r>
+              <a:rPr kumimoji="1" lang="ja-JP" altLang="en-US" dirty="0" smtClean="0"/>
+              <a:t>　</a:t>
+            </a:r>
+            <a:endParaRPr kumimoji="1" lang="ja-JP" altLang="en-US" dirty="0"/>
+          </a:p>
+        </p:txBody>
+      </p:sp>
+    </p:spTree>
+  </p:cSld>
+  <p:clrMapOvr>
+    <a:masterClrMapping/>
+  </p:clrMapOvr>
+</p:sld>
+</file>
+
+<file path=ppt/slides/slide24.xml><?xml version="1.0" encoding="utf-8"?>
 <p:sld xmlns:a="http://schemas.openxmlformats.org/drawingml/2006/main" xmlns:r="http://schemas.openxmlformats.org/officeDocument/2006/relationships" xmlns:p="http://schemas.openxmlformats.org/presentationml/2006/main">
   <p:cSld>
     <p:spTree>
@@ -6182,204 +11447,19 @@
           <a:lstStyle/>
           <a:p>
             <a:r>
-              <a:rPr lang="ja-JP" altLang="en-US" dirty="0" smtClean="0"/>
-              <a:t>このコースの目的と</a:t>
-            </a:r>
-            <a:r>
-              <a:rPr kumimoji="1" lang="ja-JP" altLang="en-US" dirty="0" smtClean="0"/>
-              <a:t>内容</a:t>
-            </a:r>
-            <a:endParaRPr kumimoji="1" lang="ja-JP" altLang="en-US" dirty="0"/>
-          </a:p>
-        </p:txBody>
-      </p:sp>
-      <p:sp>
-        <p:nvSpPr>
-          <p:cNvPr id="3" name="コンテンツ プレースホルダ 2"/>
-          <p:cNvSpPr>
-            <a:spLocks noGrp="1"/>
-          </p:cNvSpPr>
-          <p:nvPr>
-            <p:ph idx="1"/>
-          </p:nvPr>
-        </p:nvSpPr>
-        <p:spPr/>
-        <p:txBody>
-          <a:bodyPr>
-            <a:normAutofit fontScale="92500" lnSpcReduction="20000"/>
-          </a:bodyPr>
-          <a:lstStyle/>
-          <a:p>
-            <a:pPr marL="550926" indent="-514350">
-              <a:buNone/>
-            </a:pPr>
-            <a:r>
-              <a:rPr lang="ja-JP" altLang="en-US" u="sng" dirty="0" smtClean="0"/>
-              <a:t>目的</a:t>
-            </a:r>
-            <a:endParaRPr lang="en-US" altLang="ja-JP" u="sng" dirty="0" smtClean="0"/>
-          </a:p>
-          <a:p>
-            <a:pPr marL="550926" indent="-514350">
-              <a:buNone/>
-            </a:pPr>
-            <a:r>
-              <a:rPr lang="en-US" altLang="ja-JP" dirty="0" smtClean="0"/>
-              <a:t>	</a:t>
-            </a:r>
-            <a:r>
-              <a:rPr lang="en-US" altLang="ja-JP" dirty="0" smtClean="0"/>
-              <a:t>Android Accessory monde</a:t>
-            </a:r>
-            <a:r>
-              <a:rPr lang="ja-JP" altLang="en-US" dirty="0" smtClean="0"/>
-              <a:t>を</a:t>
-            </a:r>
-            <a:r>
-              <a:rPr lang="en-US" altLang="ja-JP" dirty="0" smtClean="0"/>
-              <a:t>Android</a:t>
-            </a:r>
-            <a:r>
-              <a:rPr lang="ja-JP" altLang="en-US" dirty="0" smtClean="0"/>
-              <a:t>技術者に</a:t>
-            </a:r>
-            <a:r>
-              <a:rPr lang="en-US" altLang="ja-JP" dirty="0" smtClean="0"/>
-              <a:t>HW/SH</a:t>
-            </a:r>
-            <a:r>
-              <a:rPr lang="ja-JP" altLang="en-US" dirty="0" smtClean="0"/>
-              <a:t>の仕組みを理解して、驚くようなアイデアを形にしてもらいたい。同時に</a:t>
-            </a:r>
-            <a:r>
-              <a:rPr lang="en-US" altLang="ja-JP" dirty="0" smtClean="0"/>
-              <a:t>HW</a:t>
-            </a:r>
-            <a:r>
-              <a:rPr lang="ja-JP" altLang="en-US" dirty="0" smtClean="0"/>
-              <a:t>を理解する事で広がる世界を体感してもらいたい。</a:t>
-            </a:r>
-            <a:endParaRPr lang="en-US" altLang="ja-JP" dirty="0" smtClean="0"/>
-          </a:p>
-          <a:p>
-            <a:pPr marL="550926" indent="-514350">
-              <a:buNone/>
-            </a:pPr>
-            <a:r>
-              <a:rPr lang="ja-JP" altLang="en-US" u="sng" dirty="0" smtClean="0"/>
-              <a:t>内容</a:t>
-            </a:r>
-            <a:endParaRPr lang="en-US" altLang="ja-JP" u="sng" dirty="0" smtClean="0"/>
-          </a:p>
-          <a:p>
-            <a:pPr marL="550926" indent="-514350">
-              <a:buFont typeface="+mj-lt"/>
-              <a:buAutoNum type="arabicPeriod"/>
-            </a:pPr>
-            <a:r>
-              <a:rPr lang="ja-JP" altLang="en-US" dirty="0" smtClean="0"/>
-              <a:t>互換</a:t>
-            </a:r>
-            <a:r>
-              <a:rPr lang="ja-JP" altLang="en-US" dirty="0" smtClean="0"/>
-              <a:t>モジュールの組み立て</a:t>
-            </a:r>
-          </a:p>
-          <a:p>
-            <a:pPr marL="550926" indent="-514350">
-              <a:buFont typeface="+mj-lt"/>
-              <a:buAutoNum type="arabicPeriod"/>
-            </a:pPr>
-            <a:r>
-              <a:rPr lang="en-US" altLang="ja-JP" dirty="0" smtClean="0"/>
-              <a:t>Android</a:t>
-            </a:r>
-            <a:r>
-              <a:rPr lang="ja-JP" altLang="en-US" dirty="0" smtClean="0"/>
-              <a:t>との接続と動作確認</a:t>
-            </a:r>
-          </a:p>
-          <a:p>
-            <a:pPr marL="550926" indent="-514350">
-              <a:buFont typeface="+mj-lt"/>
-              <a:buAutoNum type="arabicPeriod"/>
-            </a:pPr>
-            <a:r>
-              <a:rPr lang="ja-JP" altLang="en-US" dirty="0" smtClean="0"/>
-              <a:t>互換モジュールの仕組み</a:t>
-            </a:r>
-          </a:p>
-          <a:p>
-            <a:pPr marL="550926" indent="-514350">
-              <a:buFont typeface="+mj-lt"/>
-              <a:buAutoNum type="arabicPeriod"/>
-            </a:pPr>
-            <a:r>
-              <a:rPr lang="en-US" altLang="ja-JP" dirty="0" smtClean="0"/>
-              <a:t>Android</a:t>
-            </a:r>
-            <a:r>
-              <a:rPr lang="ja-JP" altLang="en-US" dirty="0" smtClean="0"/>
-              <a:t>側の仕組み</a:t>
-            </a:r>
-            <a:endParaRPr lang="en-US" altLang="ja-JP" dirty="0" smtClean="0"/>
-          </a:p>
-        </p:txBody>
-      </p:sp>
-    </p:spTree>
-  </p:cSld>
-  <p:clrMapOvr>
-    <a:masterClrMapping/>
-  </p:clrMapOvr>
-</p:sld>
-</file>
-
-<file path=ppt/slides/slide20.xml><?xml version="1.0" encoding="utf-8"?>
-<p:sld xmlns:a="http://schemas.openxmlformats.org/drawingml/2006/main" xmlns:r="http://schemas.openxmlformats.org/officeDocument/2006/relationships" xmlns:p="http://schemas.openxmlformats.org/presentationml/2006/main">
-  <p:cSld>
-    <p:spTree>
-      <p:nvGrpSpPr>
-        <p:cNvPr id="1" name=""/>
-        <p:cNvGrpSpPr/>
-        <p:nvPr/>
-      </p:nvGrpSpPr>
-      <p:grpSpPr>
-        <a:xfrm>
-          <a:off x="0" y="0"/>
-          <a:ext cx="0" cy="0"/>
-          <a:chOff x="0" y="0"/>
-          <a:chExt cx="0" cy="0"/>
-        </a:xfrm>
-      </p:grpSpPr>
-      <p:sp>
-        <p:nvSpPr>
-          <p:cNvPr id="2" name="タイトル 1"/>
-          <p:cNvSpPr>
-            <a:spLocks noGrp="1"/>
-          </p:cNvSpPr>
-          <p:nvPr>
-            <p:ph type="title"/>
-          </p:nvPr>
-        </p:nvSpPr>
-        <p:spPr/>
-        <p:txBody>
-          <a:bodyPr/>
-          <a:lstStyle/>
-          <a:p>
-            <a:r>
               <a:rPr kumimoji="1" lang="en-US" altLang="ja-JP" dirty="0" smtClean="0"/>
-              <a:t>Part3</a:t>
+              <a:t>Part4</a:t>
             </a:r>
             <a:br>
               <a:rPr kumimoji="1" lang="en-US" altLang="ja-JP" dirty="0" smtClean="0"/>
             </a:br>
             <a:r>
+              <a:rPr kumimoji="1" lang="en-US" altLang="ja-JP" dirty="0" smtClean="0"/>
+              <a:t>Android</a:t>
+            </a:r>
+            <a:r>
               <a:rPr kumimoji="1" lang="ja-JP" altLang="en-US" dirty="0" smtClean="0"/>
-              <a:t>互換</a:t>
-            </a:r>
-            <a:r>
-              <a:rPr kumimoji="1" lang="ja-JP" altLang="en-US" dirty="0" smtClean="0"/>
-              <a:t>モジュールの仕組み</a:t>
+              <a:t>側の仕組み</a:t>
             </a:r>
             <a:endParaRPr kumimoji="1" lang="ja-JP" altLang="en-US" dirty="0"/>
           </a:p>
@@ -6416,91 +11496,7 @@
 </p:sld>
 </file>
 
-<file path=ppt/slides/slide21.xml><?xml version="1.0" encoding="utf-8"?>
-<p:sld xmlns:a="http://schemas.openxmlformats.org/drawingml/2006/main" xmlns:r="http://schemas.openxmlformats.org/officeDocument/2006/relationships" xmlns:p="http://schemas.openxmlformats.org/presentationml/2006/main">
-  <p:cSld>
-    <p:spTree>
-      <p:nvGrpSpPr>
-        <p:cNvPr id="1" name=""/>
-        <p:cNvGrpSpPr/>
-        <p:nvPr/>
-      </p:nvGrpSpPr>
-      <p:grpSpPr>
-        <a:xfrm>
-          <a:off x="0" y="0"/>
-          <a:ext cx="0" cy="0"/>
-          <a:chOff x="0" y="0"/>
-          <a:chExt cx="0" cy="0"/>
-        </a:xfrm>
-      </p:grpSpPr>
-      <p:sp>
-        <p:nvSpPr>
-          <p:cNvPr id="2" name="タイトル 1"/>
-          <p:cNvSpPr>
-            <a:spLocks noGrp="1"/>
-          </p:cNvSpPr>
-          <p:nvPr>
-            <p:ph type="title"/>
-          </p:nvPr>
-        </p:nvSpPr>
-        <p:spPr/>
-        <p:txBody>
-          <a:bodyPr>
-            <a:normAutofit/>
-          </a:bodyPr>
-          <a:lstStyle/>
-          <a:p>
-            <a:r>
-              <a:rPr kumimoji="1" lang="en-US" altLang="ja-JP" dirty="0" smtClean="0"/>
-              <a:t>Part4</a:t>
-            </a:r>
-            <a:br>
-              <a:rPr kumimoji="1" lang="en-US" altLang="ja-JP" dirty="0" smtClean="0"/>
-            </a:br>
-            <a:r>
-              <a:rPr kumimoji="1" lang="en-US" altLang="ja-JP" dirty="0" smtClean="0"/>
-              <a:t>Android</a:t>
-            </a:r>
-            <a:r>
-              <a:rPr kumimoji="1" lang="ja-JP" altLang="en-US" dirty="0" smtClean="0"/>
-              <a:t>側の仕組み</a:t>
-            </a:r>
-            <a:endParaRPr kumimoji="1" lang="ja-JP" altLang="en-US" dirty="0"/>
-          </a:p>
-        </p:txBody>
-      </p:sp>
-      <p:sp>
-        <p:nvSpPr>
-          <p:cNvPr id="4" name="テキスト プレースホルダ 3"/>
-          <p:cNvSpPr>
-            <a:spLocks noGrp="1"/>
-          </p:cNvSpPr>
-          <p:nvPr>
-            <p:ph type="body" idx="1"/>
-          </p:nvPr>
-        </p:nvSpPr>
-        <p:spPr/>
-        <p:txBody>
-          <a:bodyPr/>
-          <a:lstStyle/>
-          <a:p>
-            <a:r>
-              <a:rPr kumimoji="1" lang="ja-JP" altLang="en-US" dirty="0" smtClean="0"/>
-              <a:t>　</a:t>
-            </a:r>
-            <a:endParaRPr kumimoji="1" lang="ja-JP" altLang="en-US" dirty="0"/>
-          </a:p>
-        </p:txBody>
-      </p:sp>
-    </p:spTree>
-  </p:cSld>
-  <p:clrMapOvr>
-    <a:masterClrMapping/>
-  </p:clrMapOvr>
-</p:sld>
-</file>
-
-<file path=ppt/slides/slide22.xml><?xml version="1.0" encoding="utf-8"?>
+<file path=ppt/slides/slide25.xml><?xml version="1.0" encoding="utf-8"?>
 <p:sld xmlns:a="http://schemas.openxmlformats.org/drawingml/2006/main" xmlns:r="http://schemas.openxmlformats.org/officeDocument/2006/relationships" xmlns:p="http://schemas.openxmlformats.org/presentationml/2006/main">
   <p:cSld>
     <p:spTree>
@@ -6594,11 +11590,7 @@
             </a:br>
             <a:r>
               <a:rPr kumimoji="1" lang="ja-JP" altLang="en-US" dirty="0" smtClean="0"/>
-              <a:t>互換</a:t>
-            </a:r>
-            <a:r>
-              <a:rPr kumimoji="1" lang="ja-JP" altLang="en-US" dirty="0" smtClean="0"/>
-              <a:t>モジュールの組み立て</a:t>
+              <a:t>互換モジュールの組み立て</a:t>
             </a:r>
             <a:endParaRPr kumimoji="1" lang="ja-JP" altLang="en-US" dirty="0"/>
           </a:p>
@@ -6636,489 +11628,6 @@
 </file>
 
 <file path=ppt/slides/slide4.xml><?xml version="1.0" encoding="utf-8"?>
-<p:sld xmlns:a="http://schemas.openxmlformats.org/drawingml/2006/main" xmlns:r="http://schemas.openxmlformats.org/officeDocument/2006/relationships" xmlns:p="http://schemas.openxmlformats.org/presentationml/2006/main">
-  <p:cSld>
-    <p:spTree>
-      <p:nvGrpSpPr>
-        <p:cNvPr id="1" name=""/>
-        <p:cNvGrpSpPr/>
-        <p:nvPr/>
-      </p:nvGrpSpPr>
-      <p:grpSpPr>
-        <a:xfrm>
-          <a:off x="0" y="0"/>
-          <a:ext cx="0" cy="0"/>
-          <a:chOff x="0" y="0"/>
-          <a:chExt cx="0" cy="0"/>
-        </a:xfrm>
-      </p:grpSpPr>
-      <p:pic>
-        <p:nvPicPr>
-          <p:cNvPr id="6146" name="Picture 2" descr="C:\Users\hideo\Desktop\img007.jpg"/>
-          <p:cNvPicPr>
-            <a:picLocks noChangeAspect="1" noChangeArrowheads="1"/>
-          </p:cNvPicPr>
-          <p:nvPr/>
-        </p:nvPicPr>
-        <p:blipFill>
-          <a:blip r:embed="rId2" cstate="print"/>
-          <a:srcRect/>
-          <a:stretch>
-            <a:fillRect/>
-          </a:stretch>
-        </p:blipFill>
-        <p:spPr bwMode="auto">
-          <a:xfrm>
-            <a:off x="1624136" y="980728"/>
-            <a:ext cx="6188224" cy="5331276"/>
-          </a:xfrm>
-          <a:prstGeom prst="rect">
-            <a:avLst/>
-          </a:prstGeom>
-          <a:noFill/>
-        </p:spPr>
-      </p:pic>
-      <p:sp>
-        <p:nvSpPr>
-          <p:cNvPr id="7" name="正方形/長方形 6"/>
-          <p:cNvSpPr/>
-          <p:nvPr/>
-        </p:nvSpPr>
-        <p:spPr>
-          <a:xfrm>
-            <a:off x="611560" y="548680"/>
-            <a:ext cx="2239716" cy="246221"/>
-          </a:xfrm>
-          <a:prstGeom prst="rect">
-            <a:avLst/>
-          </a:prstGeom>
-        </p:spPr>
-        <p:txBody>
-          <a:bodyPr wrap="none">
-            <a:spAutoFit/>
-          </a:bodyPr>
-          <a:lstStyle/>
-          <a:p>
-            <a:r>
-              <a:rPr lang="ja-JP" altLang="en-US" sz="1000" b="1" dirty="0" smtClean="0"/>
-              <a:t>積層セラミックコンデンサー１０</a:t>
-            </a:r>
-            <a:r>
-              <a:rPr lang="en-US" altLang="ja-JP" sz="1000" b="1" dirty="0" smtClean="0"/>
-              <a:t>μ</a:t>
-            </a:r>
-            <a:r>
-              <a:rPr lang="ja-JP" altLang="en-US" sz="1000" b="1" dirty="0" smtClean="0"/>
-              <a:t>Ｆ２５Ｖ</a:t>
-            </a:r>
-            <a:endParaRPr lang="ja-JP" altLang="en-US" sz="1000" b="1" dirty="0"/>
-          </a:p>
-        </p:txBody>
-      </p:sp>
-      <p:sp>
-        <p:nvSpPr>
-          <p:cNvPr id="8" name="正方形/長方形 7"/>
-          <p:cNvSpPr/>
-          <p:nvPr/>
-        </p:nvSpPr>
-        <p:spPr>
-          <a:xfrm>
-            <a:off x="1907704" y="2060848"/>
-            <a:ext cx="2239716" cy="246221"/>
-          </a:xfrm>
-          <a:prstGeom prst="rect">
-            <a:avLst/>
-          </a:prstGeom>
-        </p:spPr>
-        <p:txBody>
-          <a:bodyPr wrap="none">
-            <a:spAutoFit/>
-          </a:bodyPr>
-          <a:lstStyle/>
-          <a:p>
-            <a:r>
-              <a:rPr lang="ja-JP" altLang="en-US" sz="1000" b="1" dirty="0" smtClean="0"/>
-              <a:t>積層セラミックコンデンサー１</a:t>
-            </a:r>
-            <a:r>
-              <a:rPr lang="en-US" altLang="ja-JP" sz="1000" b="1" dirty="0" smtClean="0"/>
-              <a:t>μ</a:t>
-            </a:r>
-            <a:r>
-              <a:rPr lang="ja-JP" altLang="en-US" sz="1000" b="1" dirty="0" smtClean="0"/>
-              <a:t>Ｆ２５Ｖ</a:t>
-            </a:r>
-            <a:endParaRPr lang="ja-JP" altLang="en-US" sz="1000" b="1" dirty="0"/>
-          </a:p>
-        </p:txBody>
-      </p:sp>
-      <p:sp>
-        <p:nvSpPr>
-          <p:cNvPr id="9" name="正方形/長方形 8"/>
-          <p:cNvSpPr/>
-          <p:nvPr/>
-        </p:nvSpPr>
-        <p:spPr>
-          <a:xfrm>
-            <a:off x="4139952" y="2060848"/>
-            <a:ext cx="1755609" cy="246221"/>
-          </a:xfrm>
-          <a:prstGeom prst="rect">
-            <a:avLst/>
-          </a:prstGeom>
-        </p:spPr>
-        <p:txBody>
-          <a:bodyPr wrap="none">
-            <a:spAutoFit/>
-          </a:bodyPr>
-          <a:lstStyle/>
-          <a:p>
-            <a:r>
-              <a:rPr lang="ja-JP" altLang="en-US" sz="1000" b="1" dirty="0" smtClean="0"/>
-              <a:t>カーボン抵抗　１／４Ｗ１０ｋ</a:t>
-            </a:r>
-            <a:r>
-              <a:rPr lang="en-US" altLang="ja-JP" sz="1000" b="1" dirty="0" smtClean="0"/>
-              <a:t>Ω</a:t>
-            </a:r>
-            <a:endParaRPr lang="ja-JP" altLang="en-US" sz="1000" b="1" dirty="0"/>
-          </a:p>
-        </p:txBody>
-      </p:sp>
-      <p:sp>
-        <p:nvSpPr>
-          <p:cNvPr id="10" name="正方形/長方形 9"/>
-          <p:cNvSpPr/>
-          <p:nvPr/>
-        </p:nvSpPr>
-        <p:spPr>
-          <a:xfrm>
-            <a:off x="3779912" y="6165304"/>
-            <a:ext cx="1758815" cy="246221"/>
-          </a:xfrm>
-          <a:prstGeom prst="rect">
-            <a:avLst/>
-          </a:prstGeom>
-        </p:spPr>
-        <p:txBody>
-          <a:bodyPr wrap="none">
-            <a:spAutoFit/>
-          </a:bodyPr>
-          <a:lstStyle/>
-          <a:p>
-            <a:r>
-              <a:rPr lang="ja-JP" altLang="en-US" sz="1000" b="1" dirty="0" smtClean="0"/>
-              <a:t>ＵＳＢケーブル（Ａ－ｍｉｃｒｏＢ）</a:t>
-            </a:r>
-            <a:endParaRPr lang="ja-JP" altLang="en-US" sz="1000" b="1" dirty="0"/>
-          </a:p>
-        </p:txBody>
-      </p:sp>
-      <p:sp>
-        <p:nvSpPr>
-          <p:cNvPr id="11" name="正方形/長方形 10"/>
-          <p:cNvSpPr/>
-          <p:nvPr/>
-        </p:nvSpPr>
-        <p:spPr>
-          <a:xfrm>
-            <a:off x="1043608" y="2924944"/>
-            <a:ext cx="1925527" cy="246221"/>
-          </a:xfrm>
-          <a:prstGeom prst="rect">
-            <a:avLst/>
-          </a:prstGeom>
-        </p:spPr>
-        <p:txBody>
-          <a:bodyPr wrap="none">
-            <a:spAutoFit/>
-          </a:bodyPr>
-          <a:lstStyle/>
-          <a:p>
-            <a:r>
-              <a:rPr lang="ja-JP" altLang="en-US" sz="1000" b="1" dirty="0" smtClean="0"/>
-              <a:t>ブレッドボード・ジャンパーワイヤ</a:t>
-            </a:r>
-            <a:endParaRPr lang="ja-JP" altLang="en-US" sz="1000" b="1" dirty="0"/>
-          </a:p>
-        </p:txBody>
-      </p:sp>
-      <p:sp>
-        <p:nvSpPr>
-          <p:cNvPr id="12" name="正方形/長方形 11"/>
-          <p:cNvSpPr/>
-          <p:nvPr/>
-        </p:nvSpPr>
-        <p:spPr>
-          <a:xfrm>
-            <a:off x="3563888" y="3501008"/>
-            <a:ext cx="4572000" cy="246221"/>
-          </a:xfrm>
-          <a:prstGeom prst="rect">
-            <a:avLst/>
-          </a:prstGeom>
-        </p:spPr>
-        <p:txBody>
-          <a:bodyPr>
-            <a:spAutoFit/>
-          </a:bodyPr>
-          <a:lstStyle/>
-          <a:p>
-            <a:r>
-              <a:rPr lang="ja-JP" altLang="en-US" sz="1000" b="1" dirty="0" smtClean="0"/>
-              <a:t>三端子レギュレーター［３．３Ｖ</a:t>
-            </a:r>
-            <a:r>
-              <a:rPr lang="en-US" altLang="ja-JP" sz="1000" b="1" dirty="0" smtClean="0"/>
-              <a:t>] </a:t>
-            </a:r>
-            <a:r>
-              <a:rPr lang="ja-JP" altLang="en-US" sz="1000" b="1" dirty="0" smtClean="0"/>
-              <a:t>ＸＣ６２０２Ｐ３３２ＴＢ　</a:t>
-            </a:r>
-            <a:endParaRPr lang="ja-JP" altLang="en-US" sz="1000" b="1" dirty="0"/>
-          </a:p>
-        </p:txBody>
-      </p:sp>
-      <p:sp>
-        <p:nvSpPr>
-          <p:cNvPr id="13" name="正方形/長方形 12"/>
-          <p:cNvSpPr/>
-          <p:nvPr/>
-        </p:nvSpPr>
-        <p:spPr>
-          <a:xfrm>
-            <a:off x="2771800" y="404664"/>
-            <a:ext cx="1114408" cy="253916"/>
-          </a:xfrm>
-          <a:prstGeom prst="rect">
-            <a:avLst/>
-          </a:prstGeom>
-        </p:spPr>
-        <p:txBody>
-          <a:bodyPr wrap="none">
-            <a:spAutoFit/>
-          </a:bodyPr>
-          <a:lstStyle/>
-          <a:p>
-            <a:r>
-              <a:rPr lang="en-US" altLang="ja-JP" sz="1050" b="1" dirty="0" smtClean="0"/>
-              <a:t>PIC24FJ64GB002</a:t>
-            </a:r>
-            <a:endParaRPr lang="ja-JP" altLang="en-US" sz="1050" b="1" dirty="0"/>
-          </a:p>
-        </p:txBody>
-      </p:sp>
-      <p:sp>
-        <p:nvSpPr>
-          <p:cNvPr id="14" name="正方形/長方形 13"/>
-          <p:cNvSpPr/>
-          <p:nvPr/>
-        </p:nvSpPr>
-        <p:spPr>
-          <a:xfrm>
-            <a:off x="3851920" y="6381328"/>
-            <a:ext cx="1127232" cy="246221"/>
-          </a:xfrm>
-          <a:prstGeom prst="rect">
-            <a:avLst/>
-          </a:prstGeom>
-        </p:spPr>
-        <p:txBody>
-          <a:bodyPr wrap="none">
-            <a:spAutoFit/>
-          </a:bodyPr>
-          <a:lstStyle/>
-          <a:p>
-            <a:r>
-              <a:rPr lang="en-US" altLang="ja-JP" sz="1000" b="1" dirty="0" smtClean="0"/>
-              <a:t>L</a:t>
-            </a:r>
-            <a:r>
-              <a:rPr lang="ja-JP" altLang="en-US" sz="1000" b="1" dirty="0" smtClean="0"/>
-              <a:t>ピンヘッダ１ｘ２０</a:t>
-            </a:r>
-            <a:endParaRPr lang="ja-JP" altLang="en-US" sz="1000" b="1" dirty="0"/>
-          </a:p>
-        </p:txBody>
-      </p:sp>
-      <p:sp>
-        <p:nvSpPr>
-          <p:cNvPr id="15" name="正方形/長方形 14"/>
-          <p:cNvSpPr/>
-          <p:nvPr/>
-        </p:nvSpPr>
-        <p:spPr>
-          <a:xfrm>
-            <a:off x="6012160" y="744959"/>
-            <a:ext cx="2214068" cy="307777"/>
-          </a:xfrm>
-          <a:prstGeom prst="rect">
-            <a:avLst/>
-          </a:prstGeom>
-        </p:spPr>
-        <p:txBody>
-          <a:bodyPr wrap="none">
-            <a:spAutoFit/>
-          </a:bodyPr>
-          <a:lstStyle/>
-          <a:p>
-            <a:r>
-              <a:rPr lang="ja-JP" altLang="en-US" sz="1400" b="1" dirty="0" smtClean="0"/>
-              <a:t>ブレッドボード　ＥＩＣ－８０１</a:t>
-            </a:r>
-            <a:endParaRPr lang="ja-JP" altLang="en-US" sz="1400" b="1" dirty="0"/>
-          </a:p>
-        </p:txBody>
-      </p:sp>
-      <p:sp>
-        <p:nvSpPr>
-          <p:cNvPr id="16" name="正方形/長方形 15"/>
-          <p:cNvSpPr/>
-          <p:nvPr/>
-        </p:nvSpPr>
-        <p:spPr>
-          <a:xfrm>
-            <a:off x="3563888" y="1196752"/>
-            <a:ext cx="1124026" cy="246221"/>
-          </a:xfrm>
-          <a:prstGeom prst="rect">
-            <a:avLst/>
-          </a:prstGeom>
-        </p:spPr>
-        <p:txBody>
-          <a:bodyPr wrap="none">
-            <a:spAutoFit/>
-          </a:bodyPr>
-          <a:lstStyle/>
-          <a:p>
-            <a:r>
-              <a:rPr lang="ja-JP" altLang="en-US" sz="1000" b="1" dirty="0" smtClean="0"/>
-              <a:t>赤色ＬＥＤ　３ｍｍ</a:t>
-            </a:r>
-            <a:endParaRPr lang="ja-JP" altLang="en-US" sz="1000" b="1" dirty="0"/>
-          </a:p>
-        </p:txBody>
-      </p:sp>
-      <p:sp>
-        <p:nvSpPr>
-          <p:cNvPr id="17" name="下矢印 16"/>
-          <p:cNvSpPr/>
-          <p:nvPr/>
-        </p:nvSpPr>
-        <p:spPr>
-          <a:xfrm rot="19057097">
-            <a:off x="1108500" y="791266"/>
-            <a:ext cx="432048" cy="360040"/>
-          </a:xfrm>
-          <a:prstGeom prst="downArrow">
-            <a:avLst/>
-          </a:prstGeom>
-        </p:spPr>
-        <p:style>
-          <a:lnRef idx="2">
-            <a:schemeClr val="accent1">
-              <a:shade val="50000"/>
-            </a:schemeClr>
-          </a:lnRef>
-          <a:fillRef idx="1">
-            <a:schemeClr val="accent1"/>
-          </a:fillRef>
-          <a:effectRef idx="0">
-            <a:schemeClr val="accent1"/>
-          </a:effectRef>
-          <a:fontRef idx="minor">
-            <a:schemeClr val="lt1"/>
-          </a:fontRef>
-        </p:style>
-        <p:txBody>
-          <a:bodyPr rtlCol="0" anchor="ctr"/>
-          <a:lstStyle/>
-          <a:p>
-            <a:pPr algn="ctr"/>
-            <a:endParaRPr kumimoji="1" lang="ja-JP" altLang="en-US"/>
-          </a:p>
-        </p:txBody>
-      </p:sp>
-      <p:sp>
-        <p:nvSpPr>
-          <p:cNvPr id="18" name="テキスト ボックス 17"/>
-          <p:cNvSpPr txBox="1"/>
-          <p:nvPr/>
-        </p:nvSpPr>
-        <p:spPr>
-          <a:xfrm>
-            <a:off x="971600" y="1124744"/>
-            <a:ext cx="702436" cy="261610"/>
-          </a:xfrm>
-          <a:prstGeom prst="rect">
-            <a:avLst/>
-          </a:prstGeom>
-          <a:noFill/>
-        </p:spPr>
-        <p:txBody>
-          <a:bodyPr wrap="none" rtlCol="0">
-            <a:spAutoFit/>
-          </a:bodyPr>
-          <a:lstStyle/>
-          <a:p>
-            <a:r>
-              <a:rPr kumimoji="1" lang="ja-JP" altLang="en-US" sz="1050" dirty="0" smtClean="0"/>
-              <a:t>黒マーク</a:t>
-            </a:r>
-            <a:endParaRPr kumimoji="1" lang="ja-JP" altLang="en-US" sz="1050" dirty="0"/>
-          </a:p>
-        </p:txBody>
-      </p:sp>
-      <p:sp>
-        <p:nvSpPr>
-          <p:cNvPr id="19" name="下矢印 18"/>
-          <p:cNvSpPr/>
-          <p:nvPr/>
-        </p:nvSpPr>
-        <p:spPr>
-          <a:xfrm rot="10800000">
-            <a:off x="3851920" y="3140968"/>
-            <a:ext cx="360040" cy="360040"/>
-          </a:xfrm>
-          <a:prstGeom prst="downArrow">
-            <a:avLst/>
-          </a:prstGeom>
-        </p:spPr>
-        <p:style>
-          <a:lnRef idx="2">
-            <a:schemeClr val="accent1">
-              <a:shade val="50000"/>
-            </a:schemeClr>
-          </a:lnRef>
-          <a:fillRef idx="1">
-            <a:schemeClr val="accent1"/>
-          </a:fillRef>
-          <a:effectRef idx="0">
-            <a:schemeClr val="accent1"/>
-          </a:effectRef>
-          <a:fontRef idx="minor">
-            <a:schemeClr val="lt1"/>
-          </a:fontRef>
-        </p:style>
-        <p:txBody>
-          <a:bodyPr rtlCol="0" anchor="ctr"/>
-          <a:lstStyle/>
-          <a:p>
-            <a:pPr algn="ctr"/>
-            <a:endParaRPr kumimoji="1" lang="ja-JP" altLang="en-US"/>
-          </a:p>
-        </p:txBody>
-      </p:sp>
-    </p:spTree>
-  </p:cSld>
-  <p:clrMapOvr>
-    <a:masterClrMapping/>
-  </p:clrMapOvr>
-</p:sld>
-</file>
-
-<file path=ppt/slides/slide5.xml><?xml version="1.0" encoding="utf-8"?>
 <p:sld xmlns:a="http://schemas.openxmlformats.org/drawingml/2006/main" xmlns:r="http://schemas.openxmlformats.org/officeDocument/2006/relationships" xmlns:p="http://schemas.openxmlformats.org/presentationml/2006/main">
   <p:cSld>
     <p:spTree>
@@ -7372,15 +11881,7 @@
           <a:p>
             <a:r>
               <a:rPr lang="ja-JP" altLang="en-US" sz="1000" b="1" dirty="0" smtClean="0"/>
-              <a:t>三端子</a:t>
-            </a:r>
-            <a:r>
-              <a:rPr lang="ja-JP" altLang="en-US" sz="1000" b="1" dirty="0" smtClean="0"/>
-              <a:t>レギュレーター</a:t>
-            </a:r>
-            <a:r>
-              <a:rPr lang="ja-JP" altLang="en-US" sz="1000" b="1" dirty="0" smtClean="0"/>
-              <a:t>　</a:t>
+              <a:t>三端子レギュレーター　</a:t>
             </a:r>
             <a:endParaRPr lang="ja-JP" altLang="en-US" sz="1000" b="1" dirty="0"/>
           </a:p>
@@ -7514,7 +12015,7 @@
 </p:sld>
 </file>
 
-<file path=ppt/slides/slide6.xml><?xml version="1.0" encoding="utf-8"?>
+<file path=ppt/slides/slide5.xml><?xml version="1.0" encoding="utf-8"?>
 <p:sld xmlns:a="http://schemas.openxmlformats.org/drawingml/2006/main" xmlns:r="http://schemas.openxmlformats.org/officeDocument/2006/relationships" xmlns:p="http://schemas.openxmlformats.org/presentationml/2006/main">
   <p:cSld>
     <p:spTree>
@@ -16560,7 +21061,7 @@
 </p:sld>
 </file>
 
-<file path=ppt/slides/slide7.xml><?xml version="1.0" encoding="utf-8"?>
+<file path=ppt/slides/slide6.xml><?xml version="1.0" encoding="utf-8"?>
 <p:sld xmlns:a="http://schemas.openxmlformats.org/drawingml/2006/main" xmlns:r="http://schemas.openxmlformats.org/officeDocument/2006/relationships" xmlns:p="http://schemas.openxmlformats.org/presentationml/2006/main">
   <p:cSld>
     <p:spTree>
@@ -16652,6 +21153,36 @@
           <a:noFill/>
         </p:spPr>
       </p:pic>
+      <p:sp>
+        <p:nvSpPr>
+          <p:cNvPr id="5" name="テキスト ボックス 4"/>
+          <p:cNvSpPr txBox="1"/>
+          <p:nvPr/>
+        </p:nvSpPr>
+        <p:spPr>
+          <a:xfrm>
+            <a:off x="5652120" y="5229200"/>
+            <a:ext cx="1338828" cy="369332"/>
+          </a:xfrm>
+          <a:prstGeom prst="rect">
+            <a:avLst/>
+          </a:prstGeom>
+          <a:noFill/>
+        </p:spPr>
+        <p:txBody>
+          <a:bodyPr wrap="none" rtlCol="0">
+            <a:spAutoFit/>
+          </a:bodyPr>
+          <a:lstStyle/>
+          <a:p>
+            <a:r>
+              <a:rPr lang="ja-JP" altLang="en-US" dirty="0" smtClean="0"/>
+              <a:t>内部の配線</a:t>
+            </a:r>
+            <a:endParaRPr kumimoji="1" lang="ja-JP" altLang="en-US" dirty="0"/>
+          </a:p>
+        </p:txBody>
+      </p:sp>
     </p:spTree>
   </p:cSld>
   <p:clrMapOvr>
@@ -16660,7 +21191,7 @@
 </p:sld>
 </file>
 
-<file path=ppt/slides/slide8.xml><?xml version="1.0" encoding="utf-8"?>
+<file path=ppt/slides/slide7.xml><?xml version="1.0" encoding="utf-8"?>
 <p:sld xmlns:a="http://schemas.openxmlformats.org/drawingml/2006/main" xmlns:r="http://schemas.openxmlformats.org/officeDocument/2006/relationships" xmlns:p="http://schemas.openxmlformats.org/presentationml/2006/main">
   <p:cSld>
     <p:spTree>
@@ -16783,7 +21314,7 @@
 </p:sld>
 </file>
 
-<file path=ppt/slides/slide9.xml><?xml version="1.0" encoding="utf-8"?>
+<file path=ppt/slides/slide8.xml><?xml version="1.0" encoding="utf-8"?>
 <p:sld xmlns:a="http://schemas.openxmlformats.org/drawingml/2006/main" xmlns:r="http://schemas.openxmlformats.org/officeDocument/2006/relationships" xmlns:p="http://schemas.openxmlformats.org/presentationml/2006/main">
   <p:cSld>
     <p:spTree>
@@ -16817,7 +21348,7 @@
         </p:blipFill>
         <p:spPr bwMode="auto">
           <a:xfrm>
-            <a:off x="244153" y="3501008"/>
+            <a:off x="244153" y="3779748"/>
             <a:ext cx="8432304" cy="2710607"/>
           </a:xfrm>
           <a:prstGeom prst="rect">
@@ -16897,16 +21428,17 @@
               <a:t>64Kbyte </a:t>
             </a:r>
             <a:r>
-              <a:rPr lang="en-US" altLang="ja-JP" dirty="0" err="1" smtClean="0"/>
-              <a:t>ProguramMemory</a:t>
-            </a:r>
-            <a:r>
               <a:rPr lang="en-US" altLang="ja-JP" dirty="0" smtClean="0"/>
-              <a:t> (Flash)</a:t>
-            </a:r>
-          </a:p>
-          <a:p>
-            <a:pPr lvl="1"/>
+              <a:t>Program Memory </a:t>
+            </a:r>
+            <a:r>
+              <a:rPr lang="en-US" altLang="ja-JP" dirty="0" smtClean="0"/>
+              <a:t>(Flash)</a:t>
+            </a:r>
+            <a:r>
+              <a:rPr lang="ja-JP" altLang="en-US" dirty="0" err="1" smtClean="0"/>
+              <a:t>、</a:t>
+            </a:r>
             <a:r>
               <a:rPr lang="en-US" altLang="ja-JP" dirty="0" smtClean="0"/>
               <a:t>64Kbyte</a:t>
@@ -16925,6 +21457,12 @@
             <a:r>
               <a:rPr lang="nn-NO" altLang="ja-JP" dirty="0" smtClean="0"/>
               <a:t>I²C, IrDA, SPI, UART/USART, USB OTG</a:t>
+            </a:r>
+          </a:p>
+          <a:p>
+            <a:r>
+              <a:rPr kumimoji="1" lang="ja-JP" altLang="en-US" dirty="0" smtClean="0"/>
+              <a:t>プログラムは書き込み済</a:t>
             </a:r>
             <a:endParaRPr kumimoji="1" lang="ja-JP" altLang="en-US" dirty="0"/>
           </a:p>
@@ -16938,7 +21476,7 @@
         </p:nvSpPr>
         <p:spPr>
           <a:xfrm>
-            <a:off x="4716016" y="6021288"/>
+            <a:off x="4716016" y="6300028"/>
             <a:ext cx="1043876" cy="369332"/>
           </a:xfrm>
           <a:prstGeom prst="rect">
@@ -16955,6 +21493,222 @@
             <a:r>
               <a:rPr lang="ja-JP" altLang="en-US" dirty="0" smtClean="0"/>
               <a:t>ピン配置</a:t>
+            </a:r>
+            <a:endParaRPr kumimoji="1" lang="ja-JP" altLang="en-US" dirty="0"/>
+          </a:p>
+        </p:txBody>
+      </p:sp>
+      <p:sp>
+        <p:nvSpPr>
+          <p:cNvPr id="6" name="下矢印 5"/>
+          <p:cNvSpPr/>
+          <p:nvPr/>
+        </p:nvSpPr>
+        <p:spPr>
+          <a:xfrm>
+            <a:off x="5004048" y="3923764"/>
+            <a:ext cx="360040" cy="216024"/>
+          </a:xfrm>
+          <a:prstGeom prst="downArrow">
+            <a:avLst/>
+          </a:prstGeom>
+        </p:spPr>
+        <p:style>
+          <a:lnRef idx="2">
+            <a:schemeClr val="accent1">
+              <a:shade val="50000"/>
+            </a:schemeClr>
+          </a:lnRef>
+          <a:fillRef idx="1">
+            <a:schemeClr val="accent1"/>
+          </a:fillRef>
+          <a:effectRef idx="0">
+            <a:schemeClr val="accent1"/>
+          </a:effectRef>
+          <a:fontRef idx="minor">
+            <a:schemeClr val="lt1"/>
+          </a:fontRef>
+        </p:style>
+        <p:txBody>
+          <a:bodyPr rtlCol="0" anchor="ctr"/>
+          <a:lstStyle/>
+          <a:p>
+            <a:pPr algn="ctr"/>
+            <a:endParaRPr kumimoji="1" lang="ja-JP" altLang="en-US"/>
+          </a:p>
+        </p:txBody>
+      </p:sp>
+    </p:spTree>
+  </p:cSld>
+  <p:clrMapOvr>
+    <a:masterClrMapping/>
+  </p:clrMapOvr>
+</p:sld>
+</file>
+
+<file path=ppt/slides/slide9.xml><?xml version="1.0" encoding="utf-8"?>
+<p:sld xmlns:a="http://schemas.openxmlformats.org/drawingml/2006/main" xmlns:r="http://schemas.openxmlformats.org/officeDocument/2006/relationships" xmlns:p="http://schemas.openxmlformats.org/presentationml/2006/main">
+  <p:cSld>
+    <p:spTree>
+      <p:nvGrpSpPr>
+        <p:cNvPr id="1" name=""/>
+        <p:cNvGrpSpPr/>
+        <p:nvPr/>
+      </p:nvGrpSpPr>
+      <p:grpSpPr>
+        <a:xfrm>
+          <a:off x="0" y="0"/>
+          <a:ext cx="0" cy="0"/>
+          <a:chOff x="0" y="0"/>
+          <a:chExt cx="0" cy="0"/>
+        </a:xfrm>
+      </p:grpSpPr>
+      <p:sp>
+        <p:nvSpPr>
+          <p:cNvPr id="2" name="タイトル 1"/>
+          <p:cNvSpPr>
+            <a:spLocks noGrp="1"/>
+          </p:cNvSpPr>
+          <p:nvPr>
+            <p:ph type="title"/>
+          </p:nvPr>
+        </p:nvSpPr>
+        <p:spPr/>
+        <p:txBody>
+          <a:bodyPr/>
+          <a:lstStyle/>
+          <a:p>
+            <a:r>
+              <a:rPr kumimoji="1" lang="ja-JP" altLang="en-US" dirty="0" smtClean="0"/>
+              <a:t>抵抗</a:t>
+            </a:r>
+            <a:endParaRPr kumimoji="1" lang="ja-JP" altLang="en-US" dirty="0"/>
+          </a:p>
+        </p:txBody>
+      </p:sp>
+      <p:sp>
+        <p:nvSpPr>
+          <p:cNvPr id="3" name="コンテンツ プレースホルダ 2"/>
+          <p:cNvSpPr>
+            <a:spLocks noGrp="1"/>
+          </p:cNvSpPr>
+          <p:nvPr>
+            <p:ph idx="1"/>
+          </p:nvPr>
+        </p:nvSpPr>
+        <p:spPr/>
+        <p:txBody>
+          <a:bodyPr/>
+          <a:lstStyle/>
+          <a:p>
+            <a:r>
+              <a:rPr lang="ja-JP" altLang="en-US" dirty="0" smtClean="0"/>
+              <a:t>電流の流れを抑止する</a:t>
+            </a:r>
+            <a:endParaRPr lang="en-US" altLang="ja-JP" dirty="0" smtClean="0"/>
+          </a:p>
+          <a:p>
+            <a:pPr lvl="1"/>
+            <a:r>
+              <a:rPr kumimoji="1" lang="ja-JP" altLang="en-US" dirty="0" smtClean="0"/>
+              <a:t>抵抗の値が小さいと導体</a:t>
+            </a:r>
+            <a:endParaRPr kumimoji="1" lang="en-US" altLang="ja-JP" dirty="0" smtClean="0"/>
+          </a:p>
+          <a:p>
+            <a:pPr lvl="1"/>
+            <a:r>
+              <a:rPr lang="ja-JP" altLang="en-US" dirty="0" smtClean="0"/>
+              <a:t>抵抗の値が大きいと絶縁体</a:t>
+            </a:r>
+            <a:endParaRPr kumimoji="1" lang="en-US" altLang="ja-JP" dirty="0" smtClean="0"/>
+          </a:p>
+          <a:p>
+            <a:r>
+              <a:rPr lang="ja-JP" altLang="en-US" dirty="0" smtClean="0"/>
+              <a:t>極性なし</a:t>
+            </a:r>
+            <a:endParaRPr lang="en-US" altLang="ja-JP" dirty="0" smtClean="0"/>
+          </a:p>
+        </p:txBody>
+      </p:sp>
+      <p:pic>
+        <p:nvPicPr>
+          <p:cNvPr id="6146" name="Picture 2" descr="C:\Users\hideo\Desktop\抵抗.jpg"/>
+          <p:cNvPicPr>
+            <a:picLocks noChangeAspect="1" noChangeArrowheads="1"/>
+          </p:cNvPicPr>
+          <p:nvPr/>
+        </p:nvPicPr>
+        <p:blipFill>
+          <a:blip r:embed="rId2" cstate="print"/>
+          <a:srcRect/>
+          <a:stretch>
+            <a:fillRect/>
+          </a:stretch>
+        </p:blipFill>
+        <p:spPr bwMode="auto">
+          <a:xfrm>
+            <a:off x="2765251" y="3874095"/>
+            <a:ext cx="1308100" cy="2435225"/>
+          </a:xfrm>
+          <a:prstGeom prst="rect">
+            <a:avLst/>
+          </a:prstGeom>
+          <a:noFill/>
+        </p:spPr>
+      </p:pic>
+      <p:pic>
+        <p:nvPicPr>
+          <p:cNvPr id="6147" name="Picture 3" descr="C:\Users\hideo\Desktop\抵抗１.jpg"/>
+          <p:cNvPicPr>
+            <a:picLocks noChangeAspect="1" noChangeArrowheads="1"/>
+          </p:cNvPicPr>
+          <p:nvPr/>
+        </p:nvPicPr>
+        <p:blipFill>
+          <a:blip r:embed="rId3" cstate="print"/>
+          <a:srcRect/>
+          <a:stretch>
+            <a:fillRect/>
+          </a:stretch>
+        </p:blipFill>
+        <p:spPr bwMode="auto">
+          <a:xfrm>
+            <a:off x="6005611" y="4221088"/>
+            <a:ext cx="582613" cy="1534684"/>
+          </a:xfrm>
+          <a:prstGeom prst="rect">
+            <a:avLst/>
+          </a:prstGeom>
+          <a:noFill/>
+        </p:spPr>
+      </p:pic>
+      <p:sp>
+        <p:nvSpPr>
+          <p:cNvPr id="6" name="テキスト ボックス 5"/>
+          <p:cNvSpPr txBox="1"/>
+          <p:nvPr/>
+        </p:nvSpPr>
+        <p:spPr>
+          <a:xfrm>
+            <a:off x="6012160" y="6021288"/>
+            <a:ext cx="877163" cy="369332"/>
+          </a:xfrm>
+          <a:prstGeom prst="rect">
+            <a:avLst/>
+          </a:prstGeom>
+          <a:noFill/>
+        </p:spPr>
+        <p:txBody>
+          <a:bodyPr wrap="none" rtlCol="0">
+            <a:spAutoFit/>
+          </a:bodyPr>
+          <a:lstStyle/>
+          <a:p>
+            <a:r>
+              <a:rPr kumimoji="1" lang="ja-JP" altLang="en-US" dirty="0" smtClean="0"/>
+              <a:t>回路図</a:t>
             </a:r>
             <a:endParaRPr kumimoji="1" lang="ja-JP" altLang="en-US" dirty="0"/>
           </a:p>

--- a/Doc/poorman's adk.pptx
+++ b/Doc/poorman's adk.pptx
@@ -5,34 +5,52 @@
     <p:sldMasterId id="2147483648" r:id="rId1"/>
   </p:sldMasterIdLst>
   <p:handoutMasterIdLst>
-    <p:handoutMasterId r:id="rId27"/>
+    <p:handoutMasterId r:id="rId45"/>
   </p:handoutMasterIdLst>
   <p:sldIdLst>
     <p:sldId id="264" r:id="rId2"/>
-    <p:sldId id="265" r:id="rId3"/>
-    <p:sldId id="267" r:id="rId4"/>
-    <p:sldId id="275" r:id="rId5"/>
-    <p:sldId id="257" r:id="rId6"/>
-    <p:sldId id="276" r:id="rId7"/>
-    <p:sldId id="277" r:id="rId8"/>
-    <p:sldId id="278" r:id="rId9"/>
-    <p:sldId id="280" r:id="rId10"/>
-    <p:sldId id="283" r:id="rId11"/>
-    <p:sldId id="279" r:id="rId12"/>
-    <p:sldId id="281" r:id="rId13"/>
-    <p:sldId id="282" r:id="rId14"/>
-    <p:sldId id="266" r:id="rId15"/>
-    <p:sldId id="284" r:id="rId16"/>
-    <p:sldId id="286" r:id="rId17"/>
-    <p:sldId id="287" r:id="rId18"/>
-    <p:sldId id="288" r:id="rId19"/>
-    <p:sldId id="261" r:id="rId20"/>
-    <p:sldId id="270" r:id="rId21"/>
-    <p:sldId id="262" r:id="rId22"/>
+    <p:sldId id="262" r:id="rId3"/>
+    <p:sldId id="265" r:id="rId4"/>
+    <p:sldId id="267" r:id="rId5"/>
+    <p:sldId id="275" r:id="rId6"/>
+    <p:sldId id="257" r:id="rId7"/>
+    <p:sldId id="276" r:id="rId8"/>
+    <p:sldId id="277" r:id="rId9"/>
+    <p:sldId id="278" r:id="rId10"/>
+    <p:sldId id="280" r:id="rId11"/>
+    <p:sldId id="283" r:id="rId12"/>
+    <p:sldId id="279" r:id="rId13"/>
+    <p:sldId id="281" r:id="rId14"/>
+    <p:sldId id="282" r:id="rId15"/>
+    <p:sldId id="266" r:id="rId16"/>
+    <p:sldId id="284" r:id="rId17"/>
+    <p:sldId id="286" r:id="rId18"/>
+    <p:sldId id="287" r:id="rId19"/>
+    <p:sldId id="288" r:id="rId20"/>
+    <p:sldId id="261" r:id="rId21"/>
+    <p:sldId id="270" r:id="rId22"/>
     <p:sldId id="271" r:id="rId23"/>
-    <p:sldId id="272" r:id="rId24"/>
-    <p:sldId id="273" r:id="rId25"/>
-    <p:sldId id="274" r:id="rId26"/>
+    <p:sldId id="293" r:id="rId24"/>
+    <p:sldId id="294" r:id="rId25"/>
+    <p:sldId id="295" r:id="rId26"/>
+    <p:sldId id="296" r:id="rId27"/>
+    <p:sldId id="297" r:id="rId28"/>
+    <p:sldId id="298" r:id="rId29"/>
+    <p:sldId id="304" r:id="rId30"/>
+    <p:sldId id="289" r:id="rId31"/>
+    <p:sldId id="292" r:id="rId32"/>
+    <p:sldId id="290" r:id="rId33"/>
+    <p:sldId id="291" r:id="rId34"/>
+    <p:sldId id="299" r:id="rId35"/>
+    <p:sldId id="300" r:id="rId36"/>
+    <p:sldId id="301" r:id="rId37"/>
+    <p:sldId id="302" r:id="rId38"/>
+    <p:sldId id="307" r:id="rId39"/>
+    <p:sldId id="308" r:id="rId40"/>
+    <p:sldId id="309" r:id="rId41"/>
+    <p:sldId id="273" r:id="rId42"/>
+    <p:sldId id="306" r:id="rId43"/>
+    <p:sldId id="274" r:id="rId44"/>
   </p:sldIdLst>
   <p:sldSz cx="9144000" cy="6858000" type="screen4x3"/>
   <p:notesSz cx="6888163" cy="10020300"/>
@@ -217,7 +235,7 @@
             <a:fld id="{39ACD2B1-05A2-4174-ACEE-BDB50ACC5B1E}" type="datetimeFigureOut">
               <a:rPr kumimoji="1" lang="ja-JP" altLang="en-US" smtClean="0"/>
               <a:pPr/>
-              <a:t>2012/2/2</a:t>
+              <a:t>2012/2/7</a:t>
             </a:fld>
             <a:endParaRPr kumimoji="1" lang="ja-JP" altLang="en-US"/>
           </a:p>
@@ -478,7 +496,7 @@
             <a:fld id="{E1E33C32-46ED-4DFB-A4BB-F6A77A224F95}" type="datetimeFigureOut">
               <a:rPr kumimoji="1" lang="ja-JP" altLang="en-US" smtClean="0"/>
               <a:pPr/>
-              <a:t>2012/2/2</a:t>
+              <a:t>2012/2/7</a:t>
             </a:fld>
             <a:endParaRPr kumimoji="1" lang="ja-JP" altLang="en-US"/>
           </a:p>
@@ -677,7 +695,7 @@
             <a:fld id="{E1E33C32-46ED-4DFB-A4BB-F6A77A224F95}" type="datetimeFigureOut">
               <a:rPr kumimoji="1" lang="ja-JP" altLang="en-US" smtClean="0"/>
               <a:pPr/>
-              <a:t>2012/2/2</a:t>
+              <a:t>2012/2/7</a:t>
             </a:fld>
             <a:endParaRPr kumimoji="1" lang="ja-JP" altLang="en-US"/>
           </a:p>
@@ -886,7 +904,7 @@
             <a:fld id="{E1E33C32-46ED-4DFB-A4BB-F6A77A224F95}" type="datetimeFigureOut">
               <a:rPr kumimoji="1" lang="ja-JP" altLang="en-US" smtClean="0"/>
               <a:pPr/>
-              <a:t>2012/2/2</a:t>
+              <a:t>2012/2/7</a:t>
             </a:fld>
             <a:endParaRPr kumimoji="1" lang="ja-JP" altLang="en-US"/>
           </a:p>
@@ -1085,7 +1103,7 @@
             <a:fld id="{E1E33C32-46ED-4DFB-A4BB-F6A77A224F95}" type="datetimeFigureOut">
               <a:rPr kumimoji="1" lang="ja-JP" altLang="en-US" smtClean="0"/>
               <a:pPr/>
-              <a:t>2012/2/2</a:t>
+              <a:t>2012/2/7</a:t>
             </a:fld>
             <a:endParaRPr kumimoji="1" lang="ja-JP" altLang="en-US"/>
           </a:p>
@@ -1328,7 +1346,7 @@
             <a:fld id="{E1E33C32-46ED-4DFB-A4BB-F6A77A224F95}" type="datetimeFigureOut">
               <a:rPr kumimoji="1" lang="ja-JP" altLang="en-US" smtClean="0"/>
               <a:pPr/>
-              <a:t>2012/2/2</a:t>
+              <a:t>2012/2/7</a:t>
             </a:fld>
             <a:endParaRPr kumimoji="1" lang="ja-JP" altLang="en-US"/>
           </a:p>
@@ -1677,7 +1695,7 @@
             <a:fld id="{E1E33C32-46ED-4DFB-A4BB-F6A77A224F95}" type="datetimeFigureOut">
               <a:rPr kumimoji="1" lang="ja-JP" altLang="en-US" smtClean="0"/>
               <a:pPr/>
-              <a:t>2012/2/2</a:t>
+              <a:t>2012/2/7</a:t>
             </a:fld>
             <a:endParaRPr kumimoji="1" lang="ja-JP" altLang="en-US"/>
           </a:p>
@@ -2160,7 +2178,7 @@
             <a:fld id="{E1E33C32-46ED-4DFB-A4BB-F6A77A224F95}" type="datetimeFigureOut">
               <a:rPr kumimoji="1" lang="ja-JP" altLang="en-US" smtClean="0"/>
               <a:pPr/>
-              <a:t>2012/2/2</a:t>
+              <a:t>2012/2/7</a:t>
             </a:fld>
             <a:endParaRPr kumimoji="1" lang="ja-JP" altLang="en-US"/>
           </a:p>
@@ -2275,7 +2293,7 @@
             <a:fld id="{E1E33C32-46ED-4DFB-A4BB-F6A77A224F95}" type="datetimeFigureOut">
               <a:rPr kumimoji="1" lang="ja-JP" altLang="en-US" smtClean="0"/>
               <a:pPr/>
-              <a:t>2012/2/2</a:t>
+              <a:t>2012/2/7</a:t>
             </a:fld>
             <a:endParaRPr kumimoji="1" lang="ja-JP" altLang="en-US"/>
           </a:p>
@@ -2367,7 +2385,7 @@
             <a:fld id="{E1E33C32-46ED-4DFB-A4BB-F6A77A224F95}" type="datetimeFigureOut">
               <a:rPr kumimoji="1" lang="ja-JP" altLang="en-US" smtClean="0"/>
               <a:pPr/>
-              <a:t>2012/2/2</a:t>
+              <a:t>2012/2/7</a:t>
             </a:fld>
             <a:endParaRPr kumimoji="1" lang="ja-JP" altLang="en-US"/>
           </a:p>
@@ -2673,7 +2691,7 @@
             <a:fld id="{E1E33C32-46ED-4DFB-A4BB-F6A77A224F95}" type="datetimeFigureOut">
               <a:rPr kumimoji="1" lang="ja-JP" altLang="en-US" smtClean="0"/>
               <a:pPr/>
-              <a:t>2012/2/2</a:t>
+              <a:t>2012/2/7</a:t>
             </a:fld>
             <a:endParaRPr kumimoji="1" lang="ja-JP" altLang="en-US"/>
           </a:p>
@@ -2923,7 +2941,7 @@
             <a:fld id="{E1E33C32-46ED-4DFB-A4BB-F6A77A224F95}" type="datetimeFigureOut">
               <a:rPr kumimoji="1" lang="ja-JP" altLang="en-US" smtClean="0"/>
               <a:pPr/>
-              <a:t>2012/2/2</a:t>
+              <a:t>2012/2/7</a:t>
             </a:fld>
             <a:endParaRPr kumimoji="1" lang="ja-JP" altLang="en-US"/>
           </a:p>
@@ -3165,7 +3183,7 @@
             <a:fld id="{E1E33C32-46ED-4DFB-A4BB-F6A77A224F95}" type="datetimeFigureOut">
               <a:rPr kumimoji="1" lang="ja-JP" altLang="en-US" smtClean="0"/>
               <a:pPr/>
-              <a:t>2012/2/2</a:t>
+              <a:t>2012/2/7</a:t>
             </a:fld>
             <a:endParaRPr kumimoji="1" lang="ja-JP" altLang="en-US"/>
           </a:p>
@@ -3715,6 +3733,21 @@
               <a:defRPr/>
             </a:pPr>
             <a:r>
+              <a:rPr lang="ja-JP" altLang="en-US" sz="4400" smtClean="0">
+                <a:ln w="5000" cmpd="sng">
+                  <a:noFill/>
+                  <a:prstDash val="solid"/>
+                </a:ln>
+                <a:solidFill>
+                  <a:srgbClr val="FF0000"/>
+                </a:solidFill>
+                <a:latin typeface="+mj-lt"/>
+                <a:ea typeface="+mj-ea"/>
+                <a:cs typeface="+mj-cs"/>
+              </a:rPr>
+              <a:t>書いてる</a:t>
+            </a:r>
+            <a:r>
               <a:rPr lang="ja-JP" altLang="en-US" sz="4400" dirty="0" smtClean="0">
                 <a:ln w="5000" cmpd="sng">
                   <a:noFill/>
@@ -3727,7 +3760,7 @@
                 <a:ea typeface="+mj-ea"/>
                 <a:cs typeface="+mj-cs"/>
               </a:rPr>
-              <a:t>書いてる途中です</a:t>
+              <a:t>途中です</a:t>
             </a:r>
             <a:endParaRPr kumimoji="1" lang="ja-JP" altLang="en-US" sz="4400" b="0" i="0" u="none" strike="noStrike" kern="1200" cap="none" spc="0" normalizeH="0" baseline="0" noProof="0" dirty="0">
               <a:ln w="5000" cmpd="sng">
@@ -3763,6 +3796,182 @@
 </file>
 
 <file path=ppt/slides/slide10.xml><?xml version="1.0" encoding="utf-8"?>
+<p:sld xmlns:a="http://schemas.openxmlformats.org/drawingml/2006/main" xmlns:r="http://schemas.openxmlformats.org/officeDocument/2006/relationships" xmlns:p="http://schemas.openxmlformats.org/presentationml/2006/main">
+  <p:cSld>
+    <p:spTree>
+      <p:nvGrpSpPr>
+        <p:cNvPr id="1" name=""/>
+        <p:cNvGrpSpPr/>
+        <p:nvPr/>
+      </p:nvGrpSpPr>
+      <p:grpSpPr>
+        <a:xfrm>
+          <a:off x="0" y="0"/>
+          <a:ext cx="0" cy="0"/>
+          <a:chOff x="0" y="0"/>
+          <a:chExt cx="0" cy="0"/>
+        </a:xfrm>
+      </p:grpSpPr>
+      <p:sp>
+        <p:nvSpPr>
+          <p:cNvPr id="2" name="タイトル 1"/>
+          <p:cNvSpPr>
+            <a:spLocks noGrp="1"/>
+          </p:cNvSpPr>
+          <p:nvPr>
+            <p:ph type="title"/>
+          </p:nvPr>
+        </p:nvSpPr>
+        <p:spPr/>
+        <p:txBody>
+          <a:bodyPr/>
+          <a:lstStyle/>
+          <a:p>
+            <a:r>
+              <a:rPr kumimoji="1" lang="ja-JP" altLang="en-US" dirty="0" smtClean="0"/>
+              <a:t>抵抗</a:t>
+            </a:r>
+            <a:endParaRPr kumimoji="1" lang="ja-JP" altLang="en-US" dirty="0"/>
+          </a:p>
+        </p:txBody>
+      </p:sp>
+      <p:sp>
+        <p:nvSpPr>
+          <p:cNvPr id="3" name="コンテンツ プレースホルダ 2"/>
+          <p:cNvSpPr>
+            <a:spLocks noGrp="1"/>
+          </p:cNvSpPr>
+          <p:nvPr>
+            <p:ph idx="1"/>
+          </p:nvPr>
+        </p:nvSpPr>
+        <p:spPr/>
+        <p:txBody>
+          <a:bodyPr/>
+          <a:lstStyle/>
+          <a:p>
+            <a:r>
+              <a:rPr lang="ja-JP" altLang="en-US" dirty="0" smtClean="0"/>
+              <a:t>電流の流れを抑止する</a:t>
+            </a:r>
+            <a:endParaRPr lang="en-US" altLang="ja-JP" dirty="0" smtClean="0"/>
+          </a:p>
+          <a:p>
+            <a:pPr lvl="1"/>
+            <a:r>
+              <a:rPr kumimoji="1" lang="ja-JP" altLang="en-US" dirty="0" smtClean="0"/>
+              <a:t>抵抗の値が小さいと導体</a:t>
+            </a:r>
+            <a:endParaRPr kumimoji="1" lang="en-US" altLang="ja-JP" dirty="0" smtClean="0"/>
+          </a:p>
+          <a:p>
+            <a:pPr lvl="1"/>
+            <a:r>
+              <a:rPr lang="ja-JP" altLang="en-US" dirty="0" smtClean="0"/>
+              <a:t>抵抗の値が大きいと絶縁体</a:t>
+            </a:r>
+            <a:endParaRPr kumimoji="1" lang="en-US" altLang="ja-JP" dirty="0" smtClean="0"/>
+          </a:p>
+          <a:p>
+            <a:r>
+              <a:rPr lang="ja-JP" altLang="en-US" dirty="0" smtClean="0"/>
+              <a:t>極性なし</a:t>
+            </a:r>
+            <a:endParaRPr lang="en-US" altLang="ja-JP" dirty="0" smtClean="0"/>
+          </a:p>
+        </p:txBody>
+      </p:sp>
+      <p:pic>
+        <p:nvPicPr>
+          <p:cNvPr id="6146" name="Picture 2" descr="C:\Users\hideo\Desktop\抵抗.jpg"/>
+          <p:cNvPicPr>
+            <a:picLocks noChangeAspect="1" noChangeArrowheads="1"/>
+          </p:cNvPicPr>
+          <p:nvPr/>
+        </p:nvPicPr>
+        <p:blipFill>
+          <a:blip r:embed="rId2" cstate="print"/>
+          <a:srcRect/>
+          <a:stretch>
+            <a:fillRect/>
+          </a:stretch>
+        </p:blipFill>
+        <p:spPr bwMode="auto">
+          <a:xfrm>
+            <a:off x="2765251" y="3874095"/>
+            <a:ext cx="1308100" cy="2435225"/>
+          </a:xfrm>
+          <a:prstGeom prst="rect">
+            <a:avLst/>
+          </a:prstGeom>
+          <a:noFill/>
+        </p:spPr>
+      </p:pic>
+      <p:pic>
+        <p:nvPicPr>
+          <p:cNvPr id="6147" name="Picture 3" descr="C:\Users\hideo\Desktop\抵抗１.jpg"/>
+          <p:cNvPicPr>
+            <a:picLocks noChangeAspect="1" noChangeArrowheads="1"/>
+          </p:cNvPicPr>
+          <p:nvPr/>
+        </p:nvPicPr>
+        <p:blipFill>
+          <a:blip r:embed="rId3" cstate="print"/>
+          <a:srcRect/>
+          <a:stretch>
+            <a:fillRect/>
+          </a:stretch>
+        </p:blipFill>
+        <p:spPr bwMode="auto">
+          <a:xfrm>
+            <a:off x="6005611" y="4221088"/>
+            <a:ext cx="582613" cy="1534684"/>
+          </a:xfrm>
+          <a:prstGeom prst="rect">
+            <a:avLst/>
+          </a:prstGeom>
+          <a:noFill/>
+        </p:spPr>
+      </p:pic>
+      <p:sp>
+        <p:nvSpPr>
+          <p:cNvPr id="6" name="テキスト ボックス 5"/>
+          <p:cNvSpPr txBox="1"/>
+          <p:nvPr/>
+        </p:nvSpPr>
+        <p:spPr>
+          <a:xfrm>
+            <a:off x="6012160" y="6021288"/>
+            <a:ext cx="877163" cy="369332"/>
+          </a:xfrm>
+          <a:prstGeom prst="rect">
+            <a:avLst/>
+          </a:prstGeom>
+          <a:noFill/>
+        </p:spPr>
+        <p:txBody>
+          <a:bodyPr wrap="none" rtlCol="0">
+            <a:spAutoFit/>
+          </a:bodyPr>
+          <a:lstStyle/>
+          <a:p>
+            <a:r>
+              <a:rPr kumimoji="1" lang="ja-JP" altLang="en-US" dirty="0" smtClean="0"/>
+              <a:t>回路図</a:t>
+            </a:r>
+            <a:endParaRPr kumimoji="1" lang="ja-JP" altLang="en-US" dirty="0"/>
+          </a:p>
+        </p:txBody>
+      </p:sp>
+    </p:spTree>
+  </p:cSld>
+  <p:clrMapOvr>
+    <a:masterClrMapping/>
+  </p:clrMapOvr>
+</p:sld>
+</file>
+
+<file path=ppt/slides/slide11.xml><?xml version="1.0" encoding="utf-8"?>
 <p:sld xmlns:a="http://schemas.openxmlformats.org/drawingml/2006/main" xmlns:r="http://schemas.openxmlformats.org/officeDocument/2006/relationships" xmlns:p="http://schemas.openxmlformats.org/presentationml/2006/main">
   <p:cSld>
     <p:spTree>
@@ -4174,7 +4383,7 @@
 </p:sld>
 </file>
 
-<file path=ppt/slides/slide11.xml><?xml version="1.0" encoding="utf-8"?>
+<file path=ppt/slides/slide12.xml><?xml version="1.0" encoding="utf-8"?>
 <p:sld xmlns:a="http://schemas.openxmlformats.org/drawingml/2006/main" xmlns:r="http://schemas.openxmlformats.org/officeDocument/2006/relationships" xmlns:p="http://schemas.openxmlformats.org/presentationml/2006/main">
   <p:cSld>
     <p:spTree>
@@ -4587,7 +4796,7 @@
 </p:sld>
 </file>
 
-<file path=ppt/slides/slide12.xml><?xml version="1.0" encoding="utf-8"?>
+<file path=ppt/slides/slide13.xml><?xml version="1.0" encoding="utf-8"?>
 <p:sld xmlns:a="http://schemas.openxmlformats.org/drawingml/2006/main" xmlns:r="http://schemas.openxmlformats.org/officeDocument/2006/relationships" xmlns:p="http://schemas.openxmlformats.org/presentationml/2006/main">
   <p:cSld>
     <p:spTree>
@@ -4934,7 +5143,7 @@
 </p:sld>
 </file>
 
-<file path=ppt/slides/slide13.xml><?xml version="1.0" encoding="utf-8"?>
+<file path=ppt/slides/slide14.xml><?xml version="1.0" encoding="utf-8"?>
 <p:sld xmlns:a="http://schemas.openxmlformats.org/drawingml/2006/main" xmlns:r="http://schemas.openxmlformats.org/officeDocument/2006/relationships" xmlns:p="http://schemas.openxmlformats.org/presentationml/2006/main">
   <p:cSld>
     <p:spTree>
@@ -6246,7 +6455,7 @@
 </p:sld>
 </file>
 
-<file path=ppt/slides/slide14.xml><?xml version="1.0" encoding="utf-8"?>
+<file path=ppt/slides/slide15.xml><?xml version="1.0" encoding="utf-8"?>
 <p:sld xmlns:a="http://schemas.openxmlformats.org/drawingml/2006/main" xmlns:r="http://schemas.openxmlformats.org/officeDocument/2006/relationships" xmlns:p="http://schemas.openxmlformats.org/presentationml/2006/main">
   <p:cSld>
     <p:spTree>
@@ -6352,7 +6561,7 @@
 </p:sld>
 </file>
 
-<file path=ppt/slides/slide15.xml><?xml version="1.0" encoding="utf-8"?>
+<file path=ppt/slides/slide16.xml><?xml version="1.0" encoding="utf-8"?>
 <p:sld xmlns:a="http://schemas.openxmlformats.org/drawingml/2006/main" xmlns:r="http://schemas.openxmlformats.org/officeDocument/2006/relationships" xmlns:p="http://schemas.openxmlformats.org/presentationml/2006/main">
   <p:cSld>
     <p:spTree>
@@ -7005,7 +7214,7 @@
 </p:sld>
 </file>
 
-<file path=ppt/slides/slide16.xml><?xml version="1.0" encoding="utf-8"?>
+<file path=ppt/slides/slide17.xml><?xml version="1.0" encoding="utf-8"?>
 <p:sld xmlns:a="http://schemas.openxmlformats.org/drawingml/2006/main" xmlns:r="http://schemas.openxmlformats.org/officeDocument/2006/relationships" xmlns:p="http://schemas.openxmlformats.org/presentationml/2006/main">
   <p:cSld>
     <p:spTree>
@@ -8203,7 +8412,7 @@
 </p:sld>
 </file>
 
-<file path=ppt/slides/slide17.xml><?xml version="1.0" encoding="utf-8"?>
+<file path=ppt/slides/slide18.xml><?xml version="1.0" encoding="utf-8"?>
 <p:sld xmlns:a="http://schemas.openxmlformats.org/drawingml/2006/main" xmlns:r="http://schemas.openxmlformats.org/officeDocument/2006/relationships" xmlns:p="http://schemas.openxmlformats.org/presentationml/2006/main">
   <p:cSld>
     <p:spTree>
@@ -9375,7 +9584,7 @@
 </p:sld>
 </file>
 
-<file path=ppt/slides/slide18.xml><?xml version="1.0" encoding="utf-8"?>
+<file path=ppt/slides/slide19.xml><?xml version="1.0" encoding="utf-8"?>
 <p:sld xmlns:a="http://schemas.openxmlformats.org/drawingml/2006/main" xmlns:r="http://schemas.openxmlformats.org/officeDocument/2006/relationships" xmlns:p="http://schemas.openxmlformats.org/presentationml/2006/main">
   <p:cSld>
     <p:spTree>
@@ -10661,7 +10870,7 @@
 </p:sld>
 </file>
 
-<file path=ppt/slides/slide19.xml><?xml version="1.0" encoding="utf-8"?>
+<file path=ppt/slides/slide2.xml><?xml version="1.0" encoding="utf-8"?>
 <p:sld xmlns:a="http://schemas.openxmlformats.org/drawingml/2006/main" xmlns:r="http://schemas.openxmlformats.org/officeDocument/2006/relationships" xmlns:p="http://schemas.openxmlformats.org/presentationml/2006/main">
   <p:cSld>
     <p:spTree>
@@ -10694,135 +10903,12 @@
           <a:lstStyle/>
           <a:p>
             <a:r>
-              <a:rPr kumimoji="1" lang="ja-JP" altLang="en-US" dirty="0" smtClean="0"/>
-              <a:t>完成写真</a:t>
-            </a:r>
-            <a:endParaRPr kumimoji="1" lang="ja-JP" altLang="en-US" dirty="0"/>
-          </a:p>
-        </p:txBody>
-      </p:sp>
-      <p:sp>
-        <p:nvSpPr>
-          <p:cNvPr id="3" name="コンテンツ プレースホルダ 2"/>
-          <p:cNvSpPr>
-            <a:spLocks noGrp="1"/>
-          </p:cNvSpPr>
-          <p:nvPr>
-            <p:ph idx="1"/>
-          </p:nvPr>
-        </p:nvSpPr>
-        <p:spPr>
-          <a:xfrm>
-            <a:off x="457200" y="1600200"/>
-            <a:ext cx="8229600" cy="5257800"/>
-          </a:xfrm>
-        </p:spPr>
-        <p:txBody>
-          <a:bodyPr>
-            <a:normAutofit/>
-          </a:bodyPr>
-          <a:lstStyle/>
-          <a:p>
-            <a:endParaRPr kumimoji="1" lang="en-US" altLang="ja-JP" dirty="0" smtClean="0"/>
-          </a:p>
-          <a:p>
-            <a:endParaRPr lang="en-US" altLang="ja-JP" dirty="0"/>
-          </a:p>
-          <a:p>
-            <a:endParaRPr kumimoji="1" lang="en-US" altLang="ja-JP" dirty="0" smtClean="0"/>
-          </a:p>
-          <a:p>
-            <a:endParaRPr lang="en-US" altLang="ja-JP" dirty="0"/>
-          </a:p>
-          <a:p>
-            <a:endParaRPr kumimoji="1" lang="en-US" altLang="ja-JP" dirty="0" smtClean="0"/>
-          </a:p>
-          <a:p>
-            <a:endParaRPr lang="en-US" altLang="ja-JP" dirty="0"/>
-          </a:p>
-          <a:p>
-            <a:endParaRPr kumimoji="1" lang="en-US" altLang="ja-JP" dirty="0" smtClean="0"/>
-          </a:p>
-          <a:p>
-            <a:endParaRPr lang="en-US" altLang="ja-JP" dirty="0"/>
-          </a:p>
-        </p:txBody>
-      </p:sp>
-      <p:pic>
-        <p:nvPicPr>
-          <p:cNvPr id="9218" name="Picture 2" descr="C:\Users\hideo\Desktop\IMG_20120128_112545.jpg"/>
-          <p:cNvPicPr>
-            <a:picLocks noChangeAspect="1" noChangeArrowheads="1"/>
-          </p:cNvPicPr>
-          <p:nvPr/>
-        </p:nvPicPr>
-        <p:blipFill>
-          <a:blip r:embed="rId2" cstate="print"/>
-          <a:srcRect/>
-          <a:stretch>
-            <a:fillRect/>
-          </a:stretch>
-        </p:blipFill>
-        <p:spPr bwMode="auto">
-          <a:xfrm rot="5400000">
-            <a:off x="845924" y="2402548"/>
-            <a:ext cx="4461794" cy="3346346"/>
-          </a:xfrm>
-          <a:prstGeom prst="rect">
-            <a:avLst/>
-          </a:prstGeom>
-          <a:noFill/>
-        </p:spPr>
-      </p:pic>
-    </p:spTree>
-  </p:cSld>
-  <p:clrMapOvr>
-    <a:masterClrMapping/>
-  </p:clrMapOvr>
-</p:sld>
-</file>
-
-<file path=ppt/slides/slide2.xml><?xml version="1.0" encoding="utf-8"?>
-<p:sld xmlns:a="http://schemas.openxmlformats.org/drawingml/2006/main" xmlns:r="http://schemas.openxmlformats.org/officeDocument/2006/relationships" xmlns:p="http://schemas.openxmlformats.org/presentationml/2006/main">
-  <p:cSld>
-    <p:spTree>
-      <p:nvGrpSpPr>
-        <p:cNvPr id="1" name=""/>
-        <p:cNvGrpSpPr/>
-        <p:nvPr/>
-      </p:nvGrpSpPr>
-      <p:grpSpPr>
-        <a:xfrm>
-          <a:off x="0" y="0"/>
-          <a:ext cx="0" cy="0"/>
-          <a:chOff x="0" y="0"/>
-          <a:chExt cx="0" cy="0"/>
-        </a:xfrm>
-      </p:grpSpPr>
-      <p:sp>
-        <p:nvSpPr>
-          <p:cNvPr id="2" name="タイトル 1"/>
-          <p:cNvSpPr>
-            <a:spLocks noGrp="1"/>
-          </p:cNvSpPr>
-          <p:nvPr>
-            <p:ph type="title"/>
-          </p:nvPr>
-        </p:nvSpPr>
-        <p:spPr/>
-        <p:txBody>
-          <a:bodyPr>
-            <a:normAutofit/>
-          </a:bodyPr>
-          <a:lstStyle/>
-          <a:p>
+              <a:rPr lang="ja-JP" altLang="en-US" dirty="0"/>
+              <a:t>最新</a:t>
+            </a:r>
             <a:r>
               <a:rPr lang="ja-JP" altLang="en-US" dirty="0" smtClean="0"/>
-              <a:t>このコースの目的と</a:t>
-            </a:r>
-            <a:r>
-              <a:rPr kumimoji="1" lang="ja-JP" altLang="en-US" dirty="0" smtClean="0"/>
-              <a:t>内容</a:t>
+              <a:t>リソース</a:t>
             </a:r>
             <a:endParaRPr kumimoji="1" lang="ja-JP" altLang="en-US" dirty="0"/>
           </a:p>
@@ -10841,135 +10927,201 @@
         <p:spPr/>
         <p:txBody>
           <a:bodyPr>
-            <a:normAutofit fontScale="92500" lnSpcReduction="10000"/>
+            <a:normAutofit fontScale="85000" lnSpcReduction="10000"/>
           </a:bodyPr>
           <a:lstStyle/>
           <a:p>
-            <a:pPr marL="550926" indent="-514350">
-              <a:buNone/>
-            </a:pPr>
-            <a:r>
-              <a:rPr lang="ja-JP" altLang="en-US" u="sng" dirty="0" smtClean="0"/>
-              <a:t>目的</a:t>
-            </a:r>
-            <a:endParaRPr lang="en-US" altLang="ja-JP" u="sng" dirty="0" smtClean="0"/>
-          </a:p>
-          <a:p>
-            <a:pPr marL="550926" indent="-514350">
-              <a:buNone/>
-            </a:pPr>
+            <a:r>
+              <a:rPr lang="ja-JP" altLang="en-US" dirty="0" smtClean="0"/>
+              <a:t>このドキュメントを含む、最新のリソースは以下で管理しています</a:t>
+            </a:r>
+            <a:endParaRPr lang="en-US" altLang="ja-JP" dirty="0" smtClean="0">
+              <a:hlinkClick r:id="rId2"/>
+            </a:endParaRPr>
+          </a:p>
+          <a:p>
+            <a:pPr lvl="1"/>
             <a:r>
               <a:rPr lang="en-US" altLang="ja-JP" dirty="0" smtClean="0"/>
-              <a:t>	</a:t>
-            </a:r>
+              <a:t>https://github.com/magoroku15/OpenAccessoryDemo</a:t>
+            </a:r>
+          </a:p>
+          <a:p>
+            <a:pPr lvl="2"/>
+            <a:r>
+              <a:rPr kumimoji="1" lang="en-US" altLang="ja-JP" dirty="0" smtClean="0"/>
+              <a:t>App Source </a:t>
+            </a:r>
+            <a:r>
+              <a:rPr kumimoji="1" lang="en-US" altLang="ja-JP" dirty="0" err="1" smtClean="0"/>
+              <a:t>CodeAndroid</a:t>
+            </a:r>
+            <a:r>
+              <a:rPr kumimoji="1" lang="en-US" altLang="ja-JP" dirty="0" smtClean="0"/>
+              <a:t> 	</a:t>
+            </a:r>
+            <a:r>
+              <a:rPr kumimoji="1" lang="ja-JP" altLang="en-US" dirty="0" smtClean="0"/>
+              <a:t>アプリのソースコード</a:t>
+            </a:r>
+            <a:endParaRPr kumimoji="1" lang="en-US" altLang="ja-JP" dirty="0" smtClean="0"/>
+          </a:p>
+          <a:p>
+            <a:pPr lvl="2"/>
             <a:r>
               <a:rPr lang="en-US" altLang="ja-JP" dirty="0" smtClean="0"/>
-              <a:t>Android</a:t>
+              <a:t>Doc				</a:t>
             </a:r>
             <a:r>
               <a:rPr lang="ja-JP" altLang="en-US" dirty="0" smtClean="0"/>
-              <a:t>アプリケーションデベロッパが</a:t>
+              <a:t>ドキュメント類</a:t>
+            </a:r>
+            <a:endParaRPr lang="en-US" altLang="ja-JP" dirty="0" smtClean="0"/>
+          </a:p>
+          <a:p>
+            <a:pPr lvl="2"/>
+            <a:r>
+              <a:rPr kumimoji="1" lang="en-US" altLang="ja-JP" dirty="0" smtClean="0"/>
+              <a:t>Firmware			</a:t>
+            </a:r>
+            <a:r>
+              <a:rPr lang="ja-JP" altLang="en-US" dirty="0" smtClean="0"/>
+              <a:t>マイコンのソース・バイナリ</a:t>
+            </a:r>
+            <a:endParaRPr lang="en-US" altLang="ja-JP" dirty="0" smtClean="0"/>
+          </a:p>
+          <a:p>
+            <a:r>
+              <a:rPr lang="ja-JP" altLang="en-US" dirty="0" smtClean="0"/>
+              <a:t>紹介する</a:t>
             </a:r>
             <a:r>
               <a:rPr lang="en-US" altLang="ja-JP" dirty="0" smtClean="0"/>
-              <a:t>Android Open Accessory </a:t>
+              <a:t>Microchip Technology Inc</a:t>
             </a:r>
             <a:r>
               <a:rPr lang="ja-JP" altLang="en-US" dirty="0" smtClean="0"/>
-              <a:t>を理解する。同時</a:t>
+              <a:t>作成のアンドロイドアプリは</a:t>
+            </a:r>
+            <a:r>
+              <a:rPr lang="en-US" altLang="ja-JP" dirty="0" smtClean="0"/>
+              <a:t>Android Market</a:t>
             </a:r>
             <a:r>
               <a:rPr lang="ja-JP" altLang="en-US" dirty="0" smtClean="0"/>
-              <a:t>に</a:t>
-            </a:r>
+              <a:t>からインストールできます</a:t>
+            </a:r>
+            <a:endParaRPr lang="en-US" altLang="ja-JP" dirty="0" smtClean="0"/>
+          </a:p>
+          <a:p>
+            <a:pPr lvl="1"/>
             <a:r>
               <a:rPr lang="en-US" altLang="ja-JP" dirty="0" smtClean="0"/>
-              <a:t>HW</a:t>
+              <a:t>Microchip</a:t>
             </a:r>
             <a:r>
               <a:rPr lang="ja-JP" altLang="en-US" dirty="0" smtClean="0"/>
-              <a:t>を理解する</a:t>
-            </a:r>
+              <a:t>で検索</a:t>
+            </a:r>
+            <a:endParaRPr lang="en-US" altLang="ja-JP" dirty="0" smtClean="0"/>
+          </a:p>
+          <a:p>
+            <a:pPr lvl="2"/>
             <a:r>
               <a:rPr lang="ja-JP" altLang="en-US" dirty="0" smtClean="0"/>
-              <a:t>事が広げる世界</a:t>
-            </a:r>
+              <a:t>基本的なアクセサリデモ</a:t>
+            </a:r>
+            <a:r>
+              <a:rPr lang="en-US" altLang="ja-JP" dirty="0" smtClean="0"/>
+              <a:t>3.x</a:t>
+            </a:r>
+          </a:p>
+          <a:p>
+            <a:pPr lvl="2"/>
             <a:r>
               <a:rPr lang="ja-JP" altLang="en-US" dirty="0" smtClean="0"/>
-              <a:t>を</a:t>
+              <a:t>基本的なアクセサリデモ</a:t>
+            </a:r>
+            <a:r>
+              <a:rPr lang="en-US" altLang="ja-JP" dirty="0" smtClean="0"/>
+              <a:t>2.3.x</a:t>
             </a:r>
             <a:r>
               <a:rPr lang="ja-JP" altLang="en-US" dirty="0" smtClean="0"/>
-              <a:t>体感</a:t>
-            </a:r>
-            <a:r>
-              <a:rPr lang="ja-JP" altLang="en-US" dirty="0" smtClean="0"/>
-              <a:t>する</a:t>
-            </a:r>
-            <a:r>
-              <a:rPr lang="ja-JP" altLang="en-US" dirty="0" smtClean="0"/>
-              <a:t>。</a:t>
+              <a:t>以降</a:t>
             </a:r>
             <a:endParaRPr lang="en-US" altLang="ja-JP" dirty="0" smtClean="0"/>
           </a:p>
-          <a:p>
-            <a:pPr marL="550926" indent="-514350">
-              <a:buNone/>
-            </a:pPr>
-            <a:r>
-              <a:rPr lang="ja-JP" altLang="en-US" u="sng" dirty="0" smtClean="0"/>
-              <a:t>内容</a:t>
-            </a:r>
-            <a:endParaRPr lang="en-US" altLang="ja-JP" u="sng" dirty="0" smtClean="0"/>
-          </a:p>
-          <a:p>
-            <a:pPr marL="550926" indent="-514350">
-              <a:buFont typeface="+mj-lt"/>
-              <a:buAutoNum type="arabicPeriod"/>
-            </a:pPr>
-            <a:r>
-              <a:rPr lang="ja-JP" altLang="en-US" dirty="0" smtClean="0"/>
-              <a:t>互換モジュールの組み立て</a:t>
-            </a:r>
-          </a:p>
-          <a:p>
-            <a:pPr marL="550926" indent="-514350">
-              <a:buFont typeface="+mj-lt"/>
-              <a:buAutoNum type="arabicPeriod"/>
-            </a:pPr>
-            <a:r>
-              <a:rPr lang="en-US" altLang="ja-JP" dirty="0" smtClean="0"/>
-              <a:t>Android</a:t>
-            </a:r>
-            <a:r>
-              <a:rPr lang="ja-JP" altLang="en-US" dirty="0" smtClean="0"/>
-              <a:t>との接続と動作確認</a:t>
-            </a:r>
-          </a:p>
-          <a:p>
-            <a:pPr marL="550926" indent="-514350">
-              <a:buFont typeface="+mj-lt"/>
-              <a:buAutoNum type="arabicPeriod"/>
-            </a:pPr>
-            <a:r>
-              <a:rPr lang="ja-JP" altLang="en-US" dirty="0" smtClean="0"/>
-              <a:t>互換モジュールの仕組み</a:t>
-            </a:r>
-          </a:p>
-          <a:p>
-            <a:pPr marL="550926" indent="-514350">
-              <a:buFont typeface="+mj-lt"/>
-              <a:buAutoNum type="arabicPeriod"/>
-            </a:pPr>
-            <a:r>
-              <a:rPr lang="en-US" altLang="ja-JP" dirty="0" smtClean="0"/>
-              <a:t>Android</a:t>
-            </a:r>
-            <a:r>
-              <a:rPr lang="ja-JP" altLang="en-US" dirty="0" smtClean="0"/>
-              <a:t>側の仕組み</a:t>
-            </a:r>
-            <a:endParaRPr lang="en-US" altLang="ja-JP" dirty="0" smtClean="0"/>
+        </p:txBody>
+      </p:sp>
+      <p:pic>
+        <p:nvPicPr>
+          <p:cNvPr id="4" name="Picture 2" descr="C:\Users\hideo\Desktop\M-03608.jpg"/>
+          <p:cNvPicPr>
+            <a:picLocks noChangeAspect="1" noChangeArrowheads="1"/>
+          </p:cNvPicPr>
+          <p:nvPr/>
+        </p:nvPicPr>
+        <p:blipFill>
+          <a:blip r:embed="rId3" cstate="print"/>
+          <a:srcRect/>
+          <a:stretch>
+            <a:fillRect/>
+          </a:stretch>
+        </p:blipFill>
+        <p:spPr bwMode="auto">
+          <a:xfrm>
+            <a:off x="7164288" y="0"/>
+            <a:ext cx="1825641" cy="1368152"/>
+          </a:xfrm>
+          <a:prstGeom prst="rect">
+            <a:avLst/>
+          </a:prstGeom>
+          <a:noFill/>
+        </p:spPr>
+      </p:pic>
+      <p:sp>
+        <p:nvSpPr>
+          <p:cNvPr id="5" name="テキスト ボックス 4"/>
+          <p:cNvSpPr txBox="1"/>
+          <p:nvPr/>
+        </p:nvSpPr>
+        <p:spPr>
+          <a:xfrm>
+            <a:off x="5868144" y="6093296"/>
+            <a:ext cx="2169184" cy="523220"/>
+          </a:xfrm>
+          <a:prstGeom prst="rect">
+            <a:avLst/>
+          </a:prstGeom>
+          <a:noFill/>
+        </p:spPr>
+        <p:txBody>
+          <a:bodyPr wrap="none" rtlCol="0">
+            <a:spAutoFit/>
+          </a:bodyPr>
+          <a:lstStyle/>
+          <a:p>
+            <a:r>
+              <a:rPr kumimoji="1" lang="en-US" altLang="ja-JP" sz="1400" dirty="0" smtClean="0"/>
+              <a:t>Pickit3  3900</a:t>
+            </a:r>
+            <a:r>
+              <a:rPr kumimoji="1" lang="ja-JP" altLang="en-US" sz="1400" dirty="0" smtClean="0"/>
+              <a:t>円</a:t>
+            </a:r>
+            <a:endParaRPr kumimoji="1" lang="en-US" altLang="ja-JP" sz="1400" dirty="0" smtClean="0"/>
+          </a:p>
+          <a:p>
+            <a:r>
+              <a:rPr kumimoji="1" lang="ja-JP" altLang="en-US" sz="1400" dirty="0" smtClean="0"/>
+              <a:t>秋月　通販コード </a:t>
+            </a:r>
+            <a:r>
+              <a:rPr kumimoji="1" lang="en-US" altLang="ja-JP" sz="1400" dirty="0" smtClean="0"/>
+              <a:t>M-03608</a:t>
+            </a:r>
+            <a:endParaRPr kumimoji="1" lang="ja-JP" altLang="en-US" sz="1400" dirty="0"/>
           </a:p>
         </p:txBody>
       </p:sp>
@@ -11015,32 +11167,1226 @@
           <a:p>
             <a:r>
               <a:rPr kumimoji="1" lang="ja-JP" altLang="en-US" dirty="0" smtClean="0"/>
-              <a:t>回路図</a:t>
+              <a:t>完成写真</a:t>
             </a:r>
             <a:endParaRPr kumimoji="1" lang="ja-JP" altLang="en-US" dirty="0"/>
           </a:p>
         </p:txBody>
       </p:sp>
-      <p:graphicFrame>
-        <p:nvGraphicFramePr>
-          <p:cNvPr id="24578" name="Object 2"/>
-          <p:cNvGraphicFramePr>
-            <a:graphicFrameLocks noChangeAspect="1"/>
-          </p:cNvGraphicFramePr>
+      <p:sp>
+        <p:nvSpPr>
+          <p:cNvPr id="3" name="コンテンツ プレースホルダ 2"/>
+          <p:cNvSpPr>
+            <a:spLocks noGrp="1"/>
+          </p:cNvSpPr>
+          <p:nvPr>
+            <p:ph idx="1"/>
+          </p:nvPr>
+        </p:nvSpPr>
+        <p:spPr>
+          <a:xfrm>
+            <a:off x="457200" y="1600200"/>
+            <a:ext cx="8229600" cy="5257800"/>
+          </a:xfrm>
+        </p:spPr>
+        <p:txBody>
+          <a:bodyPr>
+            <a:normAutofit/>
+          </a:bodyPr>
+          <a:lstStyle/>
+          <a:p>
+            <a:endParaRPr kumimoji="1" lang="en-US" altLang="ja-JP" dirty="0" smtClean="0"/>
+          </a:p>
+          <a:p>
+            <a:endParaRPr lang="en-US" altLang="ja-JP" dirty="0"/>
+          </a:p>
+          <a:p>
+            <a:endParaRPr kumimoji="1" lang="en-US" altLang="ja-JP" dirty="0" smtClean="0"/>
+          </a:p>
+          <a:p>
+            <a:endParaRPr lang="en-US" altLang="ja-JP" dirty="0"/>
+          </a:p>
+          <a:p>
+            <a:endParaRPr kumimoji="1" lang="en-US" altLang="ja-JP" dirty="0" smtClean="0"/>
+          </a:p>
+          <a:p>
+            <a:endParaRPr lang="en-US" altLang="ja-JP" dirty="0"/>
+          </a:p>
+          <a:p>
+            <a:endParaRPr kumimoji="1" lang="en-US" altLang="ja-JP" dirty="0" smtClean="0"/>
+          </a:p>
+          <a:p>
+            <a:endParaRPr lang="en-US" altLang="ja-JP" dirty="0"/>
+          </a:p>
+        </p:txBody>
+      </p:sp>
+      <p:pic>
+        <p:nvPicPr>
+          <p:cNvPr id="9218" name="Picture 2" descr="C:\Users\hideo\Desktop\IMG_20120128_112545.jpg"/>
+          <p:cNvPicPr>
+            <a:picLocks noChangeAspect="1" noChangeArrowheads="1"/>
+          </p:cNvPicPr>
           <p:nvPr/>
-        </p:nvGraphicFramePr>
-        <p:xfrm>
-          <a:off x="683568" y="1298521"/>
-          <a:ext cx="7560840" cy="5342874"/>
-        </p:xfrm>
-        <a:graphic>
-          <a:graphicData uri="http://schemas.openxmlformats.org/presentationml/2006/ole">
-            <p:oleObj spid="_x0000_s1026" name="Acrobat Document" r:id="rId3" imgW="8019977" imgH="5667300" progId="AcroExch.Document.7">
-              <p:embed/>
-            </p:oleObj>
-          </a:graphicData>
-        </a:graphic>
-      </p:graphicFrame>
+        </p:nvPicPr>
+        <p:blipFill>
+          <a:blip r:embed="rId2" cstate="print"/>
+          <a:srcRect/>
+          <a:stretch>
+            <a:fillRect/>
+          </a:stretch>
+        </p:blipFill>
+        <p:spPr bwMode="auto">
+          <a:xfrm rot="5400000">
+            <a:off x="3980297" y="2402548"/>
+            <a:ext cx="4461794" cy="3346346"/>
+          </a:xfrm>
+          <a:prstGeom prst="rect">
+            <a:avLst/>
+          </a:prstGeom>
+          <a:noFill/>
+        </p:spPr>
+      </p:pic>
+      <p:pic>
+        <p:nvPicPr>
+          <p:cNvPr id="5" name="Picture 2" descr="C:\Users\hideo\Desktop\img008.jpg"/>
+          <p:cNvPicPr>
+            <a:picLocks noChangeAspect="1" noChangeArrowheads="1"/>
+          </p:cNvPicPr>
+          <p:nvPr/>
+        </p:nvPicPr>
+        <p:blipFill>
+          <a:blip r:embed="rId3" cstate="print"/>
+          <a:srcRect/>
+          <a:stretch>
+            <a:fillRect/>
+          </a:stretch>
+        </p:blipFill>
+        <p:spPr bwMode="auto">
+          <a:xfrm>
+            <a:off x="1259632" y="2370237"/>
+            <a:ext cx="2038350" cy="3074987"/>
+          </a:xfrm>
+          <a:prstGeom prst="rect">
+            <a:avLst/>
+          </a:prstGeom>
+          <a:noFill/>
+        </p:spPr>
+      </p:pic>
+      <p:grpSp>
+        <p:nvGrpSpPr>
+          <p:cNvPr id="6" name="グループ化 5"/>
+          <p:cNvGrpSpPr/>
+          <p:nvPr/>
+        </p:nvGrpSpPr>
+        <p:grpSpPr>
+          <a:xfrm rot="5400000">
+            <a:off x="2233603" y="2458755"/>
+            <a:ext cx="428322" cy="360040"/>
+            <a:chOff x="706904" y="4941168"/>
+            <a:chExt cx="610626" cy="432048"/>
+          </a:xfrm>
+        </p:grpSpPr>
+        <p:sp>
+          <p:nvSpPr>
+            <p:cNvPr id="7" name="弦 6"/>
+            <p:cNvSpPr/>
+            <p:nvPr/>
+          </p:nvSpPr>
+          <p:spPr>
+            <a:xfrm rot="5400000">
+              <a:off x="791580" y="4977172"/>
+              <a:ext cx="432048" cy="360040"/>
+            </a:xfrm>
+            <a:prstGeom prst="chord">
+              <a:avLst>
+                <a:gd name="adj1" fmla="val 6090016"/>
+                <a:gd name="adj2" fmla="val 15497786"/>
+              </a:avLst>
+            </a:prstGeom>
+          </p:spPr>
+          <p:style>
+            <a:lnRef idx="2">
+              <a:schemeClr val="accent1">
+                <a:shade val="50000"/>
+              </a:schemeClr>
+            </a:lnRef>
+            <a:fillRef idx="1">
+              <a:schemeClr val="accent1"/>
+            </a:fillRef>
+            <a:effectRef idx="0">
+              <a:schemeClr val="accent1"/>
+            </a:effectRef>
+            <a:fontRef idx="minor">
+              <a:schemeClr val="lt1"/>
+            </a:fontRef>
+          </p:style>
+          <p:txBody>
+            <a:bodyPr rtlCol="0" anchor="ctr"/>
+            <a:lstStyle/>
+            <a:p>
+              <a:pPr algn="ctr"/>
+              <a:endParaRPr kumimoji="1" lang="ja-JP" altLang="en-US"/>
+            </a:p>
+          </p:txBody>
+        </p:sp>
+        <p:sp>
+          <p:nvSpPr>
+            <p:cNvPr id="8" name="正方形/長方形 7"/>
+            <p:cNvSpPr/>
+            <p:nvPr/>
+          </p:nvSpPr>
+          <p:spPr>
+            <a:xfrm>
+              <a:off x="827584" y="5085184"/>
+              <a:ext cx="72008" cy="45719"/>
+            </a:xfrm>
+            <a:prstGeom prst="rect">
+              <a:avLst/>
+            </a:prstGeom>
+          </p:spPr>
+          <p:style>
+            <a:lnRef idx="2">
+              <a:schemeClr val="accent1">
+                <a:shade val="50000"/>
+              </a:schemeClr>
+            </a:lnRef>
+            <a:fillRef idx="1">
+              <a:schemeClr val="accent1"/>
+            </a:fillRef>
+            <a:effectRef idx="0">
+              <a:schemeClr val="accent1"/>
+            </a:effectRef>
+            <a:fontRef idx="minor">
+              <a:schemeClr val="lt1"/>
+            </a:fontRef>
+          </p:style>
+          <p:txBody>
+            <a:bodyPr rtlCol="0" anchor="ctr"/>
+            <a:lstStyle/>
+            <a:p>
+              <a:pPr algn="ctr"/>
+              <a:endParaRPr kumimoji="1" lang="ja-JP" altLang="en-US" dirty="0"/>
+            </a:p>
+          </p:txBody>
+        </p:sp>
+        <p:sp>
+          <p:nvSpPr>
+            <p:cNvPr id="9" name="正方形/長方形 8"/>
+            <p:cNvSpPr/>
+            <p:nvPr/>
+          </p:nvSpPr>
+          <p:spPr>
+            <a:xfrm>
+              <a:off x="979984" y="5085184"/>
+              <a:ext cx="72008" cy="45719"/>
+            </a:xfrm>
+            <a:prstGeom prst="rect">
+              <a:avLst/>
+            </a:prstGeom>
+          </p:spPr>
+          <p:style>
+            <a:lnRef idx="2">
+              <a:schemeClr val="accent1">
+                <a:shade val="50000"/>
+              </a:schemeClr>
+            </a:lnRef>
+            <a:fillRef idx="1">
+              <a:schemeClr val="accent1"/>
+            </a:fillRef>
+            <a:effectRef idx="0">
+              <a:schemeClr val="accent1"/>
+            </a:effectRef>
+            <a:fontRef idx="minor">
+              <a:schemeClr val="lt1"/>
+            </a:fontRef>
+          </p:style>
+          <p:txBody>
+            <a:bodyPr rtlCol="0" anchor="ctr"/>
+            <a:lstStyle/>
+            <a:p>
+              <a:pPr algn="ctr"/>
+              <a:endParaRPr kumimoji="1" lang="ja-JP" altLang="en-US" dirty="0"/>
+            </a:p>
+          </p:txBody>
+        </p:sp>
+        <p:sp>
+          <p:nvSpPr>
+            <p:cNvPr id="10" name="正方形/長方形 9"/>
+            <p:cNvSpPr/>
+            <p:nvPr/>
+          </p:nvSpPr>
+          <p:spPr>
+            <a:xfrm>
+              <a:off x="1115616" y="5085184"/>
+              <a:ext cx="72008" cy="45719"/>
+            </a:xfrm>
+            <a:prstGeom prst="rect">
+              <a:avLst/>
+            </a:prstGeom>
+          </p:spPr>
+          <p:style>
+            <a:lnRef idx="2">
+              <a:schemeClr val="accent1">
+                <a:shade val="50000"/>
+              </a:schemeClr>
+            </a:lnRef>
+            <a:fillRef idx="1">
+              <a:schemeClr val="accent1"/>
+            </a:fillRef>
+            <a:effectRef idx="0">
+              <a:schemeClr val="accent1"/>
+            </a:effectRef>
+            <a:fontRef idx="minor">
+              <a:schemeClr val="lt1"/>
+            </a:fontRef>
+          </p:style>
+          <p:txBody>
+            <a:bodyPr rtlCol="0" anchor="ctr"/>
+            <a:lstStyle/>
+            <a:p>
+              <a:pPr algn="ctr"/>
+              <a:endParaRPr kumimoji="1" lang="ja-JP" altLang="en-US" dirty="0"/>
+            </a:p>
+          </p:txBody>
+        </p:sp>
+        <p:sp>
+          <p:nvSpPr>
+            <p:cNvPr id="11" name="テキスト ボックス 10"/>
+            <p:cNvSpPr txBox="1"/>
+            <p:nvPr/>
+          </p:nvSpPr>
+          <p:spPr>
+            <a:xfrm>
+              <a:off x="706904" y="5082876"/>
+              <a:ext cx="610626" cy="258533"/>
+            </a:xfrm>
+            <a:prstGeom prst="rect">
+              <a:avLst/>
+            </a:prstGeom>
+            <a:noFill/>
+          </p:spPr>
+          <p:txBody>
+            <a:bodyPr wrap="none" rtlCol="0">
+              <a:spAutoFit/>
+            </a:bodyPr>
+            <a:lstStyle/>
+            <a:p>
+              <a:r>
+                <a:rPr kumimoji="1" lang="en-US" altLang="ja-JP" sz="800" dirty="0" smtClean="0"/>
+                <a:t>1  2  3</a:t>
+              </a:r>
+              <a:endParaRPr kumimoji="1" lang="ja-JP" altLang="en-US" sz="800" dirty="0"/>
+            </a:p>
+          </p:txBody>
+        </p:sp>
+      </p:grpSp>
+      <p:cxnSp>
+        <p:nvCxnSpPr>
+          <p:cNvPr id="12" name="直線コネクタ 11"/>
+          <p:cNvCxnSpPr/>
+          <p:nvPr/>
+        </p:nvCxnSpPr>
+        <p:spPr>
+          <a:xfrm>
+            <a:off x="2771800" y="2636912"/>
+            <a:ext cx="360040" cy="0"/>
+          </a:xfrm>
+          <a:prstGeom prst="line">
+            <a:avLst/>
+          </a:prstGeom>
+          <a:ln w="38100">
+            <a:solidFill>
+              <a:srgbClr val="FFC000"/>
+            </a:solidFill>
+          </a:ln>
+        </p:spPr>
+        <p:style>
+          <a:lnRef idx="1">
+            <a:schemeClr val="accent1"/>
+          </a:lnRef>
+          <a:fillRef idx="0">
+            <a:schemeClr val="accent1"/>
+          </a:fillRef>
+          <a:effectRef idx="0">
+            <a:schemeClr val="accent1"/>
+          </a:effectRef>
+          <a:fontRef idx="minor">
+            <a:schemeClr val="tx1"/>
+          </a:fontRef>
+        </p:style>
+      </p:cxnSp>
+      <p:cxnSp>
+        <p:nvCxnSpPr>
+          <p:cNvPr id="13" name="直線コネクタ 12"/>
+          <p:cNvCxnSpPr/>
+          <p:nvPr/>
+        </p:nvCxnSpPr>
+        <p:spPr>
+          <a:xfrm>
+            <a:off x="2771800" y="2564904"/>
+            <a:ext cx="288032" cy="0"/>
+          </a:xfrm>
+          <a:prstGeom prst="line">
+            <a:avLst/>
+          </a:prstGeom>
+          <a:ln w="38100">
+            <a:solidFill>
+              <a:srgbClr val="FF0000"/>
+            </a:solidFill>
+          </a:ln>
+        </p:spPr>
+        <p:style>
+          <a:lnRef idx="1">
+            <a:schemeClr val="accent1"/>
+          </a:lnRef>
+          <a:fillRef idx="0">
+            <a:schemeClr val="accent1"/>
+          </a:fillRef>
+          <a:effectRef idx="0">
+            <a:schemeClr val="accent1"/>
+          </a:effectRef>
+          <a:fontRef idx="minor">
+            <a:schemeClr val="tx1"/>
+          </a:fontRef>
+        </p:style>
+      </p:cxnSp>
+      <p:cxnSp>
+        <p:nvCxnSpPr>
+          <p:cNvPr id="14" name="直線コネクタ 13"/>
+          <p:cNvCxnSpPr/>
+          <p:nvPr/>
+        </p:nvCxnSpPr>
+        <p:spPr>
+          <a:xfrm>
+            <a:off x="1475656" y="2636912"/>
+            <a:ext cx="288032" cy="0"/>
+          </a:xfrm>
+          <a:prstGeom prst="line">
+            <a:avLst/>
+          </a:prstGeom>
+          <a:ln w="38100">
+            <a:solidFill>
+              <a:srgbClr val="FF0000"/>
+            </a:solidFill>
+          </a:ln>
+        </p:spPr>
+        <p:style>
+          <a:lnRef idx="1">
+            <a:schemeClr val="accent1"/>
+          </a:lnRef>
+          <a:fillRef idx="0">
+            <a:schemeClr val="accent1"/>
+          </a:fillRef>
+          <a:effectRef idx="0">
+            <a:schemeClr val="accent1"/>
+          </a:effectRef>
+          <a:fontRef idx="minor">
+            <a:schemeClr val="tx1"/>
+          </a:fontRef>
+        </p:style>
+      </p:cxnSp>
+      <p:cxnSp>
+        <p:nvCxnSpPr>
+          <p:cNvPr id="15" name="直線コネクタ 14"/>
+          <p:cNvCxnSpPr/>
+          <p:nvPr/>
+        </p:nvCxnSpPr>
+        <p:spPr>
+          <a:xfrm>
+            <a:off x="1403648" y="2564904"/>
+            <a:ext cx="360040" cy="0"/>
+          </a:xfrm>
+          <a:prstGeom prst="line">
+            <a:avLst/>
+          </a:prstGeom>
+          <a:ln w="38100">
+            <a:solidFill>
+              <a:srgbClr val="FFC000"/>
+            </a:solidFill>
+          </a:ln>
+        </p:spPr>
+        <p:style>
+          <a:lnRef idx="1">
+            <a:schemeClr val="accent1"/>
+          </a:lnRef>
+          <a:fillRef idx="0">
+            <a:schemeClr val="accent1"/>
+          </a:fillRef>
+          <a:effectRef idx="0">
+            <a:schemeClr val="accent1"/>
+          </a:effectRef>
+          <a:fontRef idx="minor">
+            <a:schemeClr val="tx1"/>
+          </a:fontRef>
+        </p:style>
+      </p:cxnSp>
+      <p:cxnSp>
+        <p:nvCxnSpPr>
+          <p:cNvPr id="16" name="直線コネクタ 15"/>
+          <p:cNvCxnSpPr/>
+          <p:nvPr/>
+        </p:nvCxnSpPr>
+        <p:spPr>
+          <a:xfrm>
+            <a:off x="2123728" y="2564904"/>
+            <a:ext cx="288032" cy="0"/>
+          </a:xfrm>
+          <a:prstGeom prst="line">
+            <a:avLst/>
+          </a:prstGeom>
+          <a:ln w="38100">
+            <a:solidFill>
+              <a:srgbClr val="FF0000"/>
+            </a:solidFill>
+          </a:ln>
+        </p:spPr>
+        <p:style>
+          <a:lnRef idx="1">
+            <a:schemeClr val="accent1"/>
+          </a:lnRef>
+          <a:fillRef idx="0">
+            <a:schemeClr val="accent1"/>
+          </a:fillRef>
+          <a:effectRef idx="0">
+            <a:schemeClr val="accent1"/>
+          </a:effectRef>
+          <a:fontRef idx="minor">
+            <a:schemeClr val="tx1"/>
+          </a:fontRef>
+        </p:style>
+      </p:cxnSp>
+      <p:cxnSp>
+        <p:nvCxnSpPr>
+          <p:cNvPr id="17" name="直線コネクタ 16"/>
+          <p:cNvCxnSpPr/>
+          <p:nvPr/>
+        </p:nvCxnSpPr>
+        <p:spPr>
+          <a:xfrm>
+            <a:off x="2123728" y="2636912"/>
+            <a:ext cx="288032" cy="0"/>
+          </a:xfrm>
+          <a:prstGeom prst="line">
+            <a:avLst/>
+          </a:prstGeom>
+          <a:ln w="38100">
+            <a:solidFill>
+              <a:srgbClr val="FF0000"/>
+            </a:solidFill>
+          </a:ln>
+        </p:spPr>
+        <p:style>
+          <a:lnRef idx="1">
+            <a:schemeClr val="accent1"/>
+          </a:lnRef>
+          <a:fillRef idx="0">
+            <a:schemeClr val="accent1"/>
+          </a:fillRef>
+          <a:effectRef idx="0">
+            <a:schemeClr val="accent1"/>
+          </a:effectRef>
+          <a:fontRef idx="minor">
+            <a:schemeClr val="tx1"/>
+          </a:fontRef>
+        </p:style>
+      </p:cxnSp>
+      <p:sp>
+        <p:nvSpPr>
+          <p:cNvPr id="18" name="正方形/長方形 17"/>
+          <p:cNvSpPr/>
+          <p:nvPr/>
+        </p:nvSpPr>
+        <p:spPr>
+          <a:xfrm>
+            <a:off x="2123728" y="3356992"/>
+            <a:ext cx="288032" cy="1224136"/>
+          </a:xfrm>
+          <a:prstGeom prst="rect">
+            <a:avLst/>
+          </a:prstGeom>
+        </p:spPr>
+        <p:style>
+          <a:lnRef idx="2">
+            <a:schemeClr val="accent1">
+              <a:shade val="50000"/>
+            </a:schemeClr>
+          </a:lnRef>
+          <a:fillRef idx="1">
+            <a:schemeClr val="accent1"/>
+          </a:fillRef>
+          <a:effectRef idx="0">
+            <a:schemeClr val="accent1"/>
+          </a:effectRef>
+          <a:fontRef idx="minor">
+            <a:schemeClr val="lt1"/>
+          </a:fontRef>
+        </p:style>
+        <p:txBody>
+          <a:bodyPr rtlCol="0" anchor="ctr"/>
+          <a:lstStyle/>
+          <a:p>
+            <a:pPr algn="ctr"/>
+            <a:endParaRPr kumimoji="1" lang="ja-JP" altLang="en-US"/>
+          </a:p>
+        </p:txBody>
+      </p:sp>
+      <p:cxnSp>
+        <p:nvCxnSpPr>
+          <p:cNvPr id="19" name="直線コネクタ 18"/>
+          <p:cNvCxnSpPr/>
+          <p:nvPr/>
+        </p:nvCxnSpPr>
+        <p:spPr>
+          <a:xfrm>
+            <a:off x="2411760" y="2708920"/>
+            <a:ext cx="72008" cy="576064"/>
+          </a:xfrm>
+          <a:prstGeom prst="line">
+            <a:avLst/>
+          </a:prstGeom>
+          <a:ln w="38100">
+            <a:solidFill>
+              <a:srgbClr val="FF0000"/>
+            </a:solidFill>
+          </a:ln>
+        </p:spPr>
+        <p:style>
+          <a:lnRef idx="1">
+            <a:schemeClr val="accent1"/>
+          </a:lnRef>
+          <a:fillRef idx="0">
+            <a:schemeClr val="accent1"/>
+          </a:fillRef>
+          <a:effectRef idx="0">
+            <a:schemeClr val="accent1"/>
+          </a:effectRef>
+          <a:fontRef idx="minor">
+            <a:schemeClr val="tx1"/>
+          </a:fontRef>
+        </p:style>
+      </p:cxnSp>
+      <p:cxnSp>
+        <p:nvCxnSpPr>
+          <p:cNvPr id="20" name="直線コネクタ 19"/>
+          <p:cNvCxnSpPr/>
+          <p:nvPr/>
+        </p:nvCxnSpPr>
+        <p:spPr>
+          <a:xfrm>
+            <a:off x="2483768" y="3284984"/>
+            <a:ext cx="0" cy="1296144"/>
+          </a:xfrm>
+          <a:prstGeom prst="line">
+            <a:avLst/>
+          </a:prstGeom>
+          <a:ln w="38100">
+            <a:solidFill>
+              <a:srgbClr val="FF0000"/>
+            </a:solidFill>
+          </a:ln>
+        </p:spPr>
+        <p:style>
+          <a:lnRef idx="1">
+            <a:schemeClr val="accent1"/>
+          </a:lnRef>
+          <a:fillRef idx="0">
+            <a:schemeClr val="accent1"/>
+          </a:fillRef>
+          <a:effectRef idx="0">
+            <a:schemeClr val="accent1"/>
+          </a:effectRef>
+          <a:fontRef idx="minor">
+            <a:schemeClr val="tx1"/>
+          </a:fontRef>
+        </p:style>
+      </p:cxnSp>
+      <p:cxnSp>
+        <p:nvCxnSpPr>
+          <p:cNvPr id="21" name="直線コネクタ 20"/>
+          <p:cNvCxnSpPr/>
+          <p:nvPr/>
+        </p:nvCxnSpPr>
+        <p:spPr>
+          <a:xfrm>
+            <a:off x="2771800" y="4221088"/>
+            <a:ext cx="360040" cy="0"/>
+          </a:xfrm>
+          <a:prstGeom prst="line">
+            <a:avLst/>
+          </a:prstGeom>
+          <a:ln w="38100">
+            <a:solidFill>
+              <a:srgbClr val="FFC000"/>
+            </a:solidFill>
+          </a:ln>
+        </p:spPr>
+        <p:style>
+          <a:lnRef idx="1">
+            <a:schemeClr val="accent1"/>
+          </a:lnRef>
+          <a:fillRef idx="0">
+            <a:schemeClr val="accent1"/>
+          </a:fillRef>
+          <a:effectRef idx="0">
+            <a:schemeClr val="accent1"/>
+          </a:effectRef>
+          <a:fontRef idx="minor">
+            <a:schemeClr val="tx1"/>
+          </a:fontRef>
+        </p:style>
+      </p:cxnSp>
+      <p:cxnSp>
+        <p:nvCxnSpPr>
+          <p:cNvPr id="22" name="直線コネクタ 21"/>
+          <p:cNvCxnSpPr/>
+          <p:nvPr/>
+        </p:nvCxnSpPr>
+        <p:spPr>
+          <a:xfrm>
+            <a:off x="2771800" y="3429000"/>
+            <a:ext cx="360040" cy="0"/>
+          </a:xfrm>
+          <a:prstGeom prst="line">
+            <a:avLst/>
+          </a:prstGeom>
+          <a:ln w="38100">
+            <a:solidFill>
+              <a:srgbClr val="FFC000"/>
+            </a:solidFill>
+          </a:ln>
+        </p:spPr>
+        <p:style>
+          <a:lnRef idx="1">
+            <a:schemeClr val="accent1"/>
+          </a:lnRef>
+          <a:fillRef idx="0">
+            <a:schemeClr val="accent1"/>
+          </a:fillRef>
+          <a:effectRef idx="0">
+            <a:schemeClr val="accent1"/>
+          </a:effectRef>
+          <a:fontRef idx="minor">
+            <a:schemeClr val="tx1"/>
+          </a:fontRef>
+        </p:style>
+      </p:cxnSp>
+      <p:cxnSp>
+        <p:nvCxnSpPr>
+          <p:cNvPr id="23" name="直線コネクタ 22"/>
+          <p:cNvCxnSpPr/>
+          <p:nvPr/>
+        </p:nvCxnSpPr>
+        <p:spPr>
+          <a:xfrm>
+            <a:off x="2771800" y="3356992"/>
+            <a:ext cx="288032" cy="0"/>
+          </a:xfrm>
+          <a:prstGeom prst="line">
+            <a:avLst/>
+          </a:prstGeom>
+          <a:ln w="38100">
+            <a:solidFill>
+              <a:srgbClr val="FF0000"/>
+            </a:solidFill>
+          </a:ln>
+        </p:spPr>
+        <p:style>
+          <a:lnRef idx="1">
+            <a:schemeClr val="accent1"/>
+          </a:lnRef>
+          <a:fillRef idx="0">
+            <a:schemeClr val="accent1"/>
+          </a:fillRef>
+          <a:effectRef idx="0">
+            <a:schemeClr val="accent1"/>
+          </a:effectRef>
+          <a:fontRef idx="minor">
+            <a:schemeClr val="tx1"/>
+          </a:fontRef>
+        </p:style>
+      </p:cxnSp>
+      <p:cxnSp>
+        <p:nvCxnSpPr>
+          <p:cNvPr id="24" name="直線コネクタ 23"/>
+          <p:cNvCxnSpPr/>
+          <p:nvPr/>
+        </p:nvCxnSpPr>
+        <p:spPr>
+          <a:xfrm>
+            <a:off x="2771800" y="3789040"/>
+            <a:ext cx="288032" cy="0"/>
+          </a:xfrm>
+          <a:prstGeom prst="line">
+            <a:avLst/>
+          </a:prstGeom>
+          <a:ln w="38100">
+            <a:solidFill>
+              <a:srgbClr val="FF0000"/>
+            </a:solidFill>
+          </a:ln>
+        </p:spPr>
+        <p:style>
+          <a:lnRef idx="1">
+            <a:schemeClr val="accent1"/>
+          </a:lnRef>
+          <a:fillRef idx="0">
+            <a:schemeClr val="accent1"/>
+          </a:fillRef>
+          <a:effectRef idx="0">
+            <a:schemeClr val="accent1"/>
+          </a:effectRef>
+          <a:fontRef idx="minor">
+            <a:schemeClr val="tx1"/>
+          </a:fontRef>
+        </p:style>
+      </p:cxnSp>
+      <p:cxnSp>
+        <p:nvCxnSpPr>
+          <p:cNvPr id="25" name="直線コネクタ 24"/>
+          <p:cNvCxnSpPr/>
+          <p:nvPr/>
+        </p:nvCxnSpPr>
+        <p:spPr>
+          <a:xfrm>
+            <a:off x="1403648" y="3356992"/>
+            <a:ext cx="288032" cy="0"/>
+          </a:xfrm>
+          <a:prstGeom prst="line">
+            <a:avLst/>
+          </a:prstGeom>
+          <a:ln w="38100">
+            <a:solidFill>
+              <a:schemeClr val="tx1">
+                <a:lumMod val="95000"/>
+                <a:lumOff val="5000"/>
+              </a:schemeClr>
+            </a:solidFill>
+          </a:ln>
+        </p:spPr>
+        <p:style>
+          <a:lnRef idx="1">
+            <a:schemeClr val="accent1"/>
+          </a:lnRef>
+          <a:fillRef idx="0">
+            <a:schemeClr val="accent1"/>
+          </a:fillRef>
+          <a:effectRef idx="0">
+            <a:schemeClr val="accent1"/>
+          </a:effectRef>
+          <a:fontRef idx="minor">
+            <a:schemeClr val="tx1"/>
+          </a:fontRef>
+        </p:style>
+      </p:cxnSp>
+      <p:cxnSp>
+        <p:nvCxnSpPr>
+          <p:cNvPr id="26" name="直線コネクタ 25"/>
+          <p:cNvCxnSpPr/>
+          <p:nvPr/>
+        </p:nvCxnSpPr>
+        <p:spPr>
+          <a:xfrm>
+            <a:off x="1403648" y="4365104"/>
+            <a:ext cx="288032" cy="0"/>
+          </a:xfrm>
+          <a:prstGeom prst="line">
+            <a:avLst/>
+          </a:prstGeom>
+          <a:ln w="38100">
+            <a:solidFill>
+              <a:schemeClr val="tx1">
+                <a:lumMod val="95000"/>
+                <a:lumOff val="5000"/>
+              </a:schemeClr>
+            </a:solidFill>
+          </a:ln>
+        </p:spPr>
+        <p:style>
+          <a:lnRef idx="1">
+            <a:schemeClr val="accent1"/>
+          </a:lnRef>
+          <a:fillRef idx="0">
+            <a:schemeClr val="accent1"/>
+          </a:fillRef>
+          <a:effectRef idx="0">
+            <a:schemeClr val="accent1"/>
+          </a:effectRef>
+          <a:fontRef idx="minor">
+            <a:schemeClr val="tx1"/>
+          </a:fontRef>
+        </p:style>
+      </p:cxnSp>
+      <p:cxnSp>
+        <p:nvCxnSpPr>
+          <p:cNvPr id="27" name="直線コネクタ 26"/>
+          <p:cNvCxnSpPr/>
+          <p:nvPr/>
+        </p:nvCxnSpPr>
+        <p:spPr>
+          <a:xfrm>
+            <a:off x="1403648" y="4581128"/>
+            <a:ext cx="288032" cy="0"/>
+          </a:xfrm>
+          <a:prstGeom prst="line">
+            <a:avLst/>
+          </a:prstGeom>
+          <a:ln w="38100">
+            <a:solidFill>
+              <a:schemeClr val="tx1">
+                <a:lumMod val="95000"/>
+                <a:lumOff val="5000"/>
+              </a:schemeClr>
+            </a:solidFill>
+          </a:ln>
+        </p:spPr>
+        <p:style>
+          <a:lnRef idx="1">
+            <a:schemeClr val="accent1"/>
+          </a:lnRef>
+          <a:fillRef idx="0">
+            <a:schemeClr val="accent1"/>
+          </a:fillRef>
+          <a:effectRef idx="0">
+            <a:schemeClr val="accent1"/>
+          </a:effectRef>
+          <a:fontRef idx="minor">
+            <a:schemeClr val="tx1"/>
+          </a:fontRef>
+        </p:style>
+      </p:cxnSp>
+      <p:sp>
+        <p:nvSpPr>
+          <p:cNvPr id="28" name="円/楕円 27"/>
+          <p:cNvSpPr/>
+          <p:nvPr/>
+        </p:nvSpPr>
+        <p:spPr>
+          <a:xfrm>
+            <a:off x="1547664" y="3429000"/>
+            <a:ext cx="144016" cy="72008"/>
+          </a:xfrm>
+          <a:prstGeom prst="ellipse">
+            <a:avLst/>
+          </a:prstGeom>
+          <a:solidFill>
+            <a:srgbClr val="FF0000"/>
+          </a:solidFill>
+        </p:spPr>
+        <p:style>
+          <a:lnRef idx="2">
+            <a:schemeClr val="accent1">
+              <a:shade val="50000"/>
+            </a:schemeClr>
+          </a:lnRef>
+          <a:fillRef idx="1">
+            <a:schemeClr val="accent1"/>
+          </a:fillRef>
+          <a:effectRef idx="0">
+            <a:schemeClr val="accent1"/>
+          </a:effectRef>
+          <a:fontRef idx="minor">
+            <a:schemeClr val="lt1"/>
+          </a:fontRef>
+        </p:style>
+        <p:txBody>
+          <a:bodyPr rtlCol="0" anchor="ctr"/>
+          <a:lstStyle/>
+          <a:p>
+            <a:pPr algn="ctr"/>
+            <a:endParaRPr kumimoji="1" lang="ja-JP" altLang="en-US"/>
+          </a:p>
+        </p:txBody>
+      </p:sp>
+      <p:sp>
+        <p:nvSpPr>
+          <p:cNvPr id="29" name="円/楕円 28"/>
+          <p:cNvSpPr/>
+          <p:nvPr/>
+        </p:nvSpPr>
+        <p:spPr>
+          <a:xfrm>
+            <a:off x="1547664" y="3501008"/>
+            <a:ext cx="144016" cy="72008"/>
+          </a:xfrm>
+          <a:prstGeom prst="ellipse">
+            <a:avLst/>
+          </a:prstGeom>
+          <a:solidFill>
+            <a:srgbClr val="FF0000"/>
+          </a:solidFill>
+        </p:spPr>
+        <p:style>
+          <a:lnRef idx="2">
+            <a:schemeClr val="accent1">
+              <a:shade val="50000"/>
+            </a:schemeClr>
+          </a:lnRef>
+          <a:fillRef idx="1">
+            <a:schemeClr val="accent1"/>
+          </a:fillRef>
+          <a:effectRef idx="0">
+            <a:schemeClr val="accent1"/>
+          </a:effectRef>
+          <a:fontRef idx="minor">
+            <a:schemeClr val="lt1"/>
+          </a:fontRef>
+        </p:style>
+        <p:txBody>
+          <a:bodyPr rtlCol="0" anchor="ctr"/>
+          <a:lstStyle/>
+          <a:p>
+            <a:pPr algn="ctr"/>
+            <a:endParaRPr kumimoji="1" lang="ja-JP" altLang="en-US"/>
+          </a:p>
+        </p:txBody>
+      </p:sp>
+      <p:sp>
+        <p:nvSpPr>
+          <p:cNvPr id="30" name="二等辺三角形 29"/>
+          <p:cNvSpPr/>
+          <p:nvPr/>
+        </p:nvSpPr>
+        <p:spPr>
+          <a:xfrm rot="16200000">
+            <a:off x="2663788" y="3825044"/>
+            <a:ext cx="144016" cy="216024"/>
+          </a:xfrm>
+          <a:prstGeom prst="triangle">
+            <a:avLst/>
+          </a:prstGeom>
+          <a:solidFill>
+            <a:schemeClr val="bg1"/>
+          </a:solidFill>
+          <a:ln>
+            <a:solidFill>
+              <a:schemeClr val="tx1">
+                <a:lumMod val="50000"/>
+                <a:lumOff val="50000"/>
+              </a:schemeClr>
+            </a:solidFill>
+          </a:ln>
+        </p:spPr>
+        <p:style>
+          <a:lnRef idx="2">
+            <a:schemeClr val="accent1">
+              <a:shade val="50000"/>
+            </a:schemeClr>
+          </a:lnRef>
+          <a:fillRef idx="1">
+            <a:schemeClr val="accent1"/>
+          </a:fillRef>
+          <a:effectRef idx="0">
+            <a:schemeClr val="accent1"/>
+          </a:effectRef>
+          <a:fontRef idx="minor">
+            <a:schemeClr val="lt1"/>
+          </a:fontRef>
+        </p:style>
+        <p:txBody>
+          <a:bodyPr rtlCol="0" anchor="ctr"/>
+          <a:lstStyle/>
+          <a:p>
+            <a:pPr algn="ctr"/>
+            <a:endParaRPr kumimoji="1" lang="ja-JP" altLang="en-US"/>
+          </a:p>
+        </p:txBody>
+      </p:sp>
+      <p:sp>
+        <p:nvSpPr>
+          <p:cNvPr id="31" name="二等辺三角形 30"/>
+          <p:cNvSpPr/>
+          <p:nvPr/>
+        </p:nvSpPr>
+        <p:spPr>
+          <a:xfrm rot="16200000">
+            <a:off x="2663788" y="3897052"/>
+            <a:ext cx="144016" cy="216024"/>
+          </a:xfrm>
+          <a:prstGeom prst="triangle">
+            <a:avLst/>
+          </a:prstGeom>
+          <a:solidFill>
+            <a:srgbClr val="92D050"/>
+          </a:solidFill>
+          <a:ln>
+            <a:solidFill>
+              <a:schemeClr val="tx1">
+                <a:lumMod val="50000"/>
+                <a:lumOff val="50000"/>
+              </a:schemeClr>
+            </a:solidFill>
+          </a:ln>
+        </p:spPr>
+        <p:style>
+          <a:lnRef idx="2">
+            <a:schemeClr val="accent1">
+              <a:shade val="50000"/>
+            </a:schemeClr>
+          </a:lnRef>
+          <a:fillRef idx="1">
+            <a:schemeClr val="accent1"/>
+          </a:fillRef>
+          <a:effectRef idx="0">
+            <a:schemeClr val="accent1"/>
+          </a:effectRef>
+          <a:fontRef idx="minor">
+            <a:schemeClr val="lt1"/>
+          </a:fontRef>
+        </p:style>
+        <p:txBody>
+          <a:bodyPr rtlCol="0" anchor="ctr"/>
+          <a:lstStyle/>
+          <a:p>
+            <a:pPr algn="ctr"/>
+            <a:endParaRPr kumimoji="1" lang="ja-JP" altLang="en-US"/>
+          </a:p>
+        </p:txBody>
+      </p:sp>
+      <p:sp>
+        <p:nvSpPr>
+          <p:cNvPr id="32" name="二等辺三角形 31"/>
+          <p:cNvSpPr/>
+          <p:nvPr/>
+        </p:nvSpPr>
+        <p:spPr>
+          <a:xfrm rot="16200000">
+            <a:off x="2735796" y="2528900"/>
+            <a:ext cx="144016" cy="216024"/>
+          </a:xfrm>
+          <a:prstGeom prst="triangle">
+            <a:avLst/>
+          </a:prstGeom>
+          <a:solidFill>
+            <a:schemeClr val="tx1">
+              <a:lumMod val="65000"/>
+              <a:lumOff val="35000"/>
+            </a:schemeClr>
+          </a:solidFill>
+          <a:ln>
+            <a:solidFill>
+              <a:schemeClr val="tx1">
+                <a:lumMod val="50000"/>
+                <a:lumOff val="50000"/>
+              </a:schemeClr>
+            </a:solidFill>
+          </a:ln>
+        </p:spPr>
+        <p:style>
+          <a:lnRef idx="2">
+            <a:schemeClr val="accent1">
+              <a:shade val="50000"/>
+            </a:schemeClr>
+          </a:lnRef>
+          <a:fillRef idx="1">
+            <a:schemeClr val="accent1"/>
+          </a:fillRef>
+          <a:effectRef idx="0">
+            <a:schemeClr val="accent1"/>
+          </a:effectRef>
+          <a:fontRef idx="minor">
+            <a:schemeClr val="lt1"/>
+          </a:fontRef>
+        </p:style>
+        <p:txBody>
+          <a:bodyPr rtlCol="0" anchor="ctr"/>
+          <a:lstStyle/>
+          <a:p>
+            <a:pPr algn="ctr"/>
+            <a:endParaRPr kumimoji="1" lang="ja-JP" altLang="en-US"/>
+          </a:p>
+        </p:txBody>
+      </p:sp>
+      <p:sp>
+        <p:nvSpPr>
+          <p:cNvPr id="33" name="二等辺三角形 32"/>
+          <p:cNvSpPr/>
+          <p:nvPr/>
+        </p:nvSpPr>
+        <p:spPr>
+          <a:xfrm rot="16200000">
+            <a:off x="2735796" y="2600908"/>
+            <a:ext cx="144016" cy="216024"/>
+          </a:xfrm>
+          <a:prstGeom prst="triangle">
+            <a:avLst/>
+          </a:prstGeom>
+          <a:solidFill>
+            <a:srgbClr val="FF0000"/>
+          </a:solidFill>
+          <a:ln>
+            <a:solidFill>
+              <a:schemeClr val="tx1">
+                <a:lumMod val="50000"/>
+                <a:lumOff val="50000"/>
+              </a:schemeClr>
+            </a:solidFill>
+          </a:ln>
+        </p:spPr>
+        <p:style>
+          <a:lnRef idx="2">
+            <a:schemeClr val="accent1">
+              <a:shade val="50000"/>
+            </a:schemeClr>
+          </a:lnRef>
+          <a:fillRef idx="1">
+            <a:schemeClr val="accent1"/>
+          </a:fillRef>
+          <a:effectRef idx="0">
+            <a:schemeClr val="accent1"/>
+          </a:effectRef>
+          <a:fontRef idx="minor">
+            <a:schemeClr val="lt1"/>
+          </a:fontRef>
+        </p:style>
+        <p:txBody>
+          <a:bodyPr rtlCol="0" anchor="ctr"/>
+          <a:lstStyle/>
+          <a:p>
+            <a:pPr algn="ctr"/>
+            <a:endParaRPr kumimoji="1" lang="ja-JP" altLang="en-US"/>
+          </a:p>
+        </p:txBody>
+      </p:sp>
+      <p:sp>
+        <p:nvSpPr>
+          <p:cNvPr id="34" name="フローチャート : 論理積ゲート 33"/>
+          <p:cNvSpPr/>
+          <p:nvPr/>
+        </p:nvSpPr>
+        <p:spPr>
+          <a:xfrm rot="5400000">
+            <a:off x="2195736" y="3356992"/>
+            <a:ext cx="144016" cy="144016"/>
+          </a:xfrm>
+          <a:prstGeom prst="flowChartDelay">
+            <a:avLst/>
+          </a:prstGeom>
+        </p:spPr>
+        <p:style>
+          <a:lnRef idx="2">
+            <a:schemeClr val="accent1">
+              <a:shade val="50000"/>
+            </a:schemeClr>
+          </a:lnRef>
+          <a:fillRef idx="1">
+            <a:schemeClr val="accent1"/>
+          </a:fillRef>
+          <a:effectRef idx="0">
+            <a:schemeClr val="accent1"/>
+          </a:effectRef>
+          <a:fontRef idx="minor">
+            <a:schemeClr val="lt1"/>
+          </a:fontRef>
+        </p:style>
+        <p:txBody>
+          <a:bodyPr rtlCol="0" anchor="ctr"/>
+          <a:lstStyle/>
+          <a:p>
+            <a:pPr algn="ctr"/>
+            <a:endParaRPr kumimoji="1" lang="ja-JP" altLang="en-US"/>
+          </a:p>
+        </p:txBody>
+      </p:sp>
     </p:spTree>
   </p:cSld>
   <p:clrMapOvr>
@@ -11082,166 +12428,33 @@
           <a:lstStyle/>
           <a:p>
             <a:r>
-              <a:rPr lang="ja-JP" altLang="en-US" dirty="0"/>
-              <a:t>最新</a:t>
-            </a:r>
-            <a:r>
-              <a:rPr lang="ja-JP" altLang="en-US" dirty="0" smtClean="0"/>
-              <a:t>リソース</a:t>
+              <a:rPr kumimoji="1" lang="ja-JP" altLang="en-US" dirty="0" smtClean="0"/>
+              <a:t>回路図</a:t>
             </a:r>
             <a:endParaRPr kumimoji="1" lang="ja-JP" altLang="en-US" dirty="0"/>
           </a:p>
         </p:txBody>
       </p:sp>
-      <p:sp>
-        <p:nvSpPr>
-          <p:cNvPr id="3" name="コンテンツ プレースホルダ 2"/>
-          <p:cNvSpPr>
-            <a:spLocks noGrp="1"/>
-          </p:cNvSpPr>
-          <p:nvPr>
-            <p:ph idx="1"/>
-          </p:nvPr>
-        </p:nvSpPr>
-        <p:spPr/>
-        <p:txBody>
-          <a:bodyPr/>
-          <a:lstStyle/>
-          <a:p>
-            <a:r>
-              <a:rPr lang="en-US" altLang="ja-JP" dirty="0" smtClean="0">
-                <a:hlinkClick r:id="rId2"/>
-              </a:rPr>
-              <a:t>https://github.com/magoroku15/OpenAccessoryDemo</a:t>
-            </a:r>
-            <a:endParaRPr lang="en-US" altLang="ja-JP" dirty="0" smtClean="0"/>
-          </a:p>
-          <a:p>
-            <a:pPr lvl="1"/>
-            <a:r>
-              <a:rPr kumimoji="1" lang="en-US" altLang="ja-JP" dirty="0" smtClean="0"/>
-              <a:t>App Source Code</a:t>
-            </a:r>
-          </a:p>
-          <a:p>
-            <a:pPr lvl="2"/>
-            <a:r>
-              <a:rPr kumimoji="1" lang="en-US" altLang="ja-JP" dirty="0" smtClean="0"/>
-              <a:t>Android </a:t>
-            </a:r>
-            <a:r>
-              <a:rPr kumimoji="1" lang="ja-JP" altLang="en-US" dirty="0" smtClean="0"/>
-              <a:t>アプリのソースコード</a:t>
-            </a:r>
-            <a:endParaRPr kumimoji="1" lang="en-US" altLang="ja-JP" dirty="0" smtClean="0"/>
-          </a:p>
-          <a:p>
-            <a:pPr lvl="1"/>
-            <a:r>
-              <a:rPr lang="en-US" altLang="ja-JP" dirty="0" smtClean="0"/>
-              <a:t>Doc</a:t>
-            </a:r>
-          </a:p>
-          <a:p>
-            <a:pPr lvl="2"/>
-            <a:r>
-              <a:rPr lang="ja-JP" altLang="en-US" dirty="0" smtClean="0"/>
-              <a:t>ドキュメント類</a:t>
-            </a:r>
-            <a:endParaRPr lang="en-US" altLang="ja-JP" dirty="0" smtClean="0"/>
-          </a:p>
-          <a:p>
-            <a:pPr lvl="1"/>
-            <a:r>
-              <a:rPr kumimoji="1" lang="en-US" altLang="ja-JP" dirty="0" smtClean="0"/>
-              <a:t>Firmware</a:t>
-            </a:r>
-          </a:p>
-          <a:p>
-            <a:pPr lvl="2"/>
-            <a:r>
-              <a:rPr lang="en-US" altLang="ja-JP" dirty="0" smtClean="0"/>
-              <a:t>PIC</a:t>
-            </a:r>
-            <a:r>
-              <a:rPr lang="ja-JP" altLang="en-US" dirty="0" smtClean="0"/>
-              <a:t>側のソース</a:t>
-            </a:r>
-            <a:endParaRPr lang="en-US" altLang="ja-JP" dirty="0" smtClean="0"/>
-          </a:p>
-        </p:txBody>
-      </p:sp>
-      <p:pic>
-        <p:nvPicPr>
-          <p:cNvPr id="4" name="Picture 2" descr="C:\Users\hideo\Desktop\M-03608.jpg"/>
-          <p:cNvPicPr>
-            <a:picLocks noChangeAspect="1" noChangeArrowheads="1"/>
-          </p:cNvPicPr>
+      <p:graphicFrame>
+        <p:nvGraphicFramePr>
+          <p:cNvPr id="24578" name="Object 2"/>
+          <p:cNvGraphicFramePr>
+            <a:graphicFrameLocks noChangeAspect="1"/>
+          </p:cNvGraphicFramePr>
           <p:nvPr/>
-        </p:nvPicPr>
-        <p:blipFill>
-          <a:blip r:embed="rId3" cstate="print"/>
-          <a:srcRect/>
-          <a:stretch>
-            <a:fillRect/>
-          </a:stretch>
-        </p:blipFill>
-        <p:spPr bwMode="auto">
-          <a:xfrm>
-            <a:off x="6012160" y="4653136"/>
-            <a:ext cx="1825641" cy="1368152"/>
-          </a:xfrm>
-          <a:prstGeom prst="rect">
-            <a:avLst/>
-          </a:prstGeom>
-          <a:noFill/>
-        </p:spPr>
-      </p:pic>
-      <p:sp>
-        <p:nvSpPr>
-          <p:cNvPr id="5" name="テキスト ボックス 4"/>
-          <p:cNvSpPr txBox="1"/>
-          <p:nvPr/>
-        </p:nvSpPr>
-        <p:spPr>
-          <a:xfrm>
-            <a:off x="5868144" y="6093296"/>
-            <a:ext cx="2169184" cy="523220"/>
-          </a:xfrm>
-          <a:prstGeom prst="rect">
-            <a:avLst/>
-          </a:prstGeom>
-          <a:noFill/>
-        </p:spPr>
-        <p:txBody>
-          <a:bodyPr wrap="none" rtlCol="0">
-            <a:spAutoFit/>
-          </a:bodyPr>
-          <a:lstStyle/>
-          <a:p>
-            <a:r>
-              <a:rPr kumimoji="1" lang="en-US" altLang="ja-JP" sz="1400" dirty="0" smtClean="0"/>
-              <a:t>Pickit3  3900</a:t>
-            </a:r>
-            <a:r>
-              <a:rPr kumimoji="1" lang="ja-JP" altLang="en-US" sz="1400" dirty="0" smtClean="0"/>
-              <a:t>円</a:t>
-            </a:r>
-            <a:endParaRPr kumimoji="1" lang="en-US" altLang="ja-JP" sz="1400" dirty="0" smtClean="0"/>
-          </a:p>
-          <a:p>
-            <a:r>
-              <a:rPr kumimoji="1" lang="ja-JP" altLang="en-US" sz="1400" dirty="0" smtClean="0"/>
-              <a:t>秋月　通販コード </a:t>
-            </a:r>
-            <a:r>
-              <a:rPr kumimoji="1" lang="en-US" altLang="ja-JP" sz="1400" dirty="0" smtClean="0"/>
-              <a:t>M-03608</a:t>
-            </a:r>
-            <a:endParaRPr kumimoji="1" lang="ja-JP" altLang="en-US" sz="1400" dirty="0"/>
-          </a:p>
-        </p:txBody>
-      </p:sp>
+        </p:nvGraphicFramePr>
+        <p:xfrm>
+          <a:off x="683568" y="1298521"/>
+          <a:ext cx="7560840" cy="5342874"/>
+        </p:xfrm>
+        <a:graphic>
+          <a:graphicData uri="http://schemas.openxmlformats.org/presentationml/2006/ole">
+            <p:oleObj spid="_x0000_s1026" name="Acrobat Document" r:id="rId3" imgW="8019977" imgH="5667300" progId="AcroExch.Document.7">
+              <p:embed/>
+            </p:oleObj>
+          </a:graphicData>
+        </a:graphic>
+      </p:graphicFrame>
     </p:spTree>
   </p:cSld>
   <p:clrMapOvr>
@@ -11353,7 +12566,7 @@
       </p:grpSpPr>
       <p:sp>
         <p:nvSpPr>
-          <p:cNvPr id="2" name="タイトル 1"/>
+          <p:cNvPr id="4" name="タイトル 3"/>
           <p:cNvSpPr>
             <a:spLocks noGrp="1"/>
           </p:cNvSpPr>
@@ -11363,19 +12576,18 @@
         </p:nvSpPr>
         <p:spPr/>
         <p:txBody>
-          <a:bodyPr/>
+          <a:bodyPr>
+            <a:normAutofit/>
+          </a:bodyPr>
           <a:lstStyle/>
           <a:p>
             <a:r>
-              <a:rPr kumimoji="1" lang="en-US" altLang="ja-JP" dirty="0" smtClean="0"/>
-              <a:t>Part3</a:t>
-            </a:r>
-            <a:br>
-              <a:rPr kumimoji="1" lang="en-US" altLang="ja-JP" dirty="0" smtClean="0"/>
-            </a:br>
-            <a:r>
-              <a:rPr kumimoji="1" lang="ja-JP" altLang="en-US" dirty="0" smtClean="0"/>
-              <a:t>互換モジュールの仕組み</a:t>
+              <a:rPr lang="en-US" altLang="ja-JP" dirty="0" smtClean="0"/>
+              <a:t>Step1 </a:t>
+            </a:r>
+            <a:r>
+              <a:rPr lang="ja-JP" altLang="en-US" dirty="0" smtClean="0"/>
+              <a:t>アプリのインストール</a:t>
             </a:r>
             <a:endParaRPr kumimoji="1" lang="ja-JP" altLang="en-US" dirty="0"/>
           </a:p>
@@ -11383,12 +12595,12 @@
       </p:sp>
       <p:sp>
         <p:nvSpPr>
-          <p:cNvPr id="4" name="テキスト プレースホルダ 3"/>
+          <p:cNvPr id="5" name="コンテンツ プレースホルダ 4"/>
           <p:cNvSpPr>
             <a:spLocks noGrp="1"/>
           </p:cNvSpPr>
           <p:nvPr>
-            <p:ph type="body" idx="1"/>
+            <p:ph idx="1"/>
           </p:nvPr>
         </p:nvSpPr>
         <p:spPr/>
@@ -11397,9 +12609,55 @@
           <a:lstStyle/>
           <a:p>
             <a:r>
-              <a:rPr kumimoji="1" lang="ja-JP" altLang="en-US" dirty="0" smtClean="0"/>
-              <a:t>　</a:t>
-            </a:r>
+              <a:rPr lang="en-US" altLang="ja-JP" dirty="0" smtClean="0"/>
+              <a:t>Android Market</a:t>
+            </a:r>
+            <a:r>
+              <a:rPr lang="ja-JP" altLang="en-US" dirty="0" smtClean="0"/>
+              <a:t>からインストール</a:t>
+            </a:r>
+            <a:endParaRPr lang="en-US" altLang="ja-JP" dirty="0" smtClean="0"/>
+          </a:p>
+          <a:p>
+            <a:pPr lvl="1"/>
+            <a:r>
+              <a:rPr lang="en-US" altLang="ja-JP" dirty="0" smtClean="0"/>
+              <a:t>Microchip</a:t>
+            </a:r>
+            <a:r>
+              <a:rPr lang="ja-JP" altLang="en-US" dirty="0" smtClean="0"/>
+              <a:t>で検索</a:t>
+            </a:r>
+            <a:endParaRPr lang="en-US" altLang="ja-JP" dirty="0" smtClean="0"/>
+          </a:p>
+          <a:p>
+            <a:pPr lvl="2"/>
+            <a:r>
+              <a:rPr lang="ja-JP" altLang="en-US" dirty="0" smtClean="0"/>
+              <a:t>基本的なアクセサリデモ</a:t>
+            </a:r>
+            <a:r>
+              <a:rPr lang="en-US" altLang="ja-JP" dirty="0" smtClean="0"/>
+              <a:t>3.x</a:t>
+            </a:r>
+          </a:p>
+          <a:p>
+            <a:pPr lvl="2"/>
+            <a:r>
+              <a:rPr lang="ja-JP" altLang="en-US" dirty="0" smtClean="0"/>
+              <a:t>基本的なアクセサリデモ</a:t>
+            </a:r>
+            <a:r>
+              <a:rPr lang="en-US" altLang="ja-JP" dirty="0" smtClean="0"/>
+              <a:t>2.3.x</a:t>
+            </a:r>
+            <a:r>
+              <a:rPr lang="ja-JP" altLang="en-US" dirty="0" smtClean="0"/>
+              <a:t>以降</a:t>
+            </a:r>
+            <a:endParaRPr lang="en-US" altLang="ja-JP" dirty="0" smtClean="0"/>
+          </a:p>
+          <a:p>
             <a:endParaRPr kumimoji="1" lang="ja-JP" altLang="en-US" dirty="0"/>
           </a:p>
         </p:txBody>
@@ -11441,25 +12699,16 @@
         </p:nvSpPr>
         <p:spPr/>
         <p:txBody>
-          <a:bodyPr>
-            <a:normAutofit/>
-          </a:bodyPr>
+          <a:bodyPr/>
           <a:lstStyle/>
           <a:p>
             <a:r>
               <a:rPr kumimoji="1" lang="en-US" altLang="ja-JP" dirty="0" smtClean="0"/>
-              <a:t>Part4</a:t>
-            </a:r>
-            <a:br>
-              <a:rPr kumimoji="1" lang="en-US" altLang="ja-JP" dirty="0" smtClean="0"/>
-            </a:br>
-            <a:r>
-              <a:rPr kumimoji="1" lang="en-US" altLang="ja-JP" dirty="0" smtClean="0"/>
-              <a:t>Android</a:t>
+              <a:t>Step2 AC</a:t>
             </a:r>
             <a:r>
               <a:rPr kumimoji="1" lang="ja-JP" altLang="en-US" dirty="0" smtClean="0"/>
-              <a:t>側の仕組み</a:t>
+              <a:t>アダプタに接続</a:t>
             </a:r>
             <a:endParaRPr kumimoji="1" lang="ja-JP" altLang="en-US" dirty="0"/>
           </a:p>
@@ -11467,12 +12716,12 @@
       </p:sp>
       <p:sp>
         <p:nvSpPr>
-          <p:cNvPr id="4" name="テキスト プレースホルダ 3"/>
+          <p:cNvPr id="3" name="コンテンツ プレースホルダ 2"/>
           <p:cNvSpPr>
             <a:spLocks noGrp="1"/>
           </p:cNvSpPr>
           <p:nvPr>
-            <p:ph type="body" idx="1"/>
+            <p:ph idx="1"/>
           </p:nvPr>
         </p:nvSpPr>
         <p:spPr/>
@@ -11480,11 +12729,7 @@
           <a:bodyPr/>
           <a:lstStyle/>
           <a:p>
-            <a:r>
-              <a:rPr kumimoji="1" lang="ja-JP" altLang="en-US" dirty="0" smtClean="0"/>
-              <a:t>　</a:t>
-            </a:r>
-            <a:endParaRPr kumimoji="1" lang="ja-JP" altLang="en-US" dirty="0"/>
+            <a:endParaRPr kumimoji="1" lang="ja-JP" altLang="en-US"/>
           </a:p>
         </p:txBody>
       </p:sp>
@@ -11515,6 +12760,33 @@
       </p:grpSpPr>
       <p:sp>
         <p:nvSpPr>
+          <p:cNvPr id="2" name="タイトル 1"/>
+          <p:cNvSpPr>
+            <a:spLocks noGrp="1"/>
+          </p:cNvSpPr>
+          <p:nvPr>
+            <p:ph type="title"/>
+          </p:nvPr>
+        </p:nvSpPr>
+        <p:spPr/>
+        <p:txBody>
+          <a:bodyPr/>
+          <a:lstStyle/>
+          <a:p>
+            <a:r>
+              <a:rPr kumimoji="1" lang="en-US" altLang="ja-JP" dirty="0" smtClean="0"/>
+              <a:t>Step3 Android</a:t>
+            </a:r>
+            <a:r>
+              <a:rPr kumimoji="1" lang="ja-JP" altLang="en-US" dirty="0" smtClean="0"/>
+              <a:t>に接続</a:t>
+            </a:r>
+            <a:endParaRPr kumimoji="1" lang="ja-JP" altLang="en-US" dirty="0"/>
+          </a:p>
+        </p:txBody>
+      </p:sp>
+      <p:sp>
+        <p:nvSpPr>
           <p:cNvPr id="3" name="コンテンツ プレースホルダ 2"/>
           <p:cNvSpPr>
             <a:spLocks noGrp="1"/>
@@ -11525,19 +12797,314 @@
         </p:nvSpPr>
         <p:spPr/>
         <p:txBody>
+          <a:bodyPr/>
+          <a:lstStyle/>
+          <a:p>
+            <a:endParaRPr kumimoji="1" lang="ja-JP" altLang="en-US"/>
+          </a:p>
+        </p:txBody>
+      </p:sp>
+    </p:spTree>
+  </p:cSld>
+  <p:clrMapOvr>
+    <a:masterClrMapping/>
+  </p:clrMapOvr>
+</p:sld>
+</file>
+
+<file path=ppt/slides/slide26.xml><?xml version="1.0" encoding="utf-8"?>
+<p:sld xmlns:a="http://schemas.openxmlformats.org/drawingml/2006/main" xmlns:r="http://schemas.openxmlformats.org/officeDocument/2006/relationships" xmlns:p="http://schemas.openxmlformats.org/presentationml/2006/main">
+  <p:cSld>
+    <p:spTree>
+      <p:nvGrpSpPr>
+        <p:cNvPr id="1" name=""/>
+        <p:cNvGrpSpPr/>
+        <p:nvPr/>
+      </p:nvGrpSpPr>
+      <p:grpSpPr>
+        <a:xfrm>
+          <a:off x="0" y="0"/>
+          <a:ext cx="0" cy="0"/>
+          <a:chOff x="0" y="0"/>
+          <a:chExt cx="0" cy="0"/>
+        </a:xfrm>
+      </p:grpSpPr>
+      <p:sp>
+        <p:nvSpPr>
+          <p:cNvPr id="2" name="タイトル 1"/>
+          <p:cNvSpPr>
+            <a:spLocks noGrp="1"/>
+          </p:cNvSpPr>
+          <p:nvPr>
+            <p:ph type="title"/>
+          </p:nvPr>
+        </p:nvSpPr>
+        <p:spPr/>
+        <p:txBody>
+          <a:bodyPr/>
+          <a:lstStyle/>
+          <a:p>
+            <a:r>
+              <a:rPr kumimoji="1" lang="en-US" altLang="ja-JP" dirty="0" smtClean="0"/>
+              <a:t>LED</a:t>
+            </a:r>
+            <a:r>
+              <a:rPr kumimoji="1" lang="ja-JP" altLang="en-US" dirty="0" smtClean="0"/>
+              <a:t>を点灯</a:t>
+            </a:r>
+            <a:endParaRPr kumimoji="1" lang="ja-JP" altLang="en-US" dirty="0"/>
+          </a:p>
+        </p:txBody>
+      </p:sp>
+      <p:sp>
+        <p:nvSpPr>
+          <p:cNvPr id="3" name="コンテンツ プレースホルダ 2"/>
+          <p:cNvSpPr>
+            <a:spLocks noGrp="1"/>
+          </p:cNvSpPr>
+          <p:nvPr>
+            <p:ph idx="1"/>
+          </p:nvPr>
+        </p:nvSpPr>
+        <p:spPr/>
+        <p:txBody>
+          <a:bodyPr/>
+          <a:lstStyle/>
+          <a:p>
+            <a:endParaRPr kumimoji="1" lang="ja-JP" altLang="en-US"/>
+          </a:p>
+        </p:txBody>
+      </p:sp>
+    </p:spTree>
+  </p:cSld>
+  <p:clrMapOvr>
+    <a:masterClrMapping/>
+  </p:clrMapOvr>
+</p:sld>
+</file>
+
+<file path=ppt/slides/slide27.xml><?xml version="1.0" encoding="utf-8"?>
+<p:sld xmlns:a="http://schemas.openxmlformats.org/drawingml/2006/main" xmlns:r="http://schemas.openxmlformats.org/officeDocument/2006/relationships" xmlns:p="http://schemas.openxmlformats.org/presentationml/2006/main">
+  <p:cSld>
+    <p:spTree>
+      <p:nvGrpSpPr>
+        <p:cNvPr id="1" name=""/>
+        <p:cNvGrpSpPr/>
+        <p:nvPr/>
+      </p:nvGrpSpPr>
+      <p:grpSpPr>
+        <a:xfrm>
+          <a:off x="0" y="0"/>
+          <a:ext cx="0" cy="0"/>
+          <a:chOff x="0" y="0"/>
+          <a:chExt cx="0" cy="0"/>
+        </a:xfrm>
+      </p:grpSpPr>
+      <p:sp>
+        <p:nvSpPr>
+          <p:cNvPr id="2" name="タイトル 1"/>
+          <p:cNvSpPr>
+            <a:spLocks noGrp="1"/>
+          </p:cNvSpPr>
+          <p:nvPr>
+            <p:ph type="title"/>
+          </p:nvPr>
+        </p:nvSpPr>
+        <p:spPr/>
+        <p:txBody>
+          <a:bodyPr/>
+          <a:lstStyle/>
+          <a:p>
+            <a:r>
+              <a:rPr kumimoji="1" lang="ja-JP" altLang="en-US" dirty="0" smtClean="0"/>
+              <a:t>スイッチを操作</a:t>
+            </a:r>
+            <a:endParaRPr kumimoji="1" lang="ja-JP" altLang="en-US" dirty="0"/>
+          </a:p>
+        </p:txBody>
+      </p:sp>
+      <p:sp>
+        <p:nvSpPr>
+          <p:cNvPr id="3" name="コンテンツ プレースホルダ 2"/>
+          <p:cNvSpPr>
+            <a:spLocks noGrp="1"/>
+          </p:cNvSpPr>
+          <p:nvPr>
+            <p:ph idx="1"/>
+          </p:nvPr>
+        </p:nvSpPr>
+        <p:spPr/>
+        <p:txBody>
+          <a:bodyPr/>
+          <a:lstStyle/>
+          <a:p>
+            <a:endParaRPr kumimoji="1" lang="ja-JP" altLang="en-US"/>
+          </a:p>
+        </p:txBody>
+      </p:sp>
+    </p:spTree>
+  </p:cSld>
+  <p:clrMapOvr>
+    <a:masterClrMapping/>
+  </p:clrMapOvr>
+</p:sld>
+</file>
+
+<file path=ppt/slides/slide28.xml><?xml version="1.0" encoding="utf-8"?>
+<p:sld xmlns:a="http://schemas.openxmlformats.org/drawingml/2006/main" xmlns:r="http://schemas.openxmlformats.org/officeDocument/2006/relationships" xmlns:p="http://schemas.openxmlformats.org/presentationml/2006/main">
+  <p:cSld>
+    <p:spTree>
+      <p:nvGrpSpPr>
+        <p:cNvPr id="1" name=""/>
+        <p:cNvGrpSpPr/>
+        <p:nvPr/>
+      </p:nvGrpSpPr>
+      <p:grpSpPr>
+        <a:xfrm>
+          <a:off x="0" y="0"/>
+          <a:ext cx="0" cy="0"/>
+          <a:chOff x="0" y="0"/>
+          <a:chExt cx="0" cy="0"/>
+        </a:xfrm>
+      </p:grpSpPr>
+      <p:sp>
+        <p:nvSpPr>
+          <p:cNvPr id="2" name="タイトル 1"/>
+          <p:cNvSpPr>
+            <a:spLocks noGrp="1"/>
+          </p:cNvSpPr>
+          <p:nvPr>
+            <p:ph type="title"/>
+          </p:nvPr>
+        </p:nvSpPr>
+        <p:spPr/>
+        <p:txBody>
+          <a:bodyPr/>
+          <a:lstStyle/>
+          <a:p>
+            <a:r>
+              <a:rPr lang="ja-JP" altLang="en-US" dirty="0" smtClean="0"/>
+              <a:t>ポテンションメータを操作</a:t>
+            </a:r>
+            <a:endParaRPr kumimoji="1" lang="ja-JP" altLang="en-US" dirty="0"/>
+          </a:p>
+        </p:txBody>
+      </p:sp>
+      <p:sp>
+        <p:nvSpPr>
+          <p:cNvPr id="3" name="コンテンツ プレースホルダ 2"/>
+          <p:cNvSpPr>
+            <a:spLocks noGrp="1"/>
+          </p:cNvSpPr>
+          <p:nvPr>
+            <p:ph idx="1"/>
+          </p:nvPr>
+        </p:nvSpPr>
+        <p:spPr/>
+        <p:txBody>
+          <a:bodyPr/>
+          <a:lstStyle/>
+          <a:p>
+            <a:r>
+              <a:rPr kumimoji="1" lang="ja-JP" altLang="en-US" dirty="0" smtClean="0"/>
+              <a:t>配布部品には含みません</a:t>
+            </a:r>
+            <a:endParaRPr kumimoji="1" lang="en-US" altLang="ja-JP" dirty="0" smtClean="0"/>
+          </a:p>
+          <a:p>
+            <a:r>
+              <a:rPr kumimoji="1" lang="ja-JP" altLang="en-US" dirty="0" smtClean="0"/>
+              <a:t>講師によるデモのみです</a:t>
+            </a:r>
+            <a:endParaRPr kumimoji="1" lang="ja-JP" altLang="en-US" dirty="0"/>
+          </a:p>
+        </p:txBody>
+      </p:sp>
+    </p:spTree>
+  </p:cSld>
+  <p:clrMapOvr>
+    <a:masterClrMapping/>
+  </p:clrMapOvr>
+</p:sld>
+</file>
+
+<file path=ppt/slides/slide29.xml><?xml version="1.0" encoding="utf-8"?>
+<p:sld xmlns:a="http://schemas.openxmlformats.org/drawingml/2006/main" xmlns:r="http://schemas.openxmlformats.org/officeDocument/2006/relationships" xmlns:p="http://schemas.openxmlformats.org/presentationml/2006/main">
+  <p:cSld>
+    <p:spTree>
+      <p:nvGrpSpPr>
+        <p:cNvPr id="1" name=""/>
+        <p:cNvGrpSpPr/>
+        <p:nvPr/>
+      </p:nvGrpSpPr>
+      <p:grpSpPr>
+        <a:xfrm>
+          <a:off x="0" y="0"/>
+          <a:ext cx="0" cy="0"/>
+          <a:chOff x="0" y="0"/>
+          <a:chExt cx="0" cy="0"/>
+        </a:xfrm>
+      </p:grpSpPr>
+      <p:sp>
+        <p:nvSpPr>
+          <p:cNvPr id="2" name="タイトル 1"/>
+          <p:cNvSpPr>
+            <a:spLocks noGrp="1"/>
+          </p:cNvSpPr>
+          <p:nvPr>
+            <p:ph type="title"/>
+          </p:nvPr>
+        </p:nvSpPr>
+        <p:spPr/>
+        <p:txBody>
           <a:bodyPr>
-            <a:noAutofit/>
+            <a:normAutofit/>
           </a:bodyPr>
           <a:lstStyle/>
           <a:p>
-            <a:pPr algn="ctr">
-              <a:buNone/>
-            </a:pPr>
-            <a:r>
-              <a:rPr kumimoji="1" lang="ja-JP" altLang="en-US" sz="16600" dirty="0" smtClean="0"/>
-              <a:t>おわり</a:t>
-            </a:r>
-            <a:endParaRPr kumimoji="1" lang="ja-JP" altLang="en-US" sz="16600" dirty="0"/>
+            <a:r>
+              <a:rPr kumimoji="1" lang="en-US" altLang="ja-JP" dirty="0" smtClean="0"/>
+              <a:t>Part3</a:t>
+            </a:r>
+            <a:br>
+              <a:rPr kumimoji="1" lang="en-US" altLang="ja-JP" dirty="0" smtClean="0"/>
+            </a:br>
+            <a:r>
+              <a:rPr lang="en-US" altLang="ja-JP" dirty="0" smtClean="0"/>
+              <a:t>USB</a:t>
+            </a:r>
+            <a:r>
+              <a:rPr lang="ja-JP" altLang="en-US" dirty="0" smtClean="0"/>
+              <a:t>と</a:t>
+            </a:r>
+            <a:r>
+              <a:rPr lang="en-US" altLang="ja-JP" dirty="0" smtClean="0"/>
+              <a:t>Open accessory</a:t>
+            </a:r>
+            <a:endParaRPr kumimoji="1" lang="ja-JP" altLang="en-US" dirty="0"/>
+          </a:p>
+        </p:txBody>
+      </p:sp>
+      <p:sp>
+        <p:nvSpPr>
+          <p:cNvPr id="4" name="テキスト プレースホルダ 3"/>
+          <p:cNvSpPr>
+            <a:spLocks noGrp="1"/>
+          </p:cNvSpPr>
+          <p:nvPr>
+            <p:ph type="body" idx="1"/>
+          </p:nvPr>
+        </p:nvSpPr>
+        <p:spPr/>
+        <p:txBody>
+          <a:bodyPr/>
+          <a:lstStyle/>
+          <a:p>
+            <a:r>
+              <a:rPr kumimoji="1" lang="ja-JP" altLang="en-US" dirty="0" smtClean="0"/>
+              <a:t>　</a:t>
+            </a:r>
+            <a:endParaRPr kumimoji="1" lang="ja-JP" altLang="en-US" dirty="0"/>
           </a:p>
         </p:txBody>
       </p:sp>
@@ -11578,19 +13145,1732 @@
         </p:nvSpPr>
         <p:spPr/>
         <p:txBody>
+          <a:bodyPr>
+            <a:normAutofit/>
+          </a:bodyPr>
+          <a:lstStyle/>
+          <a:p>
+            <a:r>
+              <a:rPr lang="ja-JP" altLang="en-US" dirty="0" smtClean="0"/>
+              <a:t>このコースの目的と</a:t>
+            </a:r>
+            <a:r>
+              <a:rPr kumimoji="1" lang="ja-JP" altLang="en-US" dirty="0" smtClean="0"/>
+              <a:t>内容</a:t>
+            </a:r>
+            <a:endParaRPr kumimoji="1" lang="ja-JP" altLang="en-US" dirty="0"/>
+          </a:p>
+        </p:txBody>
+      </p:sp>
+      <p:sp>
+        <p:nvSpPr>
+          <p:cNvPr id="3" name="コンテンツ プレースホルダ 2"/>
+          <p:cNvSpPr>
+            <a:spLocks noGrp="1"/>
+          </p:cNvSpPr>
+          <p:nvPr>
+            <p:ph idx="1"/>
+          </p:nvPr>
+        </p:nvSpPr>
+        <p:spPr/>
+        <p:txBody>
+          <a:bodyPr>
+            <a:normAutofit fontScale="92500" lnSpcReduction="10000"/>
+          </a:bodyPr>
+          <a:lstStyle/>
+          <a:p>
+            <a:pPr marL="550926" indent="-514350">
+              <a:buNone/>
+            </a:pPr>
+            <a:r>
+              <a:rPr lang="ja-JP" altLang="en-US" u="sng" dirty="0" smtClean="0"/>
+              <a:t>目的</a:t>
+            </a:r>
+            <a:endParaRPr lang="en-US" altLang="ja-JP" u="sng" dirty="0" smtClean="0"/>
+          </a:p>
+          <a:p>
+            <a:pPr marL="550926" indent="-514350">
+              <a:buNone/>
+            </a:pPr>
+            <a:r>
+              <a:rPr lang="en-US" altLang="ja-JP" dirty="0" smtClean="0"/>
+              <a:t>	Android</a:t>
+            </a:r>
+            <a:r>
+              <a:rPr lang="ja-JP" altLang="en-US" dirty="0" smtClean="0"/>
+              <a:t>アプリケーションデベロッパが</a:t>
+            </a:r>
+            <a:r>
+              <a:rPr lang="en-US" altLang="ja-JP" dirty="0" smtClean="0"/>
+              <a:t>Android Open Accessory </a:t>
+            </a:r>
+            <a:r>
+              <a:rPr lang="ja-JP" altLang="en-US" dirty="0" smtClean="0"/>
+              <a:t>を理解する。同時に</a:t>
+            </a:r>
+            <a:r>
+              <a:rPr lang="en-US" altLang="ja-JP" dirty="0" smtClean="0"/>
+              <a:t>HW</a:t>
+            </a:r>
+            <a:r>
+              <a:rPr lang="ja-JP" altLang="en-US" dirty="0" smtClean="0"/>
+              <a:t>を理解する事が広げる世界を体感する。</a:t>
+            </a:r>
+            <a:endParaRPr lang="en-US" altLang="ja-JP" dirty="0" smtClean="0"/>
+          </a:p>
+          <a:p>
+            <a:pPr marL="550926" indent="-514350">
+              <a:buNone/>
+            </a:pPr>
+            <a:r>
+              <a:rPr lang="ja-JP" altLang="en-US" u="sng" dirty="0" smtClean="0"/>
+              <a:t>内容</a:t>
+            </a:r>
+            <a:endParaRPr lang="en-US" altLang="ja-JP" u="sng" dirty="0" smtClean="0"/>
+          </a:p>
+          <a:p>
+            <a:pPr marL="550926" indent="-514350">
+              <a:buFont typeface="+mj-lt"/>
+              <a:buAutoNum type="arabicPeriod"/>
+            </a:pPr>
+            <a:r>
+              <a:rPr lang="ja-JP" altLang="en-US" dirty="0" smtClean="0"/>
+              <a:t>互換モジュールの組み立て</a:t>
+            </a:r>
+          </a:p>
+          <a:p>
+            <a:pPr marL="550926" indent="-514350">
+              <a:buFont typeface="+mj-lt"/>
+              <a:buAutoNum type="arabicPeriod"/>
+            </a:pPr>
+            <a:r>
+              <a:rPr lang="en-US" altLang="ja-JP" dirty="0" smtClean="0"/>
+              <a:t>Android</a:t>
+            </a:r>
+            <a:r>
+              <a:rPr lang="ja-JP" altLang="en-US" dirty="0" smtClean="0"/>
+              <a:t>との接続と動作確認</a:t>
+            </a:r>
+          </a:p>
+          <a:p>
+            <a:pPr marL="550926" indent="-514350">
+              <a:buFont typeface="+mj-lt"/>
+              <a:buAutoNum type="arabicPeriod"/>
+            </a:pPr>
+            <a:r>
+              <a:rPr lang="ja-JP" altLang="en-US" dirty="0" smtClean="0"/>
+              <a:t>互換モジュールの仕組み</a:t>
+            </a:r>
+          </a:p>
+          <a:p>
+            <a:pPr marL="550926" indent="-514350">
+              <a:buFont typeface="+mj-lt"/>
+              <a:buAutoNum type="arabicPeriod"/>
+            </a:pPr>
+            <a:r>
+              <a:rPr lang="en-US" altLang="ja-JP" dirty="0" smtClean="0"/>
+              <a:t>Android</a:t>
+            </a:r>
+            <a:r>
+              <a:rPr lang="ja-JP" altLang="en-US" dirty="0" smtClean="0"/>
+              <a:t>側の仕組み</a:t>
+            </a:r>
+            <a:endParaRPr lang="en-US" altLang="ja-JP" dirty="0" smtClean="0"/>
+          </a:p>
+        </p:txBody>
+      </p:sp>
+    </p:spTree>
+  </p:cSld>
+  <p:clrMapOvr>
+    <a:masterClrMapping/>
+  </p:clrMapOvr>
+</p:sld>
+</file>
+
+<file path=ppt/slides/slide30.xml><?xml version="1.0" encoding="utf-8"?>
+<p:sld xmlns:a="http://schemas.openxmlformats.org/drawingml/2006/main" xmlns:r="http://schemas.openxmlformats.org/officeDocument/2006/relationships" xmlns:p="http://schemas.openxmlformats.org/presentationml/2006/main">
+  <p:cSld>
+    <p:spTree>
+      <p:nvGrpSpPr>
+        <p:cNvPr id="1" name=""/>
+        <p:cNvGrpSpPr/>
+        <p:nvPr/>
+      </p:nvGrpSpPr>
+      <p:grpSpPr>
+        <a:xfrm>
+          <a:off x="0" y="0"/>
+          <a:ext cx="0" cy="0"/>
+          <a:chOff x="0" y="0"/>
+          <a:chExt cx="0" cy="0"/>
+        </a:xfrm>
+      </p:grpSpPr>
+      <p:sp>
+        <p:nvSpPr>
+          <p:cNvPr id="2" name="タイトル 1"/>
+          <p:cNvSpPr>
+            <a:spLocks noGrp="1"/>
+          </p:cNvSpPr>
+          <p:nvPr>
+            <p:ph type="title"/>
+          </p:nvPr>
+        </p:nvSpPr>
+        <p:spPr/>
+        <p:txBody>
           <a:bodyPr/>
           <a:lstStyle/>
           <a:p>
             <a:r>
               <a:rPr kumimoji="1" lang="en-US" altLang="ja-JP" dirty="0" smtClean="0"/>
-              <a:t>PART1</a:t>
+              <a:t>USB</a:t>
+            </a:r>
+            <a:r>
+              <a:rPr lang="ja-JP" altLang="en-US" dirty="0" smtClean="0"/>
+              <a:t>　ホスト・ディバイス</a:t>
+            </a:r>
+            <a:endParaRPr kumimoji="1" lang="ja-JP" altLang="en-US" dirty="0"/>
+          </a:p>
+        </p:txBody>
+      </p:sp>
+      <p:sp>
+        <p:nvSpPr>
+          <p:cNvPr id="3" name="コンテンツ プレースホルダ 2"/>
+          <p:cNvSpPr>
+            <a:spLocks noGrp="1"/>
+          </p:cNvSpPr>
+          <p:nvPr>
+            <p:ph idx="1"/>
+          </p:nvPr>
+        </p:nvSpPr>
+        <p:spPr/>
+        <p:txBody>
+          <a:bodyPr>
+            <a:normAutofit fontScale="70000" lnSpcReduction="20000"/>
+          </a:bodyPr>
+          <a:lstStyle/>
+          <a:p>
+            <a:r>
+              <a:rPr lang="ja-JP" altLang="en-US" dirty="0" smtClean="0"/>
+              <a:t>基本は高速のシリアル通信</a:t>
+            </a:r>
+            <a:endParaRPr lang="en-US" altLang="ja-JP" dirty="0" smtClean="0"/>
+          </a:p>
+          <a:p>
+            <a:r>
+              <a:rPr lang="ja-JP" altLang="en-US" dirty="0" smtClean="0"/>
+              <a:t>４線式</a:t>
+            </a:r>
+            <a:endParaRPr lang="en-US" altLang="ja-JP" dirty="0" smtClean="0"/>
+          </a:p>
+          <a:p>
+            <a:pPr lvl="1"/>
+            <a:r>
+              <a:rPr lang="ja-JP" altLang="en-US" dirty="0" smtClean="0"/>
+              <a:t>通信はディファレンシャル </a:t>
+            </a:r>
+            <a:r>
+              <a:rPr lang="en-US" altLang="ja-JP" dirty="0" smtClean="0"/>
+              <a:t>D+,D-</a:t>
+            </a:r>
+          </a:p>
+          <a:p>
+            <a:pPr lvl="1"/>
+            <a:r>
+              <a:rPr lang="ja-JP" altLang="en-US" dirty="0" smtClean="0"/>
+              <a:t>給電機能を持つ　</a:t>
+            </a:r>
+            <a:r>
+              <a:rPr lang="en-US" altLang="ja-JP" dirty="0" smtClean="0"/>
+              <a:t>5V, GND</a:t>
+            </a:r>
+          </a:p>
+          <a:p>
+            <a:r>
+              <a:rPr lang="ja-JP" altLang="en-US" dirty="0" smtClean="0"/>
+              <a:t>ホスト</a:t>
+            </a:r>
+            <a:endParaRPr lang="en-US" altLang="ja-JP" dirty="0" smtClean="0"/>
+          </a:p>
+          <a:p>
+            <a:pPr lvl="1"/>
+            <a:r>
+              <a:rPr lang="ja-JP" altLang="en-US" dirty="0" smtClean="0"/>
+              <a:t>一般的に</a:t>
+            </a:r>
+            <a:r>
+              <a:rPr lang="en-US" altLang="ja-JP" dirty="0" smtClean="0"/>
+              <a:t>PC</a:t>
+            </a:r>
+            <a:r>
+              <a:rPr lang="ja-JP" altLang="en-US" dirty="0" smtClean="0"/>
+              <a:t>側</a:t>
+            </a:r>
+            <a:endParaRPr lang="en-US" altLang="ja-JP" dirty="0" smtClean="0"/>
+          </a:p>
+          <a:p>
+            <a:pPr lvl="1"/>
+            <a:r>
+              <a:rPr lang="ja-JP" altLang="en-US" dirty="0" smtClean="0"/>
+              <a:t>マスタとして動作</a:t>
+            </a:r>
+            <a:endParaRPr lang="en-US" altLang="ja-JP" dirty="0"/>
+          </a:p>
+          <a:p>
+            <a:pPr lvl="1"/>
+            <a:r>
+              <a:rPr lang="ja-JP" altLang="en-US" dirty="0" smtClean="0"/>
+              <a:t>複数のディバイスを収容・管理</a:t>
+            </a:r>
+            <a:endParaRPr lang="en-US" altLang="ja-JP" dirty="0" smtClean="0"/>
+          </a:p>
+          <a:p>
+            <a:pPr lvl="1"/>
+            <a:r>
+              <a:rPr lang="ja-JP" altLang="en-US" dirty="0" smtClean="0"/>
+              <a:t>複雑なソフトウエアスタック</a:t>
+            </a:r>
+            <a:endParaRPr lang="en-US" altLang="ja-JP" dirty="0" smtClean="0"/>
+          </a:p>
+          <a:p>
+            <a:r>
+              <a:rPr kumimoji="1" lang="ja-JP" altLang="en-US" dirty="0" smtClean="0"/>
+              <a:t>ディバイス</a:t>
+            </a:r>
+            <a:endParaRPr kumimoji="1" lang="en-US" altLang="ja-JP" dirty="0" smtClean="0"/>
+          </a:p>
+          <a:p>
+            <a:pPr lvl="1"/>
+            <a:r>
+              <a:rPr lang="ja-JP" altLang="en-US" dirty="0" smtClean="0"/>
+              <a:t>一般的に装置側、マウス、</a:t>
+            </a:r>
+            <a:r>
+              <a:rPr lang="en-US" altLang="ja-JP" dirty="0" smtClean="0"/>
+              <a:t>KBD</a:t>
+            </a:r>
+            <a:r>
+              <a:rPr lang="ja-JP" altLang="en-US" dirty="0" smtClean="0"/>
+              <a:t>、プリンタ、</a:t>
+            </a:r>
+            <a:r>
+              <a:rPr lang="en-US" altLang="ja-JP" dirty="0" smtClean="0"/>
+              <a:t>USB</a:t>
+            </a:r>
+            <a:r>
+              <a:rPr lang="ja-JP" altLang="en-US" dirty="0" smtClean="0"/>
+              <a:t>メモリ</a:t>
+            </a:r>
+            <a:endParaRPr kumimoji="1" lang="en-US" altLang="ja-JP" dirty="0" smtClean="0"/>
+          </a:p>
+          <a:p>
+            <a:pPr lvl="1"/>
+            <a:r>
+              <a:rPr lang="ja-JP" altLang="en-US" dirty="0" smtClean="0"/>
+              <a:t>スレーブとして動作</a:t>
+            </a:r>
+            <a:endParaRPr lang="en-US" altLang="ja-JP" dirty="0" smtClean="0"/>
+          </a:p>
+          <a:p>
+            <a:pPr lvl="1"/>
+            <a:r>
+              <a:rPr lang="ja-JP" altLang="en-US" dirty="0" smtClean="0"/>
+              <a:t>単純な機能</a:t>
+            </a:r>
+            <a:endParaRPr lang="en-US" altLang="ja-JP" dirty="0" smtClean="0"/>
+          </a:p>
+        </p:txBody>
+      </p:sp>
+    </p:spTree>
+  </p:cSld>
+  <p:clrMapOvr>
+    <a:masterClrMapping/>
+  </p:clrMapOvr>
+</p:sld>
+</file>
+
+<file path=ppt/slides/slide31.xml><?xml version="1.0" encoding="utf-8"?>
+<p:sld xmlns:a="http://schemas.openxmlformats.org/drawingml/2006/main" xmlns:r="http://schemas.openxmlformats.org/officeDocument/2006/relationships" xmlns:p="http://schemas.openxmlformats.org/presentationml/2006/main">
+  <p:cSld>
+    <p:spTree>
+      <p:nvGrpSpPr>
+        <p:cNvPr id="1" name=""/>
+        <p:cNvGrpSpPr/>
+        <p:nvPr/>
+      </p:nvGrpSpPr>
+      <p:grpSpPr>
+        <a:xfrm>
+          <a:off x="0" y="0"/>
+          <a:ext cx="0" cy="0"/>
+          <a:chOff x="0" y="0"/>
+          <a:chExt cx="0" cy="0"/>
+        </a:xfrm>
+      </p:grpSpPr>
+      <p:sp>
+        <p:nvSpPr>
+          <p:cNvPr id="2" name="タイトル 1"/>
+          <p:cNvSpPr>
+            <a:spLocks noGrp="1"/>
+          </p:cNvSpPr>
+          <p:nvPr>
+            <p:ph type="title"/>
+          </p:nvPr>
+        </p:nvSpPr>
+        <p:spPr/>
+        <p:txBody>
+          <a:bodyPr/>
+          <a:lstStyle/>
+          <a:p>
+            <a:r>
+              <a:rPr kumimoji="1" lang="en-US" altLang="ja-JP" dirty="0" smtClean="0"/>
+              <a:t>USB</a:t>
+            </a:r>
+            <a:r>
+              <a:rPr kumimoji="1" lang="ja-JP" altLang="en-US" dirty="0" smtClean="0"/>
+              <a:t>　コネクタ</a:t>
+            </a:r>
+            <a:endParaRPr kumimoji="1" lang="ja-JP" altLang="en-US" dirty="0"/>
+          </a:p>
+        </p:txBody>
+      </p:sp>
+      <p:sp>
+        <p:nvSpPr>
+          <p:cNvPr id="3" name="コンテンツ プレースホルダ 2"/>
+          <p:cNvSpPr>
+            <a:spLocks noGrp="1"/>
+          </p:cNvSpPr>
+          <p:nvPr>
+            <p:ph idx="1"/>
+          </p:nvPr>
+        </p:nvSpPr>
+        <p:spPr>
+          <a:xfrm>
+            <a:off x="457200" y="1600200"/>
+            <a:ext cx="8229600" cy="2404863"/>
+          </a:xfrm>
+        </p:spPr>
+        <p:txBody>
+          <a:bodyPr>
+            <a:normAutofit fontScale="92500" lnSpcReduction="10000"/>
+          </a:bodyPr>
+          <a:lstStyle/>
+          <a:p>
+            <a:r>
+              <a:rPr lang="en-US" altLang="ja-JP" dirty="0" smtClean="0"/>
+              <a:t>4</a:t>
+            </a:r>
+            <a:r>
+              <a:rPr lang="ja-JP" altLang="en-US" dirty="0" smtClean="0"/>
+              <a:t>線式 </a:t>
+            </a:r>
+            <a:r>
+              <a:rPr lang="en-US" altLang="ja-JP" dirty="0" smtClean="0"/>
+              <a:t>			1: +   2: D-   3: D+   4: -</a:t>
+            </a:r>
+          </a:p>
+          <a:p>
+            <a:pPr lvl="1"/>
+            <a:r>
+              <a:rPr lang="ja-JP" altLang="en-US" dirty="0" smtClean="0"/>
+              <a:t>ホスト側 </a:t>
+            </a:r>
+            <a:r>
+              <a:rPr lang="en-US" altLang="ja-JP" dirty="0" smtClean="0"/>
+              <a:t>		Type A   </a:t>
+            </a:r>
+          </a:p>
+          <a:p>
+            <a:pPr lvl="1"/>
+            <a:r>
+              <a:rPr lang="ja-JP" altLang="en-US" dirty="0" smtClean="0"/>
+              <a:t>ディバイス側 </a:t>
+            </a:r>
+            <a:r>
+              <a:rPr lang="en-US" altLang="ja-JP" dirty="0" smtClean="0"/>
+              <a:t>		Type B</a:t>
+            </a:r>
+          </a:p>
+          <a:p>
+            <a:r>
+              <a:rPr lang="en-US" altLang="ja-JP" dirty="0" smtClean="0"/>
+              <a:t>5</a:t>
+            </a:r>
+            <a:r>
+              <a:rPr lang="ja-JP" altLang="en-US" dirty="0" smtClean="0"/>
+              <a:t>線式</a:t>
+            </a:r>
+            <a:r>
+              <a:rPr lang="en-US" altLang="ja-JP" dirty="0" smtClean="0"/>
+              <a:t>			1: +   2: D-   3: D+   4: ID  5:  -</a:t>
+            </a:r>
+          </a:p>
+          <a:p>
+            <a:pPr lvl="1"/>
+            <a:r>
+              <a:rPr lang="ja-JP" altLang="en-US" dirty="0" smtClean="0"/>
+              <a:t>ＩＤでホスト、ディバイスを判別</a:t>
+            </a:r>
+            <a:endParaRPr lang="en-US" altLang="ja-JP" dirty="0" smtClean="0"/>
+          </a:p>
+          <a:p>
+            <a:endParaRPr lang="en-US" altLang="ja-JP" dirty="0" smtClean="0"/>
+          </a:p>
+          <a:p>
+            <a:pPr>
+              <a:buNone/>
+            </a:pPr>
+            <a:endParaRPr lang="en-US" altLang="ja-JP" dirty="0" smtClean="0"/>
+          </a:p>
+        </p:txBody>
+      </p:sp>
+      <p:pic>
+        <p:nvPicPr>
+          <p:cNvPr id="33796" name="Picture 4" descr="C:\Users\E31128\Pictures\271px-Types-usb_new_svg.png"/>
+          <p:cNvPicPr>
+            <a:picLocks noChangeAspect="1" noChangeArrowheads="1"/>
+          </p:cNvPicPr>
+          <p:nvPr/>
+        </p:nvPicPr>
+        <p:blipFill>
+          <a:blip r:embed="rId2" cstate="print"/>
+          <a:srcRect/>
+          <a:stretch>
+            <a:fillRect/>
+          </a:stretch>
+        </p:blipFill>
+        <p:spPr bwMode="auto">
+          <a:xfrm>
+            <a:off x="3862933" y="3933056"/>
+            <a:ext cx="2581275" cy="2714625"/>
+          </a:xfrm>
+          <a:prstGeom prst="rect">
+            <a:avLst/>
+          </a:prstGeom>
+          <a:noFill/>
+        </p:spPr>
+      </p:pic>
+      <p:sp>
+        <p:nvSpPr>
+          <p:cNvPr id="7" name="テキスト ボックス 6"/>
+          <p:cNvSpPr txBox="1"/>
+          <p:nvPr/>
+        </p:nvSpPr>
+        <p:spPr>
+          <a:xfrm>
+            <a:off x="6516216" y="6309320"/>
+            <a:ext cx="1056700" cy="276999"/>
+          </a:xfrm>
+          <a:prstGeom prst="rect">
+            <a:avLst/>
+          </a:prstGeom>
+          <a:noFill/>
+        </p:spPr>
+        <p:txBody>
+          <a:bodyPr wrap="none" rtlCol="0">
+            <a:spAutoFit/>
+          </a:bodyPr>
+          <a:lstStyle/>
+          <a:p>
+            <a:r>
+              <a:rPr kumimoji="1" lang="en-US" altLang="ja-JP" sz="1200" dirty="0" smtClean="0"/>
+              <a:t>Wikipedia</a:t>
+            </a:r>
+            <a:r>
+              <a:rPr kumimoji="1" lang="ja-JP" altLang="en-US" sz="1200" dirty="0" smtClean="0"/>
+              <a:t>より</a:t>
+            </a:r>
+            <a:endParaRPr kumimoji="1" lang="ja-JP" altLang="en-US" sz="1200" dirty="0"/>
+          </a:p>
+        </p:txBody>
+      </p:sp>
+    </p:spTree>
+  </p:cSld>
+  <p:clrMapOvr>
+    <a:masterClrMapping/>
+  </p:clrMapOvr>
+</p:sld>
+</file>
+
+<file path=ppt/slides/slide32.xml><?xml version="1.0" encoding="utf-8"?>
+<p:sld xmlns:a="http://schemas.openxmlformats.org/drawingml/2006/main" xmlns:r="http://schemas.openxmlformats.org/officeDocument/2006/relationships" xmlns:p="http://schemas.openxmlformats.org/presentationml/2006/main">
+  <p:cSld>
+    <p:spTree>
+      <p:nvGrpSpPr>
+        <p:cNvPr id="1" name=""/>
+        <p:cNvGrpSpPr/>
+        <p:nvPr/>
+      </p:nvGrpSpPr>
+      <p:grpSpPr>
+        <a:xfrm>
+          <a:off x="0" y="0"/>
+          <a:ext cx="0" cy="0"/>
+          <a:chOff x="0" y="0"/>
+          <a:chExt cx="0" cy="0"/>
+        </a:xfrm>
+      </p:grpSpPr>
+      <p:sp>
+        <p:nvSpPr>
+          <p:cNvPr id="2" name="タイトル 1"/>
+          <p:cNvSpPr>
+            <a:spLocks noGrp="1"/>
+          </p:cNvSpPr>
+          <p:nvPr>
+            <p:ph type="title"/>
+          </p:nvPr>
+        </p:nvSpPr>
+        <p:spPr/>
+        <p:txBody>
+          <a:bodyPr/>
+          <a:lstStyle/>
+          <a:p>
+            <a:r>
+              <a:rPr kumimoji="1" lang="en-US" altLang="ja-JP" dirty="0" smtClean="0"/>
+              <a:t>Android</a:t>
+            </a:r>
+            <a:r>
+              <a:rPr kumimoji="1" lang="ja-JP" altLang="en-US" dirty="0" smtClean="0"/>
+              <a:t>での</a:t>
+            </a:r>
+            <a:r>
+              <a:rPr lang="ja-JP" altLang="en-US" dirty="0" smtClean="0"/>
+              <a:t>利用例</a:t>
+            </a:r>
+            <a:endParaRPr kumimoji="1" lang="ja-JP" altLang="en-US" dirty="0"/>
+          </a:p>
+        </p:txBody>
+      </p:sp>
+      <p:sp>
+        <p:nvSpPr>
+          <p:cNvPr id="3" name="コンテンツ プレースホルダ 2"/>
+          <p:cNvSpPr>
+            <a:spLocks noGrp="1"/>
+          </p:cNvSpPr>
+          <p:nvPr>
+            <p:ph idx="1"/>
+          </p:nvPr>
+        </p:nvSpPr>
+        <p:spPr/>
+        <p:txBody>
+          <a:bodyPr>
+            <a:normAutofit fontScale="92500" lnSpcReduction="20000"/>
+          </a:bodyPr>
+          <a:lstStyle/>
+          <a:p>
+            <a:r>
+              <a:rPr lang="ja-JP" altLang="en-US" dirty="0" smtClean="0"/>
+              <a:t>ホスト</a:t>
+            </a:r>
+            <a:endParaRPr lang="en-US" altLang="ja-JP" dirty="0" smtClean="0"/>
+          </a:p>
+          <a:p>
+            <a:pPr lvl="1"/>
+            <a:r>
+              <a:rPr lang="ja-JP" altLang="en-US" dirty="0" smtClean="0"/>
+              <a:t>システム側での対応は限定的、マウス対応</a:t>
+            </a:r>
+            <a:r>
+              <a:rPr lang="en-US" altLang="ja-JP" dirty="0" smtClean="0"/>
+              <a:t>(ICS)</a:t>
+            </a:r>
+            <a:r>
+              <a:rPr lang="ja-JP" altLang="en-US" dirty="0" smtClean="0"/>
+              <a:t>など</a:t>
+            </a:r>
+            <a:endParaRPr lang="en-US" altLang="ja-JP" dirty="0" smtClean="0"/>
+          </a:p>
+          <a:p>
+            <a:pPr lvl="1"/>
+            <a:r>
+              <a:rPr lang="ja-JP" altLang="en-US" dirty="0" smtClean="0"/>
+              <a:t>アプリ側で</a:t>
+            </a:r>
+            <a:r>
+              <a:rPr lang="en-US" altLang="ja-JP" dirty="0" smtClean="0"/>
+              <a:t>USB manager</a:t>
+            </a:r>
+            <a:r>
+              <a:rPr lang="ja-JP" altLang="en-US" dirty="0" smtClean="0"/>
+              <a:t>連携してドライバ相当の動作をアプリとして記述・配布</a:t>
+            </a:r>
+            <a:endParaRPr lang="en-US" altLang="ja-JP" dirty="0" smtClean="0"/>
+          </a:p>
+          <a:p>
+            <a:r>
+              <a:rPr lang="ja-JP" altLang="en-US" dirty="0" smtClean="0"/>
+              <a:t>ディバイス</a:t>
+            </a:r>
+            <a:endParaRPr lang="en-US" altLang="ja-JP" dirty="0" smtClean="0"/>
+          </a:p>
+          <a:p>
+            <a:pPr lvl="1"/>
+            <a:r>
+              <a:rPr lang="en-US" altLang="ja-JP" dirty="0" smtClean="0"/>
+              <a:t>Android</a:t>
+            </a:r>
+            <a:r>
+              <a:rPr lang="ja-JP" altLang="en-US" dirty="0" smtClean="0"/>
+              <a:t>側がディバイス</a:t>
+            </a:r>
+            <a:endParaRPr lang="en-US" altLang="ja-JP" dirty="0" smtClean="0"/>
+          </a:p>
+          <a:p>
+            <a:pPr lvl="1"/>
+            <a:r>
+              <a:rPr lang="en-US" altLang="ja-JP" dirty="0" smtClean="0"/>
+              <a:t>ADB, Mass Storage</a:t>
+            </a:r>
+          </a:p>
+          <a:p>
+            <a:r>
+              <a:rPr lang="en-US" altLang="ja-JP" dirty="0" smtClean="0"/>
+              <a:t>Open Accessory</a:t>
+            </a:r>
+          </a:p>
+          <a:p>
+            <a:pPr lvl="1"/>
+            <a:r>
+              <a:rPr lang="en-US" altLang="ja-JP" dirty="0" smtClean="0"/>
+              <a:t>PC</a:t>
+            </a:r>
+            <a:r>
+              <a:rPr lang="ja-JP" altLang="en-US" dirty="0" smtClean="0"/>
+              <a:t>がホスト、</a:t>
+            </a:r>
+            <a:r>
+              <a:rPr lang="en-US" altLang="ja-JP" dirty="0" smtClean="0"/>
+              <a:t>Android</a:t>
+            </a:r>
+            <a:r>
+              <a:rPr lang="ja-JP" altLang="en-US" dirty="0" smtClean="0"/>
+              <a:t>側がディバイス</a:t>
+            </a:r>
+            <a:endParaRPr lang="en-US" altLang="ja-JP" dirty="0" smtClean="0"/>
+          </a:p>
+          <a:p>
+            <a:pPr lvl="1"/>
+            <a:r>
+              <a:rPr lang="ja-JP" altLang="en-US" dirty="0" smtClean="0"/>
+              <a:t>システムのみで利用していたエンドポイントをアプリに開放</a:t>
+            </a:r>
+            <a:endParaRPr lang="en-US" altLang="ja-JP" dirty="0" smtClean="0"/>
+          </a:p>
+          <a:p>
+            <a:pPr lvl="1"/>
+            <a:endParaRPr lang="en-US" altLang="ja-JP" dirty="0" smtClean="0"/>
+          </a:p>
+          <a:p>
+            <a:endParaRPr kumimoji="1" lang="ja-JP" altLang="en-US" dirty="0"/>
+          </a:p>
+        </p:txBody>
+      </p:sp>
+    </p:spTree>
+  </p:cSld>
+  <p:clrMapOvr>
+    <a:masterClrMapping/>
+  </p:clrMapOvr>
+</p:sld>
+</file>
+
+<file path=ppt/slides/slide33.xml><?xml version="1.0" encoding="utf-8"?>
+<p:sld xmlns:a="http://schemas.openxmlformats.org/drawingml/2006/main" xmlns:r="http://schemas.openxmlformats.org/officeDocument/2006/relationships" xmlns:p="http://schemas.openxmlformats.org/presentationml/2006/main">
+  <p:cSld>
+    <p:spTree>
+      <p:nvGrpSpPr>
+        <p:cNvPr id="1" name=""/>
+        <p:cNvGrpSpPr/>
+        <p:nvPr/>
+      </p:nvGrpSpPr>
+      <p:grpSpPr>
+        <a:xfrm>
+          <a:off x="0" y="0"/>
+          <a:ext cx="0" cy="0"/>
+          <a:chOff x="0" y="0"/>
+          <a:chExt cx="0" cy="0"/>
+        </a:xfrm>
+      </p:grpSpPr>
+      <p:sp>
+        <p:nvSpPr>
+          <p:cNvPr id="2" name="タイトル 1"/>
+          <p:cNvSpPr>
+            <a:spLocks noGrp="1"/>
+          </p:cNvSpPr>
+          <p:nvPr>
+            <p:ph type="title"/>
+          </p:nvPr>
+        </p:nvSpPr>
+        <p:spPr/>
+        <p:txBody>
+          <a:bodyPr/>
+          <a:lstStyle/>
+          <a:p>
+            <a:r>
+              <a:rPr kumimoji="1" lang="en-US" altLang="ja-JP" dirty="0" smtClean="0"/>
+              <a:t>ADB</a:t>
+            </a:r>
+            <a:r>
+              <a:rPr lang="ja-JP" altLang="en-US" dirty="0" smtClean="0"/>
+              <a:t>の仕組み</a:t>
+            </a:r>
+            <a:endParaRPr kumimoji="1" lang="ja-JP" altLang="en-US" dirty="0"/>
+          </a:p>
+        </p:txBody>
+      </p:sp>
+      <p:sp>
+        <p:nvSpPr>
+          <p:cNvPr id="3" name="コンテンツ プレースホルダ 2"/>
+          <p:cNvSpPr>
+            <a:spLocks noGrp="1"/>
+          </p:cNvSpPr>
+          <p:nvPr>
+            <p:ph idx="1"/>
+          </p:nvPr>
+        </p:nvSpPr>
+        <p:spPr/>
+        <p:txBody>
+          <a:bodyPr>
+            <a:normAutofit fontScale="92500" lnSpcReduction="20000"/>
+          </a:bodyPr>
+          <a:lstStyle/>
+          <a:p>
+            <a:r>
+              <a:rPr lang="ja-JP" altLang="en-US" dirty="0" smtClean="0"/>
+              <a:t>ドライバレイヤ</a:t>
+            </a:r>
+            <a:endParaRPr lang="en-US" altLang="ja-JP" dirty="0" smtClean="0"/>
+          </a:p>
+          <a:p>
+            <a:pPr lvl="1"/>
+            <a:r>
+              <a:rPr lang="en-US" altLang="ja-JP" dirty="0" smtClean="0"/>
+              <a:t>ADB</a:t>
+            </a:r>
+            <a:r>
+              <a:rPr lang="ja-JP" altLang="en-US" dirty="0" smtClean="0"/>
+              <a:t>用の</a:t>
+            </a:r>
+            <a:r>
+              <a:rPr lang="en-US" altLang="ja-JP" dirty="0" smtClean="0"/>
+              <a:t>Vid, Pid</a:t>
+            </a:r>
+            <a:r>
+              <a:rPr lang="ja-JP" altLang="en-US" dirty="0" smtClean="0"/>
+              <a:t>を登録してエンドポイントを作成</a:t>
+            </a:r>
+            <a:endParaRPr lang="en-US" altLang="ja-JP" dirty="0" smtClean="0"/>
+          </a:p>
+          <a:p>
+            <a:r>
+              <a:rPr lang="ja-JP" altLang="en-US" dirty="0" smtClean="0"/>
+              <a:t>アプリレイヤ</a:t>
+            </a:r>
+            <a:endParaRPr lang="en-US" altLang="ja-JP" dirty="0" smtClean="0"/>
+          </a:p>
+          <a:p>
+            <a:pPr lvl="1"/>
+            <a:r>
+              <a:rPr lang="ja-JP" altLang="en-US" dirty="0" smtClean="0"/>
+              <a:t>システム起動時に</a:t>
+            </a:r>
+            <a:r>
+              <a:rPr lang="en-US" altLang="ja-JP" dirty="0" smtClean="0"/>
+              <a:t>adbd</a:t>
+            </a:r>
+            <a:r>
+              <a:rPr lang="ja-JP" altLang="en-US" dirty="0" smtClean="0"/>
+              <a:t>コマンドを起動</a:t>
+            </a:r>
+            <a:endParaRPr lang="en-US" altLang="ja-JP" dirty="0"/>
+          </a:p>
+          <a:p>
+            <a:r>
+              <a:rPr lang="en-US" altLang="ja-JP" dirty="0" smtClean="0"/>
+              <a:t>PC</a:t>
+            </a:r>
+            <a:r>
+              <a:rPr lang="ja-JP" altLang="en-US" dirty="0" smtClean="0"/>
+              <a:t>に接続すると</a:t>
+            </a:r>
+            <a:endParaRPr lang="en-US" altLang="ja-JP" dirty="0" smtClean="0"/>
+          </a:p>
+          <a:p>
+            <a:pPr lvl="1"/>
+            <a:r>
+              <a:rPr lang="en-US" altLang="ja-JP" dirty="0" smtClean="0"/>
+              <a:t>Vid, </a:t>
+            </a:r>
+            <a:r>
+              <a:rPr lang="en-US" altLang="ja-JP" dirty="0" err="1" smtClean="0"/>
+              <a:t>Pid</a:t>
+            </a:r>
+            <a:r>
+              <a:rPr lang="ja-JP" altLang="en-US" dirty="0" smtClean="0"/>
+              <a:t>がＸＸＸを示し</a:t>
+            </a:r>
+            <a:endParaRPr lang="en-US" altLang="ja-JP" dirty="0"/>
+          </a:p>
+          <a:p>
+            <a:pPr lvl="1"/>
+            <a:r>
+              <a:rPr lang="en-US" altLang="ja-JP" dirty="0" err="1" smtClean="0"/>
+              <a:t>adb</a:t>
+            </a:r>
+            <a:r>
+              <a:rPr lang="ja-JP" altLang="en-US" dirty="0" smtClean="0"/>
+              <a:t>用の</a:t>
+            </a:r>
+            <a:r>
+              <a:rPr lang="en-US" altLang="ja-JP" dirty="0" smtClean="0"/>
+              <a:t>Endpoint</a:t>
+            </a:r>
+            <a:r>
+              <a:rPr lang="ja-JP" altLang="en-US" dirty="0" smtClean="0"/>
+              <a:t>がみえるのでこれを</a:t>
+            </a:r>
+            <a:r>
+              <a:rPr lang="en-US" altLang="ja-JP" dirty="0" err="1" smtClean="0"/>
+              <a:t>adb</a:t>
+            </a:r>
+            <a:r>
+              <a:rPr lang="ja-JP" altLang="en-US" dirty="0" smtClean="0"/>
+              <a:t>コマンドが握る</a:t>
+            </a:r>
+            <a:endParaRPr lang="en-US" altLang="ja-JP" dirty="0" smtClean="0"/>
+          </a:p>
+          <a:p>
+            <a:pPr lvl="1"/>
+            <a:r>
+              <a:rPr lang="en-US" altLang="ja-JP" dirty="0" smtClean="0"/>
+              <a:t>PC </a:t>
+            </a:r>
+            <a:r>
+              <a:rPr lang="en-US" altLang="ja-JP" dirty="0" err="1" smtClean="0"/>
+              <a:t>adb</a:t>
+            </a:r>
+            <a:r>
+              <a:rPr lang="ja-JP" altLang="en-US" dirty="0" smtClean="0"/>
+              <a:t>コマンド⇔</a:t>
+            </a:r>
+            <a:r>
+              <a:rPr lang="en-US" altLang="ja-JP" dirty="0" smtClean="0"/>
+              <a:t>PC </a:t>
+            </a:r>
+            <a:r>
+              <a:rPr lang="ja-JP" altLang="en-US" dirty="0" smtClean="0"/>
+              <a:t>バルク転送⇔</a:t>
+            </a:r>
+            <a:r>
+              <a:rPr lang="en-US" altLang="ja-JP" dirty="0" smtClean="0"/>
+              <a:t>Android </a:t>
+            </a:r>
+            <a:r>
+              <a:rPr lang="ja-JP" altLang="en-US" dirty="0" smtClean="0"/>
+              <a:t>バルク転送 ⇔ </a:t>
+            </a:r>
+            <a:r>
+              <a:rPr lang="en-US" altLang="ja-JP" dirty="0" smtClean="0"/>
+              <a:t>/dev/</a:t>
+            </a:r>
+            <a:r>
+              <a:rPr lang="en-US" altLang="ja-JP" dirty="0" err="1" smtClean="0"/>
+              <a:t>adb</a:t>
+            </a:r>
+            <a:r>
+              <a:rPr lang="en-US" altLang="ja-JP" dirty="0" smtClean="0"/>
+              <a:t> </a:t>
+            </a:r>
+            <a:r>
+              <a:rPr lang="ja-JP" altLang="en-US" dirty="0" smtClean="0"/>
+              <a:t>⇔ </a:t>
+            </a:r>
+            <a:r>
+              <a:rPr lang="en-US" altLang="ja-JP" dirty="0" err="1" smtClean="0"/>
+              <a:t>adbd</a:t>
+            </a:r>
+            <a:endParaRPr lang="en-US" altLang="ja-JP" dirty="0" smtClean="0"/>
+          </a:p>
+          <a:p>
+            <a:r>
+              <a:rPr lang="en-US" altLang="ja-JP" dirty="0" smtClean="0"/>
+              <a:t> </a:t>
+            </a:r>
+            <a:r>
+              <a:rPr lang="en-US" altLang="ja-JP" dirty="0" err="1"/>
+              <a:t>a</a:t>
+            </a:r>
+            <a:r>
+              <a:rPr lang="en-US" altLang="ja-JP" dirty="0" err="1" smtClean="0"/>
+              <a:t>db</a:t>
+            </a:r>
+            <a:r>
+              <a:rPr lang="en-US" altLang="ja-JP" dirty="0" smtClean="0"/>
+              <a:t> (</a:t>
+            </a:r>
+            <a:r>
+              <a:rPr lang="ja-JP" altLang="en-US" dirty="0" smtClean="0"/>
+              <a:t>クライアント</a:t>
+            </a:r>
+            <a:r>
+              <a:rPr lang="en-US" altLang="ja-JP" dirty="0" smtClean="0"/>
+              <a:t>)</a:t>
+            </a:r>
+            <a:r>
+              <a:rPr lang="ja-JP" altLang="en-US" dirty="0" smtClean="0"/>
+              <a:t>⇔</a:t>
+            </a:r>
+            <a:r>
+              <a:rPr lang="en-US" altLang="ja-JP" dirty="0" err="1" smtClean="0"/>
+              <a:t>adbd</a:t>
+            </a:r>
+            <a:r>
+              <a:rPr lang="en-US" altLang="ja-JP" dirty="0" smtClean="0"/>
+              <a:t>(</a:t>
+            </a:r>
+            <a:r>
+              <a:rPr lang="ja-JP" altLang="en-US" dirty="0" smtClean="0"/>
+              <a:t>サーバ</a:t>
+            </a:r>
+            <a:r>
+              <a:rPr lang="en-US" altLang="ja-JP" dirty="0" smtClean="0"/>
+              <a:t>)</a:t>
+            </a:r>
+            <a:r>
+              <a:rPr lang="ja-JP" altLang="en-US" dirty="0" smtClean="0"/>
+              <a:t>の関係</a:t>
+            </a:r>
+            <a:endParaRPr lang="en-US" altLang="ja-JP" dirty="0" smtClean="0"/>
+          </a:p>
+        </p:txBody>
+      </p:sp>
+    </p:spTree>
+  </p:cSld>
+  <p:clrMapOvr>
+    <a:masterClrMapping/>
+  </p:clrMapOvr>
+</p:sld>
+</file>
+
+<file path=ppt/slides/slide34.xml><?xml version="1.0" encoding="utf-8"?>
+<p:sld xmlns:a="http://schemas.openxmlformats.org/drawingml/2006/main" xmlns:r="http://schemas.openxmlformats.org/officeDocument/2006/relationships" xmlns:p="http://schemas.openxmlformats.org/presentationml/2006/main">
+  <p:cSld>
+    <p:spTree>
+      <p:nvGrpSpPr>
+        <p:cNvPr id="1" name=""/>
+        <p:cNvGrpSpPr/>
+        <p:nvPr/>
+      </p:nvGrpSpPr>
+      <p:grpSpPr>
+        <a:xfrm>
+          <a:off x="0" y="0"/>
+          <a:ext cx="0" cy="0"/>
+          <a:chOff x="0" y="0"/>
+          <a:chExt cx="0" cy="0"/>
+        </a:xfrm>
+      </p:grpSpPr>
+      <p:sp>
+        <p:nvSpPr>
+          <p:cNvPr id="2" name="タイトル 1"/>
+          <p:cNvSpPr>
+            <a:spLocks noGrp="1"/>
+          </p:cNvSpPr>
+          <p:nvPr>
+            <p:ph type="title"/>
+          </p:nvPr>
+        </p:nvSpPr>
+        <p:spPr/>
+        <p:txBody>
+          <a:bodyPr/>
+          <a:lstStyle/>
+          <a:p>
+            <a:r>
+              <a:rPr kumimoji="1" lang="en-US" altLang="ja-JP" dirty="0" smtClean="0"/>
+              <a:t>Open Accessory</a:t>
+            </a:r>
+            <a:r>
+              <a:rPr kumimoji="1" lang="ja-JP" altLang="en-US" dirty="0" smtClean="0"/>
+              <a:t>の仕組み</a:t>
+            </a:r>
+            <a:endParaRPr kumimoji="1" lang="ja-JP" altLang="en-US" dirty="0"/>
+          </a:p>
+        </p:txBody>
+      </p:sp>
+      <p:sp>
+        <p:nvSpPr>
+          <p:cNvPr id="3" name="コンテンツ プレースホルダ 2"/>
+          <p:cNvSpPr>
+            <a:spLocks noGrp="1"/>
+          </p:cNvSpPr>
+          <p:nvPr>
+            <p:ph idx="1"/>
+          </p:nvPr>
+        </p:nvSpPr>
+        <p:spPr/>
+        <p:txBody>
+          <a:bodyPr/>
+          <a:lstStyle/>
+          <a:p>
+            <a:endParaRPr kumimoji="1" lang="ja-JP" altLang="en-US"/>
+          </a:p>
+        </p:txBody>
+      </p:sp>
+    </p:spTree>
+  </p:cSld>
+  <p:clrMapOvr>
+    <a:masterClrMapping/>
+  </p:clrMapOvr>
+</p:sld>
+</file>
+
+<file path=ppt/slides/slide35.xml><?xml version="1.0" encoding="utf-8"?>
+<p:sld xmlns:a="http://schemas.openxmlformats.org/drawingml/2006/main" xmlns:r="http://schemas.openxmlformats.org/officeDocument/2006/relationships" xmlns:p="http://schemas.openxmlformats.org/presentationml/2006/main">
+  <p:cSld>
+    <p:spTree>
+      <p:nvGrpSpPr>
+        <p:cNvPr id="1" name=""/>
+        <p:cNvGrpSpPr/>
+        <p:nvPr/>
+      </p:nvGrpSpPr>
+      <p:grpSpPr>
+        <a:xfrm>
+          <a:off x="0" y="0"/>
+          <a:ext cx="0" cy="0"/>
+          <a:chOff x="0" y="0"/>
+          <a:chExt cx="0" cy="0"/>
+        </a:xfrm>
+      </p:grpSpPr>
+      <p:sp>
+        <p:nvSpPr>
+          <p:cNvPr id="2" name="タイトル 1"/>
+          <p:cNvSpPr>
+            <a:spLocks noGrp="1"/>
+          </p:cNvSpPr>
+          <p:nvPr>
+            <p:ph type="title"/>
+          </p:nvPr>
+        </p:nvSpPr>
+        <p:spPr/>
+        <p:txBody>
+          <a:bodyPr/>
+          <a:lstStyle/>
+          <a:p>
+            <a:r>
+              <a:rPr kumimoji="1" lang="en-US" altLang="ja-JP" dirty="0" smtClean="0"/>
+              <a:t>Open Accessory mode</a:t>
+            </a:r>
+            <a:r>
+              <a:rPr kumimoji="1" lang="ja-JP" altLang="en-US" dirty="0" smtClean="0"/>
+              <a:t>とは何か</a:t>
+            </a:r>
+            <a:endParaRPr kumimoji="1" lang="ja-JP" altLang="en-US" dirty="0"/>
+          </a:p>
+        </p:txBody>
+      </p:sp>
+      <p:sp>
+        <p:nvSpPr>
+          <p:cNvPr id="3" name="コンテンツ プレースホルダ 2"/>
+          <p:cNvSpPr>
+            <a:spLocks noGrp="1"/>
+          </p:cNvSpPr>
+          <p:nvPr>
+            <p:ph idx="1"/>
+          </p:nvPr>
+        </p:nvSpPr>
+        <p:spPr>
+          <a:xfrm>
+            <a:off x="457200" y="1600201"/>
+            <a:ext cx="8229600" cy="1324743"/>
+          </a:xfrm>
+        </p:spPr>
+        <p:txBody>
+          <a:bodyPr>
+            <a:normAutofit fontScale="77500" lnSpcReduction="20000"/>
+          </a:bodyPr>
+          <a:lstStyle/>
+          <a:p>
+            <a:r>
+              <a:rPr lang="en-US" altLang="ja-JP" dirty="0" err="1" smtClean="0"/>
+              <a:t>Adb</a:t>
+            </a:r>
+            <a:r>
+              <a:rPr lang="ja-JP" altLang="en-US" dirty="0" smtClean="0"/>
+              <a:t>などの</a:t>
+            </a:r>
+            <a:r>
+              <a:rPr lang="en-US" altLang="ja-JP" dirty="0" smtClean="0"/>
+              <a:t>USB</a:t>
+            </a:r>
+            <a:r>
+              <a:rPr lang="ja-JP" altLang="en-US" dirty="0" smtClean="0"/>
+              <a:t>ガジェットの仕組みを流用</a:t>
+            </a:r>
+            <a:endParaRPr lang="en-US" altLang="ja-JP" dirty="0" smtClean="0"/>
+          </a:p>
+          <a:p>
+            <a:r>
+              <a:rPr kumimoji="1" lang="ja-JP" altLang="en-US" dirty="0" smtClean="0"/>
+              <a:t>専用エンドポイントを提供</a:t>
+            </a:r>
+            <a:endParaRPr kumimoji="1" lang="en-US" altLang="ja-JP" dirty="0" smtClean="0"/>
+          </a:p>
+          <a:p>
+            <a:r>
+              <a:rPr lang="ja-JP" altLang="en-US" dirty="0" smtClean="0"/>
+              <a:t>フレームワークがアプリを起動し、エンドポイントを接続</a:t>
+            </a:r>
+            <a:endParaRPr kumimoji="1" lang="en-US" altLang="ja-JP" dirty="0" smtClean="0"/>
+          </a:p>
+          <a:p>
+            <a:pPr>
+              <a:buNone/>
+            </a:pPr>
+            <a:endParaRPr kumimoji="1" lang="ja-JP" altLang="en-US" dirty="0"/>
+          </a:p>
+        </p:txBody>
+      </p:sp>
+      <p:sp>
+        <p:nvSpPr>
+          <p:cNvPr id="4" name="角丸四角形 3"/>
+          <p:cNvSpPr/>
+          <p:nvPr/>
+        </p:nvSpPr>
+        <p:spPr>
+          <a:xfrm>
+            <a:off x="1115616" y="3861048"/>
+            <a:ext cx="3168352" cy="576064"/>
+          </a:xfrm>
+          <a:prstGeom prst="roundRect">
+            <a:avLst/>
+          </a:prstGeom>
+        </p:spPr>
+        <p:style>
+          <a:lnRef idx="2">
+            <a:schemeClr val="accent1">
+              <a:shade val="50000"/>
+            </a:schemeClr>
+          </a:lnRef>
+          <a:fillRef idx="1">
+            <a:schemeClr val="accent1"/>
+          </a:fillRef>
+          <a:effectRef idx="0">
+            <a:schemeClr val="accent1"/>
+          </a:effectRef>
+          <a:fontRef idx="minor">
+            <a:schemeClr val="lt1"/>
+          </a:fontRef>
+        </p:style>
+        <p:txBody>
+          <a:bodyPr rtlCol="0" anchor="ctr"/>
+          <a:lstStyle/>
+          <a:p>
+            <a:pPr algn="ctr"/>
+            <a:r>
+              <a:rPr kumimoji="1" lang="en-US" altLang="ja-JP" dirty="0" smtClean="0"/>
+              <a:t>App</a:t>
+            </a:r>
+            <a:endParaRPr kumimoji="1" lang="ja-JP" altLang="en-US" dirty="0"/>
+          </a:p>
+        </p:txBody>
+      </p:sp>
+      <p:sp>
+        <p:nvSpPr>
+          <p:cNvPr id="5" name="角丸四角形 4"/>
+          <p:cNvSpPr/>
+          <p:nvPr/>
+        </p:nvSpPr>
+        <p:spPr>
+          <a:xfrm>
+            <a:off x="1115616" y="4437112"/>
+            <a:ext cx="3168352" cy="576064"/>
+          </a:xfrm>
+          <a:prstGeom prst="roundRect">
+            <a:avLst/>
+          </a:prstGeom>
+        </p:spPr>
+        <p:style>
+          <a:lnRef idx="2">
+            <a:schemeClr val="accent1">
+              <a:shade val="50000"/>
+            </a:schemeClr>
+          </a:lnRef>
+          <a:fillRef idx="1">
+            <a:schemeClr val="accent1"/>
+          </a:fillRef>
+          <a:effectRef idx="0">
+            <a:schemeClr val="accent1"/>
+          </a:effectRef>
+          <a:fontRef idx="minor">
+            <a:schemeClr val="lt1"/>
+          </a:fontRef>
+        </p:style>
+        <p:txBody>
+          <a:bodyPr rtlCol="0" anchor="ctr"/>
+          <a:lstStyle/>
+          <a:p>
+            <a:pPr algn="ctr"/>
+            <a:r>
+              <a:rPr lang="en-US" altLang="ja-JP" dirty="0" smtClean="0"/>
+              <a:t>Frame work</a:t>
+            </a:r>
+            <a:endParaRPr kumimoji="1" lang="ja-JP" altLang="en-US" dirty="0"/>
+          </a:p>
+        </p:txBody>
+      </p:sp>
+      <p:sp>
+        <p:nvSpPr>
+          <p:cNvPr id="6" name="角丸四角形 5"/>
+          <p:cNvSpPr/>
+          <p:nvPr/>
+        </p:nvSpPr>
+        <p:spPr>
+          <a:xfrm>
+            <a:off x="1115616" y="5013176"/>
+            <a:ext cx="3168352" cy="576064"/>
+          </a:xfrm>
+          <a:prstGeom prst="roundRect">
+            <a:avLst/>
+          </a:prstGeom>
+        </p:spPr>
+        <p:style>
+          <a:lnRef idx="2">
+            <a:schemeClr val="accent1">
+              <a:shade val="50000"/>
+            </a:schemeClr>
+          </a:lnRef>
+          <a:fillRef idx="1">
+            <a:schemeClr val="accent1"/>
+          </a:fillRef>
+          <a:effectRef idx="0">
+            <a:schemeClr val="accent1"/>
+          </a:effectRef>
+          <a:fontRef idx="minor">
+            <a:schemeClr val="lt1"/>
+          </a:fontRef>
+        </p:style>
+        <p:txBody>
+          <a:bodyPr rtlCol="0" anchor="ctr"/>
+          <a:lstStyle/>
+          <a:p>
+            <a:pPr algn="ctr"/>
+            <a:r>
+              <a:rPr lang="en-US" altLang="ja-JP" dirty="0" smtClean="0"/>
+              <a:t>Linux</a:t>
+            </a:r>
+          </a:p>
+          <a:p>
+            <a:pPr algn="ctr"/>
+            <a:r>
+              <a:rPr lang="ja-JP" altLang="en-US" dirty="0" smtClean="0"/>
+              <a:t>ガジェットドライバ</a:t>
+            </a:r>
+            <a:endParaRPr lang="en-US" altLang="ja-JP" dirty="0" smtClean="0"/>
+          </a:p>
+        </p:txBody>
+      </p:sp>
+      <p:sp>
+        <p:nvSpPr>
+          <p:cNvPr id="7" name="テキスト ボックス 6"/>
+          <p:cNvSpPr txBox="1"/>
+          <p:nvPr/>
+        </p:nvSpPr>
+        <p:spPr>
+          <a:xfrm>
+            <a:off x="1403648" y="3429000"/>
+            <a:ext cx="2699265" cy="369332"/>
+          </a:xfrm>
+          <a:prstGeom prst="rect">
+            <a:avLst/>
+          </a:prstGeom>
+          <a:noFill/>
+        </p:spPr>
+        <p:txBody>
+          <a:bodyPr wrap="none" rtlCol="0">
+            <a:spAutoFit/>
+          </a:bodyPr>
+          <a:lstStyle/>
+          <a:p>
+            <a:r>
+              <a:rPr lang="en-US" altLang="ja-JP" dirty="0" smtClean="0"/>
+              <a:t>Android</a:t>
+            </a:r>
+            <a:r>
+              <a:rPr lang="ja-JP" altLang="en-US" dirty="0" smtClean="0"/>
+              <a:t>側　</a:t>
+            </a:r>
+            <a:r>
+              <a:rPr lang="en-US" altLang="ja-JP" dirty="0" smtClean="0"/>
+              <a:t>USB</a:t>
+            </a:r>
+            <a:r>
+              <a:rPr lang="ja-JP" altLang="en-US" dirty="0" smtClean="0"/>
+              <a:t>ディバイス</a:t>
+            </a:r>
+            <a:endParaRPr kumimoji="1" lang="ja-JP" altLang="en-US" dirty="0"/>
+          </a:p>
+        </p:txBody>
+      </p:sp>
+      <p:sp>
+        <p:nvSpPr>
+          <p:cNvPr id="8" name="テキスト ボックス 7"/>
+          <p:cNvSpPr txBox="1"/>
+          <p:nvPr/>
+        </p:nvSpPr>
+        <p:spPr>
+          <a:xfrm>
+            <a:off x="5940152" y="3429000"/>
+            <a:ext cx="2300630" cy="369332"/>
+          </a:xfrm>
+          <a:prstGeom prst="rect">
+            <a:avLst/>
+          </a:prstGeom>
+          <a:noFill/>
+        </p:spPr>
+        <p:txBody>
+          <a:bodyPr wrap="none" rtlCol="0">
+            <a:spAutoFit/>
+          </a:bodyPr>
+          <a:lstStyle/>
+          <a:p>
+            <a:r>
+              <a:rPr kumimoji="1" lang="ja-JP" altLang="en-US" dirty="0" smtClean="0"/>
+              <a:t>マイコン側　</a:t>
+            </a:r>
+            <a:r>
+              <a:rPr kumimoji="1" lang="en-US" altLang="ja-JP" dirty="0" smtClean="0"/>
+              <a:t>USB</a:t>
+            </a:r>
+            <a:r>
+              <a:rPr kumimoji="1" lang="ja-JP" altLang="en-US" dirty="0" smtClean="0"/>
+              <a:t>ホスト</a:t>
+            </a:r>
+            <a:endParaRPr kumimoji="1" lang="ja-JP" altLang="en-US" dirty="0"/>
+          </a:p>
+        </p:txBody>
+      </p:sp>
+      <p:sp>
+        <p:nvSpPr>
+          <p:cNvPr id="9" name="角丸四角形 8"/>
+          <p:cNvSpPr/>
+          <p:nvPr/>
+        </p:nvSpPr>
+        <p:spPr>
+          <a:xfrm>
+            <a:off x="1115616" y="5589240"/>
+            <a:ext cx="3168352" cy="576064"/>
+          </a:xfrm>
+          <a:prstGeom prst="roundRect">
+            <a:avLst/>
+          </a:prstGeom>
+        </p:spPr>
+        <p:style>
+          <a:lnRef idx="2">
+            <a:schemeClr val="accent1">
+              <a:shade val="50000"/>
+            </a:schemeClr>
+          </a:lnRef>
+          <a:fillRef idx="1">
+            <a:schemeClr val="accent1"/>
+          </a:fillRef>
+          <a:effectRef idx="0">
+            <a:schemeClr val="accent1"/>
+          </a:effectRef>
+          <a:fontRef idx="minor">
+            <a:schemeClr val="lt1"/>
+          </a:fontRef>
+        </p:style>
+        <p:txBody>
+          <a:bodyPr rtlCol="0" anchor="ctr"/>
+          <a:lstStyle/>
+          <a:p>
+            <a:pPr algn="ctr"/>
+            <a:r>
+              <a:rPr lang="en-US" altLang="ja-JP" dirty="0" smtClean="0"/>
+              <a:t>HW</a:t>
+            </a:r>
+          </a:p>
+          <a:p>
+            <a:pPr algn="ctr"/>
+            <a:r>
+              <a:rPr lang="en-US" altLang="ja-JP" dirty="0" smtClean="0"/>
+              <a:t>USB</a:t>
+            </a:r>
+            <a:r>
+              <a:rPr lang="ja-JP" altLang="en-US" dirty="0" smtClean="0"/>
+              <a:t>コントローラ</a:t>
+            </a:r>
+            <a:endParaRPr lang="en-US" altLang="ja-JP" dirty="0" smtClean="0"/>
+          </a:p>
+        </p:txBody>
+      </p:sp>
+      <p:sp>
+        <p:nvSpPr>
+          <p:cNvPr id="10" name="角丸四角形 9"/>
+          <p:cNvSpPr/>
+          <p:nvPr/>
+        </p:nvSpPr>
+        <p:spPr>
+          <a:xfrm>
+            <a:off x="5436096" y="5589240"/>
+            <a:ext cx="3168352" cy="576064"/>
+          </a:xfrm>
+          <a:prstGeom prst="roundRect">
+            <a:avLst/>
+          </a:prstGeom>
+        </p:spPr>
+        <p:style>
+          <a:lnRef idx="2">
+            <a:schemeClr val="accent1">
+              <a:shade val="50000"/>
+            </a:schemeClr>
+          </a:lnRef>
+          <a:fillRef idx="1">
+            <a:schemeClr val="accent1"/>
+          </a:fillRef>
+          <a:effectRef idx="0">
+            <a:schemeClr val="accent1"/>
+          </a:effectRef>
+          <a:fontRef idx="minor">
+            <a:schemeClr val="lt1"/>
+          </a:fontRef>
+        </p:style>
+        <p:txBody>
+          <a:bodyPr rtlCol="0" anchor="ctr"/>
+          <a:lstStyle/>
+          <a:p>
+            <a:pPr algn="ctr"/>
+            <a:r>
+              <a:rPr lang="en-US" altLang="ja-JP" dirty="0" smtClean="0"/>
+              <a:t>USB</a:t>
+            </a:r>
+            <a:r>
+              <a:rPr lang="ja-JP" altLang="en-US" dirty="0" smtClean="0"/>
+              <a:t>コントローラ＋マイコン</a:t>
+            </a:r>
+            <a:endParaRPr lang="en-US" altLang="ja-JP" dirty="0" smtClean="0"/>
+          </a:p>
+        </p:txBody>
+      </p:sp>
+      <p:sp>
+        <p:nvSpPr>
+          <p:cNvPr id="11" name="角丸四角形 10"/>
+          <p:cNvSpPr/>
+          <p:nvPr/>
+        </p:nvSpPr>
+        <p:spPr>
+          <a:xfrm>
+            <a:off x="5436096" y="3861048"/>
+            <a:ext cx="3168352" cy="1728192"/>
+          </a:xfrm>
+          <a:prstGeom prst="roundRect">
+            <a:avLst/>
+          </a:prstGeom>
+        </p:spPr>
+        <p:style>
+          <a:lnRef idx="2">
+            <a:schemeClr val="accent1">
+              <a:shade val="50000"/>
+            </a:schemeClr>
+          </a:lnRef>
+          <a:fillRef idx="1">
+            <a:schemeClr val="accent1"/>
+          </a:fillRef>
+          <a:effectRef idx="0">
+            <a:schemeClr val="accent1"/>
+          </a:effectRef>
+          <a:fontRef idx="minor">
+            <a:schemeClr val="lt1"/>
+          </a:fontRef>
+        </p:style>
+        <p:txBody>
+          <a:bodyPr rtlCol="0" anchor="ctr"/>
+          <a:lstStyle/>
+          <a:p>
+            <a:pPr algn="ctr"/>
+            <a:r>
+              <a:rPr kumimoji="1" lang="en-US" altLang="ja-JP" dirty="0" smtClean="0"/>
+              <a:t>App</a:t>
+            </a:r>
+            <a:endParaRPr lang="en-US" altLang="ja-JP" dirty="0" smtClean="0"/>
+          </a:p>
+          <a:p>
+            <a:pPr algn="ctr"/>
+            <a:r>
+              <a:rPr lang="en-US" altLang="ja-JP" dirty="0" smtClean="0"/>
+              <a:t>ADK</a:t>
+            </a:r>
+            <a:r>
+              <a:rPr lang="ja-JP" altLang="en-US" dirty="0" smtClean="0"/>
+              <a:t>プロトコル制御</a:t>
+            </a:r>
+            <a:endParaRPr lang="en-US" altLang="ja-JP" dirty="0" smtClean="0"/>
+          </a:p>
+          <a:p>
+            <a:pPr algn="ctr"/>
+            <a:r>
+              <a:rPr kumimoji="1" lang="en-US" altLang="ja-JP" dirty="0" smtClean="0"/>
+              <a:t>USB</a:t>
+            </a:r>
+            <a:r>
+              <a:rPr kumimoji="1" lang="ja-JP" altLang="en-US" dirty="0" smtClean="0"/>
+              <a:t>ホスト制御</a:t>
+            </a:r>
+            <a:endParaRPr kumimoji="1" lang="ja-JP" altLang="en-US" dirty="0"/>
+          </a:p>
+        </p:txBody>
+      </p:sp>
+    </p:spTree>
+  </p:cSld>
+  <p:clrMapOvr>
+    <a:masterClrMapping/>
+  </p:clrMapOvr>
+</p:sld>
+</file>
+
+<file path=ppt/slides/slide36.xml><?xml version="1.0" encoding="utf-8"?>
+<p:sld xmlns:a="http://schemas.openxmlformats.org/drawingml/2006/main" xmlns:r="http://schemas.openxmlformats.org/officeDocument/2006/relationships" xmlns:p="http://schemas.openxmlformats.org/presentationml/2006/main">
+  <p:cSld>
+    <p:spTree>
+      <p:nvGrpSpPr>
+        <p:cNvPr id="1" name=""/>
+        <p:cNvGrpSpPr/>
+        <p:nvPr/>
+      </p:nvGrpSpPr>
+      <p:grpSpPr>
+        <a:xfrm>
+          <a:off x="0" y="0"/>
+          <a:ext cx="0" cy="0"/>
+          <a:chOff x="0" y="0"/>
+          <a:chExt cx="0" cy="0"/>
+        </a:xfrm>
+      </p:grpSpPr>
+      <p:sp>
+        <p:nvSpPr>
+          <p:cNvPr id="2" name="タイトル 1"/>
+          <p:cNvSpPr>
+            <a:spLocks noGrp="1"/>
+          </p:cNvSpPr>
+          <p:nvPr>
+            <p:ph type="title"/>
+          </p:nvPr>
+        </p:nvSpPr>
+        <p:spPr/>
+        <p:txBody>
+          <a:bodyPr/>
+          <a:lstStyle/>
+          <a:p>
+            <a:r>
+              <a:rPr kumimoji="1" lang="en-US" altLang="ja-JP" dirty="0" smtClean="0"/>
+              <a:t>Accessory mode</a:t>
+            </a:r>
+            <a:r>
+              <a:rPr kumimoji="1" lang="ja-JP" altLang="en-US" dirty="0" smtClean="0"/>
+              <a:t>は何でないか</a:t>
+            </a:r>
+            <a:endParaRPr kumimoji="1" lang="ja-JP" altLang="en-US" dirty="0"/>
+          </a:p>
+        </p:txBody>
+      </p:sp>
+      <p:sp>
+        <p:nvSpPr>
+          <p:cNvPr id="3" name="コンテンツ プレースホルダ 2"/>
+          <p:cNvSpPr>
+            <a:spLocks noGrp="1"/>
+          </p:cNvSpPr>
+          <p:nvPr>
+            <p:ph idx="1"/>
+          </p:nvPr>
+        </p:nvSpPr>
+        <p:spPr/>
+        <p:txBody>
+          <a:bodyPr/>
+          <a:lstStyle/>
+          <a:p>
+            <a:r>
+              <a:rPr kumimoji="1" lang="en-US" altLang="ja-JP" dirty="0" err="1" smtClean="0"/>
+              <a:t>Aruduino</a:t>
+            </a:r>
+            <a:r>
+              <a:rPr kumimoji="1" lang="ja-JP" altLang="en-US" dirty="0" smtClean="0"/>
+              <a:t>を前提としていない</a:t>
+            </a:r>
+            <a:endParaRPr kumimoji="1" lang="en-US" altLang="ja-JP" dirty="0" smtClean="0"/>
+          </a:p>
+          <a:p>
+            <a:r>
+              <a:rPr lang="en-US" altLang="ja-JP" dirty="0" smtClean="0"/>
+              <a:t>Android</a:t>
+            </a:r>
+            <a:r>
+              <a:rPr lang="ja-JP" altLang="en-US" dirty="0" smtClean="0"/>
+              <a:t>は</a:t>
+            </a:r>
+            <a:r>
+              <a:rPr lang="en-US" altLang="ja-JP" dirty="0" smtClean="0"/>
+              <a:t>USB</a:t>
+            </a:r>
+            <a:r>
+              <a:rPr lang="ja-JP" altLang="en-US" dirty="0" smtClean="0"/>
+              <a:t>ホストではない</a:t>
+            </a:r>
+            <a:endParaRPr lang="en-US" altLang="ja-JP" dirty="0" smtClean="0"/>
+          </a:p>
+          <a:p>
+            <a:endParaRPr kumimoji="1" lang="ja-JP" altLang="en-US" dirty="0"/>
+          </a:p>
+        </p:txBody>
+      </p:sp>
+    </p:spTree>
+  </p:cSld>
+  <p:clrMapOvr>
+    <a:masterClrMapping/>
+  </p:clrMapOvr>
+</p:sld>
+</file>
+
+<file path=ppt/slides/slide37.xml><?xml version="1.0" encoding="utf-8"?>
+<p:sld xmlns:a="http://schemas.openxmlformats.org/drawingml/2006/main" xmlns:r="http://schemas.openxmlformats.org/officeDocument/2006/relationships" xmlns:p="http://schemas.openxmlformats.org/presentationml/2006/main">
+  <p:cSld>
+    <p:spTree>
+      <p:nvGrpSpPr>
+        <p:cNvPr id="1" name=""/>
+        <p:cNvGrpSpPr/>
+        <p:nvPr/>
+      </p:nvGrpSpPr>
+      <p:grpSpPr>
+        <a:xfrm>
+          <a:off x="0" y="0"/>
+          <a:ext cx="0" cy="0"/>
+          <a:chOff x="0" y="0"/>
+          <a:chExt cx="0" cy="0"/>
+        </a:xfrm>
+      </p:grpSpPr>
+      <p:sp>
+        <p:nvSpPr>
+          <p:cNvPr id="2" name="タイトル 1"/>
+          <p:cNvSpPr>
+            <a:spLocks noGrp="1"/>
+          </p:cNvSpPr>
+          <p:nvPr>
+            <p:ph type="title"/>
+          </p:nvPr>
+        </p:nvSpPr>
+        <p:spPr/>
+        <p:txBody>
+          <a:bodyPr>
+            <a:normAutofit/>
+          </a:bodyPr>
+          <a:lstStyle/>
+          <a:p>
+            <a:r>
+              <a:rPr kumimoji="1" lang="en-US" altLang="ja-JP" dirty="0" smtClean="0"/>
+              <a:t>Part4</a:t>
             </a:r>
             <a:br>
               <a:rPr kumimoji="1" lang="en-US" altLang="ja-JP" dirty="0" smtClean="0"/>
             </a:br>
             <a:r>
+              <a:rPr lang="ja-JP" altLang="en-US" dirty="0" smtClean="0"/>
+              <a:t>マイコン側</a:t>
+            </a:r>
+            <a:r>
               <a:rPr kumimoji="1" lang="ja-JP" altLang="en-US" dirty="0" smtClean="0"/>
-              <a:t>互換モジュールの組み立て</a:t>
+              <a:t>の仕組み</a:t>
             </a:r>
             <a:endParaRPr kumimoji="1" lang="ja-JP" altLang="en-US" dirty="0"/>
           </a:p>
@@ -11627,7 +14907,763 @@
 </p:sld>
 </file>
 
+<file path=ppt/slides/slide38.xml><?xml version="1.0" encoding="utf-8"?>
+<p:sld xmlns:a="http://schemas.openxmlformats.org/drawingml/2006/main" xmlns:r="http://schemas.openxmlformats.org/officeDocument/2006/relationships" xmlns:p="http://schemas.openxmlformats.org/presentationml/2006/main">
+  <p:cSld>
+    <p:spTree>
+      <p:nvGrpSpPr>
+        <p:cNvPr id="1" name=""/>
+        <p:cNvGrpSpPr/>
+        <p:nvPr/>
+      </p:nvGrpSpPr>
+      <p:grpSpPr>
+        <a:xfrm>
+          <a:off x="0" y="0"/>
+          <a:ext cx="0" cy="0"/>
+          <a:chOff x="0" y="0"/>
+          <a:chExt cx="0" cy="0"/>
+        </a:xfrm>
+      </p:grpSpPr>
+      <p:sp>
+        <p:nvSpPr>
+          <p:cNvPr id="4" name="タイトル 3"/>
+          <p:cNvSpPr>
+            <a:spLocks noGrp="1"/>
+          </p:cNvSpPr>
+          <p:nvPr>
+            <p:ph type="title"/>
+          </p:nvPr>
+        </p:nvSpPr>
+        <p:spPr/>
+        <p:txBody>
+          <a:bodyPr/>
+          <a:lstStyle/>
+          <a:p>
+            <a:r>
+              <a:rPr kumimoji="1" lang="en-US" altLang="ja-JP" dirty="0" smtClean="0"/>
+              <a:t>PIC</a:t>
+            </a:r>
+            <a:r>
+              <a:rPr kumimoji="1" lang="ja-JP" altLang="en-US" dirty="0" smtClean="0"/>
+              <a:t>マイコン</a:t>
+            </a:r>
+            <a:endParaRPr kumimoji="1" lang="ja-JP" altLang="en-US" dirty="0"/>
+          </a:p>
+        </p:txBody>
+      </p:sp>
+      <p:sp>
+        <p:nvSpPr>
+          <p:cNvPr id="5" name="コンテンツ プレースホルダ 4"/>
+          <p:cNvSpPr>
+            <a:spLocks noGrp="1"/>
+          </p:cNvSpPr>
+          <p:nvPr>
+            <p:ph idx="1"/>
+          </p:nvPr>
+        </p:nvSpPr>
+        <p:spPr/>
+        <p:txBody>
+          <a:bodyPr>
+            <a:normAutofit/>
+          </a:bodyPr>
+          <a:lstStyle/>
+          <a:p>
+            <a:r>
+              <a:rPr kumimoji="1" lang="ja-JP" altLang="en-US" dirty="0" smtClean="0"/>
+              <a:t>マイコンとしては老舗</a:t>
+            </a:r>
+            <a:r>
+              <a:rPr lang="en-US" altLang="ja-JP" dirty="0" smtClean="0"/>
+              <a:t> </a:t>
+            </a:r>
+          </a:p>
+          <a:p>
+            <a:r>
+              <a:rPr lang="ja-JP" altLang="en-US" dirty="0" smtClean="0"/>
+              <a:t>ライバルは</a:t>
+            </a:r>
+            <a:r>
+              <a:rPr lang="en-US" altLang="ja-JP" dirty="0" smtClean="0"/>
+              <a:t>Atmel AVR</a:t>
+            </a:r>
+            <a:endParaRPr kumimoji="1" lang="en-US" altLang="ja-JP" dirty="0" smtClean="0"/>
+          </a:p>
+          <a:p>
+            <a:r>
+              <a:rPr lang="en-US" altLang="ja-JP" dirty="0" smtClean="0"/>
+              <a:t>PIC16</a:t>
+            </a:r>
+            <a:r>
+              <a:rPr lang="ja-JP" altLang="en-US" dirty="0" smtClean="0"/>
+              <a:t>シリーズ</a:t>
+            </a:r>
+            <a:endParaRPr kumimoji="1" lang="en-US" altLang="ja-JP" dirty="0" smtClean="0"/>
+          </a:p>
+          <a:p>
+            <a:r>
+              <a:rPr lang="en-US" altLang="ja-JP" dirty="0" smtClean="0"/>
+              <a:t>PIC24</a:t>
+            </a:r>
+            <a:r>
+              <a:rPr lang="ja-JP" altLang="en-US" dirty="0" smtClean="0"/>
+              <a:t>シリーズ</a:t>
+            </a:r>
+            <a:endParaRPr lang="en-US" altLang="ja-JP" dirty="0" smtClean="0"/>
+          </a:p>
+          <a:p>
+            <a:r>
+              <a:rPr kumimoji="1" lang="en-US" altLang="ja-JP" dirty="0" smtClean="0"/>
+              <a:t>PIC32</a:t>
+            </a:r>
+            <a:r>
+              <a:rPr kumimoji="1" lang="ja-JP" altLang="en-US" dirty="0" smtClean="0"/>
+              <a:t>シリーズ</a:t>
+            </a:r>
+            <a:endParaRPr kumimoji="1" lang="en-US" altLang="ja-JP" dirty="0" smtClean="0"/>
+          </a:p>
+          <a:p>
+            <a:pPr lvl="1"/>
+            <a:r>
+              <a:rPr lang="en-US" altLang="ja-JP" dirty="0" smtClean="0"/>
+              <a:t>MIPS</a:t>
+            </a:r>
+            <a:r>
+              <a:rPr lang="ja-JP" altLang="en-US" dirty="0" smtClean="0"/>
+              <a:t>社からライセンスした</a:t>
+            </a:r>
+            <a:r>
+              <a:rPr lang="en-US" altLang="ja-JP" dirty="0" smtClean="0"/>
+              <a:t>MIPS</a:t>
+            </a:r>
+            <a:r>
+              <a:rPr lang="ja-JP" altLang="en-US" dirty="0" smtClean="0"/>
+              <a:t> </a:t>
+            </a:r>
+            <a:r>
+              <a:rPr lang="en-US" altLang="ja-JP" dirty="0" smtClean="0"/>
+              <a:t>M4K</a:t>
+            </a:r>
+            <a:endParaRPr kumimoji="1" lang="ja-JP" altLang="en-US" dirty="0"/>
+          </a:p>
+        </p:txBody>
+      </p:sp>
+    </p:spTree>
+  </p:cSld>
+  <p:clrMapOvr>
+    <a:masterClrMapping/>
+  </p:clrMapOvr>
+</p:sld>
+</file>
+
+<file path=ppt/slides/slide39.xml><?xml version="1.0" encoding="utf-8"?>
+<p:sld xmlns:a="http://schemas.openxmlformats.org/drawingml/2006/main" xmlns:r="http://schemas.openxmlformats.org/officeDocument/2006/relationships" xmlns:p="http://schemas.openxmlformats.org/presentationml/2006/main">
+  <p:cSld>
+    <p:spTree>
+      <p:nvGrpSpPr>
+        <p:cNvPr id="1" name=""/>
+        <p:cNvGrpSpPr/>
+        <p:nvPr/>
+      </p:nvGrpSpPr>
+      <p:grpSpPr>
+        <a:xfrm>
+          <a:off x="0" y="0"/>
+          <a:ext cx="0" cy="0"/>
+          <a:chOff x="0" y="0"/>
+          <a:chExt cx="0" cy="0"/>
+        </a:xfrm>
+      </p:grpSpPr>
+      <p:sp>
+        <p:nvSpPr>
+          <p:cNvPr id="2" name="タイトル 1"/>
+          <p:cNvSpPr>
+            <a:spLocks noGrp="1"/>
+          </p:cNvSpPr>
+          <p:nvPr>
+            <p:ph type="title"/>
+          </p:nvPr>
+        </p:nvSpPr>
+        <p:spPr/>
+        <p:txBody>
+          <a:bodyPr/>
+          <a:lstStyle/>
+          <a:p>
+            <a:r>
+              <a:rPr lang="ja-JP" altLang="en-US" dirty="0" smtClean="0"/>
+              <a:t>開発環境</a:t>
+            </a:r>
+            <a:endParaRPr kumimoji="1" lang="ja-JP" altLang="en-US" dirty="0"/>
+          </a:p>
+        </p:txBody>
+      </p:sp>
+      <p:sp>
+        <p:nvSpPr>
+          <p:cNvPr id="3" name="コンテンツ プレースホルダ 2"/>
+          <p:cNvSpPr>
+            <a:spLocks noGrp="1"/>
+          </p:cNvSpPr>
+          <p:nvPr>
+            <p:ph idx="1"/>
+          </p:nvPr>
+        </p:nvSpPr>
+        <p:spPr/>
+        <p:txBody>
+          <a:bodyPr/>
+          <a:lstStyle/>
+          <a:p>
+            <a:r>
+              <a:rPr kumimoji="1" lang="en-US" altLang="ja-JP" dirty="0" smtClean="0"/>
+              <a:t>MPLAB.X</a:t>
+            </a:r>
+          </a:p>
+          <a:p>
+            <a:pPr lvl="1"/>
+            <a:r>
+              <a:rPr lang="el-GR" altLang="ja-JP" dirty="0" smtClean="0"/>
+              <a:t>Β</a:t>
+            </a:r>
+            <a:r>
+              <a:rPr lang="ja-JP" altLang="en-US" dirty="0" smtClean="0"/>
+              <a:t>版</a:t>
+            </a:r>
+            <a:endParaRPr lang="en-US" altLang="ja-JP" dirty="0" smtClean="0"/>
+          </a:p>
+          <a:p>
+            <a:pPr lvl="1"/>
+            <a:r>
+              <a:rPr kumimoji="1" lang="en-US" altLang="ja-JP" dirty="0" smtClean="0"/>
+              <a:t>MAC, Windows, Linux</a:t>
+            </a:r>
+            <a:r>
+              <a:rPr kumimoji="1" lang="ja-JP" altLang="en-US" dirty="0" smtClean="0"/>
+              <a:t>の各プラットフォームで動作</a:t>
+            </a:r>
+            <a:endParaRPr kumimoji="1" lang="en-US" altLang="ja-JP" dirty="0" smtClean="0"/>
+          </a:p>
+          <a:p>
+            <a:pPr lvl="1"/>
+            <a:endParaRPr kumimoji="1" lang="ja-JP" altLang="en-US" dirty="0"/>
+          </a:p>
+        </p:txBody>
+      </p:sp>
+    </p:spTree>
+  </p:cSld>
+  <p:clrMapOvr>
+    <a:masterClrMapping/>
+  </p:clrMapOvr>
+</p:sld>
+</file>
+
 <file path=ppt/slides/slide4.xml><?xml version="1.0" encoding="utf-8"?>
+<p:sld xmlns:a="http://schemas.openxmlformats.org/drawingml/2006/main" xmlns:r="http://schemas.openxmlformats.org/officeDocument/2006/relationships" xmlns:p="http://schemas.openxmlformats.org/presentationml/2006/main">
+  <p:cSld>
+    <p:spTree>
+      <p:nvGrpSpPr>
+        <p:cNvPr id="1" name=""/>
+        <p:cNvGrpSpPr/>
+        <p:nvPr/>
+      </p:nvGrpSpPr>
+      <p:grpSpPr>
+        <a:xfrm>
+          <a:off x="0" y="0"/>
+          <a:ext cx="0" cy="0"/>
+          <a:chOff x="0" y="0"/>
+          <a:chExt cx="0" cy="0"/>
+        </a:xfrm>
+      </p:grpSpPr>
+      <p:sp>
+        <p:nvSpPr>
+          <p:cNvPr id="2" name="タイトル 1"/>
+          <p:cNvSpPr>
+            <a:spLocks noGrp="1"/>
+          </p:cNvSpPr>
+          <p:nvPr>
+            <p:ph type="title"/>
+          </p:nvPr>
+        </p:nvSpPr>
+        <p:spPr/>
+        <p:txBody>
+          <a:bodyPr/>
+          <a:lstStyle/>
+          <a:p>
+            <a:r>
+              <a:rPr kumimoji="1" lang="en-US" altLang="ja-JP" dirty="0" smtClean="0"/>
+              <a:t>PART1</a:t>
+            </a:r>
+            <a:br>
+              <a:rPr kumimoji="1" lang="en-US" altLang="ja-JP" dirty="0" smtClean="0"/>
+            </a:br>
+            <a:r>
+              <a:rPr kumimoji="1" lang="ja-JP" altLang="en-US" dirty="0" smtClean="0"/>
+              <a:t>互換モジュールの組み立て</a:t>
+            </a:r>
+            <a:endParaRPr kumimoji="1" lang="ja-JP" altLang="en-US" dirty="0"/>
+          </a:p>
+        </p:txBody>
+      </p:sp>
+      <p:sp>
+        <p:nvSpPr>
+          <p:cNvPr id="4" name="テキスト プレースホルダ 3"/>
+          <p:cNvSpPr>
+            <a:spLocks noGrp="1"/>
+          </p:cNvSpPr>
+          <p:nvPr>
+            <p:ph type="body" idx="1"/>
+          </p:nvPr>
+        </p:nvSpPr>
+        <p:spPr/>
+        <p:txBody>
+          <a:bodyPr/>
+          <a:lstStyle/>
+          <a:p>
+            <a:r>
+              <a:rPr kumimoji="1" lang="ja-JP" altLang="en-US" dirty="0" smtClean="0"/>
+              <a:t>　</a:t>
+            </a:r>
+            <a:endParaRPr kumimoji="1" lang="ja-JP" altLang="en-US" dirty="0"/>
+          </a:p>
+        </p:txBody>
+      </p:sp>
+    </p:spTree>
+  </p:cSld>
+  <p:clrMapOvr>
+    <a:masterClrMapping/>
+  </p:clrMapOvr>
+</p:sld>
+</file>
+
+<file path=ppt/slides/slide40.xml><?xml version="1.0" encoding="utf-8"?>
+<p:sld xmlns:a="http://schemas.openxmlformats.org/drawingml/2006/main" xmlns:r="http://schemas.openxmlformats.org/officeDocument/2006/relationships" xmlns:p="http://schemas.openxmlformats.org/presentationml/2006/main">
+  <p:cSld>
+    <p:spTree>
+      <p:nvGrpSpPr>
+        <p:cNvPr id="1" name=""/>
+        <p:cNvGrpSpPr/>
+        <p:nvPr/>
+      </p:nvGrpSpPr>
+      <p:grpSpPr>
+        <a:xfrm>
+          <a:off x="0" y="0"/>
+          <a:ext cx="0" cy="0"/>
+          <a:chOff x="0" y="0"/>
+          <a:chExt cx="0" cy="0"/>
+        </a:xfrm>
+      </p:grpSpPr>
+      <p:sp>
+        <p:nvSpPr>
+          <p:cNvPr id="2" name="タイトル 1"/>
+          <p:cNvSpPr>
+            <a:spLocks noGrp="1"/>
+          </p:cNvSpPr>
+          <p:nvPr>
+            <p:ph type="title"/>
+          </p:nvPr>
+        </p:nvSpPr>
+        <p:spPr/>
+        <p:txBody>
+          <a:bodyPr/>
+          <a:lstStyle/>
+          <a:p>
+            <a:r>
+              <a:rPr kumimoji="1" lang="ja-JP" altLang="en-US" dirty="0" smtClean="0"/>
+              <a:t>ソース構成</a:t>
+            </a:r>
+            <a:endParaRPr kumimoji="1" lang="ja-JP" altLang="en-US" dirty="0"/>
+          </a:p>
+        </p:txBody>
+      </p:sp>
+      <p:sp>
+        <p:nvSpPr>
+          <p:cNvPr id="3" name="コンテンツ プレースホルダ 2"/>
+          <p:cNvSpPr>
+            <a:spLocks noGrp="1"/>
+          </p:cNvSpPr>
+          <p:nvPr>
+            <p:ph idx="1"/>
+          </p:nvPr>
+        </p:nvSpPr>
+        <p:spPr/>
+        <p:txBody>
+          <a:bodyPr>
+            <a:normAutofit fontScale="77500" lnSpcReduction="20000"/>
+          </a:bodyPr>
+          <a:lstStyle/>
+          <a:p>
+            <a:r>
+              <a:rPr lang="en-US" altLang="ja-JP" dirty="0" smtClean="0"/>
+              <a:t>Firmware</a:t>
+            </a:r>
+          </a:p>
+          <a:p>
+            <a:pPr lvl="1"/>
+            <a:r>
+              <a:rPr lang="en-US" altLang="ja-JP" dirty="0" smtClean="0"/>
+              <a:t>CleanUp.bat                             </a:t>
+            </a:r>
+          </a:p>
+          <a:p>
+            <a:pPr lvl="1"/>
+            <a:r>
+              <a:rPr lang="en-US" altLang="ja-JP" dirty="0" err="1" smtClean="0"/>
+              <a:t>main.c</a:t>
+            </a:r>
+            <a:r>
+              <a:rPr lang="en-US" altLang="ja-JP" dirty="0" smtClean="0"/>
+              <a:t>           </a:t>
+            </a:r>
+          </a:p>
+          <a:p>
+            <a:pPr lvl="1"/>
+            <a:r>
+              <a:rPr lang="en-US" altLang="ja-JP" dirty="0" err="1" smtClean="0"/>
+              <a:t>usb_host_android.c</a:t>
+            </a:r>
+            <a:endParaRPr lang="en-US" altLang="ja-JP" dirty="0" smtClean="0"/>
+          </a:p>
+          <a:p>
+            <a:pPr lvl="1"/>
+            <a:r>
+              <a:rPr lang="en-US" altLang="ja-JP" dirty="0" err="1" smtClean="0"/>
+              <a:t>HardwareProfile</a:t>
+            </a:r>
+            <a:r>
+              <a:rPr lang="en-US" altLang="ja-JP" dirty="0" smtClean="0"/>
+              <a:t> - PIC24FJ64GB002 </a:t>
+            </a:r>
+            <a:r>
+              <a:rPr lang="en-US" altLang="ja-JP" dirty="0" err="1" smtClean="0"/>
+              <a:t>PIM.h</a:t>
+            </a:r>
+            <a:r>
+              <a:rPr lang="en-US" altLang="ja-JP" dirty="0" smtClean="0"/>
+              <a:t>  </a:t>
+            </a:r>
+            <a:r>
+              <a:rPr lang="en-US" altLang="ja-JP" dirty="0" err="1" smtClean="0"/>
+              <a:t>usb_config.c</a:t>
+            </a:r>
+            <a:r>
+              <a:rPr lang="en-US" altLang="ja-JP" dirty="0" smtClean="0"/>
+              <a:t>     </a:t>
+            </a:r>
+          </a:p>
+          <a:p>
+            <a:pPr lvl="1"/>
+            <a:r>
+              <a:rPr lang="en-US" altLang="ja-JP" dirty="0" smtClean="0"/>
+              <a:t>usb_host_android_protocol_v1.c</a:t>
+            </a:r>
+          </a:p>
+          <a:p>
+            <a:pPr lvl="1"/>
+            <a:r>
+              <a:rPr lang="en-US" altLang="ja-JP" dirty="0" err="1" smtClean="0"/>
+              <a:t>HardwareProfile.h</a:t>
+            </a:r>
+            <a:r>
+              <a:rPr lang="en-US" altLang="ja-JP" dirty="0" smtClean="0"/>
+              <a:t>                       </a:t>
+            </a:r>
+          </a:p>
+          <a:p>
+            <a:pPr lvl="1"/>
+            <a:r>
+              <a:rPr lang="en-US" altLang="ja-JP" dirty="0" err="1" smtClean="0"/>
+              <a:t>usb_config.h</a:t>
+            </a:r>
+            <a:r>
+              <a:rPr lang="en-US" altLang="ja-JP" dirty="0" smtClean="0"/>
+              <a:t>     </a:t>
+            </a:r>
+          </a:p>
+          <a:p>
+            <a:pPr lvl="1"/>
+            <a:r>
+              <a:rPr lang="en-US" altLang="ja-JP" dirty="0" smtClean="0"/>
+              <a:t>usb_host_android_protocol_v1_local.h</a:t>
+            </a:r>
+          </a:p>
+          <a:p>
+            <a:pPr lvl="1"/>
+            <a:r>
+              <a:rPr lang="en-US" altLang="ja-JP" dirty="0" smtClean="0"/>
+              <a:t>Include                                 </a:t>
+            </a:r>
+          </a:p>
+          <a:p>
+            <a:pPr lvl="1"/>
+            <a:r>
+              <a:rPr lang="en-US" altLang="ja-JP" dirty="0" err="1" smtClean="0"/>
+              <a:t>usb_hal_local.h</a:t>
+            </a:r>
+            <a:r>
+              <a:rPr lang="en-US" altLang="ja-JP" dirty="0" smtClean="0"/>
+              <a:t>  </a:t>
+            </a:r>
+            <a:r>
+              <a:rPr lang="en-US" altLang="ja-JP" dirty="0" err="1" smtClean="0"/>
+              <a:t>usb_host_local.h</a:t>
+            </a:r>
+            <a:endParaRPr lang="en-US" altLang="ja-JP" dirty="0" smtClean="0"/>
+          </a:p>
+          <a:p>
+            <a:pPr lvl="1"/>
+            <a:r>
+              <a:rPr lang="en-US" altLang="ja-JP" dirty="0" smtClean="0"/>
+              <a:t>MPLAB.X		// MPLAB.X</a:t>
+            </a:r>
+            <a:r>
+              <a:rPr lang="ja-JP" altLang="en-US" dirty="0" smtClean="0"/>
+              <a:t>のプロジェクト定義</a:t>
+            </a:r>
+            <a:r>
+              <a:rPr lang="en-US" altLang="ja-JP" dirty="0" smtClean="0"/>
+              <a:t>                                 </a:t>
+            </a:r>
+          </a:p>
+          <a:p>
+            <a:pPr lvl="1"/>
+            <a:r>
+              <a:rPr lang="en-US" altLang="ja-JP" dirty="0" err="1" smtClean="0"/>
+              <a:t>usb_host.c</a:t>
+            </a:r>
+            <a:endParaRPr lang="en-US" altLang="ja-JP" dirty="0" smtClean="0"/>
+          </a:p>
+          <a:p>
+            <a:pPr lvl="1"/>
+            <a:endParaRPr kumimoji="1" lang="ja-JP" altLang="en-US" dirty="0"/>
+          </a:p>
+        </p:txBody>
+      </p:sp>
+    </p:spTree>
+  </p:cSld>
+  <p:clrMapOvr>
+    <a:masterClrMapping/>
+  </p:clrMapOvr>
+</p:sld>
+</file>
+
+<file path=ppt/slides/slide41.xml><?xml version="1.0" encoding="utf-8"?>
+<p:sld xmlns:a="http://schemas.openxmlformats.org/drawingml/2006/main" xmlns:r="http://schemas.openxmlformats.org/officeDocument/2006/relationships" xmlns:p="http://schemas.openxmlformats.org/presentationml/2006/main">
+  <p:cSld>
+    <p:spTree>
+      <p:nvGrpSpPr>
+        <p:cNvPr id="1" name=""/>
+        <p:cNvGrpSpPr/>
+        <p:nvPr/>
+      </p:nvGrpSpPr>
+      <p:grpSpPr>
+        <a:xfrm>
+          <a:off x="0" y="0"/>
+          <a:ext cx="0" cy="0"/>
+          <a:chOff x="0" y="0"/>
+          <a:chExt cx="0" cy="0"/>
+        </a:xfrm>
+      </p:grpSpPr>
+      <p:sp>
+        <p:nvSpPr>
+          <p:cNvPr id="2" name="タイトル 1"/>
+          <p:cNvSpPr>
+            <a:spLocks noGrp="1"/>
+          </p:cNvSpPr>
+          <p:nvPr>
+            <p:ph type="title"/>
+          </p:nvPr>
+        </p:nvSpPr>
+        <p:spPr/>
+        <p:txBody>
+          <a:bodyPr>
+            <a:normAutofit/>
+          </a:bodyPr>
+          <a:lstStyle/>
+          <a:p>
+            <a:r>
+              <a:rPr kumimoji="1" lang="en-US" altLang="ja-JP" dirty="0" smtClean="0"/>
+              <a:t>Part5</a:t>
+            </a:r>
+            <a:br>
+              <a:rPr kumimoji="1" lang="en-US" altLang="ja-JP" dirty="0" smtClean="0"/>
+            </a:br>
+            <a:r>
+              <a:rPr kumimoji="1" lang="en-US" altLang="ja-JP" dirty="0" smtClean="0"/>
+              <a:t>Android</a:t>
+            </a:r>
+            <a:r>
+              <a:rPr kumimoji="1" lang="ja-JP" altLang="en-US" dirty="0" smtClean="0"/>
+              <a:t>側の仕組み</a:t>
+            </a:r>
+            <a:endParaRPr kumimoji="1" lang="ja-JP" altLang="en-US" dirty="0"/>
+          </a:p>
+        </p:txBody>
+      </p:sp>
+      <p:sp>
+        <p:nvSpPr>
+          <p:cNvPr id="4" name="テキスト プレースホルダ 3"/>
+          <p:cNvSpPr>
+            <a:spLocks noGrp="1"/>
+          </p:cNvSpPr>
+          <p:nvPr>
+            <p:ph type="body" idx="1"/>
+          </p:nvPr>
+        </p:nvSpPr>
+        <p:spPr/>
+        <p:txBody>
+          <a:bodyPr/>
+          <a:lstStyle/>
+          <a:p>
+            <a:r>
+              <a:rPr kumimoji="1" lang="ja-JP" altLang="en-US" dirty="0" smtClean="0"/>
+              <a:t>　</a:t>
+            </a:r>
+            <a:endParaRPr kumimoji="1" lang="ja-JP" altLang="en-US" dirty="0"/>
+          </a:p>
+        </p:txBody>
+      </p:sp>
+    </p:spTree>
+  </p:cSld>
+  <p:clrMapOvr>
+    <a:masterClrMapping/>
+  </p:clrMapOvr>
+</p:sld>
+</file>
+
+<file path=ppt/slides/slide42.xml><?xml version="1.0" encoding="utf-8"?>
+<p:sld xmlns:a="http://schemas.openxmlformats.org/drawingml/2006/main" xmlns:r="http://schemas.openxmlformats.org/officeDocument/2006/relationships" xmlns:p="http://schemas.openxmlformats.org/presentationml/2006/main">
+  <p:cSld>
+    <p:spTree>
+      <p:nvGrpSpPr>
+        <p:cNvPr id="1" name=""/>
+        <p:cNvGrpSpPr/>
+        <p:nvPr/>
+      </p:nvGrpSpPr>
+      <p:grpSpPr>
+        <a:xfrm>
+          <a:off x="0" y="0"/>
+          <a:ext cx="0" cy="0"/>
+          <a:chOff x="0" y="0"/>
+          <a:chExt cx="0" cy="0"/>
+        </a:xfrm>
+      </p:grpSpPr>
+      <p:sp>
+        <p:nvSpPr>
+          <p:cNvPr id="2" name="タイトル 1"/>
+          <p:cNvSpPr>
+            <a:spLocks noGrp="1"/>
+          </p:cNvSpPr>
+          <p:nvPr>
+            <p:ph type="title"/>
+          </p:nvPr>
+        </p:nvSpPr>
+        <p:spPr/>
+        <p:txBody>
+          <a:bodyPr>
+            <a:normAutofit/>
+          </a:bodyPr>
+          <a:lstStyle/>
+          <a:p>
+            <a:r>
+              <a:rPr kumimoji="1" lang="en-US" altLang="ja-JP" dirty="0" smtClean="0"/>
+              <a:t>Part6</a:t>
+            </a:r>
+            <a:br>
+              <a:rPr kumimoji="1" lang="en-US" altLang="ja-JP" dirty="0" smtClean="0"/>
+            </a:br>
+            <a:r>
+              <a:rPr kumimoji="1" lang="en-US" altLang="ja-JP" dirty="0" smtClean="0"/>
+              <a:t>PIC</a:t>
+            </a:r>
+            <a:r>
+              <a:rPr kumimoji="1" lang="ja-JP" altLang="en-US" dirty="0" smtClean="0"/>
+              <a:t>マイコンの開発環境</a:t>
+            </a:r>
+            <a:endParaRPr kumimoji="1" lang="ja-JP" altLang="en-US" dirty="0"/>
+          </a:p>
+        </p:txBody>
+      </p:sp>
+      <p:sp>
+        <p:nvSpPr>
+          <p:cNvPr id="4" name="テキスト プレースホルダ 3"/>
+          <p:cNvSpPr>
+            <a:spLocks noGrp="1"/>
+          </p:cNvSpPr>
+          <p:nvPr>
+            <p:ph type="body" idx="1"/>
+          </p:nvPr>
+        </p:nvSpPr>
+        <p:spPr/>
+        <p:txBody>
+          <a:bodyPr/>
+          <a:lstStyle/>
+          <a:p>
+            <a:r>
+              <a:rPr kumimoji="1" lang="ja-JP" altLang="en-US" dirty="0" smtClean="0"/>
+              <a:t>　</a:t>
+            </a:r>
+            <a:endParaRPr kumimoji="1" lang="ja-JP" altLang="en-US" dirty="0"/>
+          </a:p>
+        </p:txBody>
+      </p:sp>
+    </p:spTree>
+  </p:cSld>
+  <p:clrMapOvr>
+    <a:masterClrMapping/>
+  </p:clrMapOvr>
+</p:sld>
+</file>
+
+<file path=ppt/slides/slide43.xml><?xml version="1.0" encoding="utf-8"?>
+<p:sld xmlns:a="http://schemas.openxmlformats.org/drawingml/2006/main" xmlns:r="http://schemas.openxmlformats.org/officeDocument/2006/relationships" xmlns:p="http://schemas.openxmlformats.org/presentationml/2006/main">
+  <p:cSld>
+    <p:spTree>
+      <p:nvGrpSpPr>
+        <p:cNvPr id="1" name=""/>
+        <p:cNvGrpSpPr/>
+        <p:nvPr/>
+      </p:nvGrpSpPr>
+      <p:grpSpPr>
+        <a:xfrm>
+          <a:off x="0" y="0"/>
+          <a:ext cx="0" cy="0"/>
+          <a:chOff x="0" y="0"/>
+          <a:chExt cx="0" cy="0"/>
+        </a:xfrm>
+      </p:grpSpPr>
+      <p:sp>
+        <p:nvSpPr>
+          <p:cNvPr id="3" name="コンテンツ プレースホルダ 2"/>
+          <p:cNvSpPr>
+            <a:spLocks noGrp="1"/>
+          </p:cNvSpPr>
+          <p:nvPr>
+            <p:ph idx="1"/>
+          </p:nvPr>
+        </p:nvSpPr>
+        <p:spPr/>
+        <p:txBody>
+          <a:bodyPr>
+            <a:noAutofit/>
+          </a:bodyPr>
+          <a:lstStyle/>
+          <a:p>
+            <a:pPr algn="ctr">
+              <a:buNone/>
+            </a:pPr>
+            <a:r>
+              <a:rPr kumimoji="1" lang="ja-JP" altLang="en-US" sz="16600" dirty="0" smtClean="0"/>
+              <a:t>おわり</a:t>
+            </a:r>
+            <a:endParaRPr kumimoji="1" lang="ja-JP" altLang="en-US" sz="16600" dirty="0"/>
+          </a:p>
+        </p:txBody>
+      </p:sp>
+    </p:spTree>
+  </p:cSld>
+  <p:clrMapOvr>
+    <a:masterClrMapping/>
+  </p:clrMapOvr>
+</p:sld>
+</file>
+
+<file path=ppt/slides/slide5.xml><?xml version="1.0" encoding="utf-8"?>
 <p:sld xmlns:a="http://schemas.openxmlformats.org/drawingml/2006/main" xmlns:r="http://schemas.openxmlformats.org/officeDocument/2006/relationships" xmlns:p="http://schemas.openxmlformats.org/presentationml/2006/main">
   <p:cSld>
     <p:spTree>
@@ -12015,7 +16051,7 @@
 </p:sld>
 </file>
 
-<file path=ppt/slides/slide5.xml><?xml version="1.0" encoding="utf-8"?>
+<file path=ppt/slides/slide6.xml><?xml version="1.0" encoding="utf-8"?>
 <p:sld xmlns:a="http://schemas.openxmlformats.org/drawingml/2006/main" xmlns:r="http://schemas.openxmlformats.org/officeDocument/2006/relationships" xmlns:p="http://schemas.openxmlformats.org/presentationml/2006/main">
   <p:cSld>
     <p:spTree>
@@ -21061,7 +25097,7 @@
 </p:sld>
 </file>
 
-<file path=ppt/slides/slide6.xml><?xml version="1.0" encoding="utf-8"?>
+<file path=ppt/slides/slide7.xml><?xml version="1.0" encoding="utf-8"?>
 <p:sld xmlns:a="http://schemas.openxmlformats.org/drawingml/2006/main" xmlns:r="http://schemas.openxmlformats.org/officeDocument/2006/relationships" xmlns:p="http://schemas.openxmlformats.org/presentationml/2006/main">
   <p:cSld>
     <p:spTree>
@@ -21191,7 +25227,7 @@
 </p:sld>
 </file>
 
-<file path=ppt/slides/slide7.xml><?xml version="1.0" encoding="utf-8"?>
+<file path=ppt/slides/slide8.xml><?xml version="1.0" encoding="utf-8"?>
 <p:sld xmlns:a="http://schemas.openxmlformats.org/drawingml/2006/main" xmlns:r="http://schemas.openxmlformats.org/officeDocument/2006/relationships" xmlns:p="http://schemas.openxmlformats.org/presentationml/2006/main">
   <p:cSld>
     <p:spTree>
@@ -21314,7 +25350,7 @@
 </p:sld>
 </file>
 
-<file path=ppt/slides/slide8.xml><?xml version="1.0" encoding="utf-8"?>
+<file path=ppt/slides/slide9.xml><?xml version="1.0" encoding="utf-8"?>
 <p:sld xmlns:a="http://schemas.openxmlformats.org/drawingml/2006/main" xmlns:r="http://schemas.openxmlformats.org/officeDocument/2006/relationships" xmlns:p="http://schemas.openxmlformats.org/presentationml/2006/main">
   <p:cSld>
     <p:spTree>
@@ -21425,15 +25461,7 @@
             <a:pPr lvl="1"/>
             <a:r>
               <a:rPr lang="en-US" altLang="ja-JP" dirty="0" smtClean="0"/>
-              <a:t>64Kbyte </a:t>
-            </a:r>
-            <a:r>
-              <a:rPr lang="en-US" altLang="ja-JP" dirty="0" smtClean="0"/>
-              <a:t>Program Memory </a:t>
-            </a:r>
-            <a:r>
-              <a:rPr lang="en-US" altLang="ja-JP" dirty="0" smtClean="0"/>
-              <a:t>(Flash)</a:t>
+              <a:t>64Kbyte Program Memory (Flash)</a:t>
             </a:r>
             <a:r>
               <a:rPr lang="ja-JP" altLang="en-US" dirty="0" err="1" smtClean="0"/>
@@ -21535,182 +25563,6 @@
           <a:p>
             <a:pPr algn="ctr"/>
             <a:endParaRPr kumimoji="1" lang="ja-JP" altLang="en-US"/>
-          </a:p>
-        </p:txBody>
-      </p:sp>
-    </p:spTree>
-  </p:cSld>
-  <p:clrMapOvr>
-    <a:masterClrMapping/>
-  </p:clrMapOvr>
-</p:sld>
-</file>
-
-<file path=ppt/slides/slide9.xml><?xml version="1.0" encoding="utf-8"?>
-<p:sld xmlns:a="http://schemas.openxmlformats.org/drawingml/2006/main" xmlns:r="http://schemas.openxmlformats.org/officeDocument/2006/relationships" xmlns:p="http://schemas.openxmlformats.org/presentationml/2006/main">
-  <p:cSld>
-    <p:spTree>
-      <p:nvGrpSpPr>
-        <p:cNvPr id="1" name=""/>
-        <p:cNvGrpSpPr/>
-        <p:nvPr/>
-      </p:nvGrpSpPr>
-      <p:grpSpPr>
-        <a:xfrm>
-          <a:off x="0" y="0"/>
-          <a:ext cx="0" cy="0"/>
-          <a:chOff x="0" y="0"/>
-          <a:chExt cx="0" cy="0"/>
-        </a:xfrm>
-      </p:grpSpPr>
-      <p:sp>
-        <p:nvSpPr>
-          <p:cNvPr id="2" name="タイトル 1"/>
-          <p:cNvSpPr>
-            <a:spLocks noGrp="1"/>
-          </p:cNvSpPr>
-          <p:nvPr>
-            <p:ph type="title"/>
-          </p:nvPr>
-        </p:nvSpPr>
-        <p:spPr/>
-        <p:txBody>
-          <a:bodyPr/>
-          <a:lstStyle/>
-          <a:p>
-            <a:r>
-              <a:rPr kumimoji="1" lang="ja-JP" altLang="en-US" dirty="0" smtClean="0"/>
-              <a:t>抵抗</a:t>
-            </a:r>
-            <a:endParaRPr kumimoji="1" lang="ja-JP" altLang="en-US" dirty="0"/>
-          </a:p>
-        </p:txBody>
-      </p:sp>
-      <p:sp>
-        <p:nvSpPr>
-          <p:cNvPr id="3" name="コンテンツ プレースホルダ 2"/>
-          <p:cNvSpPr>
-            <a:spLocks noGrp="1"/>
-          </p:cNvSpPr>
-          <p:nvPr>
-            <p:ph idx="1"/>
-          </p:nvPr>
-        </p:nvSpPr>
-        <p:spPr/>
-        <p:txBody>
-          <a:bodyPr/>
-          <a:lstStyle/>
-          <a:p>
-            <a:r>
-              <a:rPr lang="ja-JP" altLang="en-US" dirty="0" smtClean="0"/>
-              <a:t>電流の流れを抑止する</a:t>
-            </a:r>
-            <a:endParaRPr lang="en-US" altLang="ja-JP" dirty="0" smtClean="0"/>
-          </a:p>
-          <a:p>
-            <a:pPr lvl="1"/>
-            <a:r>
-              <a:rPr kumimoji="1" lang="ja-JP" altLang="en-US" dirty="0" smtClean="0"/>
-              <a:t>抵抗の値が小さいと導体</a:t>
-            </a:r>
-            <a:endParaRPr kumimoji="1" lang="en-US" altLang="ja-JP" dirty="0" smtClean="0"/>
-          </a:p>
-          <a:p>
-            <a:pPr lvl="1"/>
-            <a:r>
-              <a:rPr lang="ja-JP" altLang="en-US" dirty="0" smtClean="0"/>
-              <a:t>抵抗の値が大きいと絶縁体</a:t>
-            </a:r>
-            <a:endParaRPr kumimoji="1" lang="en-US" altLang="ja-JP" dirty="0" smtClean="0"/>
-          </a:p>
-          <a:p>
-            <a:r>
-              <a:rPr lang="ja-JP" altLang="en-US" dirty="0" smtClean="0"/>
-              <a:t>極性なし</a:t>
-            </a:r>
-            <a:endParaRPr lang="en-US" altLang="ja-JP" dirty="0" smtClean="0"/>
-          </a:p>
-        </p:txBody>
-      </p:sp>
-      <p:pic>
-        <p:nvPicPr>
-          <p:cNvPr id="6146" name="Picture 2" descr="C:\Users\hideo\Desktop\抵抗.jpg"/>
-          <p:cNvPicPr>
-            <a:picLocks noChangeAspect="1" noChangeArrowheads="1"/>
-          </p:cNvPicPr>
-          <p:nvPr/>
-        </p:nvPicPr>
-        <p:blipFill>
-          <a:blip r:embed="rId2" cstate="print"/>
-          <a:srcRect/>
-          <a:stretch>
-            <a:fillRect/>
-          </a:stretch>
-        </p:blipFill>
-        <p:spPr bwMode="auto">
-          <a:xfrm>
-            <a:off x="2765251" y="3874095"/>
-            <a:ext cx="1308100" cy="2435225"/>
-          </a:xfrm>
-          <a:prstGeom prst="rect">
-            <a:avLst/>
-          </a:prstGeom>
-          <a:noFill/>
-        </p:spPr>
-      </p:pic>
-      <p:pic>
-        <p:nvPicPr>
-          <p:cNvPr id="6147" name="Picture 3" descr="C:\Users\hideo\Desktop\抵抗１.jpg"/>
-          <p:cNvPicPr>
-            <a:picLocks noChangeAspect="1" noChangeArrowheads="1"/>
-          </p:cNvPicPr>
-          <p:nvPr/>
-        </p:nvPicPr>
-        <p:blipFill>
-          <a:blip r:embed="rId3" cstate="print"/>
-          <a:srcRect/>
-          <a:stretch>
-            <a:fillRect/>
-          </a:stretch>
-        </p:blipFill>
-        <p:spPr bwMode="auto">
-          <a:xfrm>
-            <a:off x="6005611" y="4221088"/>
-            <a:ext cx="582613" cy="1534684"/>
-          </a:xfrm>
-          <a:prstGeom prst="rect">
-            <a:avLst/>
-          </a:prstGeom>
-          <a:noFill/>
-        </p:spPr>
-      </p:pic>
-      <p:sp>
-        <p:nvSpPr>
-          <p:cNvPr id="6" name="テキスト ボックス 5"/>
-          <p:cNvSpPr txBox="1"/>
-          <p:nvPr/>
-        </p:nvSpPr>
-        <p:spPr>
-          <a:xfrm>
-            <a:off x="6012160" y="6021288"/>
-            <a:ext cx="877163" cy="369332"/>
-          </a:xfrm>
-          <a:prstGeom prst="rect">
-            <a:avLst/>
-          </a:prstGeom>
-          <a:noFill/>
-        </p:spPr>
-        <p:txBody>
-          <a:bodyPr wrap="none" rtlCol="0">
-            <a:spAutoFit/>
-          </a:bodyPr>
-          <a:lstStyle/>
-          <a:p>
-            <a:r>
-              <a:rPr kumimoji="1" lang="ja-JP" altLang="en-US" dirty="0" smtClean="0"/>
-              <a:t>回路図</a:t>
-            </a:r>
-            <a:endParaRPr kumimoji="1" lang="ja-JP" altLang="en-US" dirty="0"/>
           </a:p>
         </p:txBody>
       </p:sp>

--- a/Doc/poorman's adk.pptx
+++ b/Doc/poorman's adk.pptx
@@ -5,7 +5,7 @@
     <p:sldMasterId id="2147483648" r:id="rId1"/>
   </p:sldMasterIdLst>
   <p:handoutMasterIdLst>
-    <p:handoutMasterId r:id="rId45"/>
+    <p:handoutMasterId r:id="rId44"/>
   </p:handoutMasterIdLst>
   <p:sldIdLst>
     <p:sldId id="264" r:id="rId2"/>
@@ -43,14 +43,13 @@
     <p:sldId id="291" r:id="rId34"/>
     <p:sldId id="299" r:id="rId35"/>
     <p:sldId id="300" r:id="rId36"/>
-    <p:sldId id="301" r:id="rId37"/>
-    <p:sldId id="302" r:id="rId38"/>
-    <p:sldId id="307" r:id="rId39"/>
-    <p:sldId id="308" r:id="rId40"/>
-    <p:sldId id="309" r:id="rId41"/>
-    <p:sldId id="273" r:id="rId42"/>
-    <p:sldId id="306" r:id="rId43"/>
-    <p:sldId id="274" r:id="rId44"/>
+    <p:sldId id="302" r:id="rId37"/>
+    <p:sldId id="307" r:id="rId38"/>
+    <p:sldId id="308" r:id="rId39"/>
+    <p:sldId id="309" r:id="rId40"/>
+    <p:sldId id="273" r:id="rId41"/>
+    <p:sldId id="306" r:id="rId42"/>
+    <p:sldId id="274" r:id="rId43"/>
   </p:sldIdLst>
   <p:sldSz cx="9144000" cy="6858000" type="screen4x3"/>
   <p:notesSz cx="6888163" cy="10020300"/>
@@ -14332,8 +14331,8 @@
         </p:nvSpPr>
         <p:spPr>
           <a:xfrm>
-            <a:off x="1115616" y="3861048"/>
-            <a:ext cx="3168352" cy="576064"/>
+            <a:off x="1403648" y="3861048"/>
+            <a:ext cx="2664296" cy="576064"/>
           </a:xfrm>
           <a:prstGeom prst="roundRect">
             <a:avLst/>
@@ -14361,10 +14360,10 @@
           <a:p>
             <a:pPr algn="ctr"/>
             <a:r>
-              <a:rPr kumimoji="1" lang="en-US" altLang="ja-JP" dirty="0" smtClean="0"/>
+              <a:rPr kumimoji="1" lang="en-US" altLang="ja-JP" sz="2000" dirty="0" smtClean="0"/>
               <a:t>App</a:t>
             </a:r>
-            <a:endParaRPr kumimoji="1" lang="ja-JP" altLang="en-US" dirty="0"/>
+            <a:endParaRPr kumimoji="1" lang="ja-JP" altLang="en-US" sz="2000" dirty="0"/>
           </a:p>
         </p:txBody>
       </p:sp>
@@ -14376,8 +14375,8 @@
         </p:nvSpPr>
         <p:spPr>
           <a:xfrm>
-            <a:off x="1115616" y="4437112"/>
-            <a:ext cx="3168352" cy="576064"/>
+            <a:off x="1403648" y="4437112"/>
+            <a:ext cx="2664296" cy="576064"/>
           </a:xfrm>
           <a:prstGeom prst="roundRect">
             <a:avLst/>
@@ -14405,10 +14404,10 @@
           <a:p>
             <a:pPr algn="ctr"/>
             <a:r>
-              <a:rPr lang="en-US" altLang="ja-JP" dirty="0" smtClean="0"/>
-              <a:t>Frame work</a:t>
-            </a:r>
-            <a:endParaRPr kumimoji="1" lang="ja-JP" altLang="en-US" dirty="0"/>
+              <a:rPr lang="en-US" altLang="ja-JP" sz="2000" dirty="0" smtClean="0"/>
+              <a:t>framework </a:t>
+            </a:r>
+            <a:endParaRPr kumimoji="1" lang="ja-JP" altLang="en-US" sz="2000" dirty="0"/>
           </a:p>
         </p:txBody>
       </p:sp>
@@ -14420,8 +14419,8 @@
         </p:nvSpPr>
         <p:spPr>
           <a:xfrm>
-            <a:off x="1115616" y="5013176"/>
-            <a:ext cx="3168352" cy="576064"/>
+            <a:off x="1403648" y="5013176"/>
+            <a:ext cx="2664296" cy="576064"/>
           </a:xfrm>
           <a:prstGeom prst="roundRect">
             <a:avLst/>
@@ -14449,17 +14448,17 @@
           <a:p>
             <a:pPr algn="ctr"/>
             <a:r>
-              <a:rPr lang="en-US" altLang="ja-JP" dirty="0" smtClean="0"/>
+              <a:rPr lang="en-US" altLang="ja-JP" sz="2000" dirty="0" smtClean="0"/>
               <a:t>Linux</a:t>
             </a:r>
           </a:p>
           <a:p>
             <a:pPr algn="ctr"/>
             <a:r>
-              <a:rPr lang="ja-JP" altLang="en-US" dirty="0" smtClean="0"/>
+              <a:rPr lang="ja-JP" altLang="en-US" sz="2000" dirty="0" smtClean="0"/>
               <a:t>ガジェットドライバ</a:t>
             </a:r>
-            <a:endParaRPr lang="en-US" altLang="ja-JP" dirty="0" smtClean="0"/>
+            <a:endParaRPr lang="en-US" altLang="ja-JP" sz="2000" dirty="0" smtClean="0"/>
           </a:p>
         </p:txBody>
       </p:sp>
@@ -14472,7 +14471,7 @@
         <p:spPr>
           <a:xfrm>
             <a:off x="1403648" y="3429000"/>
-            <a:ext cx="2699265" cy="369332"/>
+            <a:ext cx="2808312" cy="369332"/>
           </a:xfrm>
           <a:prstGeom prst="rect">
             <a:avLst/>
@@ -14480,7 +14479,7 @@
           <a:noFill/>
         </p:spPr>
         <p:txBody>
-          <a:bodyPr wrap="none" rtlCol="0">
+          <a:bodyPr wrap="square" rtlCol="0">
             <a:spAutoFit/>
           </a:bodyPr>
           <a:lstStyle/>
@@ -14513,7 +14512,7 @@
         </p:nvSpPr>
         <p:spPr>
           <a:xfrm>
-            <a:off x="5940152" y="3429000"/>
+            <a:off x="5508104" y="3429000"/>
             <a:ext cx="2300630" cy="369332"/>
           </a:xfrm>
           <a:prstGeom prst="rect">
@@ -14551,8 +14550,8 @@
         </p:nvSpPr>
         <p:spPr>
           <a:xfrm>
-            <a:off x="1115616" y="5589240"/>
-            <a:ext cx="3168352" cy="576064"/>
+            <a:off x="1403648" y="5589240"/>
+            <a:ext cx="2664296" cy="576064"/>
           </a:xfrm>
           <a:prstGeom prst="roundRect">
             <a:avLst/>
@@ -14580,21 +14579,21 @@
           <a:p>
             <a:pPr algn="ctr"/>
             <a:r>
-              <a:rPr lang="en-US" altLang="ja-JP" dirty="0" smtClean="0"/>
+              <a:rPr lang="en-US" altLang="ja-JP" sz="2000" dirty="0" smtClean="0"/>
               <a:t>HW</a:t>
             </a:r>
           </a:p>
           <a:p>
             <a:pPr algn="ctr"/>
             <a:r>
-              <a:rPr lang="en-US" altLang="ja-JP" dirty="0" smtClean="0"/>
+              <a:rPr lang="en-US" altLang="ja-JP" sz="2000" dirty="0" smtClean="0"/>
               <a:t>USB</a:t>
             </a:r>
             <a:r>
-              <a:rPr lang="ja-JP" altLang="en-US" dirty="0" smtClean="0"/>
+              <a:rPr lang="ja-JP" altLang="en-US" sz="2000" dirty="0" smtClean="0"/>
               <a:t>コントローラ</a:t>
             </a:r>
-            <a:endParaRPr lang="en-US" altLang="ja-JP" dirty="0" smtClean="0"/>
+            <a:endParaRPr lang="en-US" altLang="ja-JP" sz="2000" dirty="0" smtClean="0"/>
           </a:p>
         </p:txBody>
       </p:sp>
@@ -14606,8 +14605,8 @@
         </p:nvSpPr>
         <p:spPr>
           <a:xfrm>
-            <a:off x="5436096" y="5589240"/>
-            <a:ext cx="3168352" cy="576064"/>
+            <a:off x="5292080" y="5589240"/>
+            <a:ext cx="2880320" cy="576064"/>
           </a:xfrm>
           <a:prstGeom prst="roundRect">
             <a:avLst/>
@@ -14654,8 +14653,8 @@
         </p:nvSpPr>
         <p:spPr>
           <a:xfrm>
-            <a:off x="5436096" y="3861048"/>
-            <a:ext cx="3168352" cy="1728192"/>
+            <a:off x="5292080" y="3861048"/>
+            <a:ext cx="2880320" cy="648072"/>
           </a:xfrm>
           <a:prstGeom prst="roundRect">
             <a:avLst/>
@@ -14688,6 +14687,42 @@
             </a:r>
             <a:endParaRPr lang="en-US" altLang="ja-JP" dirty="0" smtClean="0"/>
           </a:p>
+        </p:txBody>
+      </p:sp>
+      <p:sp>
+        <p:nvSpPr>
+          <p:cNvPr id="12" name="角丸四角形 11"/>
+          <p:cNvSpPr/>
+          <p:nvPr/>
+        </p:nvSpPr>
+        <p:spPr>
+          <a:xfrm>
+            <a:off x="5292080" y="4509120"/>
+            <a:ext cx="2880320" cy="1080120"/>
+          </a:xfrm>
+          <a:prstGeom prst="roundRect">
+            <a:avLst/>
+          </a:prstGeom>
+        </p:spPr>
+        <p:style>
+          <a:lnRef idx="2">
+            <a:schemeClr val="accent1">
+              <a:shade val="50000"/>
+            </a:schemeClr>
+          </a:lnRef>
+          <a:fillRef idx="1">
+            <a:schemeClr val="accent1"/>
+          </a:fillRef>
+          <a:effectRef idx="0">
+            <a:schemeClr val="accent1"/>
+          </a:effectRef>
+          <a:fontRef idx="minor">
+            <a:schemeClr val="lt1"/>
+          </a:fontRef>
+        </p:style>
+        <p:txBody>
+          <a:bodyPr rtlCol="0" anchor="ctr"/>
+          <a:lstStyle/>
           <a:p>
             <a:pPr algn="ctr"/>
             <a:r>
@@ -14711,6 +14746,82 @@
               <a:t>ホスト制御</a:t>
             </a:r>
             <a:endParaRPr kumimoji="1" lang="ja-JP" altLang="en-US" dirty="0"/>
+          </a:p>
+        </p:txBody>
+      </p:sp>
+      <p:sp>
+        <p:nvSpPr>
+          <p:cNvPr id="13" name="右中かっこ 12"/>
+          <p:cNvSpPr/>
+          <p:nvPr/>
+        </p:nvSpPr>
+        <p:spPr>
+          <a:xfrm>
+            <a:off x="4139952" y="4509120"/>
+            <a:ext cx="216024" cy="1656184"/>
+          </a:xfrm>
+          <a:prstGeom prst="rightBrace">
+            <a:avLst/>
+          </a:prstGeom>
+        </p:spPr>
+        <p:style>
+          <a:lnRef idx="1">
+            <a:schemeClr val="accent1"/>
+          </a:lnRef>
+          <a:fillRef idx="0">
+            <a:schemeClr val="accent1"/>
+          </a:fillRef>
+          <a:effectRef idx="0">
+            <a:schemeClr val="accent1"/>
+          </a:effectRef>
+          <a:fontRef idx="minor">
+            <a:schemeClr val="tx1"/>
+          </a:fontRef>
+        </p:style>
+        <p:txBody>
+          <a:bodyPr rtlCol="0" anchor="ctr"/>
+          <a:lstStyle/>
+          <a:p>
+            <a:pPr algn="ctr"/>
+            <a:endParaRPr kumimoji="1" lang="ja-JP" altLang="en-US"/>
+          </a:p>
+        </p:txBody>
+      </p:sp>
+      <p:sp>
+        <p:nvSpPr>
+          <p:cNvPr id="14" name="右中かっこ 13"/>
+          <p:cNvSpPr/>
+          <p:nvPr/>
+        </p:nvSpPr>
+        <p:spPr>
+          <a:xfrm>
+            <a:off x="8172400" y="4509120"/>
+            <a:ext cx="216024" cy="1656184"/>
+          </a:xfrm>
+          <a:prstGeom prst="rightBrace">
+            <a:avLst/>
+          </a:prstGeom>
+        </p:spPr>
+        <p:style>
+          <a:lnRef idx="1">
+            <a:schemeClr val="accent1"/>
+          </a:lnRef>
+          <a:fillRef idx="0">
+            <a:schemeClr val="accent1"/>
+          </a:fillRef>
+          <a:effectRef idx="0">
+            <a:schemeClr val="accent1"/>
+          </a:effectRef>
+          <a:fontRef idx="minor">
+            <a:schemeClr val="tx1"/>
+          </a:fontRef>
+        </p:style>
+        <p:txBody>
+          <a:bodyPr rtlCol="0" anchor="ctr"/>
+          <a:lstStyle/>
+          <a:p>
+            <a:pPr algn="ctr"/>
+            <a:endParaRPr kumimoji="1" lang="ja-JP" altLang="en-US"/>
           </a:p>
         </p:txBody>
       </p:sp>
@@ -14751,107 +14862,6 @@
         </p:nvSpPr>
         <p:spPr/>
         <p:txBody>
-          <a:bodyPr/>
-          <a:lstStyle/>
-          <a:p>
-            <a:r>
-              <a:rPr kumimoji="1" lang="en-US" altLang="ja-JP" dirty="0" smtClean="0"/>
-              <a:t>Accessory mode</a:t>
-            </a:r>
-            <a:r>
-              <a:rPr kumimoji="1" lang="ja-JP" altLang="en-US" dirty="0" smtClean="0"/>
-              <a:t>は何でないか</a:t>
-            </a:r>
-            <a:endParaRPr kumimoji="1" lang="ja-JP" altLang="en-US" dirty="0"/>
-          </a:p>
-        </p:txBody>
-      </p:sp>
-      <p:sp>
-        <p:nvSpPr>
-          <p:cNvPr id="3" name="コンテンツ プレースホルダ 2"/>
-          <p:cNvSpPr>
-            <a:spLocks noGrp="1"/>
-          </p:cNvSpPr>
-          <p:nvPr>
-            <p:ph idx="1"/>
-          </p:nvPr>
-        </p:nvSpPr>
-        <p:spPr/>
-        <p:txBody>
-          <a:bodyPr/>
-          <a:lstStyle/>
-          <a:p>
-            <a:r>
-              <a:rPr kumimoji="1" lang="en-US" altLang="ja-JP" dirty="0" err="1" smtClean="0"/>
-              <a:t>Aruduino</a:t>
-            </a:r>
-            <a:r>
-              <a:rPr kumimoji="1" lang="ja-JP" altLang="en-US" dirty="0" smtClean="0"/>
-              <a:t>を前提としていない</a:t>
-            </a:r>
-            <a:endParaRPr kumimoji="1" lang="en-US" altLang="ja-JP" dirty="0" smtClean="0"/>
-          </a:p>
-          <a:p>
-            <a:r>
-              <a:rPr lang="en-US" altLang="ja-JP" dirty="0" smtClean="0"/>
-              <a:t>Android</a:t>
-            </a:r>
-            <a:r>
-              <a:rPr lang="ja-JP" altLang="en-US" dirty="0" smtClean="0"/>
-              <a:t>は</a:t>
-            </a:r>
-            <a:r>
-              <a:rPr lang="en-US" altLang="ja-JP" dirty="0" smtClean="0"/>
-              <a:t>USB</a:t>
-            </a:r>
-            <a:r>
-              <a:rPr lang="ja-JP" altLang="en-US" dirty="0" smtClean="0"/>
-              <a:t>ホストではない</a:t>
-            </a:r>
-            <a:endParaRPr lang="en-US" altLang="ja-JP" dirty="0" smtClean="0"/>
-          </a:p>
-          <a:p>
-            <a:endParaRPr kumimoji="1" lang="ja-JP" altLang="en-US" dirty="0"/>
-          </a:p>
-        </p:txBody>
-      </p:sp>
-    </p:spTree>
-  </p:cSld>
-  <p:clrMapOvr>
-    <a:masterClrMapping/>
-  </p:clrMapOvr>
-</p:sld>
-</file>
-
-<file path=ppt/slides/slide37.xml><?xml version="1.0" encoding="utf-8"?>
-<p:sld xmlns:a="http://schemas.openxmlformats.org/drawingml/2006/main" xmlns:r="http://schemas.openxmlformats.org/officeDocument/2006/relationships" xmlns:p="http://schemas.openxmlformats.org/presentationml/2006/main">
-  <p:cSld>
-    <p:spTree>
-      <p:nvGrpSpPr>
-        <p:cNvPr id="1" name=""/>
-        <p:cNvGrpSpPr/>
-        <p:nvPr/>
-      </p:nvGrpSpPr>
-      <p:grpSpPr>
-        <a:xfrm>
-          <a:off x="0" y="0"/>
-          <a:ext cx="0" cy="0"/>
-          <a:chOff x="0" y="0"/>
-          <a:chExt cx="0" cy="0"/>
-        </a:xfrm>
-      </p:grpSpPr>
-      <p:sp>
-        <p:nvSpPr>
-          <p:cNvPr id="2" name="タイトル 1"/>
-          <p:cNvSpPr>
-            <a:spLocks noGrp="1"/>
-          </p:cNvSpPr>
-          <p:nvPr>
-            <p:ph type="title"/>
-          </p:nvPr>
-        </p:nvSpPr>
-        <p:spPr/>
-        <p:txBody>
           <a:bodyPr>
             <a:normAutofit/>
           </a:bodyPr>
@@ -14907,7 +14917,7 @@
 </p:sld>
 </file>
 
-<file path=ppt/slides/slide38.xml><?xml version="1.0" encoding="utf-8"?>
+<file path=ppt/slides/slide37.xml><?xml version="1.0" encoding="utf-8"?>
 <p:sld xmlns:a="http://schemas.openxmlformats.org/drawingml/2006/main" xmlns:r="http://schemas.openxmlformats.org/officeDocument/2006/relationships" xmlns:p="http://schemas.openxmlformats.org/presentationml/2006/main">
   <p:cSld>
     <p:spTree>
@@ -15043,6 +15053,104 @@
               <a:rPr lang="en-US" altLang="ja-JP" dirty="0" smtClean="0"/>
               <a:t>M4K</a:t>
             </a:r>
+            <a:endParaRPr kumimoji="1" lang="ja-JP" altLang="en-US" dirty="0"/>
+          </a:p>
+        </p:txBody>
+      </p:sp>
+    </p:spTree>
+  </p:cSld>
+  <p:clrMapOvr>
+    <a:masterClrMapping/>
+  </p:clrMapOvr>
+</p:sld>
+</file>
+
+<file path=ppt/slides/slide38.xml><?xml version="1.0" encoding="utf-8"?>
+<p:sld xmlns:a="http://schemas.openxmlformats.org/drawingml/2006/main" xmlns:r="http://schemas.openxmlformats.org/officeDocument/2006/relationships" xmlns:p="http://schemas.openxmlformats.org/presentationml/2006/main">
+  <p:cSld>
+    <p:spTree>
+      <p:nvGrpSpPr>
+        <p:cNvPr id="1" name=""/>
+        <p:cNvGrpSpPr/>
+        <p:nvPr/>
+      </p:nvGrpSpPr>
+      <p:grpSpPr>
+        <a:xfrm>
+          <a:off x="0" y="0"/>
+          <a:ext cx="0" cy="0"/>
+          <a:chOff x="0" y="0"/>
+          <a:chExt cx="0" cy="0"/>
+        </a:xfrm>
+      </p:grpSpPr>
+      <p:sp>
+        <p:nvSpPr>
+          <p:cNvPr id="2" name="タイトル 1"/>
+          <p:cNvSpPr>
+            <a:spLocks noGrp="1"/>
+          </p:cNvSpPr>
+          <p:nvPr>
+            <p:ph type="title"/>
+          </p:nvPr>
+        </p:nvSpPr>
+        <p:spPr/>
+        <p:txBody>
+          <a:bodyPr/>
+          <a:lstStyle/>
+          <a:p>
+            <a:r>
+              <a:rPr lang="ja-JP" altLang="en-US" dirty="0" smtClean="0"/>
+              <a:t>開発環境</a:t>
+            </a:r>
+            <a:endParaRPr kumimoji="1" lang="ja-JP" altLang="en-US" dirty="0"/>
+          </a:p>
+        </p:txBody>
+      </p:sp>
+      <p:sp>
+        <p:nvSpPr>
+          <p:cNvPr id="3" name="コンテンツ プレースホルダ 2"/>
+          <p:cNvSpPr>
+            <a:spLocks noGrp="1"/>
+          </p:cNvSpPr>
+          <p:nvPr>
+            <p:ph idx="1"/>
+          </p:nvPr>
+        </p:nvSpPr>
+        <p:spPr/>
+        <p:txBody>
+          <a:bodyPr/>
+          <a:lstStyle/>
+          <a:p>
+            <a:r>
+              <a:rPr kumimoji="1" lang="en-US" altLang="ja-JP" dirty="0" smtClean="0"/>
+              <a:t>MPLAB.X</a:t>
+            </a:r>
+          </a:p>
+          <a:p>
+            <a:pPr lvl="1"/>
+            <a:r>
+              <a:rPr lang="el-GR" altLang="ja-JP" dirty="0" smtClean="0"/>
+              <a:t>Β</a:t>
+            </a:r>
+            <a:r>
+              <a:rPr lang="ja-JP" altLang="en-US" dirty="0" smtClean="0"/>
+              <a:t>版</a:t>
+            </a:r>
+            <a:endParaRPr lang="en-US" altLang="ja-JP" dirty="0" smtClean="0"/>
+          </a:p>
+          <a:p>
+            <a:pPr lvl="1"/>
+            <a:r>
+              <a:rPr kumimoji="1" lang="en-US" altLang="ja-JP" dirty="0" smtClean="0"/>
+              <a:t>MAC, Windows, Linux</a:t>
+            </a:r>
+            <a:r>
+              <a:rPr kumimoji="1" lang="ja-JP" altLang="en-US" dirty="0" smtClean="0"/>
+              <a:t>の各プラットフォームで動作</a:t>
+            </a:r>
+            <a:endParaRPr kumimoji="1" lang="en-US" altLang="ja-JP" dirty="0" smtClean="0"/>
+          </a:p>
+          <a:p>
+            <a:pPr lvl="1"/>
             <a:endParaRPr kumimoji="1" lang="ja-JP" altLang="en-US" dirty="0"/>
           </a:p>
         </p:txBody>
@@ -15088,8 +15196,8 @@
           <a:lstStyle/>
           <a:p>
             <a:r>
-              <a:rPr lang="ja-JP" altLang="en-US" dirty="0" smtClean="0"/>
-              <a:t>開発環境</a:t>
+              <a:rPr kumimoji="1" lang="ja-JP" altLang="en-US" dirty="0" smtClean="0"/>
+              <a:t>ソース構成</a:t>
             </a:r>
             <a:endParaRPr kumimoji="1" lang="ja-JP" altLang="en-US" dirty="0"/>
           </a:p>
@@ -15107,37 +15215,150 @@
         </p:nvSpPr>
         <p:spPr/>
         <p:txBody>
-          <a:bodyPr/>
+          <a:bodyPr>
+            <a:normAutofit fontScale="77500" lnSpcReduction="20000"/>
+          </a:bodyPr>
           <a:lstStyle/>
           <a:p>
             <a:r>
-              <a:rPr kumimoji="1" lang="en-US" altLang="ja-JP" dirty="0" smtClean="0"/>
-              <a:t>MPLAB.X</a:t>
+              <a:rPr lang="en-US" altLang="ja-JP" dirty="0" smtClean="0"/>
+              <a:t>Firmware</a:t>
             </a:r>
           </a:p>
           <a:p>
             <a:pPr lvl="1"/>
             <a:r>
-              <a:rPr lang="el-GR" altLang="ja-JP" dirty="0" smtClean="0"/>
-              <a:t>Β</a:t>
+              <a:rPr lang="en-US" altLang="ja-JP" dirty="0" smtClean="0"/>
+              <a:t>CleanUp.bat                             </a:t>
+            </a:r>
+          </a:p>
+          <a:p>
+            <a:pPr lvl="1"/>
+            <a:r>
+              <a:rPr lang="en-US" altLang="ja-JP" dirty="0" err="1" smtClean="0"/>
+              <a:t>main.c</a:t>
+            </a:r>
+            <a:r>
+              <a:rPr lang="en-US" altLang="ja-JP" dirty="0" smtClean="0"/>
+              <a:t>           </a:t>
+            </a:r>
+          </a:p>
+          <a:p>
+            <a:pPr lvl="1"/>
+            <a:r>
+              <a:rPr lang="en-US" altLang="ja-JP" dirty="0" err="1" smtClean="0"/>
+              <a:t>usb_host_android.c</a:t>
+            </a:r>
+            <a:endParaRPr lang="en-US" altLang="ja-JP" dirty="0" smtClean="0"/>
+          </a:p>
+          <a:p>
+            <a:pPr lvl="1"/>
+            <a:r>
+              <a:rPr lang="en-US" altLang="ja-JP" dirty="0" err="1" smtClean="0"/>
+              <a:t>HardwareProfile</a:t>
+            </a:r>
+            <a:r>
+              <a:rPr lang="en-US" altLang="ja-JP" dirty="0" smtClean="0"/>
+              <a:t> - PIC24FJ64GB002 </a:t>
+            </a:r>
+            <a:r>
+              <a:rPr lang="en-US" altLang="ja-JP" dirty="0" err="1" smtClean="0"/>
+              <a:t>PIM.h</a:t>
+            </a:r>
+            <a:r>
+              <a:rPr lang="en-US" altLang="ja-JP" dirty="0" smtClean="0"/>
+              <a:t>  </a:t>
+            </a:r>
+            <a:r>
+              <a:rPr lang="en-US" altLang="ja-JP" dirty="0" err="1" smtClean="0"/>
+              <a:t>usb_config.c</a:t>
+            </a:r>
+            <a:r>
+              <a:rPr lang="en-US" altLang="ja-JP" dirty="0" smtClean="0"/>
+              <a:t>     </a:t>
+            </a:r>
+          </a:p>
+          <a:p>
+            <a:pPr lvl="1"/>
+            <a:r>
+              <a:rPr lang="en-US" altLang="ja-JP" dirty="0" smtClean="0"/>
+              <a:t>usb_host_android_protocol_v1.c</a:t>
+            </a:r>
+          </a:p>
+          <a:p>
+            <a:pPr lvl="1"/>
+            <a:r>
+              <a:rPr lang="en-US" altLang="ja-JP" dirty="0" err="1" smtClean="0"/>
+              <a:t>HardwareProfile.h</a:t>
+            </a:r>
+            <a:r>
+              <a:rPr lang="en-US" altLang="ja-JP" dirty="0" smtClean="0"/>
+              <a:t>                       </a:t>
+            </a:r>
+          </a:p>
+          <a:p>
+            <a:pPr lvl="1"/>
+            <a:r>
+              <a:rPr lang="en-US" altLang="ja-JP" dirty="0" err="1" smtClean="0"/>
+              <a:t>usb_config.h</a:t>
+            </a:r>
+            <a:r>
+              <a:rPr lang="en-US" altLang="ja-JP" dirty="0" smtClean="0"/>
+              <a:t>     </a:t>
+            </a:r>
+          </a:p>
+          <a:p>
+            <a:pPr lvl="1"/>
+            <a:r>
+              <a:rPr lang="en-US" altLang="ja-JP" dirty="0" smtClean="0"/>
+              <a:t>usb_host_android_protocol_v1_local.h</a:t>
+            </a:r>
+          </a:p>
+          <a:p>
+            <a:pPr lvl="1"/>
+            <a:r>
+              <a:rPr lang="en-US" altLang="ja-JP" dirty="0" smtClean="0"/>
+              <a:t>Include                                 </a:t>
+            </a:r>
+          </a:p>
+          <a:p>
+            <a:pPr lvl="1"/>
+            <a:r>
+              <a:rPr lang="en-US" altLang="ja-JP" dirty="0" err="1" smtClean="0"/>
+              <a:t>usb_hal_local.h</a:t>
+            </a:r>
+            <a:r>
+              <a:rPr lang="en-US" altLang="ja-JP" dirty="0" smtClean="0"/>
+              <a:t>  </a:t>
+            </a:r>
+            <a:r>
+              <a:rPr lang="en-US" altLang="ja-JP" dirty="0" err="1" smtClean="0"/>
+              <a:t>usb_host_local.h</a:t>
+            </a:r>
+            <a:endParaRPr lang="en-US" altLang="ja-JP" dirty="0" smtClean="0"/>
+          </a:p>
+          <a:p>
+            <a:pPr lvl="1"/>
+            <a:r>
+              <a:rPr lang="en-US" altLang="ja-JP" dirty="0" smtClean="0"/>
+              <a:t>MPLAB.X		// MPLAB.X</a:t>
             </a:r>
             <a:r>
               <a:rPr lang="ja-JP" altLang="en-US" dirty="0" smtClean="0"/>
-              <a:t>版</a:t>
+              <a:t>のプロジェクト定義</a:t>
+            </a:r>
+            <a:r>
+              <a:rPr lang="en-US" altLang="ja-JP" dirty="0" smtClean="0"/>
+              <a:t>                                 </a:t>
+            </a:r>
+          </a:p>
+          <a:p>
+            <a:pPr lvl="1"/>
+            <a:r>
+              <a:rPr lang="en-US" altLang="ja-JP" dirty="0" err="1" smtClean="0"/>
+              <a:t>usb_host.c</a:t>
             </a:r>
             <a:endParaRPr lang="en-US" altLang="ja-JP" dirty="0" smtClean="0"/>
-          </a:p>
-          <a:p>
-            <a:pPr lvl="1"/>
-            <a:r>
-              <a:rPr kumimoji="1" lang="en-US" altLang="ja-JP" dirty="0" smtClean="0"/>
-              <a:t>MAC, Windows, Linux</a:t>
-            </a:r>
-            <a:r>
-              <a:rPr kumimoji="1" lang="ja-JP" altLang="en-US" dirty="0" smtClean="0"/>
-              <a:t>の各プラットフォームで動作</a:t>
-            </a:r>
-            <a:endParaRPr kumimoji="1" lang="en-US" altLang="ja-JP" dirty="0" smtClean="0"/>
           </a:p>
           <a:p>
             <a:pPr lvl="1"/>
@@ -15260,12 +15481,25 @@
         </p:nvSpPr>
         <p:spPr/>
         <p:txBody>
-          <a:bodyPr/>
+          <a:bodyPr>
+            <a:normAutofit/>
+          </a:bodyPr>
           <a:lstStyle/>
           <a:p>
             <a:r>
+              <a:rPr kumimoji="1" lang="en-US" altLang="ja-JP" dirty="0" smtClean="0"/>
+              <a:t>Part5</a:t>
+            </a:r>
+            <a:br>
+              <a:rPr kumimoji="1" lang="en-US" altLang="ja-JP" dirty="0" smtClean="0"/>
+            </a:br>
+            <a:r>
+              <a:rPr kumimoji="1" lang="en-US" altLang="ja-JP" dirty="0" smtClean="0"/>
+              <a:t>Android</a:t>
+            </a:r>
+            <a:r>
               <a:rPr kumimoji="1" lang="ja-JP" altLang="en-US" dirty="0" smtClean="0"/>
-              <a:t>ソース構成</a:t>
+              <a:t>側の仕組み</a:t>
             </a:r>
             <a:endParaRPr kumimoji="1" lang="ja-JP" altLang="en-US" dirty="0"/>
           </a:p>
@@ -15273,163 +15507,23 @@
       </p:sp>
       <p:sp>
         <p:nvSpPr>
-          <p:cNvPr id="3" name="コンテンツ プレースホルダ 2"/>
+          <p:cNvPr id="4" name="テキスト プレースホルダ 3"/>
           <p:cNvSpPr>
             <a:spLocks noGrp="1"/>
           </p:cNvSpPr>
           <p:nvPr>
-            <p:ph idx="1"/>
+            <p:ph type="body" idx="1"/>
           </p:nvPr>
         </p:nvSpPr>
         <p:spPr/>
         <p:txBody>
-          <a:bodyPr>
-            <a:normAutofit fontScale="77500" lnSpcReduction="20000"/>
-          </a:bodyPr>
+          <a:bodyPr/>
           <a:lstStyle/>
           <a:p>
             <a:r>
-              <a:rPr lang="en-US" altLang="ja-JP" dirty="0" smtClean="0"/>
-              <a:t>Firmware</a:t>
-            </a:r>
-          </a:p>
-          <a:p>
-            <a:pPr lvl="1"/>
-            <a:r>
-              <a:rPr lang="en-US" altLang="ja-JP" dirty="0" smtClean="0"/>
-              <a:t>CleanUp.bat                             </a:t>
-            </a:r>
-          </a:p>
-          <a:p>
-            <a:pPr lvl="1"/>
-            <a:r>
-              <a:rPr lang="en-US" altLang="ja-JP" dirty="0" err="1" smtClean="0"/>
-              <a:t>main.c</a:t>
-            </a:r>
-            <a:r>
-              <a:rPr lang="en-US" altLang="ja-JP" dirty="0" smtClean="0"/>
-              <a:t>           </a:t>
-            </a:r>
-          </a:p>
-          <a:p>
-            <a:pPr lvl="1"/>
-            <a:r>
-              <a:rPr lang="en-US" altLang="ja-JP" dirty="0" err="1" smtClean="0"/>
-              <a:t>usb_host_android.c</a:t>
-            </a:r>
-            <a:endParaRPr lang="en-US" altLang="ja-JP" dirty="0" smtClean="0"/>
-          </a:p>
-          <a:p>
-            <a:pPr lvl="1"/>
-            <a:r>
-              <a:rPr lang="en-US" altLang="ja-JP" dirty="0" err="1" smtClean="0"/>
-              <a:t>HardwareProfile</a:t>
-            </a:r>
-            <a:r>
-              <a:rPr lang="en-US" altLang="ja-JP" dirty="0" smtClean="0"/>
-              <a:t> - PIC24FJ64GB002 </a:t>
-            </a:r>
-            <a:r>
-              <a:rPr lang="en-US" altLang="ja-JP" dirty="0" err="1" smtClean="0"/>
-              <a:t>PIM.h</a:t>
-            </a:r>
-            <a:r>
-              <a:rPr lang="en-US" altLang="ja-JP" dirty="0" smtClean="0"/>
-              <a:t>  </a:t>
-            </a:r>
-            <a:r>
-              <a:rPr lang="en-US" altLang="ja-JP" dirty="0" err="1" smtClean="0"/>
-              <a:t>usb_config.c</a:t>
-            </a:r>
-            <a:r>
-              <a:rPr lang="en-US" altLang="ja-JP" dirty="0" smtClean="0"/>
-              <a:t>     </a:t>
-            </a:r>
-          </a:p>
-          <a:p>
-            <a:pPr lvl="1"/>
-            <a:r>
-              <a:rPr lang="en-US" altLang="ja-JP" dirty="0" smtClean="0"/>
-              <a:t>usb_host_android_protocol_v1.c</a:t>
-            </a:r>
-          </a:p>
-          <a:p>
-            <a:pPr lvl="1"/>
-            <a:r>
-              <a:rPr lang="en-US" altLang="ja-JP" dirty="0" err="1" smtClean="0"/>
-              <a:t>HardwareProfile.h</a:t>
-            </a:r>
-            <a:r>
-              <a:rPr lang="en-US" altLang="ja-JP" dirty="0" smtClean="0"/>
-              <a:t>                       </a:t>
-            </a:r>
-          </a:p>
-          <a:p>
-            <a:pPr lvl="1"/>
-            <a:r>
-              <a:rPr lang="en-US" altLang="ja-JP" dirty="0" err="1" smtClean="0"/>
-              <a:t>usb_config.h</a:t>
-            </a:r>
-            <a:r>
-              <a:rPr lang="en-US" altLang="ja-JP" dirty="0" smtClean="0"/>
-              <a:t>     </a:t>
-            </a:r>
-          </a:p>
-          <a:p>
-            <a:pPr lvl="1"/>
-            <a:r>
-              <a:rPr lang="en-US" altLang="ja-JP" dirty="0" smtClean="0"/>
-              <a:t>usb_host_android_protocol_v1_local.h</a:t>
-            </a:r>
-          </a:p>
-          <a:p>
-            <a:pPr lvl="1"/>
-            <a:r>
-              <a:rPr lang="en-US" altLang="ja-JP" dirty="0" smtClean="0"/>
-              <a:t>Include                                 </a:t>
-            </a:r>
-          </a:p>
-          <a:p>
-            <a:pPr lvl="1"/>
-            <a:r>
-              <a:rPr lang="en-US" altLang="ja-JP" dirty="0" err="1" smtClean="0"/>
-              <a:t>usb_hal_local.h</a:t>
-            </a:r>
-            <a:r>
-              <a:rPr lang="en-US" altLang="ja-JP" dirty="0" smtClean="0"/>
-              <a:t>  </a:t>
-            </a:r>
-            <a:r>
-              <a:rPr lang="en-US" altLang="ja-JP" dirty="0" err="1" smtClean="0"/>
-              <a:t>usb_host_local.h</a:t>
-            </a:r>
-            <a:endParaRPr lang="en-US" altLang="ja-JP" dirty="0" smtClean="0"/>
-          </a:p>
-          <a:p>
-            <a:pPr lvl="1"/>
-            <a:r>
-              <a:rPr lang="en-US" altLang="ja-JP" dirty="0" smtClean="0"/>
-              <a:t>MPLAB.X		// MPLAB.X</a:t>
-            </a:r>
-            <a:r>
-              <a:rPr lang="ja-JP" altLang="en-US" dirty="0" smtClean="0"/>
-              <a:t>のプロジェクト定義</a:t>
-            </a:r>
-            <a:r>
-              <a:rPr lang="en-US" altLang="ja-JP" dirty="0" smtClean="0"/>
-              <a:t>                                 </a:t>
-            </a:r>
-          </a:p>
-          <a:p>
-            <a:pPr lvl="1"/>
-            <a:r>
-              <a:rPr lang="en-US" altLang="ja-JP" dirty="0" err="1" smtClean="0"/>
-              <a:t>usb_host.c</a:t>
-            </a:r>
-            <a:endParaRPr lang="en-US" altLang="ja-JP" dirty="0" smtClean="0"/>
-          </a:p>
-          <a:p>
-            <a:pPr lvl="1"/>
+              <a:rPr kumimoji="1" lang="ja-JP" altLang="en-US" dirty="0" smtClean="0"/>
+              <a:t>　</a:t>
+            </a:r>
             <a:endParaRPr kumimoji="1" lang="ja-JP" altLang="en-US" dirty="0"/>
           </a:p>
         </p:txBody>
@@ -15478,18 +15572,18 @@
           <a:p>
             <a:r>
               <a:rPr kumimoji="1" lang="en-US" altLang="ja-JP" dirty="0" smtClean="0"/>
-              <a:t>Part5</a:t>
+              <a:t>Part6</a:t>
             </a:r>
             <a:br>
               <a:rPr kumimoji="1" lang="en-US" altLang="ja-JP" dirty="0" smtClean="0"/>
             </a:br>
             <a:r>
               <a:rPr kumimoji="1" lang="en-US" altLang="ja-JP" dirty="0" smtClean="0"/>
-              <a:t>Android</a:t>
+              <a:t>PIC</a:t>
             </a:r>
             <a:r>
               <a:rPr kumimoji="1" lang="ja-JP" altLang="en-US" dirty="0" smtClean="0"/>
-              <a:t>側の仕組み</a:t>
+              <a:t>マイコンの開発環境</a:t>
             </a:r>
             <a:endParaRPr kumimoji="1" lang="ja-JP" altLang="en-US" dirty="0"/>
           </a:p>
@@ -15527,90 +15621,6 @@
 </file>
 
 <file path=ppt/slides/slide42.xml><?xml version="1.0" encoding="utf-8"?>
-<p:sld xmlns:a="http://schemas.openxmlformats.org/drawingml/2006/main" xmlns:r="http://schemas.openxmlformats.org/officeDocument/2006/relationships" xmlns:p="http://schemas.openxmlformats.org/presentationml/2006/main">
-  <p:cSld>
-    <p:spTree>
-      <p:nvGrpSpPr>
-        <p:cNvPr id="1" name=""/>
-        <p:cNvGrpSpPr/>
-        <p:nvPr/>
-      </p:nvGrpSpPr>
-      <p:grpSpPr>
-        <a:xfrm>
-          <a:off x="0" y="0"/>
-          <a:ext cx="0" cy="0"/>
-          <a:chOff x="0" y="0"/>
-          <a:chExt cx="0" cy="0"/>
-        </a:xfrm>
-      </p:grpSpPr>
-      <p:sp>
-        <p:nvSpPr>
-          <p:cNvPr id="2" name="タイトル 1"/>
-          <p:cNvSpPr>
-            <a:spLocks noGrp="1"/>
-          </p:cNvSpPr>
-          <p:nvPr>
-            <p:ph type="title"/>
-          </p:nvPr>
-        </p:nvSpPr>
-        <p:spPr/>
-        <p:txBody>
-          <a:bodyPr>
-            <a:normAutofit/>
-          </a:bodyPr>
-          <a:lstStyle/>
-          <a:p>
-            <a:r>
-              <a:rPr kumimoji="1" lang="en-US" altLang="ja-JP" dirty="0" smtClean="0"/>
-              <a:t>Part6</a:t>
-            </a:r>
-            <a:br>
-              <a:rPr kumimoji="1" lang="en-US" altLang="ja-JP" dirty="0" smtClean="0"/>
-            </a:br>
-            <a:r>
-              <a:rPr kumimoji="1" lang="en-US" altLang="ja-JP" dirty="0" smtClean="0"/>
-              <a:t>PIC</a:t>
-            </a:r>
-            <a:r>
-              <a:rPr kumimoji="1" lang="ja-JP" altLang="en-US" dirty="0" smtClean="0"/>
-              <a:t>マイコンの開発環境</a:t>
-            </a:r>
-            <a:endParaRPr kumimoji="1" lang="ja-JP" altLang="en-US" dirty="0"/>
-          </a:p>
-        </p:txBody>
-      </p:sp>
-      <p:sp>
-        <p:nvSpPr>
-          <p:cNvPr id="4" name="テキスト プレースホルダ 3"/>
-          <p:cNvSpPr>
-            <a:spLocks noGrp="1"/>
-          </p:cNvSpPr>
-          <p:nvPr>
-            <p:ph type="body" idx="1"/>
-          </p:nvPr>
-        </p:nvSpPr>
-        <p:spPr/>
-        <p:txBody>
-          <a:bodyPr/>
-          <a:lstStyle/>
-          <a:p>
-            <a:r>
-              <a:rPr kumimoji="1" lang="ja-JP" altLang="en-US" dirty="0" smtClean="0"/>
-              <a:t>　</a:t>
-            </a:r>
-            <a:endParaRPr kumimoji="1" lang="ja-JP" altLang="en-US" dirty="0"/>
-          </a:p>
-        </p:txBody>
-      </p:sp>
-    </p:spTree>
-  </p:cSld>
-  <p:clrMapOvr>
-    <a:masterClrMapping/>
-  </p:clrMapOvr>
-</p:sld>
-</file>
-
-<file path=ppt/slides/slide43.xml><?xml version="1.0" encoding="utf-8"?>
 <p:sld xmlns:a="http://schemas.openxmlformats.org/drawingml/2006/main" xmlns:r="http://schemas.openxmlformats.org/officeDocument/2006/relationships" xmlns:p="http://schemas.openxmlformats.org/presentationml/2006/main">
   <p:cSld>
     <p:spTree>
